--- a/Document-Templates/SoftUni-International-PowerPoint-Template-July-2020.pptx
+++ b/Document-Templates/SoftUni-International-PowerPoint-Template-July-2020.pptx
@@ -301,7 +301,7 @@
           <a:p>
             <a:fld id="{4E087215-0C8F-4762-A664-737A353EC9A4}" type="datetimeFigureOut">
               <a:rPr lang="bg-BG" smtClean="0"/>
-              <a:t>20.7.2020 г.</a:t>
+              <a:t>21.10.2020 г.</a:t>
             </a:fld>
             <a:endParaRPr lang="bg-BG"/>
           </a:p>
@@ -492,7 +492,7 @@
           <a:p>
             <a:fld id="{72D84649-876A-46C9-8472-14CB09C070D8}" type="datetimeFigureOut">
               <a:rPr lang="en-US" smtClean="0"/>
-              <a:t>20-Jul-20</a:t>
+              <a:t>21-Oct-20</a:t>
             </a:fld>
             <a:endParaRPr lang="en-US"/>
           </a:p>
@@ -12652,140 +12652,6 @@
       </p:sp>
       <p:sp>
         <p:nvSpPr>
-          <p:cNvPr id="6" name="Code Box">
-            <a:extLst>
-              <a:ext uri="{FF2B5EF4-FFF2-40B4-BE49-F238E27FC236}">
-                <a16:creationId xmlns:a16="http://schemas.microsoft.com/office/drawing/2014/main" id="{3278A82F-5546-4977-9F75-2A933B415945}"/>
-              </a:ext>
-            </a:extLst>
-          </p:cNvPr>
-          <p:cNvSpPr>
-            <a:spLocks noGrp="1"/>
-          </p:cNvSpPr>
-          <p:nvPr>
-            <p:ph type="body" sz="quarter" idx="11" hasCustomPrompt="1"/>
-          </p:nvPr>
-        </p:nvSpPr>
-        <p:spPr>
-          <a:xfrm>
-            <a:off x="621234" y="1931154"/>
-            <a:ext cx="10949531" cy="1362846"/>
-          </a:xfrm>
-          <a:prstGeom prst="rect">
-            <a:avLst/>
-          </a:prstGeom>
-          <a:solidFill>
-            <a:schemeClr val="accent6">
-              <a:lumMod val="75000"/>
-              <a:alpha val="15000"/>
-            </a:schemeClr>
-          </a:solidFill>
-          <a:ln w="12700">
-            <a:solidFill>
-              <a:schemeClr val="tx1">
-                <a:lumMod val="50000"/>
-              </a:schemeClr>
-            </a:solidFill>
-          </a:ln>
-        </p:spPr>
-        <p:txBody>
-          <a:bodyPr wrap="square" lIns="144000" tIns="108000" rIns="144000" bIns="108000">
-            <a:spAutoFit/>
-          </a:bodyPr>
-          <a:lstStyle>
-            <a:lvl1pPr marL="0" indent="0" latinLnBrk="0">
-              <a:lnSpc>
-                <a:spcPct val="105000"/>
-              </a:lnSpc>
-              <a:spcBef>
-                <a:spcPts val="0"/>
-              </a:spcBef>
-              <a:spcAft>
-                <a:spcPts val="0"/>
-              </a:spcAft>
-              <a:buNone/>
-              <a:defRPr lang="en-US" sz="2398" b="1" noProof="1" smtClean="0">
-                <a:solidFill>
-                  <a:schemeClr val="tx1"/>
-                </a:solidFill>
-                <a:effectLst/>
-                <a:latin typeface="Consolas" pitchFamily="49" charset="0"/>
-                <a:cs typeface="Consolas" pitchFamily="49" charset="0"/>
-              </a:defRPr>
-            </a:lvl1pPr>
-          </a:lstStyle>
-          <a:p>
-            <a:pPr marL="0" lvl="0"/>
-            <a:r>
-              <a:rPr lang="en-US" noProof="1"/>
-              <a:t>Source code box</a:t>
-            </a:r>
-          </a:p>
-          <a:p>
-            <a:pPr marL="0" lvl="0"/>
-            <a:r>
-              <a:rPr lang="en-US" noProof="1"/>
-              <a:t>…</a:t>
-            </a:r>
-          </a:p>
-          <a:p>
-            <a:pPr marL="0" lvl="0"/>
-            <a:r>
-              <a:rPr lang="en-US" noProof="1"/>
-              <a:t>…</a:t>
-            </a:r>
-          </a:p>
-        </p:txBody>
-      </p:sp>
-      <p:sp>
-        <p:nvSpPr>
-          <p:cNvPr id="21" name="Slide Body Text">
-            <a:extLst>
-              <a:ext uri="{FF2B5EF4-FFF2-40B4-BE49-F238E27FC236}">
-                <a16:creationId xmlns:a16="http://schemas.microsoft.com/office/drawing/2014/main" id="{04F318BE-2BAD-4677-871C-D78A4BF0CBA6}"/>
-              </a:ext>
-            </a:extLst>
-          </p:cNvPr>
-          <p:cNvSpPr>
-            <a:spLocks noGrp="1"/>
-          </p:cNvSpPr>
-          <p:nvPr>
-            <p:ph type="body" sz="quarter" idx="10" hasCustomPrompt="1"/>
-          </p:nvPr>
-        </p:nvSpPr>
-        <p:spPr>
-          <a:xfrm>
-            <a:off x="190501" y="1196126"/>
-            <a:ext cx="11811097" cy="5561124"/>
-          </a:xfrm>
-        </p:spPr>
-        <p:txBody>
-          <a:bodyPr/>
-          <a:lstStyle>
-            <a:lvl1pPr marL="0" indent="0" latinLnBrk="0">
-              <a:buNone/>
-              <a:defRPr>
-                <a:solidFill>
-                  <a:schemeClr val="tx1"/>
-                </a:solidFill>
-              </a:defRPr>
-            </a:lvl1pPr>
-            <a:lvl2pPr marL="609219" indent="0">
-              <a:buNone/>
-              <a:defRPr/>
-            </a:lvl2pPr>
-          </a:lstStyle>
-          <a:p>
-            <a:pPr lvl="0"/>
-            <a:r>
-              <a:rPr lang="en-US" noProof="0"/>
-              <a:t>Sample source code:</a:t>
-            </a:r>
-          </a:p>
-        </p:txBody>
-      </p:sp>
-      <p:sp>
-        <p:nvSpPr>
           <p:cNvPr id="9" name="Rectangle Top">
             <a:extLst>
               <a:ext uri="{FF2B5EF4-FFF2-40B4-BE49-F238E27FC236}">
@@ -12905,6 +12771,173 @@
           </a:prstGeom>
         </p:spPr>
       </p:pic>
+      <p:sp>
+        <p:nvSpPr>
+          <p:cNvPr id="10" name="Slide Body Text">
+            <a:extLst>
+              <a:ext uri="{FF2B5EF4-FFF2-40B4-BE49-F238E27FC236}">
+                <a16:creationId xmlns:a16="http://schemas.microsoft.com/office/drawing/2014/main" id="{ABF7534F-6B7C-42BC-8D3E-A81A9330B042}"/>
+              </a:ext>
+            </a:extLst>
+          </p:cNvPr>
+          <p:cNvSpPr>
+            <a:spLocks noGrp="1"/>
+          </p:cNvSpPr>
+          <p:nvPr>
+            <p:ph type="body" sz="quarter" idx="12" hasCustomPrompt="1"/>
+          </p:nvPr>
+        </p:nvSpPr>
+        <p:spPr>
+          <a:xfrm>
+            <a:off x="190402" y="1196125"/>
+            <a:ext cx="11818096" cy="5528766"/>
+          </a:xfrm>
+        </p:spPr>
+        <p:txBody>
+          <a:bodyPr/>
+          <a:lstStyle>
+            <a:lvl1pPr latinLnBrk="0">
+              <a:defRPr/>
+            </a:lvl1pPr>
+            <a:lvl2pPr latinLnBrk="0">
+              <a:defRPr/>
+            </a:lvl2pPr>
+            <a:lvl3pPr latinLnBrk="0">
+              <a:defRPr/>
+            </a:lvl3pPr>
+            <a:lvl4pPr latinLnBrk="0">
+              <a:defRPr/>
+            </a:lvl4pPr>
+            <a:lvl5pPr latinLnBrk="0">
+              <a:defRPr/>
+            </a:lvl5pPr>
+          </a:lstStyle>
+          <a:p>
+            <a:pPr lvl="0"/>
+            <a:r>
+              <a:rPr lang="en-US" noProof="0" dirty="0"/>
+              <a:t>This is a code example</a:t>
+            </a:r>
+          </a:p>
+        </p:txBody>
+      </p:sp>
+      <p:sp>
+        <p:nvSpPr>
+          <p:cNvPr id="7" name="Code Box">
+            <a:extLst>
+              <a:ext uri="{FF2B5EF4-FFF2-40B4-BE49-F238E27FC236}">
+                <a16:creationId xmlns:a16="http://schemas.microsoft.com/office/drawing/2014/main" id="{2A859B86-43A0-4668-8F56-FD92A7CAE87C}"/>
+              </a:ext>
+            </a:extLst>
+          </p:cNvPr>
+          <p:cNvSpPr>
+            <a:spLocks noGrp="1"/>
+          </p:cNvSpPr>
+          <p:nvPr>
+            <p:ph type="body" sz="quarter" idx="14" hasCustomPrompt="1"/>
+          </p:nvPr>
+        </p:nvSpPr>
+        <p:spPr>
+          <a:xfrm>
+            <a:off x="650875" y="2001688"/>
+            <a:ext cx="10845800" cy="2237893"/>
+          </a:xfrm>
+          <a:solidFill>
+            <a:schemeClr val="accent6">
+              <a:lumMod val="75000"/>
+              <a:alpha val="15000"/>
+            </a:schemeClr>
+          </a:solidFill>
+          <a:ln w="12700">
+            <a:solidFill>
+              <a:schemeClr val="tx1">
+                <a:lumMod val="50000"/>
+              </a:schemeClr>
+            </a:solidFill>
+          </a:ln>
+        </p:spPr>
+        <p:txBody>
+          <a:bodyPr vert="horz" wrap="square" lIns="144000" tIns="108000" rIns="144000" bIns="108000" rtlCol="0">
+            <a:spAutoFit/>
+          </a:bodyPr>
+          <a:lstStyle>
+            <a:lvl1pPr>
+              <a:buNone/>
+              <a:defRPr lang="en-US" sz="2800" b="1" smtClean="0">
+                <a:latin typeface="Consolas" pitchFamily="49" charset="0"/>
+              </a:defRPr>
+            </a:lvl1pPr>
+            <a:lvl2pPr>
+              <a:defRPr lang="en-US" smtClean="0"/>
+            </a:lvl2pPr>
+            <a:lvl3pPr>
+              <a:defRPr lang="en-US" smtClean="0"/>
+            </a:lvl3pPr>
+            <a:lvl4pPr>
+              <a:defRPr lang="en-US" smtClean="0"/>
+            </a:lvl4pPr>
+            <a:lvl5pPr>
+              <a:defRPr lang="en-US"/>
+            </a:lvl5pPr>
+          </a:lstStyle>
+          <a:p>
+            <a:pPr>
+              <a:spcBef>
+                <a:spcPts val="300"/>
+              </a:spcBef>
+              <a:spcAft>
+                <a:spcPts val="300"/>
+              </a:spcAft>
+            </a:pPr>
+            <a:r>
+              <a:rPr lang="en-US" noProof="1"/>
+              <a:t>Source code box</a:t>
+            </a:r>
+          </a:p>
+          <a:p>
+            <a:pPr>
+              <a:spcBef>
+                <a:spcPts val="300"/>
+              </a:spcBef>
+              <a:spcAft>
+                <a:spcPts val="300"/>
+              </a:spcAft>
+            </a:pPr>
+            <a:r>
+              <a:rPr lang="en-US" noProof="1"/>
+              <a:t>…</a:t>
+            </a:r>
+          </a:p>
+          <a:p>
+            <a:pPr>
+              <a:spcBef>
+                <a:spcPts val="300"/>
+              </a:spcBef>
+              <a:spcAft>
+                <a:spcPts val="300"/>
+              </a:spcAft>
+            </a:pPr>
+            <a:r>
+              <a:rPr lang="en-US" noProof="1"/>
+              <a:t>…</a:t>
+            </a:r>
+          </a:p>
+          <a:p>
+            <a:pPr>
+              <a:spcBef>
+                <a:spcPts val="300"/>
+              </a:spcBef>
+              <a:spcAft>
+                <a:spcPts val="300"/>
+              </a:spcAft>
+            </a:pPr>
+            <a:r>
+              <a:rPr lang="en-US" noProof="1"/>
+              <a:t>…</a:t>
+            </a:r>
+          </a:p>
+        </p:txBody>
+      </p:sp>
       <p:sp>
         <p:nvSpPr>
           <p:cNvPr id="11" name="Slide Title">
@@ -22408,7 +22441,7 @@
             <a:spLocks noGrp="1"/>
           </p:cNvSpPr>
           <p:nvPr>
-            <p:ph type="body" sz="quarter" idx="10"/>
+            <p:ph type="body" sz="quarter" idx="4294967295"/>
           </p:nvPr>
         </p:nvSpPr>
         <p:spPr>
@@ -22672,7 +22705,7 @@
             <a:spLocks noGrp="1"/>
           </p:cNvSpPr>
           <p:nvPr>
-            <p:ph type="body" sz="quarter" idx="11"/>
+            <p:ph type="body" sz="quarter" idx="4294967295"/>
           </p:nvPr>
         </p:nvSpPr>
         <p:spPr>
@@ -22682,7 +22715,9 @@
           </a:xfrm>
         </p:spPr>
         <p:txBody>
-          <a:bodyPr/>
+          <a:bodyPr>
+            <a:normAutofit fontScale="85000" lnSpcReduction="20000"/>
+          </a:bodyPr>
           <a:lstStyle/>
           <a:p>
             <a:r>
@@ -23446,7 +23481,7 @@
             <a:spLocks noGrp="1"/>
           </p:cNvSpPr>
           <p:nvPr>
-            <p:ph type="body" sz="quarter" idx="11"/>
+            <p:ph type="body" sz="quarter" idx="4294967295"/>
           </p:nvPr>
         </p:nvSpPr>
         <p:spPr>
@@ -32135,7 +32170,7 @@
             <a:spLocks noGrp="1"/>
           </p:cNvSpPr>
           <p:nvPr>
-            <p:ph type="body" sz="quarter" idx="10"/>
+            <p:ph type="body" sz="quarter" idx="12"/>
           </p:nvPr>
         </p:nvSpPr>
         <p:spPr/>
@@ -32153,10 +32188,10 @@
       </p:sp>
       <p:sp>
         <p:nvSpPr>
-          <p:cNvPr id="7" name="Code Box">
+          <p:cNvPr id="11" name="Text Placeholder 10">
             <a:extLst>
               <a:ext uri="{FF2B5EF4-FFF2-40B4-BE49-F238E27FC236}">
-                <a16:creationId xmlns:a16="http://schemas.microsoft.com/office/drawing/2014/main" id="{608FC60A-0A26-44DD-82A6-EF4EB0DE6F3F}"/>
+                <a16:creationId xmlns:a16="http://schemas.microsoft.com/office/drawing/2014/main" id="{C4800AFF-0EC8-43DC-B87C-D321C4D29036}"/>
               </a:ext>
             </a:extLst>
           </p:cNvPr>
@@ -32164,13 +32199,13 @@
             <a:spLocks noGrp="1"/>
           </p:cNvSpPr>
           <p:nvPr>
-            <p:ph type="body" sz="quarter" idx="11"/>
+            <p:ph type="body" sz="quarter" idx="14"/>
           </p:nvPr>
         </p:nvSpPr>
         <p:spPr>
           <a:xfrm>
-            <a:off x="677678" y="2036307"/>
-            <a:ext cx="10836642" cy="4317693"/>
+            <a:off x="650875" y="2001688"/>
+            <a:ext cx="10845800" cy="4201508"/>
           </a:xfrm>
         </p:spPr>
         <p:txBody>
@@ -32178,47 +32213,47 @@
           <a:lstStyle/>
           <a:p>
             <a:pPr>
-              <a:lnSpc>
-                <a:spcPct val="120000"/>
-              </a:lnSpc>
               <a:spcBef>
-                <a:spcPts val="0"/>
+                <a:spcPts val="300"/>
               </a:spcBef>
+              <a:spcAft>
+                <a:spcPts val="300"/>
+              </a:spcAft>
             </a:pPr>
             <a:r>
-              <a:rPr lang="en-US" sz="2800" dirty="0"/>
+              <a:rPr lang="en-US" noProof="1"/>
               <a:t>class Abstract {</a:t>
             </a:r>
           </a:p>
           <a:p>
             <a:pPr>
-              <a:lnSpc>
-                <a:spcPct val="120000"/>
-              </a:lnSpc>
               <a:spcBef>
-                <a:spcPts val="0"/>
+                <a:spcPts val="300"/>
               </a:spcBef>
+              <a:spcAft>
+                <a:spcPts val="300"/>
+              </a:spcAft>
             </a:pPr>
             <a:r>
-              <a:rPr lang="en-US" sz="2800" dirty="0"/>
+              <a:rPr lang="en-US" noProof="1"/>
               <a:t>  constructor() {</a:t>
             </a:r>
           </a:p>
           <a:p>
             <a:pPr>
-              <a:lnSpc>
-                <a:spcPct val="120000"/>
-              </a:lnSpc>
               <a:spcBef>
-                <a:spcPts val="0"/>
+                <a:spcPts val="300"/>
               </a:spcBef>
+              <a:spcAft>
+                <a:spcPts val="300"/>
+              </a:spcAft>
             </a:pPr>
             <a:r>
-              <a:rPr lang="en-US" sz="2800" dirty="0"/>
+              <a:rPr lang="en-US" noProof="1"/>
               <a:t>    if (</a:t>
             </a:r>
             <a:r>
-              <a:rPr lang="en-US" sz="2800" dirty="0">
+              <a:rPr lang="en-US" noProof="1">
                 <a:solidFill>
                   <a:schemeClr val="bg1"/>
                 </a:solidFill>
@@ -32226,25 +32261,25 @@
               <a:t>new.target </a:t>
             </a:r>
             <a:r>
-              <a:rPr lang="en-US" sz="2800" dirty="0"/>
+              <a:rPr lang="en-US" noProof="1"/>
               <a:t>=== Abstract) {</a:t>
             </a:r>
           </a:p>
           <a:p>
             <a:pPr>
-              <a:lnSpc>
-                <a:spcPct val="120000"/>
-              </a:lnSpc>
               <a:spcBef>
-                <a:spcPts val="0"/>
+                <a:spcPts val="300"/>
               </a:spcBef>
+              <a:spcAft>
+                <a:spcPts val="300"/>
+              </a:spcAft>
             </a:pPr>
             <a:r>
-              <a:rPr lang="en-US" sz="2800" dirty="0"/>
+              <a:rPr lang="en-US" noProof="1"/>
               <a:t>      </a:t>
             </a:r>
             <a:r>
-              <a:rPr lang="en-US" sz="2800" dirty="0">
+              <a:rPr lang="en-US" noProof="1">
                 <a:solidFill>
                   <a:schemeClr val="bg1"/>
                 </a:solidFill>
@@ -32252,52 +32287,51 @@
               <a:t>throw new TypeError</a:t>
             </a:r>
             <a:r>
-              <a:rPr lang="en-US" sz="2800" dirty="0"/>
+              <a:rPr lang="en-US" noProof="1"/>
               <a:t>("Cannot construct Abstract</a:t>
             </a:r>
             <a:br>
-              <a:rPr lang="en-US" sz="2800" dirty="0"/>
+              <a:rPr lang="en-US" noProof="1"/>
             </a:br>
             <a:r>
-              <a:rPr lang="en-US" sz="2800" dirty="0"/>
+              <a:rPr lang="en-US" noProof="1"/>
               <a:t>        instances directly");</a:t>
             </a:r>
             <a:br>
-              <a:rPr lang="en-US" sz="2800" dirty="0"/>
+              <a:rPr lang="en-US" noProof="1"/>
             </a:br>
             <a:r>
-              <a:rPr lang="en-US" sz="2800" dirty="0"/>
+              <a:rPr lang="en-US" noProof="1"/>
               <a:t>    }</a:t>
             </a:r>
           </a:p>
           <a:p>
             <a:pPr>
-              <a:lnSpc>
-                <a:spcPct val="120000"/>
-              </a:lnSpc>
               <a:spcBef>
-                <a:spcPts val="0"/>
+                <a:spcPts val="300"/>
               </a:spcBef>
+              <a:spcAft>
+                <a:spcPts val="300"/>
+              </a:spcAft>
             </a:pPr>
             <a:r>
-              <a:rPr lang="en-US" sz="2800" dirty="0"/>
+              <a:rPr lang="en-US" noProof="1"/>
               <a:t>  }</a:t>
             </a:r>
           </a:p>
           <a:p>
             <a:pPr>
-              <a:lnSpc>
-                <a:spcPct val="120000"/>
-              </a:lnSpc>
               <a:spcBef>
-                <a:spcPts val="0"/>
+                <a:spcPts val="300"/>
               </a:spcBef>
+              <a:spcAft>
+                <a:spcPts val="300"/>
+              </a:spcAft>
             </a:pPr>
             <a:r>
-              <a:rPr lang="en-US" sz="2800" dirty="0"/>
+              <a:rPr lang="en-US" noProof="1"/>
               <a:t>}</a:t>
             </a:r>
-            <a:endParaRPr lang="bg-BG" sz="2800" dirty="0"/>
           </a:p>
         </p:txBody>
       </p:sp>
@@ -32317,12 +32351,7 @@
             <p:ph type="title"/>
           </p:nvPr>
         </p:nvSpPr>
-        <p:spPr>
-          <a:xfrm>
-            <a:off x="190405" y="100750"/>
-            <a:ext cx="9669213" cy="882654"/>
-          </a:xfrm>
-        </p:spPr>
+        <p:spPr/>
         <p:txBody>
           <a:bodyPr/>
           <a:lstStyle/>
@@ -32353,196 +32382,6 @@
       <p:transition spd="slow" advClick="0" advTm="5000"/>
     </mc:Fallback>
   </mc:AlternateContent>
-  <p:timing>
-    <p:tnLst>
-      <p:par>
-        <p:cTn id="1" dur="indefinite" restart="never" nodeType="tmRoot">
-          <p:childTnLst>
-            <p:seq concurrent="1" nextAc="seek">
-              <p:cTn id="2" dur="indefinite" nodeType="mainSeq">
-                <p:childTnLst>
-                  <p:par>
-                    <p:cTn id="3" fill="hold">
-                      <p:stCondLst>
-                        <p:cond delay="indefinite"/>
-                      </p:stCondLst>
-                      <p:childTnLst>
-                        <p:par>
-                          <p:cTn id="4" fill="hold">
-                            <p:stCondLst>
-                              <p:cond delay="0"/>
-                            </p:stCondLst>
-                            <p:childTnLst>
-                              <p:par>
-                                <p:cTn id="5" presetID="1" presetClass="entr" presetSubtype="0" fill="hold" nodeType="clickEffect">
-                                  <p:stCondLst>
-                                    <p:cond delay="0"/>
-                                  </p:stCondLst>
-                                  <p:childTnLst>
-                                    <p:set>
-                                      <p:cBhvr>
-                                        <p:cTn id="6" dur="1" fill="hold">
-                                          <p:stCondLst>
-                                            <p:cond delay="0"/>
-                                          </p:stCondLst>
-                                        </p:cTn>
-                                        <p:tgtEl>
-                                          <p:spTgt spid="7">
-                                            <p:txEl>
-                                              <p:pRg st="1" end="1"/>
-                                            </p:txEl>
-                                          </p:spTgt>
-                                        </p:tgtEl>
-                                        <p:attrNameLst>
-                                          <p:attrName>style.visibility</p:attrName>
-                                        </p:attrNameLst>
-                                      </p:cBhvr>
-                                      <p:to>
-                                        <p:strVal val="visible"/>
-                                      </p:to>
-                                    </p:set>
-                                  </p:childTnLst>
-                                </p:cTn>
-                              </p:par>
-                              <p:par>
-                                <p:cTn id="7" presetID="1" presetClass="entr" presetSubtype="0" fill="hold" nodeType="withEffect">
-                                  <p:stCondLst>
-                                    <p:cond delay="0"/>
-                                  </p:stCondLst>
-                                  <p:childTnLst>
-                                    <p:set>
-                                      <p:cBhvr>
-                                        <p:cTn id="8" dur="1" fill="hold">
-                                          <p:stCondLst>
-                                            <p:cond delay="0"/>
-                                          </p:stCondLst>
-                                        </p:cTn>
-                                        <p:tgtEl>
-                                          <p:spTgt spid="7">
-                                            <p:txEl>
-                                              <p:pRg st="4" end="4"/>
-                                            </p:txEl>
-                                          </p:spTgt>
-                                        </p:tgtEl>
-                                        <p:attrNameLst>
-                                          <p:attrName>style.visibility</p:attrName>
-                                        </p:attrNameLst>
-                                      </p:cBhvr>
-                                      <p:to>
-                                        <p:strVal val="visible"/>
-                                      </p:to>
-                                    </p:set>
-                                  </p:childTnLst>
-                                </p:cTn>
-                              </p:par>
-                            </p:childTnLst>
-                          </p:cTn>
-                        </p:par>
-                      </p:childTnLst>
-                    </p:cTn>
-                  </p:par>
-                  <p:par>
-                    <p:cTn id="9" fill="hold">
-                      <p:stCondLst>
-                        <p:cond delay="indefinite"/>
-                      </p:stCondLst>
-                      <p:childTnLst>
-                        <p:par>
-                          <p:cTn id="10" fill="hold">
-                            <p:stCondLst>
-                              <p:cond delay="0"/>
-                            </p:stCondLst>
-                            <p:childTnLst>
-                              <p:par>
-                                <p:cTn id="11" presetID="1" presetClass="entr" presetSubtype="0" fill="hold" nodeType="clickEffect">
-                                  <p:stCondLst>
-                                    <p:cond delay="0"/>
-                                  </p:stCondLst>
-                                  <p:childTnLst>
-                                    <p:set>
-                                      <p:cBhvr>
-                                        <p:cTn id="12" dur="1" fill="hold">
-                                          <p:stCondLst>
-                                            <p:cond delay="0"/>
-                                          </p:stCondLst>
-                                        </p:cTn>
-                                        <p:tgtEl>
-                                          <p:spTgt spid="7">
-                                            <p:txEl>
-                                              <p:pRg st="2" end="2"/>
-                                            </p:txEl>
-                                          </p:spTgt>
-                                        </p:tgtEl>
-                                        <p:attrNameLst>
-                                          <p:attrName>style.visibility</p:attrName>
-                                        </p:attrNameLst>
-                                      </p:cBhvr>
-                                      <p:to>
-                                        <p:strVal val="visible"/>
-                                      </p:to>
-                                    </p:set>
-                                  </p:childTnLst>
-                                </p:cTn>
-                              </p:par>
-                              <p:par>
-                                <p:cTn id="13" presetID="1" presetClass="entr" presetSubtype="0" fill="hold" nodeType="withEffect">
-                                  <p:stCondLst>
-                                    <p:cond delay="0"/>
-                                  </p:stCondLst>
-                                  <p:childTnLst>
-                                    <p:set>
-                                      <p:cBhvr>
-                                        <p:cTn id="14" dur="1" fill="hold">
-                                          <p:stCondLst>
-                                            <p:cond delay="0"/>
-                                          </p:stCondLst>
-                                        </p:cTn>
-                                        <p:tgtEl>
-                                          <p:spTgt spid="7">
-                                            <p:txEl>
-                                              <p:pRg st="3" end="3"/>
-                                            </p:txEl>
-                                          </p:spTgt>
-                                        </p:tgtEl>
-                                        <p:attrNameLst>
-                                          <p:attrName>style.visibility</p:attrName>
-                                        </p:attrNameLst>
-                                      </p:cBhvr>
-                                      <p:to>
-                                        <p:strVal val="visible"/>
-                                      </p:to>
-                                    </p:set>
-                                  </p:childTnLst>
-                                </p:cTn>
-                              </p:par>
-                            </p:childTnLst>
-                          </p:cTn>
-                        </p:par>
-                      </p:childTnLst>
-                    </p:cTn>
-                  </p:par>
-                </p:childTnLst>
-              </p:cTn>
-              <p:prevCondLst>
-                <p:cond evt="onPrev" delay="0">
-                  <p:tgtEl>
-                    <p:sldTgt/>
-                  </p:tgtEl>
-                </p:cond>
-              </p:prevCondLst>
-              <p:nextCondLst>
-                <p:cond evt="onNext" delay="0">
-                  <p:tgtEl>
-                    <p:sldTgt/>
-                  </p:tgtEl>
-                </p:cond>
-              </p:nextCondLst>
-            </p:seq>
-          </p:childTnLst>
-        </p:cTn>
-      </p:par>
-    </p:tnLst>
-  </p:timing>
 </p:sld>
 </file>
 

--- a/Document-Templates/SoftUni-International-PowerPoint-Template-July-2020.pptx
+++ b/Document-Templates/SoftUni-International-PowerPoint-Template-July-2020.pptx
@@ -5,42 +5,35 @@
     <p:sldMasterId id="2147483675" r:id="rId1"/>
   </p:sldMasterIdLst>
   <p:notesMasterIdLst>
-    <p:notesMasterId r:id="rId32"/>
+    <p:notesMasterId r:id="rId25"/>
   </p:notesMasterIdLst>
   <p:handoutMasterIdLst>
-    <p:handoutMasterId r:id="rId33"/>
+    <p:handoutMasterId r:id="rId26"/>
   </p:handoutMasterIdLst>
   <p:sldIdLst>
     <p:sldId id="503" r:id="rId2"/>
     <p:sldId id="276" r:id="rId3"/>
-    <p:sldId id="492" r:id="rId4"/>
-    <p:sldId id="402" r:id="rId5"/>
-    <p:sldId id="353" r:id="rId6"/>
-    <p:sldId id="497" r:id="rId7"/>
-    <p:sldId id="501" r:id="rId8"/>
-    <p:sldId id="502" r:id="rId9"/>
-    <p:sldId id="407" r:id="rId10"/>
-    <p:sldId id="499" r:id="rId11"/>
-    <p:sldId id="409" r:id="rId12"/>
-    <p:sldId id="410" r:id="rId13"/>
-    <p:sldId id="411" r:id="rId14"/>
-    <p:sldId id="494" r:id="rId15"/>
-    <p:sldId id="394" r:id="rId16"/>
-    <p:sldId id="395" r:id="rId17"/>
-    <p:sldId id="388" r:id="rId18"/>
-    <p:sldId id="495" r:id="rId19"/>
-    <p:sldId id="496" r:id="rId20"/>
-    <p:sldId id="397" r:id="rId21"/>
-    <p:sldId id="391" r:id="rId22"/>
-    <p:sldId id="349" r:id="rId23"/>
-    <p:sldId id="401" r:id="rId24"/>
-    <p:sldId id="504" r:id="rId25"/>
-    <p:sldId id="490" r:id="rId26"/>
-    <p:sldId id="491" r:id="rId27"/>
-    <p:sldId id="493" r:id="rId28"/>
-    <p:sldId id="505" r:id="rId29"/>
-    <p:sldId id="405" r:id="rId30"/>
-    <p:sldId id="506" r:id="rId31"/>
+    <p:sldId id="402" r:id="rId4"/>
+    <p:sldId id="353" r:id="rId5"/>
+    <p:sldId id="497" r:id="rId6"/>
+    <p:sldId id="501" r:id="rId7"/>
+    <p:sldId id="502" r:id="rId8"/>
+    <p:sldId id="407" r:id="rId9"/>
+    <p:sldId id="499" r:id="rId10"/>
+    <p:sldId id="409" r:id="rId11"/>
+    <p:sldId id="410" r:id="rId12"/>
+    <p:sldId id="411" r:id="rId13"/>
+    <p:sldId id="494" r:id="rId14"/>
+    <p:sldId id="394" r:id="rId15"/>
+    <p:sldId id="395" r:id="rId16"/>
+    <p:sldId id="388" r:id="rId17"/>
+    <p:sldId id="495" r:id="rId18"/>
+    <p:sldId id="496" r:id="rId19"/>
+    <p:sldId id="397" r:id="rId20"/>
+    <p:sldId id="391" r:id="rId21"/>
+    <p:sldId id="349" r:id="rId22"/>
+    <p:sldId id="401" r:id="rId23"/>
+    <p:sldId id="493" r:id="rId24"/>
   </p:sldIdLst>
   <p:sldSz cx="12192000" cy="6858000"/>
   <p:notesSz cx="6858000" cy="9144000"/>
@@ -146,7 +139,6 @@
           <p14:sldIdLst>
             <p14:sldId id="503"/>
             <p14:sldId id="276"/>
-            <p14:sldId id="492"/>
           </p14:sldIdLst>
         </p14:section>
         <p14:section name="Content" id="{66DCFE1F-60FD-44F2-BE82-706DDBC14898}">
@@ -175,13 +167,7 @@
           <p14:sldIdLst>
             <p14:sldId id="349"/>
             <p14:sldId id="401"/>
-            <p14:sldId id="504"/>
-            <p14:sldId id="490"/>
-            <p14:sldId id="491"/>
             <p14:sldId id="493"/>
-            <p14:sldId id="505"/>
-            <p14:sldId id="405"/>
-            <p14:sldId id="506"/>
           </p14:sldIdLst>
         </p14:section>
       </p14:sectionLst>
@@ -301,7 +287,7 @@
           <a:p>
             <a:fld id="{4E087215-0C8F-4762-A664-737A353EC9A4}" type="datetimeFigureOut">
               <a:rPr lang="bg-BG" smtClean="0"/>
-              <a:t>21.10.2020 г.</a:t>
+              <a:t>12.11.2020 г.</a:t>
             </a:fld>
             <a:endParaRPr lang="bg-BG"/>
           </a:p>
@@ -492,7 +478,7 @@
           <a:p>
             <a:fld id="{72D84649-876A-46C9-8472-14CB09C070D8}" type="datetimeFigureOut">
               <a:rPr lang="en-US" smtClean="0"/>
-              <a:t>21-Oct-20</a:t>
+              <a:t>12-Nov-20</a:t>
             </a:fld>
             <a:endParaRPr lang="en-US"/>
           </a:p>
@@ -968,7 +954,7 @@
           <p:cNvPr id="6" name="Slide Number Placeholder 5">
             <a:extLst>
               <a:ext uri="{FF2B5EF4-FFF2-40B4-BE49-F238E27FC236}">
-                <a16:creationId xmlns:a16="http://schemas.microsoft.com/office/drawing/2014/main" id="{36871718-1BDA-4269-9771-688DD5C9C1FA}"/>
+                <a16:creationId xmlns:a16="http://schemas.microsoft.com/office/drawing/2014/main" id="{2A87F5B3-60B8-4112-BD32-824B35613B15}"/>
               </a:ext>
             </a:extLst>
           </p:cNvPr>
@@ -1098,7 +1084,7 @@
           <p:cNvPr id="4" name="Footer Placeholder 3">
             <a:extLst>
               <a:ext uri="{FF2B5EF4-FFF2-40B4-BE49-F238E27FC236}">
-                <a16:creationId xmlns:a16="http://schemas.microsoft.com/office/drawing/2014/main" id="{D8E5241B-A469-469A-BDFB-40AAD460BB25}"/>
+                <a16:creationId xmlns:a16="http://schemas.microsoft.com/office/drawing/2014/main" id="{7C229768-B936-406A-AB72-3E5CB1745B22}"/>
               </a:ext>
             </a:extLst>
           </p:cNvPr>
@@ -1135,7 +1121,7 @@
     </p:spTree>
     <p:extLst>
       <p:ext uri="{BB962C8B-B14F-4D97-AF65-F5344CB8AC3E}">
-        <p14:creationId xmlns:p14="http://schemas.microsoft.com/office/powerpoint/2010/main" val="3443788095"/>
+        <p14:creationId xmlns:p14="http://schemas.microsoft.com/office/powerpoint/2010/main" val="2085364874"/>
       </p:ext>
     </p:extLst>
   </p:cSld>
@@ -1198,7 +1184,7 @@
           <p:cNvPr id="6" name="Slide Number Placeholder 5">
             <a:extLst>
               <a:ext uri="{FF2B5EF4-FFF2-40B4-BE49-F238E27FC236}">
-                <a16:creationId xmlns:a16="http://schemas.microsoft.com/office/drawing/2014/main" id="{2A87F5B3-60B8-4112-BD32-824B35613B15}"/>
+                <a16:creationId xmlns:a16="http://schemas.microsoft.com/office/drawing/2014/main" id="{23D25F91-BEB9-4FEB-8003-E795A0C00FF2}"/>
               </a:ext>
             </a:extLst>
           </p:cNvPr>
@@ -1328,7 +1314,7 @@
           <p:cNvPr id="4" name="Footer Placeholder 3">
             <a:extLst>
               <a:ext uri="{FF2B5EF4-FFF2-40B4-BE49-F238E27FC236}">
-                <a16:creationId xmlns:a16="http://schemas.microsoft.com/office/drawing/2014/main" id="{7C229768-B936-406A-AB72-3E5CB1745B22}"/>
+                <a16:creationId xmlns:a16="http://schemas.microsoft.com/office/drawing/2014/main" id="{03DAD068-1034-43F2-BCE6-3C194E8EA169}"/>
               </a:ext>
             </a:extLst>
           </p:cNvPr>
@@ -1365,7 +1351,7 @@
     </p:spTree>
     <p:extLst>
       <p:ext uri="{BB962C8B-B14F-4D97-AF65-F5344CB8AC3E}">
-        <p14:creationId xmlns:p14="http://schemas.microsoft.com/office/powerpoint/2010/main" val="2085364874"/>
+        <p14:creationId xmlns:p14="http://schemas.microsoft.com/office/powerpoint/2010/main" val="2725550945"/>
       </p:ext>
     </p:extLst>
   </p:cSld>
@@ -1428,7 +1414,7 @@
           <p:cNvPr id="6" name="Slide Number Placeholder 5">
             <a:extLst>
               <a:ext uri="{FF2B5EF4-FFF2-40B4-BE49-F238E27FC236}">
-                <a16:creationId xmlns:a16="http://schemas.microsoft.com/office/drawing/2014/main" id="{23D25F91-BEB9-4FEB-8003-E795A0C00FF2}"/>
+                <a16:creationId xmlns:a16="http://schemas.microsoft.com/office/drawing/2014/main" id="{9D4F0CEA-D106-4544-8056-F8972DD2FEF5}"/>
               </a:ext>
             </a:extLst>
           </p:cNvPr>
@@ -1558,7 +1544,7 @@
           <p:cNvPr id="4" name="Footer Placeholder 3">
             <a:extLst>
               <a:ext uri="{FF2B5EF4-FFF2-40B4-BE49-F238E27FC236}">
-                <a16:creationId xmlns:a16="http://schemas.microsoft.com/office/drawing/2014/main" id="{03DAD068-1034-43F2-BCE6-3C194E8EA169}"/>
+                <a16:creationId xmlns:a16="http://schemas.microsoft.com/office/drawing/2014/main" id="{9D137C6D-1169-4B1D-902A-D7D149D1B175}"/>
               </a:ext>
             </a:extLst>
           </p:cNvPr>
@@ -1595,7 +1581,7 @@
     </p:spTree>
     <p:extLst>
       <p:ext uri="{BB962C8B-B14F-4D97-AF65-F5344CB8AC3E}">
-        <p14:creationId xmlns:p14="http://schemas.microsoft.com/office/powerpoint/2010/main" val="2725550945"/>
+        <p14:creationId xmlns:p14="http://schemas.microsoft.com/office/powerpoint/2010/main" val="362791882"/>
       </p:ext>
     </p:extLst>
   </p:cSld>
@@ -1658,7 +1644,7 @@
           <p:cNvPr id="6" name="Slide Number Placeholder 5">
             <a:extLst>
               <a:ext uri="{FF2B5EF4-FFF2-40B4-BE49-F238E27FC236}">
-                <a16:creationId xmlns:a16="http://schemas.microsoft.com/office/drawing/2014/main" id="{9D4F0CEA-D106-4544-8056-F8972DD2FEF5}"/>
+                <a16:creationId xmlns:a16="http://schemas.microsoft.com/office/drawing/2014/main" id="{19D6E557-EF59-49DA-A0CA-CB6C9F8962A5}"/>
               </a:ext>
             </a:extLst>
           </p:cNvPr>
@@ -1788,7 +1774,7 @@
           <p:cNvPr id="4" name="Footer Placeholder 3">
             <a:extLst>
               <a:ext uri="{FF2B5EF4-FFF2-40B4-BE49-F238E27FC236}">
-                <a16:creationId xmlns:a16="http://schemas.microsoft.com/office/drawing/2014/main" id="{9D137C6D-1169-4B1D-902A-D7D149D1B175}"/>
+                <a16:creationId xmlns:a16="http://schemas.microsoft.com/office/drawing/2014/main" id="{8F044400-A1C8-4ED4-9A78-225C5F93D9CD}"/>
               </a:ext>
             </a:extLst>
           </p:cNvPr>
@@ -1825,7 +1811,7 @@
     </p:spTree>
     <p:extLst>
       <p:ext uri="{BB962C8B-B14F-4D97-AF65-F5344CB8AC3E}">
-        <p14:creationId xmlns:p14="http://schemas.microsoft.com/office/powerpoint/2010/main" val="362791882"/>
+        <p14:creationId xmlns:p14="http://schemas.microsoft.com/office/powerpoint/2010/main" val="368791985"/>
       </p:ext>
     </p:extLst>
   </p:cSld>
@@ -1888,7 +1874,7 @@
           <p:cNvPr id="6" name="Slide Number Placeholder 5">
             <a:extLst>
               <a:ext uri="{FF2B5EF4-FFF2-40B4-BE49-F238E27FC236}">
-                <a16:creationId xmlns:a16="http://schemas.microsoft.com/office/drawing/2014/main" id="{19D6E557-EF59-49DA-A0CA-CB6C9F8962A5}"/>
+                <a16:creationId xmlns:a16="http://schemas.microsoft.com/office/drawing/2014/main" id="{97B9F2ED-B998-44A3-9C54-4D14E42E1027}"/>
               </a:ext>
             </a:extLst>
           </p:cNvPr>
@@ -2018,7 +2004,7 @@
           <p:cNvPr id="4" name="Footer Placeholder 3">
             <a:extLst>
               <a:ext uri="{FF2B5EF4-FFF2-40B4-BE49-F238E27FC236}">
-                <a16:creationId xmlns:a16="http://schemas.microsoft.com/office/drawing/2014/main" id="{8F044400-A1C8-4ED4-9A78-225C5F93D9CD}"/>
+                <a16:creationId xmlns:a16="http://schemas.microsoft.com/office/drawing/2014/main" id="{3B75696B-071C-4FD8-A464-EE4096987CA7}"/>
               </a:ext>
             </a:extLst>
           </p:cNvPr>
@@ -2055,7 +2041,7 @@
     </p:spTree>
     <p:extLst>
       <p:ext uri="{BB962C8B-B14F-4D97-AF65-F5344CB8AC3E}">
-        <p14:creationId xmlns:p14="http://schemas.microsoft.com/office/powerpoint/2010/main" val="368791985"/>
+        <p14:creationId xmlns:p14="http://schemas.microsoft.com/office/powerpoint/2010/main" val="249243844"/>
       </p:ext>
     </p:extLst>
   </p:cSld>
@@ -2118,236 +2104,6 @@
           <p:cNvPr id="6" name="Slide Number Placeholder 5">
             <a:extLst>
               <a:ext uri="{FF2B5EF4-FFF2-40B4-BE49-F238E27FC236}">
-                <a16:creationId xmlns:a16="http://schemas.microsoft.com/office/drawing/2014/main" id="{97B9F2ED-B998-44A3-9C54-4D14E42E1027}"/>
-              </a:ext>
-            </a:extLst>
-          </p:cNvPr>
-          <p:cNvSpPr txBox="1">
-            <a:spLocks/>
-          </p:cNvSpPr>
-          <p:nvPr/>
-        </p:nvSpPr>
-        <p:spPr>
-          <a:xfrm>
-            <a:off x="6488999" y="8847000"/>
-            <a:ext cx="367414" cy="297000"/>
-          </a:xfrm>
-          <a:prstGeom prst="rect">
-            <a:avLst/>
-          </a:prstGeom>
-        </p:spPr>
-        <p:txBody>
-          <a:bodyPr vert="horz" lIns="91440" tIns="45720" rIns="91440" bIns="45720" rtlCol="0" anchor="b"/>
-          <a:lstStyle>
-            <a:defPPr>
-              <a:defRPr lang="en-US"/>
-            </a:defPPr>
-            <a:lvl1pPr marL="0" algn="r" defTabSz="914400" rtl="0" eaLnBrk="1" latinLnBrk="0" hangingPunct="1">
-              <a:defRPr sz="1200" kern="1200">
-                <a:solidFill>
-                  <a:schemeClr val="tx1"/>
-                </a:solidFill>
-                <a:latin typeface="+mn-lt"/>
-                <a:ea typeface="+mn-ea"/>
-                <a:cs typeface="+mn-cs"/>
-              </a:defRPr>
-            </a:lvl1pPr>
-            <a:lvl2pPr marL="457200" algn="l" defTabSz="914400" rtl="0" eaLnBrk="1" latinLnBrk="0" hangingPunct="1">
-              <a:defRPr sz="1800" kern="1200">
-                <a:solidFill>
-                  <a:schemeClr val="tx1"/>
-                </a:solidFill>
-                <a:latin typeface="+mn-lt"/>
-                <a:ea typeface="+mn-ea"/>
-                <a:cs typeface="+mn-cs"/>
-              </a:defRPr>
-            </a:lvl2pPr>
-            <a:lvl3pPr marL="914400" algn="l" defTabSz="914400" rtl="0" eaLnBrk="1" latinLnBrk="0" hangingPunct="1">
-              <a:defRPr sz="1800" kern="1200">
-                <a:solidFill>
-                  <a:schemeClr val="tx1"/>
-                </a:solidFill>
-                <a:latin typeface="+mn-lt"/>
-                <a:ea typeface="+mn-ea"/>
-                <a:cs typeface="+mn-cs"/>
-              </a:defRPr>
-            </a:lvl3pPr>
-            <a:lvl4pPr marL="1371600" algn="l" defTabSz="914400" rtl="0" eaLnBrk="1" latinLnBrk="0" hangingPunct="1">
-              <a:defRPr sz="1800" kern="1200">
-                <a:solidFill>
-                  <a:schemeClr val="tx1"/>
-                </a:solidFill>
-                <a:latin typeface="+mn-lt"/>
-                <a:ea typeface="+mn-ea"/>
-                <a:cs typeface="+mn-cs"/>
-              </a:defRPr>
-            </a:lvl4pPr>
-            <a:lvl5pPr marL="1828800" algn="l" defTabSz="914400" rtl="0" eaLnBrk="1" latinLnBrk="0" hangingPunct="1">
-              <a:defRPr sz="1800" kern="1200">
-                <a:solidFill>
-                  <a:schemeClr val="tx1"/>
-                </a:solidFill>
-                <a:latin typeface="+mn-lt"/>
-                <a:ea typeface="+mn-ea"/>
-                <a:cs typeface="+mn-cs"/>
-              </a:defRPr>
-            </a:lvl5pPr>
-            <a:lvl6pPr marL="2286000" algn="l" defTabSz="914400" rtl="0" eaLnBrk="1" latinLnBrk="0" hangingPunct="1">
-              <a:defRPr sz="1800" kern="1200">
-                <a:solidFill>
-                  <a:schemeClr val="tx1"/>
-                </a:solidFill>
-                <a:latin typeface="+mn-lt"/>
-                <a:ea typeface="+mn-ea"/>
-                <a:cs typeface="+mn-cs"/>
-              </a:defRPr>
-            </a:lvl6pPr>
-            <a:lvl7pPr marL="2743200" algn="l" defTabSz="914400" rtl="0" eaLnBrk="1" latinLnBrk="0" hangingPunct="1">
-              <a:defRPr sz="1800" kern="1200">
-                <a:solidFill>
-                  <a:schemeClr val="tx1"/>
-                </a:solidFill>
-                <a:latin typeface="+mn-lt"/>
-                <a:ea typeface="+mn-ea"/>
-                <a:cs typeface="+mn-cs"/>
-              </a:defRPr>
-            </a:lvl7pPr>
-            <a:lvl8pPr marL="3200400" algn="l" defTabSz="914400" rtl="0" eaLnBrk="1" latinLnBrk="0" hangingPunct="1">
-              <a:defRPr sz="1800" kern="1200">
-                <a:solidFill>
-                  <a:schemeClr val="tx1"/>
-                </a:solidFill>
-                <a:latin typeface="+mn-lt"/>
-                <a:ea typeface="+mn-ea"/>
-                <a:cs typeface="+mn-cs"/>
-              </a:defRPr>
-            </a:lvl8pPr>
-            <a:lvl9pPr marL="3657600" algn="l" defTabSz="914400" rtl="0" eaLnBrk="1" latinLnBrk="0" hangingPunct="1">
-              <a:defRPr sz="1800" kern="1200">
-                <a:solidFill>
-                  <a:schemeClr val="tx1"/>
-                </a:solidFill>
-                <a:latin typeface="+mn-lt"/>
-                <a:ea typeface="+mn-ea"/>
-                <a:cs typeface="+mn-cs"/>
-              </a:defRPr>
-            </a:lvl9pPr>
-          </a:lstStyle>
-          <a:p>
-            <a:fld id="{3EBA5BD7-F043-4D1B-AA17-CD412FC534DE}" type="slidenum">
-              <a:rPr lang="en-US" smtClean="0"/>
-              <a:pPr/>
-              <a:t>15</a:t>
-            </a:fld>
-            <a:endParaRPr lang="en-US" dirty="0"/>
-          </a:p>
-        </p:txBody>
-      </p:sp>
-      <p:sp>
-        <p:nvSpPr>
-          <p:cNvPr id="4" name="Footer Placeholder 3">
-            <a:extLst>
-              <a:ext uri="{FF2B5EF4-FFF2-40B4-BE49-F238E27FC236}">
-                <a16:creationId xmlns:a16="http://schemas.microsoft.com/office/drawing/2014/main" id="{3B75696B-071C-4FD8-A464-EE4096987CA7}"/>
-              </a:ext>
-            </a:extLst>
-          </p:cNvPr>
-          <p:cNvSpPr>
-            <a:spLocks noGrp="1"/>
-          </p:cNvSpPr>
-          <p:nvPr>
-            <p:ph type="ftr" sz="quarter" idx="4"/>
-          </p:nvPr>
-        </p:nvSpPr>
-        <p:spPr/>
-        <p:txBody>
-          <a:bodyPr/>
-          <a:lstStyle/>
-          <a:p>
-            <a:r>
-              <a:rPr lang="en-US"/>
-              <a:t>© SoftUni – </a:t>
-            </a:r>
-            <a:r>
-              <a:rPr lang="en-US" u="sng">
-                <a:hlinkClick r:id="rId3"/>
-              </a:rPr>
-              <a:t>https://softuni.org</a:t>
-            </a:r>
-            <a:r>
-              <a:rPr lang="en-US"/>
-              <a:t>. Copyrighted document. Unauthorized copy or reproduction is not permitted.</a:t>
-            </a:r>
-            <a:endParaRPr lang="en-US" dirty="0"/>
-          </a:p>
-        </p:txBody>
-      </p:sp>
-    </p:spTree>
-    <p:extLst>
-      <p:ext uri="{BB962C8B-B14F-4D97-AF65-F5344CB8AC3E}">
-        <p14:creationId xmlns:p14="http://schemas.microsoft.com/office/powerpoint/2010/main" val="249243844"/>
-      </p:ext>
-    </p:extLst>
-  </p:cSld>
-  <p:clrMapOvr>
-    <a:masterClrMapping/>
-  </p:clrMapOvr>
-</p:notes>
-</file>
-
-<file path=ppt/notesSlides/notesSlide16.xml><?xml version="1.0" encoding="utf-8"?>
-<p:notes xmlns:a="http://schemas.openxmlformats.org/drawingml/2006/main" xmlns:r="http://schemas.openxmlformats.org/officeDocument/2006/relationships" xmlns:p="http://schemas.openxmlformats.org/presentationml/2006/main">
-  <p:cSld>
-    <p:spTree>
-      <p:nvGrpSpPr>
-        <p:cNvPr id="1" name=""/>
-        <p:cNvGrpSpPr/>
-        <p:nvPr/>
-      </p:nvGrpSpPr>
-      <p:grpSpPr>
-        <a:xfrm>
-          <a:off x="0" y="0"/>
-          <a:ext cx="0" cy="0"/>
-          <a:chOff x="0" y="0"/>
-          <a:chExt cx="0" cy="0"/>
-        </a:xfrm>
-      </p:grpSpPr>
-      <p:sp>
-        <p:nvSpPr>
-          <p:cNvPr id="2" name="Slide Image Placeholder 1"/>
-          <p:cNvSpPr>
-            <a:spLocks noGrp="1" noRot="1" noChangeAspect="1"/>
-          </p:cNvSpPr>
-          <p:nvPr>
-            <p:ph type="sldImg"/>
-          </p:nvPr>
-        </p:nvSpPr>
-        <p:spPr/>
-      </p:sp>
-      <p:sp>
-        <p:nvSpPr>
-          <p:cNvPr id="3" name="Notes Placeholder 2"/>
-          <p:cNvSpPr>
-            <a:spLocks noGrp="1"/>
-          </p:cNvSpPr>
-          <p:nvPr>
-            <p:ph type="body" idx="1"/>
-          </p:nvPr>
-        </p:nvSpPr>
-        <p:spPr/>
-        <p:txBody>
-          <a:bodyPr/>
-          <a:lstStyle/>
-          <a:p>
-            <a:endParaRPr lang="en-US"/>
-          </a:p>
-        </p:txBody>
-      </p:sp>
-      <p:sp>
-        <p:nvSpPr>
-          <p:cNvPr id="6" name="Slide Number Placeholder 5">
-            <a:extLst>
-              <a:ext uri="{FF2B5EF4-FFF2-40B4-BE49-F238E27FC236}">
                 <a16:creationId xmlns:a16="http://schemas.microsoft.com/office/drawing/2014/main" id="{B0E79B34-0955-4B2F-BC7D-2070007C9C91}"/>
               </a:ext>
             </a:extLst>
@@ -2467,7 +2223,7 @@
             <a:fld id="{3EBA5BD7-F043-4D1B-AA17-CD412FC534DE}" type="slidenum">
               <a:rPr lang="en-US" smtClean="0"/>
               <a:pPr/>
-              <a:t>16</a:t>
+              <a:t>15</a:t>
             </a:fld>
             <a:endParaRPr lang="en-US" dirty="0"/>
           </a:p>
@@ -2525,7 +2281,7 @@
 </p:notes>
 </file>
 
-<file path=ppt/notesSlides/notesSlide17.xml><?xml version="1.0" encoding="utf-8"?>
+<file path=ppt/notesSlides/notesSlide16.xml><?xml version="1.0" encoding="utf-8"?>
 <p:notes xmlns:a="http://schemas.openxmlformats.org/drawingml/2006/main" xmlns:r="http://schemas.openxmlformats.org/officeDocument/2006/relationships" xmlns:p="http://schemas.openxmlformats.org/presentationml/2006/main">
   <p:cSld>
     <p:spTree>
@@ -2699,7 +2455,7 @@
             <a:fld id="{3EBA5BD7-F043-4D1B-AA17-CD412FC534DE}" type="slidenum">
               <a:rPr lang="en-US" smtClean="0"/>
               <a:pPr/>
-              <a:t>17</a:t>
+              <a:t>16</a:t>
             </a:fld>
             <a:endParaRPr lang="en-US" dirty="0"/>
           </a:p>
@@ -2748,6 +2504,236 @@
     <p:extLst>
       <p:ext uri="{BB962C8B-B14F-4D97-AF65-F5344CB8AC3E}">
         <p14:creationId xmlns:p14="http://schemas.microsoft.com/office/powerpoint/2010/main" val="2431906492"/>
+      </p:ext>
+    </p:extLst>
+  </p:cSld>
+  <p:clrMapOvr>
+    <a:masterClrMapping/>
+  </p:clrMapOvr>
+</p:notes>
+</file>
+
+<file path=ppt/notesSlides/notesSlide17.xml><?xml version="1.0" encoding="utf-8"?>
+<p:notes xmlns:a="http://schemas.openxmlformats.org/drawingml/2006/main" xmlns:r="http://schemas.openxmlformats.org/officeDocument/2006/relationships" xmlns:p="http://schemas.openxmlformats.org/presentationml/2006/main">
+  <p:cSld>
+    <p:spTree>
+      <p:nvGrpSpPr>
+        <p:cNvPr id="1" name=""/>
+        <p:cNvGrpSpPr/>
+        <p:nvPr/>
+      </p:nvGrpSpPr>
+      <p:grpSpPr>
+        <a:xfrm>
+          <a:off x="0" y="0"/>
+          <a:ext cx="0" cy="0"/>
+          <a:chOff x="0" y="0"/>
+          <a:chExt cx="0" cy="0"/>
+        </a:xfrm>
+      </p:grpSpPr>
+      <p:sp>
+        <p:nvSpPr>
+          <p:cNvPr id="2" name="Slide Image Placeholder 1"/>
+          <p:cNvSpPr>
+            <a:spLocks noGrp="1" noRot="1" noChangeAspect="1"/>
+          </p:cNvSpPr>
+          <p:nvPr>
+            <p:ph type="sldImg"/>
+          </p:nvPr>
+        </p:nvSpPr>
+        <p:spPr/>
+      </p:sp>
+      <p:sp>
+        <p:nvSpPr>
+          <p:cNvPr id="3" name="Notes Placeholder 2"/>
+          <p:cNvSpPr>
+            <a:spLocks noGrp="1"/>
+          </p:cNvSpPr>
+          <p:nvPr>
+            <p:ph type="body" idx="1"/>
+          </p:nvPr>
+        </p:nvSpPr>
+        <p:spPr/>
+        <p:txBody>
+          <a:bodyPr/>
+          <a:lstStyle/>
+          <a:p>
+            <a:endParaRPr lang="en-US"/>
+          </a:p>
+        </p:txBody>
+      </p:sp>
+      <p:sp>
+        <p:nvSpPr>
+          <p:cNvPr id="6" name="Slide Number Placeholder 5">
+            <a:extLst>
+              <a:ext uri="{FF2B5EF4-FFF2-40B4-BE49-F238E27FC236}">
+                <a16:creationId xmlns:a16="http://schemas.microsoft.com/office/drawing/2014/main" id="{9B3E7A9E-1098-405E-AFE2-AFCC15405A31}"/>
+              </a:ext>
+            </a:extLst>
+          </p:cNvPr>
+          <p:cNvSpPr txBox="1">
+            <a:spLocks/>
+          </p:cNvSpPr>
+          <p:nvPr/>
+        </p:nvSpPr>
+        <p:spPr>
+          <a:xfrm>
+            <a:off x="6488999" y="8847000"/>
+            <a:ext cx="367414" cy="297000"/>
+          </a:xfrm>
+          <a:prstGeom prst="rect">
+            <a:avLst/>
+          </a:prstGeom>
+        </p:spPr>
+        <p:txBody>
+          <a:bodyPr vert="horz" lIns="91440" tIns="45720" rIns="91440" bIns="45720" rtlCol="0" anchor="b"/>
+          <a:lstStyle>
+            <a:defPPr>
+              <a:defRPr lang="en-US"/>
+            </a:defPPr>
+            <a:lvl1pPr marL="0" algn="r" defTabSz="914400" rtl="0" eaLnBrk="1" latinLnBrk="0" hangingPunct="1">
+              <a:defRPr sz="1200" kern="1200">
+                <a:solidFill>
+                  <a:schemeClr val="tx1"/>
+                </a:solidFill>
+                <a:latin typeface="+mn-lt"/>
+                <a:ea typeface="+mn-ea"/>
+                <a:cs typeface="+mn-cs"/>
+              </a:defRPr>
+            </a:lvl1pPr>
+            <a:lvl2pPr marL="457200" algn="l" defTabSz="914400" rtl="0" eaLnBrk="1" latinLnBrk="0" hangingPunct="1">
+              <a:defRPr sz="1800" kern="1200">
+                <a:solidFill>
+                  <a:schemeClr val="tx1"/>
+                </a:solidFill>
+                <a:latin typeface="+mn-lt"/>
+                <a:ea typeface="+mn-ea"/>
+                <a:cs typeface="+mn-cs"/>
+              </a:defRPr>
+            </a:lvl2pPr>
+            <a:lvl3pPr marL="914400" algn="l" defTabSz="914400" rtl="0" eaLnBrk="1" latinLnBrk="0" hangingPunct="1">
+              <a:defRPr sz="1800" kern="1200">
+                <a:solidFill>
+                  <a:schemeClr val="tx1"/>
+                </a:solidFill>
+                <a:latin typeface="+mn-lt"/>
+                <a:ea typeface="+mn-ea"/>
+                <a:cs typeface="+mn-cs"/>
+              </a:defRPr>
+            </a:lvl3pPr>
+            <a:lvl4pPr marL="1371600" algn="l" defTabSz="914400" rtl="0" eaLnBrk="1" latinLnBrk="0" hangingPunct="1">
+              <a:defRPr sz="1800" kern="1200">
+                <a:solidFill>
+                  <a:schemeClr val="tx1"/>
+                </a:solidFill>
+                <a:latin typeface="+mn-lt"/>
+                <a:ea typeface="+mn-ea"/>
+                <a:cs typeface="+mn-cs"/>
+              </a:defRPr>
+            </a:lvl4pPr>
+            <a:lvl5pPr marL="1828800" algn="l" defTabSz="914400" rtl="0" eaLnBrk="1" latinLnBrk="0" hangingPunct="1">
+              <a:defRPr sz="1800" kern="1200">
+                <a:solidFill>
+                  <a:schemeClr val="tx1"/>
+                </a:solidFill>
+                <a:latin typeface="+mn-lt"/>
+                <a:ea typeface="+mn-ea"/>
+                <a:cs typeface="+mn-cs"/>
+              </a:defRPr>
+            </a:lvl5pPr>
+            <a:lvl6pPr marL="2286000" algn="l" defTabSz="914400" rtl="0" eaLnBrk="1" latinLnBrk="0" hangingPunct="1">
+              <a:defRPr sz="1800" kern="1200">
+                <a:solidFill>
+                  <a:schemeClr val="tx1"/>
+                </a:solidFill>
+                <a:latin typeface="+mn-lt"/>
+                <a:ea typeface="+mn-ea"/>
+                <a:cs typeface="+mn-cs"/>
+              </a:defRPr>
+            </a:lvl6pPr>
+            <a:lvl7pPr marL="2743200" algn="l" defTabSz="914400" rtl="0" eaLnBrk="1" latinLnBrk="0" hangingPunct="1">
+              <a:defRPr sz="1800" kern="1200">
+                <a:solidFill>
+                  <a:schemeClr val="tx1"/>
+                </a:solidFill>
+                <a:latin typeface="+mn-lt"/>
+                <a:ea typeface="+mn-ea"/>
+                <a:cs typeface="+mn-cs"/>
+              </a:defRPr>
+            </a:lvl7pPr>
+            <a:lvl8pPr marL="3200400" algn="l" defTabSz="914400" rtl="0" eaLnBrk="1" latinLnBrk="0" hangingPunct="1">
+              <a:defRPr sz="1800" kern="1200">
+                <a:solidFill>
+                  <a:schemeClr val="tx1"/>
+                </a:solidFill>
+                <a:latin typeface="+mn-lt"/>
+                <a:ea typeface="+mn-ea"/>
+                <a:cs typeface="+mn-cs"/>
+              </a:defRPr>
+            </a:lvl8pPr>
+            <a:lvl9pPr marL="3657600" algn="l" defTabSz="914400" rtl="0" eaLnBrk="1" latinLnBrk="0" hangingPunct="1">
+              <a:defRPr sz="1800" kern="1200">
+                <a:solidFill>
+                  <a:schemeClr val="tx1"/>
+                </a:solidFill>
+                <a:latin typeface="+mn-lt"/>
+                <a:ea typeface="+mn-ea"/>
+                <a:cs typeface="+mn-cs"/>
+              </a:defRPr>
+            </a:lvl9pPr>
+          </a:lstStyle>
+          <a:p>
+            <a:fld id="{3EBA5BD7-F043-4D1B-AA17-CD412FC534DE}" type="slidenum">
+              <a:rPr lang="en-US" smtClean="0"/>
+              <a:pPr/>
+              <a:t>17</a:t>
+            </a:fld>
+            <a:endParaRPr lang="en-US" dirty="0"/>
+          </a:p>
+        </p:txBody>
+      </p:sp>
+      <p:sp>
+        <p:nvSpPr>
+          <p:cNvPr id="4" name="Footer Placeholder 3">
+            <a:extLst>
+              <a:ext uri="{FF2B5EF4-FFF2-40B4-BE49-F238E27FC236}">
+                <a16:creationId xmlns:a16="http://schemas.microsoft.com/office/drawing/2014/main" id="{202072DB-AB88-47BC-89E8-3D2C38A7A0FE}"/>
+              </a:ext>
+            </a:extLst>
+          </p:cNvPr>
+          <p:cNvSpPr>
+            <a:spLocks noGrp="1"/>
+          </p:cNvSpPr>
+          <p:nvPr>
+            <p:ph type="ftr" sz="quarter" idx="4"/>
+          </p:nvPr>
+        </p:nvSpPr>
+        <p:spPr/>
+        <p:txBody>
+          <a:bodyPr/>
+          <a:lstStyle/>
+          <a:p>
+            <a:r>
+              <a:rPr lang="en-US"/>
+              <a:t>© SoftUni – </a:t>
+            </a:r>
+            <a:r>
+              <a:rPr lang="en-US" u="sng">
+                <a:hlinkClick r:id="rId3"/>
+              </a:rPr>
+              <a:t>https://softuni.org</a:t>
+            </a:r>
+            <a:r>
+              <a:rPr lang="en-US"/>
+              <a:t>. Copyrighted document. Unauthorized copy or reproduction is not permitted.</a:t>
+            </a:r>
+            <a:endParaRPr lang="en-US" dirty="0"/>
+          </a:p>
+        </p:txBody>
+      </p:sp>
+    </p:spTree>
+    <p:extLst>
+      <p:ext uri="{BB962C8B-B14F-4D97-AF65-F5344CB8AC3E}">
+        <p14:creationId xmlns:p14="http://schemas.microsoft.com/office/powerpoint/2010/main" val="3671875342"/>
       </p:ext>
     </p:extLst>
   </p:cSld>
@@ -2810,7 +2796,7 @@
           <p:cNvPr id="6" name="Slide Number Placeholder 5">
             <a:extLst>
               <a:ext uri="{FF2B5EF4-FFF2-40B4-BE49-F238E27FC236}">
-                <a16:creationId xmlns:a16="http://schemas.microsoft.com/office/drawing/2014/main" id="{9B3E7A9E-1098-405E-AFE2-AFCC15405A31}"/>
+                <a16:creationId xmlns:a16="http://schemas.microsoft.com/office/drawing/2014/main" id="{14BC6D6E-905E-40C8-A17E-2C3164FAB13C}"/>
               </a:ext>
             </a:extLst>
           </p:cNvPr>
@@ -2940,7 +2926,7 @@
           <p:cNvPr id="4" name="Footer Placeholder 3">
             <a:extLst>
               <a:ext uri="{FF2B5EF4-FFF2-40B4-BE49-F238E27FC236}">
-                <a16:creationId xmlns:a16="http://schemas.microsoft.com/office/drawing/2014/main" id="{202072DB-AB88-47BC-89E8-3D2C38A7A0FE}"/>
+                <a16:creationId xmlns:a16="http://schemas.microsoft.com/office/drawing/2014/main" id="{3353DD3B-B4A6-4198-B6C8-9CFBFCF079D9}"/>
               </a:ext>
             </a:extLst>
           </p:cNvPr>
@@ -2977,7 +2963,7 @@
     </p:spTree>
     <p:extLst>
       <p:ext uri="{BB962C8B-B14F-4D97-AF65-F5344CB8AC3E}">
-        <p14:creationId xmlns:p14="http://schemas.microsoft.com/office/powerpoint/2010/main" val="3671875342"/>
+        <p14:creationId xmlns:p14="http://schemas.microsoft.com/office/powerpoint/2010/main" val="37889180"/>
       </p:ext>
     </p:extLst>
   </p:cSld>
@@ -3040,7 +3026,7 @@
           <p:cNvPr id="6" name="Slide Number Placeholder 5">
             <a:extLst>
               <a:ext uri="{FF2B5EF4-FFF2-40B4-BE49-F238E27FC236}">
-                <a16:creationId xmlns:a16="http://schemas.microsoft.com/office/drawing/2014/main" id="{14BC6D6E-905E-40C8-A17E-2C3164FAB13C}"/>
+                <a16:creationId xmlns:a16="http://schemas.microsoft.com/office/drawing/2014/main" id="{B74001B9-87E8-41DF-9660-490665744270}"/>
               </a:ext>
             </a:extLst>
           </p:cNvPr>
@@ -3170,7 +3156,7 @@
           <p:cNvPr id="4" name="Footer Placeholder 3">
             <a:extLst>
               <a:ext uri="{FF2B5EF4-FFF2-40B4-BE49-F238E27FC236}">
-                <a16:creationId xmlns:a16="http://schemas.microsoft.com/office/drawing/2014/main" id="{3353DD3B-B4A6-4198-B6C8-9CFBFCF079D9}"/>
+                <a16:creationId xmlns:a16="http://schemas.microsoft.com/office/drawing/2014/main" id="{1BD7244B-940D-44E8-8119-9B33768D89B0}"/>
               </a:ext>
             </a:extLst>
           </p:cNvPr>
@@ -3207,7 +3193,7 @@
     </p:spTree>
     <p:extLst>
       <p:ext uri="{BB962C8B-B14F-4D97-AF65-F5344CB8AC3E}">
-        <p14:creationId xmlns:p14="http://schemas.microsoft.com/office/powerpoint/2010/main" val="37889180"/>
+        <p14:creationId xmlns:p14="http://schemas.microsoft.com/office/powerpoint/2010/main" val="297775956"/>
       </p:ext>
     </p:extLst>
   </p:cSld>
@@ -3478,236 +3464,6 @@
       </p:grpSpPr>
       <p:sp>
         <p:nvSpPr>
-          <p:cNvPr id="2" name="Slide Image Placeholder 1"/>
-          <p:cNvSpPr>
-            <a:spLocks noGrp="1" noRot="1" noChangeAspect="1"/>
-          </p:cNvSpPr>
-          <p:nvPr>
-            <p:ph type="sldImg"/>
-          </p:nvPr>
-        </p:nvSpPr>
-        <p:spPr/>
-      </p:sp>
-      <p:sp>
-        <p:nvSpPr>
-          <p:cNvPr id="3" name="Notes Placeholder 2"/>
-          <p:cNvSpPr>
-            <a:spLocks noGrp="1"/>
-          </p:cNvSpPr>
-          <p:nvPr>
-            <p:ph type="body" idx="1"/>
-          </p:nvPr>
-        </p:nvSpPr>
-        <p:spPr/>
-        <p:txBody>
-          <a:bodyPr/>
-          <a:lstStyle/>
-          <a:p>
-            <a:endParaRPr lang="en-US"/>
-          </a:p>
-        </p:txBody>
-      </p:sp>
-      <p:sp>
-        <p:nvSpPr>
-          <p:cNvPr id="6" name="Slide Number Placeholder 5">
-            <a:extLst>
-              <a:ext uri="{FF2B5EF4-FFF2-40B4-BE49-F238E27FC236}">
-                <a16:creationId xmlns:a16="http://schemas.microsoft.com/office/drawing/2014/main" id="{B74001B9-87E8-41DF-9660-490665744270}"/>
-              </a:ext>
-            </a:extLst>
-          </p:cNvPr>
-          <p:cNvSpPr txBox="1">
-            <a:spLocks/>
-          </p:cNvSpPr>
-          <p:nvPr/>
-        </p:nvSpPr>
-        <p:spPr>
-          <a:xfrm>
-            <a:off x="6488999" y="8847000"/>
-            <a:ext cx="367414" cy="297000"/>
-          </a:xfrm>
-          <a:prstGeom prst="rect">
-            <a:avLst/>
-          </a:prstGeom>
-        </p:spPr>
-        <p:txBody>
-          <a:bodyPr vert="horz" lIns="91440" tIns="45720" rIns="91440" bIns="45720" rtlCol="0" anchor="b"/>
-          <a:lstStyle>
-            <a:defPPr>
-              <a:defRPr lang="en-US"/>
-            </a:defPPr>
-            <a:lvl1pPr marL="0" algn="r" defTabSz="914400" rtl="0" eaLnBrk="1" latinLnBrk="0" hangingPunct="1">
-              <a:defRPr sz="1200" kern="1200">
-                <a:solidFill>
-                  <a:schemeClr val="tx1"/>
-                </a:solidFill>
-                <a:latin typeface="+mn-lt"/>
-                <a:ea typeface="+mn-ea"/>
-                <a:cs typeface="+mn-cs"/>
-              </a:defRPr>
-            </a:lvl1pPr>
-            <a:lvl2pPr marL="457200" algn="l" defTabSz="914400" rtl="0" eaLnBrk="1" latinLnBrk="0" hangingPunct="1">
-              <a:defRPr sz="1800" kern="1200">
-                <a:solidFill>
-                  <a:schemeClr val="tx1"/>
-                </a:solidFill>
-                <a:latin typeface="+mn-lt"/>
-                <a:ea typeface="+mn-ea"/>
-                <a:cs typeface="+mn-cs"/>
-              </a:defRPr>
-            </a:lvl2pPr>
-            <a:lvl3pPr marL="914400" algn="l" defTabSz="914400" rtl="0" eaLnBrk="1" latinLnBrk="0" hangingPunct="1">
-              <a:defRPr sz="1800" kern="1200">
-                <a:solidFill>
-                  <a:schemeClr val="tx1"/>
-                </a:solidFill>
-                <a:latin typeface="+mn-lt"/>
-                <a:ea typeface="+mn-ea"/>
-                <a:cs typeface="+mn-cs"/>
-              </a:defRPr>
-            </a:lvl3pPr>
-            <a:lvl4pPr marL="1371600" algn="l" defTabSz="914400" rtl="0" eaLnBrk="1" latinLnBrk="0" hangingPunct="1">
-              <a:defRPr sz="1800" kern="1200">
-                <a:solidFill>
-                  <a:schemeClr val="tx1"/>
-                </a:solidFill>
-                <a:latin typeface="+mn-lt"/>
-                <a:ea typeface="+mn-ea"/>
-                <a:cs typeface="+mn-cs"/>
-              </a:defRPr>
-            </a:lvl4pPr>
-            <a:lvl5pPr marL="1828800" algn="l" defTabSz="914400" rtl="0" eaLnBrk="1" latinLnBrk="0" hangingPunct="1">
-              <a:defRPr sz="1800" kern="1200">
-                <a:solidFill>
-                  <a:schemeClr val="tx1"/>
-                </a:solidFill>
-                <a:latin typeface="+mn-lt"/>
-                <a:ea typeface="+mn-ea"/>
-                <a:cs typeface="+mn-cs"/>
-              </a:defRPr>
-            </a:lvl5pPr>
-            <a:lvl6pPr marL="2286000" algn="l" defTabSz="914400" rtl="0" eaLnBrk="1" latinLnBrk="0" hangingPunct="1">
-              <a:defRPr sz="1800" kern="1200">
-                <a:solidFill>
-                  <a:schemeClr val="tx1"/>
-                </a:solidFill>
-                <a:latin typeface="+mn-lt"/>
-                <a:ea typeface="+mn-ea"/>
-                <a:cs typeface="+mn-cs"/>
-              </a:defRPr>
-            </a:lvl6pPr>
-            <a:lvl7pPr marL="2743200" algn="l" defTabSz="914400" rtl="0" eaLnBrk="1" latinLnBrk="0" hangingPunct="1">
-              <a:defRPr sz="1800" kern="1200">
-                <a:solidFill>
-                  <a:schemeClr val="tx1"/>
-                </a:solidFill>
-                <a:latin typeface="+mn-lt"/>
-                <a:ea typeface="+mn-ea"/>
-                <a:cs typeface="+mn-cs"/>
-              </a:defRPr>
-            </a:lvl7pPr>
-            <a:lvl8pPr marL="3200400" algn="l" defTabSz="914400" rtl="0" eaLnBrk="1" latinLnBrk="0" hangingPunct="1">
-              <a:defRPr sz="1800" kern="1200">
-                <a:solidFill>
-                  <a:schemeClr val="tx1"/>
-                </a:solidFill>
-                <a:latin typeface="+mn-lt"/>
-                <a:ea typeface="+mn-ea"/>
-                <a:cs typeface="+mn-cs"/>
-              </a:defRPr>
-            </a:lvl8pPr>
-            <a:lvl9pPr marL="3657600" algn="l" defTabSz="914400" rtl="0" eaLnBrk="1" latinLnBrk="0" hangingPunct="1">
-              <a:defRPr sz="1800" kern="1200">
-                <a:solidFill>
-                  <a:schemeClr val="tx1"/>
-                </a:solidFill>
-                <a:latin typeface="+mn-lt"/>
-                <a:ea typeface="+mn-ea"/>
-                <a:cs typeface="+mn-cs"/>
-              </a:defRPr>
-            </a:lvl9pPr>
-          </a:lstStyle>
-          <a:p>
-            <a:fld id="{3EBA5BD7-F043-4D1B-AA17-CD412FC534DE}" type="slidenum">
-              <a:rPr lang="en-US" smtClean="0"/>
-              <a:pPr/>
-              <a:t>20</a:t>
-            </a:fld>
-            <a:endParaRPr lang="en-US" dirty="0"/>
-          </a:p>
-        </p:txBody>
-      </p:sp>
-      <p:sp>
-        <p:nvSpPr>
-          <p:cNvPr id="4" name="Footer Placeholder 3">
-            <a:extLst>
-              <a:ext uri="{FF2B5EF4-FFF2-40B4-BE49-F238E27FC236}">
-                <a16:creationId xmlns:a16="http://schemas.microsoft.com/office/drawing/2014/main" id="{1BD7244B-940D-44E8-8119-9B33768D89B0}"/>
-              </a:ext>
-            </a:extLst>
-          </p:cNvPr>
-          <p:cNvSpPr>
-            <a:spLocks noGrp="1"/>
-          </p:cNvSpPr>
-          <p:nvPr>
-            <p:ph type="ftr" sz="quarter" idx="4"/>
-          </p:nvPr>
-        </p:nvSpPr>
-        <p:spPr/>
-        <p:txBody>
-          <a:bodyPr/>
-          <a:lstStyle/>
-          <a:p>
-            <a:r>
-              <a:rPr lang="en-US"/>
-              <a:t>© SoftUni – </a:t>
-            </a:r>
-            <a:r>
-              <a:rPr lang="en-US" u="sng">
-                <a:hlinkClick r:id="rId3"/>
-              </a:rPr>
-              <a:t>https://softuni.org</a:t>
-            </a:r>
-            <a:r>
-              <a:rPr lang="en-US"/>
-              <a:t>. Copyrighted document. Unauthorized copy or reproduction is not permitted.</a:t>
-            </a:r>
-            <a:endParaRPr lang="en-US" dirty="0"/>
-          </a:p>
-        </p:txBody>
-      </p:sp>
-    </p:spTree>
-    <p:extLst>
-      <p:ext uri="{BB962C8B-B14F-4D97-AF65-F5344CB8AC3E}">
-        <p14:creationId xmlns:p14="http://schemas.microsoft.com/office/powerpoint/2010/main" val="297775956"/>
-      </p:ext>
-    </p:extLst>
-  </p:cSld>
-  <p:clrMapOvr>
-    <a:masterClrMapping/>
-  </p:clrMapOvr>
-</p:notes>
-</file>
-
-<file path=ppt/notesSlides/notesSlide21.xml><?xml version="1.0" encoding="utf-8"?>
-<p:notes xmlns:a="http://schemas.openxmlformats.org/drawingml/2006/main" xmlns:r="http://schemas.openxmlformats.org/officeDocument/2006/relationships" xmlns:p="http://schemas.openxmlformats.org/presentationml/2006/main">
-  <p:cSld>
-    <p:spTree>
-      <p:nvGrpSpPr>
-        <p:cNvPr id="1" name=""/>
-        <p:cNvGrpSpPr/>
-        <p:nvPr/>
-      </p:nvGrpSpPr>
-      <p:grpSpPr>
-        <a:xfrm>
-          <a:off x="0" y="0"/>
-          <a:ext cx="0" cy="0"/>
-          <a:chOff x="0" y="0"/>
-          <a:chExt cx="0" cy="0"/>
-        </a:xfrm>
-      </p:grpSpPr>
-      <p:sp>
-        <p:nvSpPr>
           <p:cNvPr id="508930" name="Rectangle 2"/>
           <p:cNvSpPr>
             <a:spLocks noGrp="1" noRot="1" noChangeAspect="1" noChangeArrowheads="1" noTextEdit="1"/>
@@ -3863,7 +3619,7 @@
             <a:fld id="{3EBA5BD7-F043-4D1B-AA17-CD412FC534DE}" type="slidenum">
               <a:rPr lang="en-US" smtClean="0"/>
               <a:pPr/>
-              <a:t>21</a:t>
+              <a:t>20</a:t>
             </a:fld>
             <a:endParaRPr lang="en-US" dirty="0"/>
           </a:p>
@@ -3912,6 +3668,236 @@
     <p:extLst>
       <p:ext uri="{BB962C8B-B14F-4D97-AF65-F5344CB8AC3E}">
         <p14:creationId xmlns:p14="http://schemas.microsoft.com/office/powerpoint/2010/main" val="1392567776"/>
+      </p:ext>
+    </p:extLst>
+  </p:cSld>
+  <p:clrMapOvr>
+    <a:masterClrMapping/>
+  </p:clrMapOvr>
+</p:notes>
+</file>
+
+<file path=ppt/notesSlides/notesSlide21.xml><?xml version="1.0" encoding="utf-8"?>
+<p:notes xmlns:a="http://schemas.openxmlformats.org/drawingml/2006/main" xmlns:r="http://schemas.openxmlformats.org/officeDocument/2006/relationships" xmlns:p="http://schemas.openxmlformats.org/presentationml/2006/main">
+  <p:cSld>
+    <p:spTree>
+      <p:nvGrpSpPr>
+        <p:cNvPr id="1" name=""/>
+        <p:cNvGrpSpPr/>
+        <p:nvPr/>
+      </p:nvGrpSpPr>
+      <p:grpSpPr>
+        <a:xfrm>
+          <a:off x="0" y="0"/>
+          <a:ext cx="0" cy="0"/>
+          <a:chOff x="0" y="0"/>
+          <a:chExt cx="0" cy="0"/>
+        </a:xfrm>
+      </p:grpSpPr>
+      <p:sp>
+        <p:nvSpPr>
+          <p:cNvPr id="2" name="Slide Image Placeholder 1"/>
+          <p:cNvSpPr>
+            <a:spLocks noGrp="1" noRot="1" noChangeAspect="1"/>
+          </p:cNvSpPr>
+          <p:nvPr>
+            <p:ph type="sldImg"/>
+          </p:nvPr>
+        </p:nvSpPr>
+        <p:spPr/>
+      </p:sp>
+      <p:sp>
+        <p:nvSpPr>
+          <p:cNvPr id="3" name="Notes Placeholder 2"/>
+          <p:cNvSpPr>
+            <a:spLocks noGrp="1"/>
+          </p:cNvSpPr>
+          <p:nvPr>
+            <p:ph type="body" idx="1"/>
+          </p:nvPr>
+        </p:nvSpPr>
+        <p:spPr/>
+        <p:txBody>
+          <a:bodyPr/>
+          <a:lstStyle/>
+          <a:p>
+            <a:endParaRPr lang="en-US"/>
+          </a:p>
+        </p:txBody>
+      </p:sp>
+      <p:sp>
+        <p:nvSpPr>
+          <p:cNvPr id="7" name="Slide Number Placeholder 5">
+            <a:extLst>
+              <a:ext uri="{FF2B5EF4-FFF2-40B4-BE49-F238E27FC236}">
+                <a16:creationId xmlns:a16="http://schemas.microsoft.com/office/drawing/2014/main" id="{E65F1CA9-65DC-416B-8882-B3A5E415CE67}"/>
+              </a:ext>
+            </a:extLst>
+          </p:cNvPr>
+          <p:cNvSpPr txBox="1">
+            <a:spLocks/>
+          </p:cNvSpPr>
+          <p:nvPr/>
+        </p:nvSpPr>
+        <p:spPr>
+          <a:xfrm>
+            <a:off x="6488999" y="8847000"/>
+            <a:ext cx="367414" cy="297000"/>
+          </a:xfrm>
+          <a:prstGeom prst="rect">
+            <a:avLst/>
+          </a:prstGeom>
+        </p:spPr>
+        <p:txBody>
+          <a:bodyPr vert="horz" lIns="91440" tIns="45720" rIns="91440" bIns="45720" rtlCol="0" anchor="b"/>
+          <a:lstStyle>
+            <a:defPPr>
+              <a:defRPr lang="en-US"/>
+            </a:defPPr>
+            <a:lvl1pPr marL="0" algn="r" defTabSz="914400" rtl="0" eaLnBrk="1" latinLnBrk="0" hangingPunct="1">
+              <a:defRPr sz="1200" kern="1200">
+                <a:solidFill>
+                  <a:schemeClr val="tx1"/>
+                </a:solidFill>
+                <a:latin typeface="+mn-lt"/>
+                <a:ea typeface="+mn-ea"/>
+                <a:cs typeface="+mn-cs"/>
+              </a:defRPr>
+            </a:lvl1pPr>
+            <a:lvl2pPr marL="457200" algn="l" defTabSz="914400" rtl="0" eaLnBrk="1" latinLnBrk="0" hangingPunct="1">
+              <a:defRPr sz="1800" kern="1200">
+                <a:solidFill>
+                  <a:schemeClr val="tx1"/>
+                </a:solidFill>
+                <a:latin typeface="+mn-lt"/>
+                <a:ea typeface="+mn-ea"/>
+                <a:cs typeface="+mn-cs"/>
+              </a:defRPr>
+            </a:lvl2pPr>
+            <a:lvl3pPr marL="914400" algn="l" defTabSz="914400" rtl="0" eaLnBrk="1" latinLnBrk="0" hangingPunct="1">
+              <a:defRPr sz="1800" kern="1200">
+                <a:solidFill>
+                  <a:schemeClr val="tx1"/>
+                </a:solidFill>
+                <a:latin typeface="+mn-lt"/>
+                <a:ea typeface="+mn-ea"/>
+                <a:cs typeface="+mn-cs"/>
+              </a:defRPr>
+            </a:lvl3pPr>
+            <a:lvl4pPr marL="1371600" algn="l" defTabSz="914400" rtl="0" eaLnBrk="1" latinLnBrk="0" hangingPunct="1">
+              <a:defRPr sz="1800" kern="1200">
+                <a:solidFill>
+                  <a:schemeClr val="tx1"/>
+                </a:solidFill>
+                <a:latin typeface="+mn-lt"/>
+                <a:ea typeface="+mn-ea"/>
+                <a:cs typeface="+mn-cs"/>
+              </a:defRPr>
+            </a:lvl4pPr>
+            <a:lvl5pPr marL="1828800" algn="l" defTabSz="914400" rtl="0" eaLnBrk="1" latinLnBrk="0" hangingPunct="1">
+              <a:defRPr sz="1800" kern="1200">
+                <a:solidFill>
+                  <a:schemeClr val="tx1"/>
+                </a:solidFill>
+                <a:latin typeface="+mn-lt"/>
+                <a:ea typeface="+mn-ea"/>
+                <a:cs typeface="+mn-cs"/>
+              </a:defRPr>
+            </a:lvl5pPr>
+            <a:lvl6pPr marL="2286000" algn="l" defTabSz="914400" rtl="0" eaLnBrk="1" latinLnBrk="0" hangingPunct="1">
+              <a:defRPr sz="1800" kern="1200">
+                <a:solidFill>
+                  <a:schemeClr val="tx1"/>
+                </a:solidFill>
+                <a:latin typeface="+mn-lt"/>
+                <a:ea typeface="+mn-ea"/>
+                <a:cs typeface="+mn-cs"/>
+              </a:defRPr>
+            </a:lvl6pPr>
+            <a:lvl7pPr marL="2743200" algn="l" defTabSz="914400" rtl="0" eaLnBrk="1" latinLnBrk="0" hangingPunct="1">
+              <a:defRPr sz="1800" kern="1200">
+                <a:solidFill>
+                  <a:schemeClr val="tx1"/>
+                </a:solidFill>
+                <a:latin typeface="+mn-lt"/>
+                <a:ea typeface="+mn-ea"/>
+                <a:cs typeface="+mn-cs"/>
+              </a:defRPr>
+            </a:lvl7pPr>
+            <a:lvl8pPr marL="3200400" algn="l" defTabSz="914400" rtl="0" eaLnBrk="1" latinLnBrk="0" hangingPunct="1">
+              <a:defRPr sz="1800" kern="1200">
+                <a:solidFill>
+                  <a:schemeClr val="tx1"/>
+                </a:solidFill>
+                <a:latin typeface="+mn-lt"/>
+                <a:ea typeface="+mn-ea"/>
+                <a:cs typeface="+mn-cs"/>
+              </a:defRPr>
+            </a:lvl8pPr>
+            <a:lvl9pPr marL="3657600" algn="l" defTabSz="914400" rtl="0" eaLnBrk="1" latinLnBrk="0" hangingPunct="1">
+              <a:defRPr sz="1800" kern="1200">
+                <a:solidFill>
+                  <a:schemeClr val="tx1"/>
+                </a:solidFill>
+                <a:latin typeface="+mn-lt"/>
+                <a:ea typeface="+mn-ea"/>
+                <a:cs typeface="+mn-cs"/>
+              </a:defRPr>
+            </a:lvl9pPr>
+          </a:lstStyle>
+          <a:p>
+            <a:fld id="{3EBA5BD7-F043-4D1B-AA17-CD412FC534DE}" type="slidenum">
+              <a:rPr lang="en-US" smtClean="0"/>
+              <a:pPr/>
+              <a:t>21</a:t>
+            </a:fld>
+            <a:endParaRPr lang="en-US" dirty="0"/>
+          </a:p>
+        </p:txBody>
+      </p:sp>
+      <p:sp>
+        <p:nvSpPr>
+          <p:cNvPr id="4" name="Footer Placeholder 3">
+            <a:extLst>
+              <a:ext uri="{FF2B5EF4-FFF2-40B4-BE49-F238E27FC236}">
+                <a16:creationId xmlns:a16="http://schemas.microsoft.com/office/drawing/2014/main" id="{C5BD11C3-9FCD-4EAE-876D-E766924FAFF2}"/>
+              </a:ext>
+            </a:extLst>
+          </p:cNvPr>
+          <p:cNvSpPr>
+            <a:spLocks noGrp="1"/>
+          </p:cNvSpPr>
+          <p:nvPr>
+            <p:ph type="ftr" sz="quarter" idx="4"/>
+          </p:nvPr>
+        </p:nvSpPr>
+        <p:spPr/>
+        <p:txBody>
+          <a:bodyPr/>
+          <a:lstStyle/>
+          <a:p>
+            <a:r>
+              <a:rPr lang="en-US"/>
+              <a:t>© SoftUni – </a:t>
+            </a:r>
+            <a:r>
+              <a:rPr lang="en-US" u="sng">
+                <a:hlinkClick r:id="rId3"/>
+              </a:rPr>
+              <a:t>https://softuni.org</a:t>
+            </a:r>
+            <a:r>
+              <a:rPr lang="en-US"/>
+              <a:t>. Copyrighted document. Unauthorized copy or reproduction is not permitted.</a:t>
+            </a:r>
+            <a:endParaRPr lang="en-US" dirty="0"/>
+          </a:p>
+        </p:txBody>
+      </p:sp>
+    </p:spTree>
+    <p:extLst>
+      <p:ext uri="{BB962C8B-B14F-4D97-AF65-F5344CB8AC3E}">
+        <p14:creationId xmlns:p14="http://schemas.microsoft.com/office/powerpoint/2010/main" val="1860974293"/>
       </p:ext>
     </p:extLst>
   </p:cSld>
@@ -3974,7 +3960,7 @@
           <p:cNvPr id="7" name="Slide Number Placeholder 5">
             <a:extLst>
               <a:ext uri="{FF2B5EF4-FFF2-40B4-BE49-F238E27FC236}">
-                <a16:creationId xmlns:a16="http://schemas.microsoft.com/office/drawing/2014/main" id="{E65F1CA9-65DC-416B-8882-B3A5E415CE67}"/>
+                <a16:creationId xmlns:a16="http://schemas.microsoft.com/office/drawing/2014/main" id="{5049B984-F964-47FF-8179-0A3007CE21CD}"/>
               </a:ext>
             </a:extLst>
           </p:cNvPr>
@@ -4104,7 +4090,7 @@
           <p:cNvPr id="4" name="Footer Placeholder 3">
             <a:extLst>
               <a:ext uri="{FF2B5EF4-FFF2-40B4-BE49-F238E27FC236}">
-                <a16:creationId xmlns:a16="http://schemas.microsoft.com/office/drawing/2014/main" id="{C5BD11C3-9FCD-4EAE-876D-E766924FAFF2}"/>
+                <a16:creationId xmlns:a16="http://schemas.microsoft.com/office/drawing/2014/main" id="{8E059BE0-D868-413B-AAA1-1CC88D1F52C5}"/>
               </a:ext>
             </a:extLst>
           </p:cNvPr>
@@ -4141,7 +4127,7 @@
     </p:spTree>
     <p:extLst>
       <p:ext uri="{BB962C8B-B14F-4D97-AF65-F5344CB8AC3E}">
-        <p14:creationId xmlns:p14="http://schemas.microsoft.com/office/powerpoint/2010/main" val="1860974293"/>
+        <p14:creationId xmlns:p14="http://schemas.microsoft.com/office/powerpoint/2010/main" val="4171907079"/>
       </p:ext>
     </p:extLst>
   </p:cSld>
@@ -4201,930 +4187,6 @@
       </p:sp>
       <p:sp>
         <p:nvSpPr>
-          <p:cNvPr id="7" name="Slide Number Placeholder 5">
-            <a:extLst>
-              <a:ext uri="{FF2B5EF4-FFF2-40B4-BE49-F238E27FC236}">
-                <a16:creationId xmlns:a16="http://schemas.microsoft.com/office/drawing/2014/main" id="{5049B984-F964-47FF-8179-0A3007CE21CD}"/>
-              </a:ext>
-            </a:extLst>
-          </p:cNvPr>
-          <p:cNvSpPr txBox="1">
-            <a:spLocks/>
-          </p:cNvSpPr>
-          <p:nvPr/>
-        </p:nvSpPr>
-        <p:spPr>
-          <a:xfrm>
-            <a:off x="6488999" y="8847000"/>
-            <a:ext cx="367414" cy="297000"/>
-          </a:xfrm>
-          <a:prstGeom prst="rect">
-            <a:avLst/>
-          </a:prstGeom>
-        </p:spPr>
-        <p:txBody>
-          <a:bodyPr vert="horz" lIns="91440" tIns="45720" rIns="91440" bIns="45720" rtlCol="0" anchor="b"/>
-          <a:lstStyle>
-            <a:defPPr>
-              <a:defRPr lang="en-US"/>
-            </a:defPPr>
-            <a:lvl1pPr marL="0" algn="r" defTabSz="914400" rtl="0" eaLnBrk="1" latinLnBrk="0" hangingPunct="1">
-              <a:defRPr sz="1200" kern="1200">
-                <a:solidFill>
-                  <a:schemeClr val="tx1"/>
-                </a:solidFill>
-                <a:latin typeface="+mn-lt"/>
-                <a:ea typeface="+mn-ea"/>
-                <a:cs typeface="+mn-cs"/>
-              </a:defRPr>
-            </a:lvl1pPr>
-            <a:lvl2pPr marL="457200" algn="l" defTabSz="914400" rtl="0" eaLnBrk="1" latinLnBrk="0" hangingPunct="1">
-              <a:defRPr sz="1800" kern="1200">
-                <a:solidFill>
-                  <a:schemeClr val="tx1"/>
-                </a:solidFill>
-                <a:latin typeface="+mn-lt"/>
-                <a:ea typeface="+mn-ea"/>
-                <a:cs typeface="+mn-cs"/>
-              </a:defRPr>
-            </a:lvl2pPr>
-            <a:lvl3pPr marL="914400" algn="l" defTabSz="914400" rtl="0" eaLnBrk="1" latinLnBrk="0" hangingPunct="1">
-              <a:defRPr sz="1800" kern="1200">
-                <a:solidFill>
-                  <a:schemeClr val="tx1"/>
-                </a:solidFill>
-                <a:latin typeface="+mn-lt"/>
-                <a:ea typeface="+mn-ea"/>
-                <a:cs typeface="+mn-cs"/>
-              </a:defRPr>
-            </a:lvl3pPr>
-            <a:lvl4pPr marL="1371600" algn="l" defTabSz="914400" rtl="0" eaLnBrk="1" latinLnBrk="0" hangingPunct="1">
-              <a:defRPr sz="1800" kern="1200">
-                <a:solidFill>
-                  <a:schemeClr val="tx1"/>
-                </a:solidFill>
-                <a:latin typeface="+mn-lt"/>
-                <a:ea typeface="+mn-ea"/>
-                <a:cs typeface="+mn-cs"/>
-              </a:defRPr>
-            </a:lvl4pPr>
-            <a:lvl5pPr marL="1828800" algn="l" defTabSz="914400" rtl="0" eaLnBrk="1" latinLnBrk="0" hangingPunct="1">
-              <a:defRPr sz="1800" kern="1200">
-                <a:solidFill>
-                  <a:schemeClr val="tx1"/>
-                </a:solidFill>
-                <a:latin typeface="+mn-lt"/>
-                <a:ea typeface="+mn-ea"/>
-                <a:cs typeface="+mn-cs"/>
-              </a:defRPr>
-            </a:lvl5pPr>
-            <a:lvl6pPr marL="2286000" algn="l" defTabSz="914400" rtl="0" eaLnBrk="1" latinLnBrk="0" hangingPunct="1">
-              <a:defRPr sz="1800" kern="1200">
-                <a:solidFill>
-                  <a:schemeClr val="tx1"/>
-                </a:solidFill>
-                <a:latin typeface="+mn-lt"/>
-                <a:ea typeface="+mn-ea"/>
-                <a:cs typeface="+mn-cs"/>
-              </a:defRPr>
-            </a:lvl6pPr>
-            <a:lvl7pPr marL="2743200" algn="l" defTabSz="914400" rtl="0" eaLnBrk="1" latinLnBrk="0" hangingPunct="1">
-              <a:defRPr sz="1800" kern="1200">
-                <a:solidFill>
-                  <a:schemeClr val="tx1"/>
-                </a:solidFill>
-                <a:latin typeface="+mn-lt"/>
-                <a:ea typeface="+mn-ea"/>
-                <a:cs typeface="+mn-cs"/>
-              </a:defRPr>
-            </a:lvl7pPr>
-            <a:lvl8pPr marL="3200400" algn="l" defTabSz="914400" rtl="0" eaLnBrk="1" latinLnBrk="0" hangingPunct="1">
-              <a:defRPr sz="1800" kern="1200">
-                <a:solidFill>
-                  <a:schemeClr val="tx1"/>
-                </a:solidFill>
-                <a:latin typeface="+mn-lt"/>
-                <a:ea typeface="+mn-ea"/>
-                <a:cs typeface="+mn-cs"/>
-              </a:defRPr>
-            </a:lvl8pPr>
-            <a:lvl9pPr marL="3657600" algn="l" defTabSz="914400" rtl="0" eaLnBrk="1" latinLnBrk="0" hangingPunct="1">
-              <a:defRPr sz="1800" kern="1200">
-                <a:solidFill>
-                  <a:schemeClr val="tx1"/>
-                </a:solidFill>
-                <a:latin typeface="+mn-lt"/>
-                <a:ea typeface="+mn-ea"/>
-                <a:cs typeface="+mn-cs"/>
-              </a:defRPr>
-            </a:lvl9pPr>
-          </a:lstStyle>
-          <a:p>
-            <a:fld id="{3EBA5BD7-F043-4D1B-AA17-CD412FC534DE}" type="slidenum">
-              <a:rPr lang="en-US" smtClean="0"/>
-              <a:pPr/>
-              <a:t>23</a:t>
-            </a:fld>
-            <a:endParaRPr lang="en-US" dirty="0"/>
-          </a:p>
-        </p:txBody>
-      </p:sp>
-      <p:sp>
-        <p:nvSpPr>
-          <p:cNvPr id="4" name="Footer Placeholder 3">
-            <a:extLst>
-              <a:ext uri="{FF2B5EF4-FFF2-40B4-BE49-F238E27FC236}">
-                <a16:creationId xmlns:a16="http://schemas.microsoft.com/office/drawing/2014/main" id="{8E059BE0-D868-413B-AAA1-1CC88D1F52C5}"/>
-              </a:ext>
-            </a:extLst>
-          </p:cNvPr>
-          <p:cNvSpPr>
-            <a:spLocks noGrp="1"/>
-          </p:cNvSpPr>
-          <p:nvPr>
-            <p:ph type="ftr" sz="quarter" idx="4"/>
-          </p:nvPr>
-        </p:nvSpPr>
-        <p:spPr/>
-        <p:txBody>
-          <a:bodyPr/>
-          <a:lstStyle/>
-          <a:p>
-            <a:r>
-              <a:rPr lang="en-US"/>
-              <a:t>© SoftUni – </a:t>
-            </a:r>
-            <a:r>
-              <a:rPr lang="en-US" u="sng">
-                <a:hlinkClick r:id="rId3"/>
-              </a:rPr>
-              <a:t>https://softuni.org</a:t>
-            </a:r>
-            <a:r>
-              <a:rPr lang="en-US"/>
-              <a:t>. Copyrighted document. Unauthorized copy or reproduction is not permitted.</a:t>
-            </a:r>
-            <a:endParaRPr lang="en-US" dirty="0"/>
-          </a:p>
-        </p:txBody>
-      </p:sp>
-    </p:spTree>
-    <p:extLst>
-      <p:ext uri="{BB962C8B-B14F-4D97-AF65-F5344CB8AC3E}">
-        <p14:creationId xmlns:p14="http://schemas.microsoft.com/office/powerpoint/2010/main" val="4171907079"/>
-      </p:ext>
-    </p:extLst>
-  </p:cSld>
-  <p:clrMapOvr>
-    <a:masterClrMapping/>
-  </p:clrMapOvr>
-</p:notes>
-</file>
-
-<file path=ppt/notesSlides/notesSlide24.xml><?xml version="1.0" encoding="utf-8"?>
-<p:notes xmlns:a="http://schemas.openxmlformats.org/drawingml/2006/main" xmlns:r="http://schemas.openxmlformats.org/officeDocument/2006/relationships" xmlns:p="http://schemas.openxmlformats.org/presentationml/2006/main">
-  <p:cSld>
-    <p:spTree>
-      <p:nvGrpSpPr>
-        <p:cNvPr id="1" name=""/>
-        <p:cNvGrpSpPr/>
-        <p:nvPr/>
-      </p:nvGrpSpPr>
-      <p:grpSpPr>
-        <a:xfrm>
-          <a:off x="0" y="0"/>
-          <a:ext cx="0" cy="0"/>
-          <a:chOff x="0" y="0"/>
-          <a:chExt cx="0" cy="0"/>
-        </a:xfrm>
-      </p:grpSpPr>
-      <p:sp>
-        <p:nvSpPr>
-          <p:cNvPr id="2" name="Slide Image Placeholder 1"/>
-          <p:cNvSpPr>
-            <a:spLocks noGrp="1" noRot="1" noChangeAspect="1"/>
-          </p:cNvSpPr>
-          <p:nvPr>
-            <p:ph type="sldImg"/>
-          </p:nvPr>
-        </p:nvSpPr>
-        <p:spPr/>
-      </p:sp>
-      <p:sp>
-        <p:nvSpPr>
-          <p:cNvPr id="3" name="Notes Placeholder 2"/>
-          <p:cNvSpPr>
-            <a:spLocks noGrp="1"/>
-          </p:cNvSpPr>
-          <p:nvPr>
-            <p:ph type="body" idx="1"/>
-          </p:nvPr>
-        </p:nvSpPr>
-        <p:spPr/>
-        <p:txBody>
-          <a:bodyPr/>
-          <a:lstStyle/>
-          <a:p>
-            <a:endParaRPr lang="en-US"/>
-          </a:p>
-        </p:txBody>
-      </p:sp>
-      <p:sp>
-        <p:nvSpPr>
-          <p:cNvPr id="7" name="Slide Number Placeholder 5">
-            <a:extLst>
-              <a:ext uri="{FF2B5EF4-FFF2-40B4-BE49-F238E27FC236}">
-                <a16:creationId xmlns:a16="http://schemas.microsoft.com/office/drawing/2014/main" id="{5049B984-F964-47FF-8179-0A3007CE21CD}"/>
-              </a:ext>
-            </a:extLst>
-          </p:cNvPr>
-          <p:cNvSpPr txBox="1">
-            <a:spLocks/>
-          </p:cNvSpPr>
-          <p:nvPr/>
-        </p:nvSpPr>
-        <p:spPr>
-          <a:xfrm>
-            <a:off x="6488999" y="8847000"/>
-            <a:ext cx="367414" cy="297000"/>
-          </a:xfrm>
-          <a:prstGeom prst="rect">
-            <a:avLst/>
-          </a:prstGeom>
-        </p:spPr>
-        <p:txBody>
-          <a:bodyPr vert="horz" lIns="91440" tIns="45720" rIns="91440" bIns="45720" rtlCol="0" anchor="b"/>
-          <a:lstStyle>
-            <a:defPPr>
-              <a:defRPr lang="en-US"/>
-            </a:defPPr>
-            <a:lvl1pPr marL="0" algn="r" defTabSz="914400" rtl="0" eaLnBrk="1" latinLnBrk="0" hangingPunct="1">
-              <a:defRPr sz="1200" kern="1200">
-                <a:solidFill>
-                  <a:schemeClr val="tx1"/>
-                </a:solidFill>
-                <a:latin typeface="+mn-lt"/>
-                <a:ea typeface="+mn-ea"/>
-                <a:cs typeface="+mn-cs"/>
-              </a:defRPr>
-            </a:lvl1pPr>
-            <a:lvl2pPr marL="457200" algn="l" defTabSz="914400" rtl="0" eaLnBrk="1" latinLnBrk="0" hangingPunct="1">
-              <a:defRPr sz="1800" kern="1200">
-                <a:solidFill>
-                  <a:schemeClr val="tx1"/>
-                </a:solidFill>
-                <a:latin typeface="+mn-lt"/>
-                <a:ea typeface="+mn-ea"/>
-                <a:cs typeface="+mn-cs"/>
-              </a:defRPr>
-            </a:lvl2pPr>
-            <a:lvl3pPr marL="914400" algn="l" defTabSz="914400" rtl="0" eaLnBrk="1" latinLnBrk="0" hangingPunct="1">
-              <a:defRPr sz="1800" kern="1200">
-                <a:solidFill>
-                  <a:schemeClr val="tx1"/>
-                </a:solidFill>
-                <a:latin typeface="+mn-lt"/>
-                <a:ea typeface="+mn-ea"/>
-                <a:cs typeface="+mn-cs"/>
-              </a:defRPr>
-            </a:lvl3pPr>
-            <a:lvl4pPr marL="1371600" algn="l" defTabSz="914400" rtl="0" eaLnBrk="1" latinLnBrk="0" hangingPunct="1">
-              <a:defRPr sz="1800" kern="1200">
-                <a:solidFill>
-                  <a:schemeClr val="tx1"/>
-                </a:solidFill>
-                <a:latin typeface="+mn-lt"/>
-                <a:ea typeface="+mn-ea"/>
-                <a:cs typeface="+mn-cs"/>
-              </a:defRPr>
-            </a:lvl4pPr>
-            <a:lvl5pPr marL="1828800" algn="l" defTabSz="914400" rtl="0" eaLnBrk="1" latinLnBrk="0" hangingPunct="1">
-              <a:defRPr sz="1800" kern="1200">
-                <a:solidFill>
-                  <a:schemeClr val="tx1"/>
-                </a:solidFill>
-                <a:latin typeface="+mn-lt"/>
-                <a:ea typeface="+mn-ea"/>
-                <a:cs typeface="+mn-cs"/>
-              </a:defRPr>
-            </a:lvl5pPr>
-            <a:lvl6pPr marL="2286000" algn="l" defTabSz="914400" rtl="0" eaLnBrk="1" latinLnBrk="0" hangingPunct="1">
-              <a:defRPr sz="1800" kern="1200">
-                <a:solidFill>
-                  <a:schemeClr val="tx1"/>
-                </a:solidFill>
-                <a:latin typeface="+mn-lt"/>
-                <a:ea typeface="+mn-ea"/>
-                <a:cs typeface="+mn-cs"/>
-              </a:defRPr>
-            </a:lvl6pPr>
-            <a:lvl7pPr marL="2743200" algn="l" defTabSz="914400" rtl="0" eaLnBrk="1" latinLnBrk="0" hangingPunct="1">
-              <a:defRPr sz="1800" kern="1200">
-                <a:solidFill>
-                  <a:schemeClr val="tx1"/>
-                </a:solidFill>
-                <a:latin typeface="+mn-lt"/>
-                <a:ea typeface="+mn-ea"/>
-                <a:cs typeface="+mn-cs"/>
-              </a:defRPr>
-            </a:lvl7pPr>
-            <a:lvl8pPr marL="3200400" algn="l" defTabSz="914400" rtl="0" eaLnBrk="1" latinLnBrk="0" hangingPunct="1">
-              <a:defRPr sz="1800" kern="1200">
-                <a:solidFill>
-                  <a:schemeClr val="tx1"/>
-                </a:solidFill>
-                <a:latin typeface="+mn-lt"/>
-                <a:ea typeface="+mn-ea"/>
-                <a:cs typeface="+mn-cs"/>
-              </a:defRPr>
-            </a:lvl8pPr>
-            <a:lvl9pPr marL="3657600" algn="l" defTabSz="914400" rtl="0" eaLnBrk="1" latinLnBrk="0" hangingPunct="1">
-              <a:defRPr sz="1800" kern="1200">
-                <a:solidFill>
-                  <a:schemeClr val="tx1"/>
-                </a:solidFill>
-                <a:latin typeface="+mn-lt"/>
-                <a:ea typeface="+mn-ea"/>
-                <a:cs typeface="+mn-cs"/>
-              </a:defRPr>
-            </a:lvl9pPr>
-          </a:lstStyle>
-          <a:p>
-            <a:fld id="{3EBA5BD7-F043-4D1B-AA17-CD412FC534DE}" type="slidenum">
-              <a:rPr lang="en-US" smtClean="0"/>
-              <a:pPr/>
-              <a:t>24</a:t>
-            </a:fld>
-            <a:endParaRPr lang="en-US" dirty="0"/>
-          </a:p>
-        </p:txBody>
-      </p:sp>
-      <p:sp>
-        <p:nvSpPr>
-          <p:cNvPr id="4" name="Footer Placeholder 3">
-            <a:extLst>
-              <a:ext uri="{FF2B5EF4-FFF2-40B4-BE49-F238E27FC236}">
-                <a16:creationId xmlns:a16="http://schemas.microsoft.com/office/drawing/2014/main" id="{8E059BE0-D868-413B-AAA1-1CC88D1F52C5}"/>
-              </a:ext>
-            </a:extLst>
-          </p:cNvPr>
-          <p:cNvSpPr>
-            <a:spLocks noGrp="1"/>
-          </p:cNvSpPr>
-          <p:nvPr>
-            <p:ph type="ftr" sz="quarter" idx="4"/>
-          </p:nvPr>
-        </p:nvSpPr>
-        <p:spPr/>
-        <p:txBody>
-          <a:bodyPr/>
-          <a:lstStyle/>
-          <a:p>
-            <a:r>
-              <a:rPr lang="en-US"/>
-              <a:t>© SoftUni – </a:t>
-            </a:r>
-            <a:r>
-              <a:rPr lang="en-US" u="sng">
-                <a:hlinkClick r:id="rId3"/>
-              </a:rPr>
-              <a:t>https://softuni.org</a:t>
-            </a:r>
-            <a:r>
-              <a:rPr lang="en-US"/>
-              <a:t>. Copyrighted document. Unauthorized copy or reproduction is not permitted.</a:t>
-            </a:r>
-            <a:endParaRPr lang="en-US" dirty="0"/>
-          </a:p>
-        </p:txBody>
-      </p:sp>
-    </p:spTree>
-    <p:extLst>
-      <p:ext uri="{BB962C8B-B14F-4D97-AF65-F5344CB8AC3E}">
-        <p14:creationId xmlns:p14="http://schemas.microsoft.com/office/powerpoint/2010/main" val="3466590374"/>
-      </p:ext>
-    </p:extLst>
-  </p:cSld>
-  <p:clrMapOvr>
-    <a:masterClrMapping/>
-  </p:clrMapOvr>
-</p:notes>
-</file>
-
-<file path=ppt/notesSlides/notesSlide25.xml><?xml version="1.0" encoding="utf-8"?>
-<p:notes xmlns:a="http://schemas.openxmlformats.org/drawingml/2006/main" xmlns:r="http://schemas.openxmlformats.org/officeDocument/2006/relationships" xmlns:p="http://schemas.openxmlformats.org/presentationml/2006/main">
-  <p:cSld>
-    <p:spTree>
-      <p:nvGrpSpPr>
-        <p:cNvPr id="1" name=""/>
-        <p:cNvGrpSpPr/>
-        <p:nvPr/>
-      </p:nvGrpSpPr>
-      <p:grpSpPr>
-        <a:xfrm>
-          <a:off x="0" y="0"/>
-          <a:ext cx="0" cy="0"/>
-          <a:chOff x="0" y="0"/>
-          <a:chExt cx="0" cy="0"/>
-        </a:xfrm>
-      </p:grpSpPr>
-      <p:sp>
-        <p:nvSpPr>
-          <p:cNvPr id="445442" name="Rectangle 2"/>
-          <p:cNvSpPr>
-            <a:spLocks noGrp="1" noRot="1" noChangeAspect="1" noChangeArrowheads="1" noTextEdit="1"/>
-          </p:cNvSpPr>
-          <p:nvPr>
-            <p:ph type="sldImg"/>
-          </p:nvPr>
-        </p:nvSpPr>
-        <p:spPr>
-          <a:ln/>
-        </p:spPr>
-      </p:sp>
-      <p:sp>
-        <p:nvSpPr>
-          <p:cNvPr id="445443" name="Rectangle 3"/>
-          <p:cNvSpPr>
-            <a:spLocks noGrp="1" noChangeArrowheads="1"/>
-          </p:cNvSpPr>
-          <p:nvPr>
-            <p:ph type="body" idx="1"/>
-          </p:nvPr>
-        </p:nvSpPr>
-        <p:spPr/>
-        <p:txBody>
-          <a:bodyPr/>
-          <a:lstStyle/>
-          <a:p>
-            <a:endParaRPr lang="bg-BG"/>
-          </a:p>
-        </p:txBody>
-      </p:sp>
-      <p:sp>
-        <p:nvSpPr>
-          <p:cNvPr id="5" name="Slide Number Placeholder 5">
-            <a:extLst>
-              <a:ext uri="{FF2B5EF4-FFF2-40B4-BE49-F238E27FC236}">
-                <a16:creationId xmlns:a16="http://schemas.microsoft.com/office/drawing/2014/main" id="{175F0223-87E3-4C05-91AA-A011DFE044FF}"/>
-              </a:ext>
-            </a:extLst>
-          </p:cNvPr>
-          <p:cNvSpPr txBox="1">
-            <a:spLocks/>
-          </p:cNvSpPr>
-          <p:nvPr/>
-        </p:nvSpPr>
-        <p:spPr>
-          <a:xfrm>
-            <a:off x="6488999" y="8847000"/>
-            <a:ext cx="367414" cy="297000"/>
-          </a:xfrm>
-          <a:prstGeom prst="rect">
-            <a:avLst/>
-          </a:prstGeom>
-        </p:spPr>
-        <p:txBody>
-          <a:bodyPr vert="horz" lIns="91440" tIns="45720" rIns="91440" bIns="45720" rtlCol="0" anchor="b"/>
-          <a:lstStyle>
-            <a:defPPr>
-              <a:defRPr lang="en-US"/>
-            </a:defPPr>
-            <a:lvl1pPr marL="0" algn="r" defTabSz="914400" rtl="0" eaLnBrk="1" latinLnBrk="0" hangingPunct="1">
-              <a:defRPr sz="1200" kern="1200">
-                <a:solidFill>
-                  <a:schemeClr val="tx1"/>
-                </a:solidFill>
-                <a:latin typeface="+mn-lt"/>
-                <a:ea typeface="+mn-ea"/>
-                <a:cs typeface="+mn-cs"/>
-              </a:defRPr>
-            </a:lvl1pPr>
-            <a:lvl2pPr marL="457200" algn="l" defTabSz="914400" rtl="0" eaLnBrk="1" latinLnBrk="0" hangingPunct="1">
-              <a:defRPr sz="1800" kern="1200">
-                <a:solidFill>
-                  <a:schemeClr val="tx1"/>
-                </a:solidFill>
-                <a:latin typeface="+mn-lt"/>
-                <a:ea typeface="+mn-ea"/>
-                <a:cs typeface="+mn-cs"/>
-              </a:defRPr>
-            </a:lvl2pPr>
-            <a:lvl3pPr marL="914400" algn="l" defTabSz="914400" rtl="0" eaLnBrk="1" latinLnBrk="0" hangingPunct="1">
-              <a:defRPr sz="1800" kern="1200">
-                <a:solidFill>
-                  <a:schemeClr val="tx1"/>
-                </a:solidFill>
-                <a:latin typeface="+mn-lt"/>
-                <a:ea typeface="+mn-ea"/>
-                <a:cs typeface="+mn-cs"/>
-              </a:defRPr>
-            </a:lvl3pPr>
-            <a:lvl4pPr marL="1371600" algn="l" defTabSz="914400" rtl="0" eaLnBrk="1" latinLnBrk="0" hangingPunct="1">
-              <a:defRPr sz="1800" kern="1200">
-                <a:solidFill>
-                  <a:schemeClr val="tx1"/>
-                </a:solidFill>
-                <a:latin typeface="+mn-lt"/>
-                <a:ea typeface="+mn-ea"/>
-                <a:cs typeface="+mn-cs"/>
-              </a:defRPr>
-            </a:lvl4pPr>
-            <a:lvl5pPr marL="1828800" algn="l" defTabSz="914400" rtl="0" eaLnBrk="1" latinLnBrk="0" hangingPunct="1">
-              <a:defRPr sz="1800" kern="1200">
-                <a:solidFill>
-                  <a:schemeClr val="tx1"/>
-                </a:solidFill>
-                <a:latin typeface="+mn-lt"/>
-                <a:ea typeface="+mn-ea"/>
-                <a:cs typeface="+mn-cs"/>
-              </a:defRPr>
-            </a:lvl5pPr>
-            <a:lvl6pPr marL="2286000" algn="l" defTabSz="914400" rtl="0" eaLnBrk="1" latinLnBrk="0" hangingPunct="1">
-              <a:defRPr sz="1800" kern="1200">
-                <a:solidFill>
-                  <a:schemeClr val="tx1"/>
-                </a:solidFill>
-                <a:latin typeface="+mn-lt"/>
-                <a:ea typeface="+mn-ea"/>
-                <a:cs typeface="+mn-cs"/>
-              </a:defRPr>
-            </a:lvl6pPr>
-            <a:lvl7pPr marL="2743200" algn="l" defTabSz="914400" rtl="0" eaLnBrk="1" latinLnBrk="0" hangingPunct="1">
-              <a:defRPr sz="1800" kern="1200">
-                <a:solidFill>
-                  <a:schemeClr val="tx1"/>
-                </a:solidFill>
-                <a:latin typeface="+mn-lt"/>
-                <a:ea typeface="+mn-ea"/>
-                <a:cs typeface="+mn-cs"/>
-              </a:defRPr>
-            </a:lvl7pPr>
-            <a:lvl8pPr marL="3200400" algn="l" defTabSz="914400" rtl="0" eaLnBrk="1" latinLnBrk="0" hangingPunct="1">
-              <a:defRPr sz="1800" kern="1200">
-                <a:solidFill>
-                  <a:schemeClr val="tx1"/>
-                </a:solidFill>
-                <a:latin typeface="+mn-lt"/>
-                <a:ea typeface="+mn-ea"/>
-                <a:cs typeface="+mn-cs"/>
-              </a:defRPr>
-            </a:lvl8pPr>
-            <a:lvl9pPr marL="3657600" algn="l" defTabSz="914400" rtl="0" eaLnBrk="1" latinLnBrk="0" hangingPunct="1">
-              <a:defRPr sz="1800" kern="1200">
-                <a:solidFill>
-                  <a:schemeClr val="tx1"/>
-                </a:solidFill>
-                <a:latin typeface="+mn-lt"/>
-                <a:ea typeface="+mn-ea"/>
-                <a:cs typeface="+mn-cs"/>
-              </a:defRPr>
-            </a:lvl9pPr>
-          </a:lstStyle>
-          <a:p>
-            <a:fld id="{3EBA5BD7-F043-4D1B-AA17-CD412FC534DE}" type="slidenum">
-              <a:rPr lang="en-US" smtClean="0"/>
-              <a:pPr/>
-              <a:t>25</a:t>
-            </a:fld>
-            <a:endParaRPr lang="en-US" dirty="0"/>
-          </a:p>
-        </p:txBody>
-      </p:sp>
-      <p:sp>
-        <p:nvSpPr>
-          <p:cNvPr id="2" name="Footer Placeholder 1">
-            <a:extLst>
-              <a:ext uri="{FF2B5EF4-FFF2-40B4-BE49-F238E27FC236}">
-                <a16:creationId xmlns:a16="http://schemas.microsoft.com/office/drawing/2014/main" id="{67E49F29-3F5C-4DB2-AA79-A17D5A6A902E}"/>
-              </a:ext>
-            </a:extLst>
-          </p:cNvPr>
-          <p:cNvSpPr>
-            <a:spLocks noGrp="1"/>
-          </p:cNvSpPr>
-          <p:nvPr>
-            <p:ph type="ftr" sz="quarter" idx="4"/>
-          </p:nvPr>
-        </p:nvSpPr>
-        <p:spPr/>
-        <p:txBody>
-          <a:bodyPr/>
-          <a:lstStyle/>
-          <a:p>
-            <a:r>
-              <a:rPr lang="en-US"/>
-              <a:t>© SoftUni – </a:t>
-            </a:r>
-            <a:r>
-              <a:rPr lang="en-US" u="sng">
-                <a:hlinkClick r:id="rId3"/>
-              </a:rPr>
-              <a:t>https://softuni.org</a:t>
-            </a:r>
-            <a:r>
-              <a:rPr lang="en-US"/>
-              <a:t>. Copyrighted document. Unauthorized copy or reproduction is not permitted.</a:t>
-            </a:r>
-            <a:endParaRPr lang="en-US" dirty="0"/>
-          </a:p>
-        </p:txBody>
-      </p:sp>
-    </p:spTree>
-    <p:extLst>
-      <p:ext uri="{BB962C8B-B14F-4D97-AF65-F5344CB8AC3E}">
-        <p14:creationId xmlns:p14="http://schemas.microsoft.com/office/powerpoint/2010/main" val="2149374032"/>
-      </p:ext>
-    </p:extLst>
-  </p:cSld>
-  <p:clrMapOvr>
-    <a:masterClrMapping/>
-  </p:clrMapOvr>
-</p:notes>
-</file>
-
-<file path=ppt/notesSlides/notesSlide26.xml><?xml version="1.0" encoding="utf-8"?>
-<p:notes xmlns:a="http://schemas.openxmlformats.org/drawingml/2006/main" xmlns:r="http://schemas.openxmlformats.org/officeDocument/2006/relationships" xmlns:p="http://schemas.openxmlformats.org/presentationml/2006/main">
-  <p:cSld>
-    <p:spTree>
-      <p:nvGrpSpPr>
-        <p:cNvPr id="1" name=""/>
-        <p:cNvGrpSpPr/>
-        <p:nvPr/>
-      </p:nvGrpSpPr>
-      <p:grpSpPr>
-        <a:xfrm>
-          <a:off x="0" y="0"/>
-          <a:ext cx="0" cy="0"/>
-          <a:chOff x="0" y="0"/>
-          <a:chExt cx="0" cy="0"/>
-        </a:xfrm>
-      </p:grpSpPr>
-      <p:sp>
-        <p:nvSpPr>
-          <p:cNvPr id="445442" name="Rectangle 2"/>
-          <p:cNvSpPr>
-            <a:spLocks noGrp="1" noRot="1" noChangeAspect="1" noChangeArrowheads="1" noTextEdit="1"/>
-          </p:cNvSpPr>
-          <p:nvPr>
-            <p:ph type="sldImg"/>
-          </p:nvPr>
-        </p:nvSpPr>
-        <p:spPr>
-          <a:ln/>
-        </p:spPr>
-      </p:sp>
-      <p:sp>
-        <p:nvSpPr>
-          <p:cNvPr id="445443" name="Rectangle 3"/>
-          <p:cNvSpPr>
-            <a:spLocks noGrp="1" noChangeArrowheads="1"/>
-          </p:cNvSpPr>
-          <p:nvPr>
-            <p:ph type="body" idx="1"/>
-          </p:nvPr>
-        </p:nvSpPr>
-        <p:spPr/>
-        <p:txBody>
-          <a:bodyPr/>
-          <a:lstStyle/>
-          <a:p>
-            <a:endParaRPr lang="bg-BG"/>
-          </a:p>
-        </p:txBody>
-      </p:sp>
-      <p:sp>
-        <p:nvSpPr>
-          <p:cNvPr id="5" name="Slide Number Placeholder 5">
-            <a:extLst>
-              <a:ext uri="{FF2B5EF4-FFF2-40B4-BE49-F238E27FC236}">
-                <a16:creationId xmlns:a16="http://schemas.microsoft.com/office/drawing/2014/main" id="{354D6516-9CC1-4493-A2E3-B2CCC2456BB3}"/>
-              </a:ext>
-            </a:extLst>
-          </p:cNvPr>
-          <p:cNvSpPr txBox="1">
-            <a:spLocks/>
-          </p:cNvSpPr>
-          <p:nvPr/>
-        </p:nvSpPr>
-        <p:spPr>
-          <a:xfrm>
-            <a:off x="6488999" y="8847000"/>
-            <a:ext cx="367414" cy="297000"/>
-          </a:xfrm>
-          <a:prstGeom prst="rect">
-            <a:avLst/>
-          </a:prstGeom>
-        </p:spPr>
-        <p:txBody>
-          <a:bodyPr vert="horz" lIns="91440" tIns="45720" rIns="91440" bIns="45720" rtlCol="0" anchor="b"/>
-          <a:lstStyle>
-            <a:defPPr>
-              <a:defRPr lang="en-US"/>
-            </a:defPPr>
-            <a:lvl1pPr marL="0" algn="r" defTabSz="914400" rtl="0" eaLnBrk="1" latinLnBrk="0" hangingPunct="1">
-              <a:defRPr sz="1200" kern="1200">
-                <a:solidFill>
-                  <a:schemeClr val="tx1"/>
-                </a:solidFill>
-                <a:latin typeface="+mn-lt"/>
-                <a:ea typeface="+mn-ea"/>
-                <a:cs typeface="+mn-cs"/>
-              </a:defRPr>
-            </a:lvl1pPr>
-            <a:lvl2pPr marL="457200" algn="l" defTabSz="914400" rtl="0" eaLnBrk="1" latinLnBrk="0" hangingPunct="1">
-              <a:defRPr sz="1800" kern="1200">
-                <a:solidFill>
-                  <a:schemeClr val="tx1"/>
-                </a:solidFill>
-                <a:latin typeface="+mn-lt"/>
-                <a:ea typeface="+mn-ea"/>
-                <a:cs typeface="+mn-cs"/>
-              </a:defRPr>
-            </a:lvl2pPr>
-            <a:lvl3pPr marL="914400" algn="l" defTabSz="914400" rtl="0" eaLnBrk="1" latinLnBrk="0" hangingPunct="1">
-              <a:defRPr sz="1800" kern="1200">
-                <a:solidFill>
-                  <a:schemeClr val="tx1"/>
-                </a:solidFill>
-                <a:latin typeface="+mn-lt"/>
-                <a:ea typeface="+mn-ea"/>
-                <a:cs typeface="+mn-cs"/>
-              </a:defRPr>
-            </a:lvl3pPr>
-            <a:lvl4pPr marL="1371600" algn="l" defTabSz="914400" rtl="0" eaLnBrk="1" latinLnBrk="0" hangingPunct="1">
-              <a:defRPr sz="1800" kern="1200">
-                <a:solidFill>
-                  <a:schemeClr val="tx1"/>
-                </a:solidFill>
-                <a:latin typeface="+mn-lt"/>
-                <a:ea typeface="+mn-ea"/>
-                <a:cs typeface="+mn-cs"/>
-              </a:defRPr>
-            </a:lvl4pPr>
-            <a:lvl5pPr marL="1828800" algn="l" defTabSz="914400" rtl="0" eaLnBrk="1" latinLnBrk="0" hangingPunct="1">
-              <a:defRPr sz="1800" kern="1200">
-                <a:solidFill>
-                  <a:schemeClr val="tx1"/>
-                </a:solidFill>
-                <a:latin typeface="+mn-lt"/>
-                <a:ea typeface="+mn-ea"/>
-                <a:cs typeface="+mn-cs"/>
-              </a:defRPr>
-            </a:lvl5pPr>
-            <a:lvl6pPr marL="2286000" algn="l" defTabSz="914400" rtl="0" eaLnBrk="1" latinLnBrk="0" hangingPunct="1">
-              <a:defRPr sz="1800" kern="1200">
-                <a:solidFill>
-                  <a:schemeClr val="tx1"/>
-                </a:solidFill>
-                <a:latin typeface="+mn-lt"/>
-                <a:ea typeface="+mn-ea"/>
-                <a:cs typeface="+mn-cs"/>
-              </a:defRPr>
-            </a:lvl6pPr>
-            <a:lvl7pPr marL="2743200" algn="l" defTabSz="914400" rtl="0" eaLnBrk="1" latinLnBrk="0" hangingPunct="1">
-              <a:defRPr sz="1800" kern="1200">
-                <a:solidFill>
-                  <a:schemeClr val="tx1"/>
-                </a:solidFill>
-                <a:latin typeface="+mn-lt"/>
-                <a:ea typeface="+mn-ea"/>
-                <a:cs typeface="+mn-cs"/>
-              </a:defRPr>
-            </a:lvl7pPr>
-            <a:lvl8pPr marL="3200400" algn="l" defTabSz="914400" rtl="0" eaLnBrk="1" latinLnBrk="0" hangingPunct="1">
-              <a:defRPr sz="1800" kern="1200">
-                <a:solidFill>
-                  <a:schemeClr val="tx1"/>
-                </a:solidFill>
-                <a:latin typeface="+mn-lt"/>
-                <a:ea typeface="+mn-ea"/>
-                <a:cs typeface="+mn-cs"/>
-              </a:defRPr>
-            </a:lvl8pPr>
-            <a:lvl9pPr marL="3657600" algn="l" defTabSz="914400" rtl="0" eaLnBrk="1" latinLnBrk="0" hangingPunct="1">
-              <a:defRPr sz="1800" kern="1200">
-                <a:solidFill>
-                  <a:schemeClr val="tx1"/>
-                </a:solidFill>
-                <a:latin typeface="+mn-lt"/>
-                <a:ea typeface="+mn-ea"/>
-                <a:cs typeface="+mn-cs"/>
-              </a:defRPr>
-            </a:lvl9pPr>
-          </a:lstStyle>
-          <a:p>
-            <a:fld id="{3EBA5BD7-F043-4D1B-AA17-CD412FC534DE}" type="slidenum">
-              <a:rPr lang="en-US" smtClean="0"/>
-              <a:pPr/>
-              <a:t>26</a:t>
-            </a:fld>
-            <a:endParaRPr lang="en-US" dirty="0"/>
-          </a:p>
-        </p:txBody>
-      </p:sp>
-      <p:sp>
-        <p:nvSpPr>
-          <p:cNvPr id="2" name="Footer Placeholder 1">
-            <a:extLst>
-              <a:ext uri="{FF2B5EF4-FFF2-40B4-BE49-F238E27FC236}">
-                <a16:creationId xmlns:a16="http://schemas.microsoft.com/office/drawing/2014/main" id="{FAC1A616-39F7-4D90-A521-962C4018BF22}"/>
-              </a:ext>
-            </a:extLst>
-          </p:cNvPr>
-          <p:cNvSpPr>
-            <a:spLocks noGrp="1"/>
-          </p:cNvSpPr>
-          <p:nvPr>
-            <p:ph type="ftr" sz="quarter" idx="4"/>
-          </p:nvPr>
-        </p:nvSpPr>
-        <p:spPr/>
-        <p:txBody>
-          <a:bodyPr/>
-          <a:lstStyle/>
-          <a:p>
-            <a:r>
-              <a:rPr lang="en-US"/>
-              <a:t>© SoftUni – </a:t>
-            </a:r>
-            <a:r>
-              <a:rPr lang="en-US" u="sng">
-                <a:hlinkClick r:id="rId3"/>
-              </a:rPr>
-              <a:t>https://softuni.org</a:t>
-            </a:r>
-            <a:r>
-              <a:rPr lang="en-US"/>
-              <a:t>. Copyrighted document. Unauthorized copy or reproduction is not permitted.</a:t>
-            </a:r>
-            <a:endParaRPr lang="en-US" dirty="0"/>
-          </a:p>
-        </p:txBody>
-      </p:sp>
-    </p:spTree>
-    <p:extLst>
-      <p:ext uri="{BB962C8B-B14F-4D97-AF65-F5344CB8AC3E}">
-        <p14:creationId xmlns:p14="http://schemas.microsoft.com/office/powerpoint/2010/main" val="2322673195"/>
-      </p:ext>
-    </p:extLst>
-  </p:cSld>
-  <p:clrMapOvr>
-    <a:masterClrMapping/>
-  </p:clrMapOvr>
-</p:notes>
-</file>
-
-<file path=ppt/notesSlides/notesSlide27.xml><?xml version="1.0" encoding="utf-8"?>
-<p:notes xmlns:a="http://schemas.openxmlformats.org/drawingml/2006/main" xmlns:r="http://schemas.openxmlformats.org/officeDocument/2006/relationships" xmlns:p="http://schemas.openxmlformats.org/presentationml/2006/main">
-  <p:cSld>
-    <p:spTree>
-      <p:nvGrpSpPr>
-        <p:cNvPr id="1" name=""/>
-        <p:cNvGrpSpPr/>
-        <p:nvPr/>
-      </p:nvGrpSpPr>
-      <p:grpSpPr>
-        <a:xfrm>
-          <a:off x="0" y="0"/>
-          <a:ext cx="0" cy="0"/>
-          <a:chOff x="0" y="0"/>
-          <a:chExt cx="0" cy="0"/>
-        </a:xfrm>
-      </p:grpSpPr>
-      <p:sp>
-        <p:nvSpPr>
-          <p:cNvPr id="2" name="Slide Image Placeholder 1"/>
-          <p:cNvSpPr>
-            <a:spLocks noGrp="1" noRot="1" noChangeAspect="1"/>
-          </p:cNvSpPr>
-          <p:nvPr>
-            <p:ph type="sldImg"/>
-          </p:nvPr>
-        </p:nvSpPr>
-        <p:spPr/>
-      </p:sp>
-      <p:sp>
-        <p:nvSpPr>
-          <p:cNvPr id="3" name="Notes Placeholder 2"/>
-          <p:cNvSpPr>
-            <a:spLocks noGrp="1"/>
-          </p:cNvSpPr>
-          <p:nvPr>
-            <p:ph type="body" idx="1"/>
-          </p:nvPr>
-        </p:nvSpPr>
-        <p:spPr/>
-        <p:txBody>
-          <a:bodyPr/>
-          <a:lstStyle/>
-          <a:p>
-            <a:endParaRPr lang="en-US"/>
-          </a:p>
-        </p:txBody>
-      </p:sp>
-      <p:sp>
-        <p:nvSpPr>
           <p:cNvPr id="6" name="Slide Number Placeholder 5">
             <a:extLst>
               <a:ext uri="{FF2B5EF4-FFF2-40B4-BE49-F238E27FC236}">
@@ -5247,7 +4309,7 @@
             <a:fld id="{3EBA5BD7-F043-4D1B-AA17-CD412FC534DE}" type="slidenum">
               <a:rPr lang="en-US" smtClean="0"/>
               <a:pPr/>
-              <a:t>27</a:t>
+              <a:t>23</a:t>
             </a:fld>
             <a:endParaRPr lang="en-US" dirty="0"/>
           </a:p>
@@ -5296,466 +4358,6 @@
     <p:extLst>
       <p:ext uri="{BB962C8B-B14F-4D97-AF65-F5344CB8AC3E}">
         <p14:creationId xmlns:p14="http://schemas.microsoft.com/office/powerpoint/2010/main" val="729041308"/>
-      </p:ext>
-    </p:extLst>
-  </p:cSld>
-  <p:clrMapOvr>
-    <a:masterClrMapping/>
-  </p:clrMapOvr>
-</p:notes>
-</file>
-
-<file path=ppt/notesSlides/notesSlide28.xml><?xml version="1.0" encoding="utf-8"?>
-<p:notes xmlns:a="http://schemas.openxmlformats.org/drawingml/2006/main" xmlns:r="http://schemas.openxmlformats.org/officeDocument/2006/relationships" xmlns:p="http://schemas.openxmlformats.org/presentationml/2006/main">
-  <p:cSld>
-    <p:spTree>
-      <p:nvGrpSpPr>
-        <p:cNvPr id="1" name=""/>
-        <p:cNvGrpSpPr/>
-        <p:nvPr/>
-      </p:nvGrpSpPr>
-      <p:grpSpPr>
-        <a:xfrm>
-          <a:off x="0" y="0"/>
-          <a:ext cx="0" cy="0"/>
-          <a:chOff x="0" y="0"/>
-          <a:chExt cx="0" cy="0"/>
-        </a:xfrm>
-      </p:grpSpPr>
-      <p:sp>
-        <p:nvSpPr>
-          <p:cNvPr id="2" name="Slide Image Placeholder 1"/>
-          <p:cNvSpPr>
-            <a:spLocks noGrp="1" noRot="1" noChangeAspect="1"/>
-          </p:cNvSpPr>
-          <p:nvPr>
-            <p:ph type="sldImg"/>
-          </p:nvPr>
-        </p:nvSpPr>
-        <p:spPr/>
-      </p:sp>
-      <p:sp>
-        <p:nvSpPr>
-          <p:cNvPr id="3" name="Notes Placeholder 2"/>
-          <p:cNvSpPr>
-            <a:spLocks noGrp="1"/>
-          </p:cNvSpPr>
-          <p:nvPr>
-            <p:ph type="body" idx="1"/>
-          </p:nvPr>
-        </p:nvSpPr>
-        <p:spPr/>
-        <p:txBody>
-          <a:bodyPr/>
-          <a:lstStyle/>
-          <a:p>
-            <a:endParaRPr lang="en-US"/>
-          </a:p>
-        </p:txBody>
-      </p:sp>
-      <p:sp>
-        <p:nvSpPr>
-          <p:cNvPr id="6" name="Slide Number Placeholder 5">
-            <a:extLst>
-              <a:ext uri="{FF2B5EF4-FFF2-40B4-BE49-F238E27FC236}">
-                <a16:creationId xmlns:a16="http://schemas.microsoft.com/office/drawing/2014/main" id="{6627548A-4D3C-449B-81A5-FA4BE4628490}"/>
-              </a:ext>
-            </a:extLst>
-          </p:cNvPr>
-          <p:cNvSpPr txBox="1">
-            <a:spLocks/>
-          </p:cNvSpPr>
-          <p:nvPr/>
-        </p:nvSpPr>
-        <p:spPr>
-          <a:xfrm>
-            <a:off x="6488999" y="8847000"/>
-            <a:ext cx="367414" cy="297000"/>
-          </a:xfrm>
-          <a:prstGeom prst="rect">
-            <a:avLst/>
-          </a:prstGeom>
-        </p:spPr>
-        <p:txBody>
-          <a:bodyPr vert="horz" lIns="91440" tIns="45720" rIns="91440" bIns="45720" rtlCol="0" anchor="b"/>
-          <a:lstStyle>
-            <a:defPPr>
-              <a:defRPr lang="en-US"/>
-            </a:defPPr>
-            <a:lvl1pPr marL="0" algn="r" defTabSz="914400" rtl="0" eaLnBrk="1" latinLnBrk="0" hangingPunct="1">
-              <a:defRPr sz="1200" kern="1200">
-                <a:solidFill>
-                  <a:schemeClr val="tx1"/>
-                </a:solidFill>
-                <a:latin typeface="+mn-lt"/>
-                <a:ea typeface="+mn-ea"/>
-                <a:cs typeface="+mn-cs"/>
-              </a:defRPr>
-            </a:lvl1pPr>
-            <a:lvl2pPr marL="457200" algn="l" defTabSz="914400" rtl="0" eaLnBrk="1" latinLnBrk="0" hangingPunct="1">
-              <a:defRPr sz="1800" kern="1200">
-                <a:solidFill>
-                  <a:schemeClr val="tx1"/>
-                </a:solidFill>
-                <a:latin typeface="+mn-lt"/>
-                <a:ea typeface="+mn-ea"/>
-                <a:cs typeface="+mn-cs"/>
-              </a:defRPr>
-            </a:lvl2pPr>
-            <a:lvl3pPr marL="914400" algn="l" defTabSz="914400" rtl="0" eaLnBrk="1" latinLnBrk="0" hangingPunct="1">
-              <a:defRPr sz="1800" kern="1200">
-                <a:solidFill>
-                  <a:schemeClr val="tx1"/>
-                </a:solidFill>
-                <a:latin typeface="+mn-lt"/>
-                <a:ea typeface="+mn-ea"/>
-                <a:cs typeface="+mn-cs"/>
-              </a:defRPr>
-            </a:lvl3pPr>
-            <a:lvl4pPr marL="1371600" algn="l" defTabSz="914400" rtl="0" eaLnBrk="1" latinLnBrk="0" hangingPunct="1">
-              <a:defRPr sz="1800" kern="1200">
-                <a:solidFill>
-                  <a:schemeClr val="tx1"/>
-                </a:solidFill>
-                <a:latin typeface="+mn-lt"/>
-                <a:ea typeface="+mn-ea"/>
-                <a:cs typeface="+mn-cs"/>
-              </a:defRPr>
-            </a:lvl4pPr>
-            <a:lvl5pPr marL="1828800" algn="l" defTabSz="914400" rtl="0" eaLnBrk="1" latinLnBrk="0" hangingPunct="1">
-              <a:defRPr sz="1800" kern="1200">
-                <a:solidFill>
-                  <a:schemeClr val="tx1"/>
-                </a:solidFill>
-                <a:latin typeface="+mn-lt"/>
-                <a:ea typeface="+mn-ea"/>
-                <a:cs typeface="+mn-cs"/>
-              </a:defRPr>
-            </a:lvl5pPr>
-            <a:lvl6pPr marL="2286000" algn="l" defTabSz="914400" rtl="0" eaLnBrk="1" latinLnBrk="0" hangingPunct="1">
-              <a:defRPr sz="1800" kern="1200">
-                <a:solidFill>
-                  <a:schemeClr val="tx1"/>
-                </a:solidFill>
-                <a:latin typeface="+mn-lt"/>
-                <a:ea typeface="+mn-ea"/>
-                <a:cs typeface="+mn-cs"/>
-              </a:defRPr>
-            </a:lvl6pPr>
-            <a:lvl7pPr marL="2743200" algn="l" defTabSz="914400" rtl="0" eaLnBrk="1" latinLnBrk="0" hangingPunct="1">
-              <a:defRPr sz="1800" kern="1200">
-                <a:solidFill>
-                  <a:schemeClr val="tx1"/>
-                </a:solidFill>
-                <a:latin typeface="+mn-lt"/>
-                <a:ea typeface="+mn-ea"/>
-                <a:cs typeface="+mn-cs"/>
-              </a:defRPr>
-            </a:lvl7pPr>
-            <a:lvl8pPr marL="3200400" algn="l" defTabSz="914400" rtl="0" eaLnBrk="1" latinLnBrk="0" hangingPunct="1">
-              <a:defRPr sz="1800" kern="1200">
-                <a:solidFill>
-                  <a:schemeClr val="tx1"/>
-                </a:solidFill>
-                <a:latin typeface="+mn-lt"/>
-                <a:ea typeface="+mn-ea"/>
-                <a:cs typeface="+mn-cs"/>
-              </a:defRPr>
-            </a:lvl8pPr>
-            <a:lvl9pPr marL="3657600" algn="l" defTabSz="914400" rtl="0" eaLnBrk="1" latinLnBrk="0" hangingPunct="1">
-              <a:defRPr sz="1800" kern="1200">
-                <a:solidFill>
-                  <a:schemeClr val="tx1"/>
-                </a:solidFill>
-                <a:latin typeface="+mn-lt"/>
-                <a:ea typeface="+mn-ea"/>
-                <a:cs typeface="+mn-cs"/>
-              </a:defRPr>
-            </a:lvl9pPr>
-          </a:lstStyle>
-          <a:p>
-            <a:fld id="{3EBA5BD7-F043-4D1B-AA17-CD412FC534DE}" type="slidenum">
-              <a:rPr lang="en-US" smtClean="0"/>
-              <a:pPr/>
-              <a:t>28</a:t>
-            </a:fld>
-            <a:endParaRPr lang="en-US" dirty="0"/>
-          </a:p>
-        </p:txBody>
-      </p:sp>
-      <p:sp>
-        <p:nvSpPr>
-          <p:cNvPr id="4" name="Footer Placeholder 3">
-            <a:extLst>
-              <a:ext uri="{FF2B5EF4-FFF2-40B4-BE49-F238E27FC236}">
-                <a16:creationId xmlns:a16="http://schemas.microsoft.com/office/drawing/2014/main" id="{D2472CE7-61C1-4B7B-B0C8-5A45F0178717}"/>
-              </a:ext>
-            </a:extLst>
-          </p:cNvPr>
-          <p:cNvSpPr>
-            <a:spLocks noGrp="1"/>
-          </p:cNvSpPr>
-          <p:nvPr>
-            <p:ph type="ftr" sz="quarter" idx="4"/>
-          </p:nvPr>
-        </p:nvSpPr>
-        <p:spPr/>
-        <p:txBody>
-          <a:bodyPr/>
-          <a:lstStyle/>
-          <a:p>
-            <a:r>
-              <a:rPr lang="en-US"/>
-              <a:t>© SoftUni – </a:t>
-            </a:r>
-            <a:r>
-              <a:rPr lang="en-US" u="sng">
-                <a:hlinkClick r:id="rId3"/>
-              </a:rPr>
-              <a:t>https://softuni.org</a:t>
-            </a:r>
-            <a:r>
-              <a:rPr lang="en-US"/>
-              <a:t>. Copyrighted document. Unauthorized copy or reproduction is not permitted.</a:t>
-            </a:r>
-            <a:endParaRPr lang="en-US" dirty="0"/>
-          </a:p>
-        </p:txBody>
-      </p:sp>
-    </p:spTree>
-    <p:extLst>
-      <p:ext uri="{BB962C8B-B14F-4D97-AF65-F5344CB8AC3E}">
-        <p14:creationId xmlns:p14="http://schemas.microsoft.com/office/powerpoint/2010/main" val="3648844402"/>
-      </p:ext>
-    </p:extLst>
-  </p:cSld>
-  <p:clrMapOvr>
-    <a:masterClrMapping/>
-  </p:clrMapOvr>
-</p:notes>
-</file>
-
-<file path=ppt/notesSlides/notesSlide29.xml><?xml version="1.0" encoding="utf-8"?>
-<p:notes xmlns:a="http://schemas.openxmlformats.org/drawingml/2006/main" xmlns:r="http://schemas.openxmlformats.org/officeDocument/2006/relationships" xmlns:p="http://schemas.openxmlformats.org/presentationml/2006/main">
-  <p:cSld>
-    <p:spTree>
-      <p:nvGrpSpPr>
-        <p:cNvPr id="1" name=""/>
-        <p:cNvGrpSpPr/>
-        <p:nvPr/>
-      </p:nvGrpSpPr>
-      <p:grpSpPr>
-        <a:xfrm>
-          <a:off x="0" y="0"/>
-          <a:ext cx="0" cy="0"/>
-          <a:chOff x="0" y="0"/>
-          <a:chExt cx="0" cy="0"/>
-        </a:xfrm>
-      </p:grpSpPr>
-      <p:sp>
-        <p:nvSpPr>
-          <p:cNvPr id="2" name="Slide Image Placeholder 1"/>
-          <p:cNvSpPr>
-            <a:spLocks noGrp="1" noRot="1" noChangeAspect="1"/>
-          </p:cNvSpPr>
-          <p:nvPr>
-            <p:ph type="sldImg"/>
-          </p:nvPr>
-        </p:nvSpPr>
-        <p:spPr/>
-      </p:sp>
-      <p:sp>
-        <p:nvSpPr>
-          <p:cNvPr id="3" name="Notes Placeholder 2"/>
-          <p:cNvSpPr>
-            <a:spLocks noGrp="1"/>
-          </p:cNvSpPr>
-          <p:nvPr>
-            <p:ph type="body" idx="1"/>
-          </p:nvPr>
-        </p:nvSpPr>
-        <p:spPr/>
-        <p:txBody>
-          <a:bodyPr/>
-          <a:lstStyle/>
-          <a:p>
-            <a:endParaRPr lang="en-US"/>
-          </a:p>
-        </p:txBody>
-      </p:sp>
-      <p:sp>
-        <p:nvSpPr>
-          <p:cNvPr id="7" name="Slide Number Placeholder 5">
-            <a:extLst>
-              <a:ext uri="{FF2B5EF4-FFF2-40B4-BE49-F238E27FC236}">
-                <a16:creationId xmlns:a16="http://schemas.microsoft.com/office/drawing/2014/main" id="{5D1C0779-821B-433B-AB3A-0953EE966C7E}"/>
-              </a:ext>
-            </a:extLst>
-          </p:cNvPr>
-          <p:cNvSpPr txBox="1">
-            <a:spLocks/>
-          </p:cNvSpPr>
-          <p:nvPr/>
-        </p:nvSpPr>
-        <p:spPr>
-          <a:xfrm>
-            <a:off x="6488999" y="8847000"/>
-            <a:ext cx="367414" cy="297000"/>
-          </a:xfrm>
-          <a:prstGeom prst="rect">
-            <a:avLst/>
-          </a:prstGeom>
-        </p:spPr>
-        <p:txBody>
-          <a:bodyPr vert="horz" lIns="91440" tIns="45720" rIns="91440" bIns="45720" rtlCol="0" anchor="b"/>
-          <a:lstStyle>
-            <a:defPPr>
-              <a:defRPr lang="en-US"/>
-            </a:defPPr>
-            <a:lvl1pPr marL="0" algn="r" defTabSz="914400" rtl="0" eaLnBrk="1" latinLnBrk="0" hangingPunct="1">
-              <a:defRPr sz="1200" kern="1200">
-                <a:solidFill>
-                  <a:schemeClr val="tx1"/>
-                </a:solidFill>
-                <a:latin typeface="+mn-lt"/>
-                <a:ea typeface="+mn-ea"/>
-                <a:cs typeface="+mn-cs"/>
-              </a:defRPr>
-            </a:lvl1pPr>
-            <a:lvl2pPr marL="457200" algn="l" defTabSz="914400" rtl="0" eaLnBrk="1" latinLnBrk="0" hangingPunct="1">
-              <a:defRPr sz="1800" kern="1200">
-                <a:solidFill>
-                  <a:schemeClr val="tx1"/>
-                </a:solidFill>
-                <a:latin typeface="+mn-lt"/>
-                <a:ea typeface="+mn-ea"/>
-                <a:cs typeface="+mn-cs"/>
-              </a:defRPr>
-            </a:lvl2pPr>
-            <a:lvl3pPr marL="914400" algn="l" defTabSz="914400" rtl="0" eaLnBrk="1" latinLnBrk="0" hangingPunct="1">
-              <a:defRPr sz="1800" kern="1200">
-                <a:solidFill>
-                  <a:schemeClr val="tx1"/>
-                </a:solidFill>
-                <a:latin typeface="+mn-lt"/>
-                <a:ea typeface="+mn-ea"/>
-                <a:cs typeface="+mn-cs"/>
-              </a:defRPr>
-            </a:lvl3pPr>
-            <a:lvl4pPr marL="1371600" algn="l" defTabSz="914400" rtl="0" eaLnBrk="1" latinLnBrk="0" hangingPunct="1">
-              <a:defRPr sz="1800" kern="1200">
-                <a:solidFill>
-                  <a:schemeClr val="tx1"/>
-                </a:solidFill>
-                <a:latin typeface="+mn-lt"/>
-                <a:ea typeface="+mn-ea"/>
-                <a:cs typeface="+mn-cs"/>
-              </a:defRPr>
-            </a:lvl4pPr>
-            <a:lvl5pPr marL="1828800" algn="l" defTabSz="914400" rtl="0" eaLnBrk="1" latinLnBrk="0" hangingPunct="1">
-              <a:defRPr sz="1800" kern="1200">
-                <a:solidFill>
-                  <a:schemeClr val="tx1"/>
-                </a:solidFill>
-                <a:latin typeface="+mn-lt"/>
-                <a:ea typeface="+mn-ea"/>
-                <a:cs typeface="+mn-cs"/>
-              </a:defRPr>
-            </a:lvl5pPr>
-            <a:lvl6pPr marL="2286000" algn="l" defTabSz="914400" rtl="0" eaLnBrk="1" latinLnBrk="0" hangingPunct="1">
-              <a:defRPr sz="1800" kern="1200">
-                <a:solidFill>
-                  <a:schemeClr val="tx1"/>
-                </a:solidFill>
-                <a:latin typeface="+mn-lt"/>
-                <a:ea typeface="+mn-ea"/>
-                <a:cs typeface="+mn-cs"/>
-              </a:defRPr>
-            </a:lvl6pPr>
-            <a:lvl7pPr marL="2743200" algn="l" defTabSz="914400" rtl="0" eaLnBrk="1" latinLnBrk="0" hangingPunct="1">
-              <a:defRPr sz="1800" kern="1200">
-                <a:solidFill>
-                  <a:schemeClr val="tx1"/>
-                </a:solidFill>
-                <a:latin typeface="+mn-lt"/>
-                <a:ea typeface="+mn-ea"/>
-                <a:cs typeface="+mn-cs"/>
-              </a:defRPr>
-            </a:lvl7pPr>
-            <a:lvl8pPr marL="3200400" algn="l" defTabSz="914400" rtl="0" eaLnBrk="1" latinLnBrk="0" hangingPunct="1">
-              <a:defRPr sz="1800" kern="1200">
-                <a:solidFill>
-                  <a:schemeClr val="tx1"/>
-                </a:solidFill>
-                <a:latin typeface="+mn-lt"/>
-                <a:ea typeface="+mn-ea"/>
-                <a:cs typeface="+mn-cs"/>
-              </a:defRPr>
-            </a:lvl8pPr>
-            <a:lvl9pPr marL="3657600" algn="l" defTabSz="914400" rtl="0" eaLnBrk="1" latinLnBrk="0" hangingPunct="1">
-              <a:defRPr sz="1800" kern="1200">
-                <a:solidFill>
-                  <a:schemeClr val="tx1"/>
-                </a:solidFill>
-                <a:latin typeface="+mn-lt"/>
-                <a:ea typeface="+mn-ea"/>
-                <a:cs typeface="+mn-cs"/>
-              </a:defRPr>
-            </a:lvl9pPr>
-          </a:lstStyle>
-          <a:p>
-            <a:fld id="{3EBA5BD7-F043-4D1B-AA17-CD412FC534DE}" type="slidenum">
-              <a:rPr lang="en-US" smtClean="0"/>
-              <a:pPr/>
-              <a:t>29</a:t>
-            </a:fld>
-            <a:endParaRPr lang="en-US" dirty="0"/>
-          </a:p>
-        </p:txBody>
-      </p:sp>
-      <p:sp>
-        <p:nvSpPr>
-          <p:cNvPr id="4" name="Footer Placeholder 3">
-            <a:extLst>
-              <a:ext uri="{FF2B5EF4-FFF2-40B4-BE49-F238E27FC236}">
-                <a16:creationId xmlns:a16="http://schemas.microsoft.com/office/drawing/2014/main" id="{14DC77F2-5C89-4F9E-B2E0-8026E1A64010}"/>
-              </a:ext>
-            </a:extLst>
-          </p:cNvPr>
-          <p:cNvSpPr>
-            <a:spLocks noGrp="1"/>
-          </p:cNvSpPr>
-          <p:nvPr>
-            <p:ph type="ftr" sz="quarter" idx="4"/>
-          </p:nvPr>
-        </p:nvSpPr>
-        <p:spPr/>
-        <p:txBody>
-          <a:bodyPr/>
-          <a:lstStyle/>
-          <a:p>
-            <a:r>
-              <a:rPr lang="en-US"/>
-              <a:t>© SoftUni – </a:t>
-            </a:r>
-            <a:r>
-              <a:rPr lang="en-US" u="sng">
-                <a:hlinkClick r:id="rId3"/>
-              </a:rPr>
-              <a:t>https://softuni.org</a:t>
-            </a:r>
-            <a:r>
-              <a:rPr lang="en-US"/>
-              <a:t>. Copyrighted document. Unauthorized copy or reproduction is not permitted.</a:t>
-            </a:r>
-            <a:endParaRPr lang="en-US" dirty="0"/>
-          </a:p>
-        </p:txBody>
-      </p:sp>
-    </p:spTree>
-    <p:extLst>
-      <p:ext uri="{BB962C8B-B14F-4D97-AF65-F5344CB8AC3E}">
-        <p14:creationId xmlns:p14="http://schemas.microsoft.com/office/powerpoint/2010/main" val="1658938417"/>
       </p:ext>
     </p:extLst>
   </p:cSld>
@@ -5818,7 +4420,7 @@
           <p:cNvPr id="6" name="Slide Number Placeholder 5">
             <a:extLst>
               <a:ext uri="{FF2B5EF4-FFF2-40B4-BE49-F238E27FC236}">
-                <a16:creationId xmlns:a16="http://schemas.microsoft.com/office/drawing/2014/main" id="{4D05087A-1779-478D-AFFA-09E6C2F19417}"/>
+                <a16:creationId xmlns:a16="http://schemas.microsoft.com/office/drawing/2014/main" id="{DD303858-86C6-492C-B101-7EE82988ECC1}"/>
               </a:ext>
             </a:extLst>
           </p:cNvPr>
@@ -5948,7 +4550,7 @@
           <p:cNvPr id="4" name="Footer Placeholder 3">
             <a:extLst>
               <a:ext uri="{FF2B5EF4-FFF2-40B4-BE49-F238E27FC236}">
-                <a16:creationId xmlns:a16="http://schemas.microsoft.com/office/drawing/2014/main" id="{C4BE799E-74BB-4BC5-94DA-716438FE329E}"/>
+                <a16:creationId xmlns:a16="http://schemas.microsoft.com/office/drawing/2014/main" id="{7E7F35A7-244F-4EA8-8534-E721F1729504}"/>
               </a:ext>
             </a:extLst>
           </p:cNvPr>
@@ -5985,237 +4587,7 @@
     </p:spTree>
     <p:extLst>
       <p:ext uri="{BB962C8B-B14F-4D97-AF65-F5344CB8AC3E}">
-        <p14:creationId xmlns:p14="http://schemas.microsoft.com/office/powerpoint/2010/main" val="3307616495"/>
-      </p:ext>
-    </p:extLst>
-  </p:cSld>
-  <p:clrMapOvr>
-    <a:masterClrMapping/>
-  </p:clrMapOvr>
-</p:notes>
-</file>
-
-<file path=ppt/notesSlides/notesSlide30.xml><?xml version="1.0" encoding="utf-8"?>
-<p:notes xmlns:a="http://schemas.openxmlformats.org/drawingml/2006/main" xmlns:r="http://schemas.openxmlformats.org/officeDocument/2006/relationships" xmlns:p="http://schemas.openxmlformats.org/presentationml/2006/main">
-  <p:cSld>
-    <p:spTree>
-      <p:nvGrpSpPr>
-        <p:cNvPr id="1" name=""/>
-        <p:cNvGrpSpPr/>
-        <p:nvPr/>
-      </p:nvGrpSpPr>
-      <p:grpSpPr>
-        <a:xfrm>
-          <a:off x="0" y="0"/>
-          <a:ext cx="0" cy="0"/>
-          <a:chOff x="0" y="0"/>
-          <a:chExt cx="0" cy="0"/>
-        </a:xfrm>
-      </p:grpSpPr>
-      <p:sp>
-        <p:nvSpPr>
-          <p:cNvPr id="2" name="Slide Image Placeholder 1"/>
-          <p:cNvSpPr>
-            <a:spLocks noGrp="1" noRot="1" noChangeAspect="1"/>
-          </p:cNvSpPr>
-          <p:nvPr>
-            <p:ph type="sldImg"/>
-          </p:nvPr>
-        </p:nvSpPr>
-        <p:spPr/>
-      </p:sp>
-      <p:sp>
-        <p:nvSpPr>
-          <p:cNvPr id="3" name="Notes Placeholder 2"/>
-          <p:cNvSpPr>
-            <a:spLocks noGrp="1"/>
-          </p:cNvSpPr>
-          <p:nvPr>
-            <p:ph type="body" idx="1"/>
-          </p:nvPr>
-        </p:nvSpPr>
-        <p:spPr/>
-        <p:txBody>
-          <a:bodyPr/>
-          <a:lstStyle/>
-          <a:p>
-            <a:endParaRPr lang="en-US"/>
-          </a:p>
-        </p:txBody>
-      </p:sp>
-      <p:sp>
-        <p:nvSpPr>
-          <p:cNvPr id="7" name="Slide Number Placeholder 5">
-            <a:extLst>
-              <a:ext uri="{FF2B5EF4-FFF2-40B4-BE49-F238E27FC236}">
-                <a16:creationId xmlns:a16="http://schemas.microsoft.com/office/drawing/2014/main" id="{5D1C0779-821B-433B-AB3A-0953EE966C7E}"/>
-              </a:ext>
-            </a:extLst>
-          </p:cNvPr>
-          <p:cNvSpPr txBox="1">
-            <a:spLocks/>
-          </p:cNvSpPr>
-          <p:nvPr/>
-        </p:nvSpPr>
-        <p:spPr>
-          <a:xfrm>
-            <a:off x="6488999" y="8847000"/>
-            <a:ext cx="367414" cy="297000"/>
-          </a:xfrm>
-          <a:prstGeom prst="rect">
-            <a:avLst/>
-          </a:prstGeom>
-        </p:spPr>
-        <p:txBody>
-          <a:bodyPr vert="horz" lIns="91440" tIns="45720" rIns="91440" bIns="45720" rtlCol="0" anchor="b"/>
-          <a:lstStyle>
-            <a:defPPr>
-              <a:defRPr lang="en-US"/>
-            </a:defPPr>
-            <a:lvl1pPr marL="0" algn="r" defTabSz="914400" rtl="0" eaLnBrk="1" latinLnBrk="0" hangingPunct="1">
-              <a:defRPr sz="1200" kern="1200">
-                <a:solidFill>
-                  <a:schemeClr val="tx1"/>
-                </a:solidFill>
-                <a:latin typeface="+mn-lt"/>
-                <a:ea typeface="+mn-ea"/>
-                <a:cs typeface="+mn-cs"/>
-              </a:defRPr>
-            </a:lvl1pPr>
-            <a:lvl2pPr marL="457200" algn="l" defTabSz="914400" rtl="0" eaLnBrk="1" latinLnBrk="0" hangingPunct="1">
-              <a:defRPr sz="1800" kern="1200">
-                <a:solidFill>
-                  <a:schemeClr val="tx1"/>
-                </a:solidFill>
-                <a:latin typeface="+mn-lt"/>
-                <a:ea typeface="+mn-ea"/>
-                <a:cs typeface="+mn-cs"/>
-              </a:defRPr>
-            </a:lvl2pPr>
-            <a:lvl3pPr marL="914400" algn="l" defTabSz="914400" rtl="0" eaLnBrk="1" latinLnBrk="0" hangingPunct="1">
-              <a:defRPr sz="1800" kern="1200">
-                <a:solidFill>
-                  <a:schemeClr val="tx1"/>
-                </a:solidFill>
-                <a:latin typeface="+mn-lt"/>
-                <a:ea typeface="+mn-ea"/>
-                <a:cs typeface="+mn-cs"/>
-              </a:defRPr>
-            </a:lvl3pPr>
-            <a:lvl4pPr marL="1371600" algn="l" defTabSz="914400" rtl="0" eaLnBrk="1" latinLnBrk="0" hangingPunct="1">
-              <a:defRPr sz="1800" kern="1200">
-                <a:solidFill>
-                  <a:schemeClr val="tx1"/>
-                </a:solidFill>
-                <a:latin typeface="+mn-lt"/>
-                <a:ea typeface="+mn-ea"/>
-                <a:cs typeface="+mn-cs"/>
-              </a:defRPr>
-            </a:lvl4pPr>
-            <a:lvl5pPr marL="1828800" algn="l" defTabSz="914400" rtl="0" eaLnBrk="1" latinLnBrk="0" hangingPunct="1">
-              <a:defRPr sz="1800" kern="1200">
-                <a:solidFill>
-                  <a:schemeClr val="tx1"/>
-                </a:solidFill>
-                <a:latin typeface="+mn-lt"/>
-                <a:ea typeface="+mn-ea"/>
-                <a:cs typeface="+mn-cs"/>
-              </a:defRPr>
-            </a:lvl5pPr>
-            <a:lvl6pPr marL="2286000" algn="l" defTabSz="914400" rtl="0" eaLnBrk="1" latinLnBrk="0" hangingPunct="1">
-              <a:defRPr sz="1800" kern="1200">
-                <a:solidFill>
-                  <a:schemeClr val="tx1"/>
-                </a:solidFill>
-                <a:latin typeface="+mn-lt"/>
-                <a:ea typeface="+mn-ea"/>
-                <a:cs typeface="+mn-cs"/>
-              </a:defRPr>
-            </a:lvl6pPr>
-            <a:lvl7pPr marL="2743200" algn="l" defTabSz="914400" rtl="0" eaLnBrk="1" latinLnBrk="0" hangingPunct="1">
-              <a:defRPr sz="1800" kern="1200">
-                <a:solidFill>
-                  <a:schemeClr val="tx1"/>
-                </a:solidFill>
-                <a:latin typeface="+mn-lt"/>
-                <a:ea typeface="+mn-ea"/>
-                <a:cs typeface="+mn-cs"/>
-              </a:defRPr>
-            </a:lvl7pPr>
-            <a:lvl8pPr marL="3200400" algn="l" defTabSz="914400" rtl="0" eaLnBrk="1" latinLnBrk="0" hangingPunct="1">
-              <a:defRPr sz="1800" kern="1200">
-                <a:solidFill>
-                  <a:schemeClr val="tx1"/>
-                </a:solidFill>
-                <a:latin typeface="+mn-lt"/>
-                <a:ea typeface="+mn-ea"/>
-                <a:cs typeface="+mn-cs"/>
-              </a:defRPr>
-            </a:lvl8pPr>
-            <a:lvl9pPr marL="3657600" algn="l" defTabSz="914400" rtl="0" eaLnBrk="1" latinLnBrk="0" hangingPunct="1">
-              <a:defRPr sz="1800" kern="1200">
-                <a:solidFill>
-                  <a:schemeClr val="tx1"/>
-                </a:solidFill>
-                <a:latin typeface="+mn-lt"/>
-                <a:ea typeface="+mn-ea"/>
-                <a:cs typeface="+mn-cs"/>
-              </a:defRPr>
-            </a:lvl9pPr>
-          </a:lstStyle>
-          <a:p>
-            <a:fld id="{3EBA5BD7-F043-4D1B-AA17-CD412FC534DE}" type="slidenum">
-              <a:rPr lang="en-US" smtClean="0"/>
-              <a:pPr/>
-              <a:t>30</a:t>
-            </a:fld>
-            <a:endParaRPr lang="en-US" dirty="0"/>
-          </a:p>
-        </p:txBody>
-      </p:sp>
-      <p:sp>
-        <p:nvSpPr>
-          <p:cNvPr id="4" name="Footer Placeholder 3">
-            <a:extLst>
-              <a:ext uri="{FF2B5EF4-FFF2-40B4-BE49-F238E27FC236}">
-                <a16:creationId xmlns:a16="http://schemas.microsoft.com/office/drawing/2014/main" id="{14DC77F2-5C89-4F9E-B2E0-8026E1A64010}"/>
-              </a:ext>
-            </a:extLst>
-          </p:cNvPr>
-          <p:cNvSpPr>
-            <a:spLocks noGrp="1"/>
-          </p:cNvSpPr>
-          <p:nvPr>
-            <p:ph type="ftr" sz="quarter" idx="4"/>
-          </p:nvPr>
-        </p:nvSpPr>
-        <p:spPr/>
-        <p:txBody>
-          <a:bodyPr/>
-          <a:lstStyle/>
-          <a:p>
-            <a:r>
-              <a:rPr lang="en-US"/>
-              <a:t>© SoftUni – </a:t>
-            </a:r>
-            <a:r>
-              <a:rPr lang="en-US" u="sng">
-                <a:hlinkClick r:id="rId3"/>
-              </a:rPr>
-              <a:t>https://softuni.org</a:t>
-            </a:r>
-            <a:r>
-              <a:rPr lang="en-US"/>
-              <a:t>. Copyrighted document. Unauthorized copy or reproduction is not permitted.</a:t>
-            </a:r>
-            <a:endParaRPr lang="en-US" dirty="0"/>
-          </a:p>
-        </p:txBody>
-      </p:sp>
-    </p:spTree>
-    <p:extLst>
-      <p:ext uri="{BB962C8B-B14F-4D97-AF65-F5344CB8AC3E}">
-        <p14:creationId xmlns:p14="http://schemas.microsoft.com/office/powerpoint/2010/main" val="1020788467"/>
+        <p14:creationId xmlns:p14="http://schemas.microsoft.com/office/powerpoint/2010/main" val="4245338841"/>
       </p:ext>
     </p:extLst>
   </p:cSld>
@@ -6275,10 +4647,10 @@
       </p:sp>
       <p:sp>
         <p:nvSpPr>
-          <p:cNvPr id="6" name="Slide Number Placeholder 5">
+          <p:cNvPr id="7" name="Slide Number Placeholder 5">
             <a:extLst>
               <a:ext uri="{FF2B5EF4-FFF2-40B4-BE49-F238E27FC236}">
-                <a16:creationId xmlns:a16="http://schemas.microsoft.com/office/drawing/2014/main" id="{DD303858-86C6-492C-B101-7EE82988ECC1}"/>
+                <a16:creationId xmlns:a16="http://schemas.microsoft.com/office/drawing/2014/main" id="{BD88B0D8-949C-482D-990A-2DAB14AD4AD1}"/>
               </a:ext>
             </a:extLst>
           </p:cNvPr>
@@ -6408,7 +4780,7 @@
           <p:cNvPr id="4" name="Footer Placeholder 3">
             <a:extLst>
               <a:ext uri="{FF2B5EF4-FFF2-40B4-BE49-F238E27FC236}">
-                <a16:creationId xmlns:a16="http://schemas.microsoft.com/office/drawing/2014/main" id="{7E7F35A7-244F-4EA8-8534-E721F1729504}"/>
+                <a16:creationId xmlns:a16="http://schemas.microsoft.com/office/drawing/2014/main" id="{58474633-D38D-4432-867B-70F325FA7016}"/>
               </a:ext>
             </a:extLst>
           </p:cNvPr>
@@ -6445,7 +4817,7 @@
     </p:spTree>
     <p:extLst>
       <p:ext uri="{BB962C8B-B14F-4D97-AF65-F5344CB8AC3E}">
-        <p14:creationId xmlns:p14="http://schemas.microsoft.com/office/powerpoint/2010/main" val="4245338841"/>
+        <p14:creationId xmlns:p14="http://schemas.microsoft.com/office/powerpoint/2010/main" val="1321098562"/>
       </p:ext>
     </p:extLst>
   </p:cSld>
@@ -6505,10 +4877,10 @@
       </p:sp>
       <p:sp>
         <p:nvSpPr>
-          <p:cNvPr id="7" name="Slide Number Placeholder 5">
+          <p:cNvPr id="6" name="Slide Number Placeholder 5">
             <a:extLst>
               <a:ext uri="{FF2B5EF4-FFF2-40B4-BE49-F238E27FC236}">
-                <a16:creationId xmlns:a16="http://schemas.microsoft.com/office/drawing/2014/main" id="{BD88B0D8-949C-482D-990A-2DAB14AD4AD1}"/>
+                <a16:creationId xmlns:a16="http://schemas.microsoft.com/office/drawing/2014/main" id="{973EF363-177A-44DE-80E9-FC9248B7DCA2}"/>
               </a:ext>
             </a:extLst>
           </p:cNvPr>
@@ -6638,7 +5010,7 @@
           <p:cNvPr id="4" name="Footer Placeholder 3">
             <a:extLst>
               <a:ext uri="{FF2B5EF4-FFF2-40B4-BE49-F238E27FC236}">
-                <a16:creationId xmlns:a16="http://schemas.microsoft.com/office/drawing/2014/main" id="{58474633-D38D-4432-867B-70F325FA7016}"/>
+                <a16:creationId xmlns:a16="http://schemas.microsoft.com/office/drawing/2014/main" id="{8EE613EE-6697-4964-A067-C2136C00C834}"/>
               </a:ext>
             </a:extLst>
           </p:cNvPr>
@@ -6675,7 +5047,7 @@
     </p:spTree>
     <p:extLst>
       <p:ext uri="{BB962C8B-B14F-4D97-AF65-F5344CB8AC3E}">
-        <p14:creationId xmlns:p14="http://schemas.microsoft.com/office/powerpoint/2010/main" val="1321098562"/>
+        <p14:creationId xmlns:p14="http://schemas.microsoft.com/office/powerpoint/2010/main" val="118792529"/>
       </p:ext>
     </p:extLst>
   </p:cSld>
@@ -6738,7 +5110,7 @@
           <p:cNvPr id="6" name="Slide Number Placeholder 5">
             <a:extLst>
               <a:ext uri="{FF2B5EF4-FFF2-40B4-BE49-F238E27FC236}">
-                <a16:creationId xmlns:a16="http://schemas.microsoft.com/office/drawing/2014/main" id="{973EF363-177A-44DE-80E9-FC9248B7DCA2}"/>
+                <a16:creationId xmlns:a16="http://schemas.microsoft.com/office/drawing/2014/main" id="{466412A3-FA8E-4877-92C6-DD3B150A4575}"/>
               </a:ext>
             </a:extLst>
           </p:cNvPr>
@@ -6868,7 +5240,7 @@
           <p:cNvPr id="4" name="Footer Placeholder 3">
             <a:extLst>
               <a:ext uri="{FF2B5EF4-FFF2-40B4-BE49-F238E27FC236}">
-                <a16:creationId xmlns:a16="http://schemas.microsoft.com/office/drawing/2014/main" id="{8EE613EE-6697-4964-A067-C2136C00C834}"/>
+                <a16:creationId xmlns:a16="http://schemas.microsoft.com/office/drawing/2014/main" id="{EB5EDD5C-44C0-4CBE-966E-7F26D199A0F9}"/>
               </a:ext>
             </a:extLst>
           </p:cNvPr>
@@ -6905,7 +5277,7 @@
     </p:spTree>
     <p:extLst>
       <p:ext uri="{BB962C8B-B14F-4D97-AF65-F5344CB8AC3E}">
-        <p14:creationId xmlns:p14="http://schemas.microsoft.com/office/powerpoint/2010/main" val="118792529"/>
+        <p14:creationId xmlns:p14="http://schemas.microsoft.com/office/powerpoint/2010/main" val="2256257577"/>
       </p:ext>
     </p:extLst>
   </p:cSld>
@@ -6968,7 +5340,7 @@
           <p:cNvPr id="6" name="Slide Number Placeholder 5">
             <a:extLst>
               <a:ext uri="{FF2B5EF4-FFF2-40B4-BE49-F238E27FC236}">
-                <a16:creationId xmlns:a16="http://schemas.microsoft.com/office/drawing/2014/main" id="{466412A3-FA8E-4877-92C6-DD3B150A4575}"/>
+                <a16:creationId xmlns:a16="http://schemas.microsoft.com/office/drawing/2014/main" id="{AD729B73-8AF7-4F13-91D7-FFBE78726BF4}"/>
               </a:ext>
             </a:extLst>
           </p:cNvPr>
@@ -7098,7 +5470,7 @@
           <p:cNvPr id="4" name="Footer Placeholder 3">
             <a:extLst>
               <a:ext uri="{FF2B5EF4-FFF2-40B4-BE49-F238E27FC236}">
-                <a16:creationId xmlns:a16="http://schemas.microsoft.com/office/drawing/2014/main" id="{EB5EDD5C-44C0-4CBE-966E-7F26D199A0F9}"/>
+                <a16:creationId xmlns:a16="http://schemas.microsoft.com/office/drawing/2014/main" id="{F55C60E1-27BF-4DC2-9207-3053C0687C0A}"/>
               </a:ext>
             </a:extLst>
           </p:cNvPr>
@@ -7135,7 +5507,7 @@
     </p:spTree>
     <p:extLst>
       <p:ext uri="{BB962C8B-B14F-4D97-AF65-F5344CB8AC3E}">
-        <p14:creationId xmlns:p14="http://schemas.microsoft.com/office/powerpoint/2010/main" val="2256257577"/>
+        <p14:creationId xmlns:p14="http://schemas.microsoft.com/office/powerpoint/2010/main" val="1207279498"/>
       </p:ext>
     </p:extLst>
   </p:cSld>
@@ -7198,7 +5570,7 @@
           <p:cNvPr id="6" name="Slide Number Placeholder 5">
             <a:extLst>
               <a:ext uri="{FF2B5EF4-FFF2-40B4-BE49-F238E27FC236}">
-                <a16:creationId xmlns:a16="http://schemas.microsoft.com/office/drawing/2014/main" id="{AD729B73-8AF7-4F13-91D7-FFBE78726BF4}"/>
+                <a16:creationId xmlns:a16="http://schemas.microsoft.com/office/drawing/2014/main" id="{48896099-EDA0-4854-B269-4776AD8BDD4B}"/>
               </a:ext>
             </a:extLst>
           </p:cNvPr>
@@ -7328,7 +5700,7 @@
           <p:cNvPr id="4" name="Footer Placeholder 3">
             <a:extLst>
               <a:ext uri="{FF2B5EF4-FFF2-40B4-BE49-F238E27FC236}">
-                <a16:creationId xmlns:a16="http://schemas.microsoft.com/office/drawing/2014/main" id="{F55C60E1-27BF-4DC2-9207-3053C0687C0A}"/>
+                <a16:creationId xmlns:a16="http://schemas.microsoft.com/office/drawing/2014/main" id="{BD2732BD-8628-4246-9BDF-E7FF6F5E0571}"/>
               </a:ext>
             </a:extLst>
           </p:cNvPr>
@@ -7365,7 +5737,7 @@
     </p:spTree>
     <p:extLst>
       <p:ext uri="{BB962C8B-B14F-4D97-AF65-F5344CB8AC3E}">
-        <p14:creationId xmlns:p14="http://schemas.microsoft.com/office/powerpoint/2010/main" val="1207279498"/>
+        <p14:creationId xmlns:p14="http://schemas.microsoft.com/office/powerpoint/2010/main" val="3759909870"/>
       </p:ext>
     </p:extLst>
   </p:cSld>
@@ -7428,7 +5800,7 @@
           <p:cNvPr id="6" name="Slide Number Placeholder 5">
             <a:extLst>
               <a:ext uri="{FF2B5EF4-FFF2-40B4-BE49-F238E27FC236}">
-                <a16:creationId xmlns:a16="http://schemas.microsoft.com/office/drawing/2014/main" id="{48896099-EDA0-4854-B269-4776AD8BDD4B}"/>
+                <a16:creationId xmlns:a16="http://schemas.microsoft.com/office/drawing/2014/main" id="{36871718-1BDA-4269-9771-688DD5C9C1FA}"/>
               </a:ext>
             </a:extLst>
           </p:cNvPr>
@@ -7558,7 +5930,7 @@
           <p:cNvPr id="4" name="Footer Placeholder 3">
             <a:extLst>
               <a:ext uri="{FF2B5EF4-FFF2-40B4-BE49-F238E27FC236}">
-                <a16:creationId xmlns:a16="http://schemas.microsoft.com/office/drawing/2014/main" id="{BD2732BD-8628-4246-9BDF-E7FF6F5E0571}"/>
+                <a16:creationId xmlns:a16="http://schemas.microsoft.com/office/drawing/2014/main" id="{D8E5241B-A469-469A-BDFB-40AAD460BB25}"/>
               </a:ext>
             </a:extLst>
           </p:cNvPr>
@@ -7595,7 +5967,7 @@
     </p:spTree>
     <p:extLst>
       <p:ext uri="{BB962C8B-B14F-4D97-AF65-F5344CB8AC3E}">
-        <p14:creationId xmlns:p14="http://schemas.microsoft.com/office/powerpoint/2010/main" val="3759909870"/>
+        <p14:creationId xmlns:p14="http://schemas.microsoft.com/office/powerpoint/2010/main" val="3443788095"/>
       </p:ext>
     </p:extLst>
   </p:cSld>
@@ -14288,1843 +12660,6 @@
       </p:grpSpPr>
       <p:sp>
         <p:nvSpPr>
-          <p:cNvPr id="13" name="Slide Number">
-            <a:extLst>
-              <a:ext uri="{FF2B5EF4-FFF2-40B4-BE49-F238E27FC236}">
-                <a16:creationId xmlns:a16="http://schemas.microsoft.com/office/drawing/2014/main" id="{B07293CE-0BF1-4F01-BE07-8B36E3A001D9}"/>
-              </a:ext>
-            </a:extLst>
-          </p:cNvPr>
-          <p:cNvSpPr>
-            <a:spLocks noGrp="1"/>
-          </p:cNvSpPr>
-          <p:nvPr>
-            <p:ph type="sldNum" sz="quarter" idx="5"/>
-          </p:nvPr>
-        </p:nvSpPr>
-        <p:spPr>
-          <a:xfrm>
-            <a:off x="11753030" y="6507000"/>
-            <a:ext cx="367414" cy="297000"/>
-          </a:xfrm>
-          <a:prstGeom prst="rect">
-            <a:avLst/>
-          </a:prstGeom>
-        </p:spPr>
-        <p:txBody>
-          <a:bodyPr vert="horz" lIns="91440" tIns="45720" rIns="91440" bIns="45720" rtlCol="0" anchor="b"/>
-          <a:lstStyle>
-            <a:lvl1pPr algn="r">
-              <a:defRPr sz="1000"/>
-            </a:lvl1pPr>
-          </a:lstStyle>
-          <a:p>
-            <a:fld id="{2BF067CD-8E6B-4360-9AA8-C5DF2A48A6D1}" type="slidenum">
-              <a:rPr lang="en-US" smtClean="0"/>
-              <a:pPr/>
-              <a:t>10</a:t>
-            </a:fld>
-            <a:endParaRPr lang="en-US" dirty="0"/>
-          </a:p>
-        </p:txBody>
-      </p:sp>
-      <p:sp>
-        <p:nvSpPr>
-          <p:cNvPr id="22" name="Text Placeholder 3"/>
-          <p:cNvSpPr txBox="1">
-            <a:spLocks/>
-          </p:cNvSpPr>
-          <p:nvPr/>
-        </p:nvSpPr>
-        <p:spPr>
-          <a:xfrm>
-            <a:off x="246000" y="1873452"/>
-            <a:ext cx="5411422" cy="4773203"/>
-          </a:xfrm>
-          <a:prstGeom prst="rect">
-            <a:avLst/>
-          </a:prstGeom>
-          <a:solidFill>
-            <a:schemeClr val="accent6">
-              <a:lumMod val="75000"/>
-              <a:alpha val="15000"/>
-            </a:schemeClr>
-          </a:solidFill>
-          <a:ln w="12700">
-            <a:solidFill>
-              <a:schemeClr val="tx1">
-                <a:lumMod val="50000"/>
-              </a:schemeClr>
-            </a:solidFill>
-          </a:ln>
-        </p:spPr>
-        <p:txBody>
-          <a:bodyPr vert="horz" wrap="square" lIns="144000" tIns="108000" rIns="144000" bIns="108000" rtlCol="0">
-            <a:spAutoFit/>
-          </a:bodyPr>
-          <a:lstStyle>
-            <a:defPPr>
-              <a:defRPr lang="en-US"/>
-            </a:defPPr>
-            <a:lvl1pPr defTabSz="1218438">
-              <a:spcBef>
-                <a:spcPts val="600"/>
-              </a:spcBef>
-              <a:spcAft>
-                <a:spcPts val="600"/>
-              </a:spcAft>
-              <a:defRPr sz="2400" b="1">
-                <a:latin typeface="Consolas" pitchFamily="49" charset="0"/>
-              </a:defRPr>
-            </a:lvl1pPr>
-            <a:lvl2pPr marL="990575" indent="-380990" defTabSz="1219170" latinLnBrk="1">
-              <a:lnSpc>
-                <a:spcPct val="105000"/>
-              </a:lnSpc>
-              <a:spcBef>
-                <a:spcPts val="600"/>
-              </a:spcBef>
-              <a:spcAft>
-                <a:spcPts val="600"/>
-              </a:spcAft>
-              <a:buFont typeface="Wingdings" panose="05000000000000000000" pitchFamily="2" charset="2"/>
-              <a:buChar char="§"/>
-              <a:defRPr sz="3200"/>
-            </a:lvl2pPr>
-            <a:lvl3pPr marL="1523962" indent="-304792" defTabSz="1219170" latinLnBrk="1">
-              <a:lnSpc>
-                <a:spcPct val="105000"/>
-              </a:lnSpc>
-              <a:spcBef>
-                <a:spcPts val="600"/>
-              </a:spcBef>
-              <a:spcAft>
-                <a:spcPts val="600"/>
-              </a:spcAft>
-              <a:buFont typeface="Wingdings" panose="05000000000000000000" pitchFamily="2" charset="2"/>
-              <a:buChar char="§"/>
-              <a:defRPr sz="3000"/>
-            </a:lvl3pPr>
-            <a:lvl4pPr marL="2133547" indent="-304792" defTabSz="1219170" latinLnBrk="1">
-              <a:lnSpc>
-                <a:spcPct val="105000"/>
-              </a:lnSpc>
-              <a:spcBef>
-                <a:spcPts val="600"/>
-              </a:spcBef>
-              <a:spcAft>
-                <a:spcPts val="600"/>
-              </a:spcAft>
-              <a:buFont typeface="Wingdings" panose="05000000000000000000" pitchFamily="2" charset="2"/>
-              <a:buChar char="§"/>
-              <a:defRPr sz="2800"/>
-            </a:lvl4pPr>
-            <a:lvl5pPr marL="2743131" indent="-304792" defTabSz="1219170" latinLnBrk="1">
-              <a:lnSpc>
-                <a:spcPct val="105000"/>
-              </a:lnSpc>
-              <a:spcBef>
-                <a:spcPts val="600"/>
-              </a:spcBef>
-              <a:spcAft>
-                <a:spcPts val="600"/>
-              </a:spcAft>
-              <a:buFont typeface="Wingdings" panose="05000000000000000000" pitchFamily="2" charset="2"/>
-              <a:buChar char="§"/>
-              <a:defRPr sz="2600"/>
-            </a:lvl5pPr>
-            <a:lvl6pPr marL="3352716" indent="-304792" defTabSz="1219170" latinLnBrk="1">
-              <a:spcBef>
-                <a:spcPct val="20000"/>
-              </a:spcBef>
-              <a:buFont typeface="Arial" pitchFamily="34" charset="0"/>
-              <a:buChar char="•"/>
-              <a:defRPr sz="2667"/>
-            </a:lvl6pPr>
-            <a:lvl7pPr marL="3962301" indent="-304792" defTabSz="1219170" latinLnBrk="1">
-              <a:spcBef>
-                <a:spcPct val="20000"/>
-              </a:spcBef>
-              <a:buFont typeface="Arial" pitchFamily="34" charset="0"/>
-              <a:buChar char="•"/>
-              <a:defRPr sz="2667"/>
-            </a:lvl7pPr>
-            <a:lvl8pPr marL="4571886" indent="-304792" defTabSz="1219170" latinLnBrk="1">
-              <a:spcBef>
-                <a:spcPct val="20000"/>
-              </a:spcBef>
-              <a:buFont typeface="Arial" pitchFamily="34" charset="0"/>
-              <a:buChar char="•"/>
-              <a:defRPr sz="2667"/>
-            </a:lvl8pPr>
-            <a:lvl9pPr marL="5181470" indent="-304792" defTabSz="1219170" latinLnBrk="1">
-              <a:spcBef>
-                <a:spcPct val="20000"/>
-              </a:spcBef>
-              <a:buFont typeface="Arial" pitchFamily="34" charset="0"/>
-              <a:buChar char="•"/>
-              <a:defRPr sz="2667"/>
-            </a:lvl9pPr>
-          </a:lstStyle>
-          <a:p>
-            <a:pPr>
-              <a:lnSpc>
-                <a:spcPct val="105000"/>
-              </a:lnSpc>
-              <a:spcBef>
-                <a:spcPts val="0"/>
-              </a:spcBef>
-              <a:spcAft>
-                <a:spcPts val="0"/>
-              </a:spcAft>
-            </a:pPr>
-            <a:r>
-              <a:rPr lang="en-US" noProof="1"/>
-              <a:t>class Person {</a:t>
-            </a:r>
-          </a:p>
-          <a:p>
-            <a:r>
-              <a:rPr lang="en-US" noProof="1"/>
-              <a:t>  constructor(name) {</a:t>
-            </a:r>
-          </a:p>
-          <a:p>
-            <a:r>
-              <a:rPr lang="en-US" noProof="1"/>
-              <a:t>    this.name = name;</a:t>
-            </a:r>
-          </a:p>
-          <a:p>
-            <a:r>
-              <a:rPr lang="en-US" noProof="1"/>
-              <a:t>  }</a:t>
-            </a:r>
-          </a:p>
-          <a:p>
-            <a:r>
-              <a:rPr lang="en-US" noProof="1"/>
-              <a:t>  toString() {</a:t>
-            </a:r>
-          </a:p>
-          <a:p>
-            <a:r>
-              <a:rPr lang="en-US" noProof="1"/>
-              <a:t>    return `I'm ${this.name}`;</a:t>
-            </a:r>
-          </a:p>
-          <a:p>
-            <a:r>
-              <a:rPr lang="en-US" noProof="1"/>
-              <a:t>  }</a:t>
-            </a:r>
-          </a:p>
-          <a:p>
-            <a:r>
-              <a:rPr lang="en-US" noProof="1"/>
-              <a:t>}</a:t>
-            </a:r>
-          </a:p>
-          <a:p>
-            <a:r>
-              <a:rPr lang="en-US" noProof="1">
-                <a:solidFill>
-                  <a:schemeClr val="bg1"/>
-                </a:solidFill>
-              </a:rPr>
-              <a:t>module.exports</a:t>
-            </a:r>
-            <a:r>
-              <a:rPr lang="en-US" noProof="1"/>
-              <a:t> = Person;</a:t>
-            </a:r>
-          </a:p>
-        </p:txBody>
-      </p:sp>
-      <p:sp>
-        <p:nvSpPr>
-          <p:cNvPr id="24" name="Text Placeholder 3"/>
-          <p:cNvSpPr txBox="1">
-            <a:spLocks/>
-          </p:cNvSpPr>
-          <p:nvPr/>
-        </p:nvSpPr>
-        <p:spPr>
-          <a:xfrm>
-            <a:off x="246000" y="1286011"/>
-            <a:ext cx="5411422" cy="587441"/>
-          </a:xfrm>
-          <a:prstGeom prst="rect">
-            <a:avLst/>
-          </a:prstGeom>
-          <a:solidFill>
-            <a:schemeClr val="accent6">
-              <a:lumMod val="75000"/>
-              <a:alpha val="50000"/>
-            </a:schemeClr>
-          </a:solidFill>
-          <a:ln w="12700">
-            <a:solidFill>
-              <a:schemeClr val="tx1">
-                <a:lumMod val="50000"/>
-              </a:schemeClr>
-            </a:solidFill>
-          </a:ln>
-        </p:spPr>
-        <p:txBody>
-          <a:bodyPr vert="horz" wrap="square" lIns="144000" tIns="108000" rIns="144000" bIns="108000" rtlCol="0">
-            <a:spAutoFit/>
-          </a:bodyPr>
-          <a:lstStyle>
-            <a:defPPr>
-              <a:defRPr lang="en-US"/>
-            </a:defPPr>
-            <a:lvl1pPr algn="ctr" defTabSz="1218438">
-              <a:spcBef>
-                <a:spcPts val="600"/>
-              </a:spcBef>
-              <a:spcAft>
-                <a:spcPts val="600"/>
-              </a:spcAft>
-              <a:defRPr sz="2400" b="1">
-                <a:latin typeface="Consolas" pitchFamily="49" charset="0"/>
-              </a:defRPr>
-            </a:lvl1pPr>
-            <a:lvl2pPr marL="990575" indent="-380990" defTabSz="1219170" latinLnBrk="1">
-              <a:lnSpc>
-                <a:spcPct val="105000"/>
-              </a:lnSpc>
-              <a:spcBef>
-                <a:spcPts val="600"/>
-              </a:spcBef>
-              <a:spcAft>
-                <a:spcPts val="600"/>
-              </a:spcAft>
-              <a:buFont typeface="Wingdings" panose="05000000000000000000" pitchFamily="2" charset="2"/>
-              <a:buChar char="§"/>
-              <a:defRPr sz="3200"/>
-            </a:lvl2pPr>
-            <a:lvl3pPr marL="1523962" indent="-304792" defTabSz="1219170" latinLnBrk="1">
-              <a:lnSpc>
-                <a:spcPct val="105000"/>
-              </a:lnSpc>
-              <a:spcBef>
-                <a:spcPts val="600"/>
-              </a:spcBef>
-              <a:spcAft>
-                <a:spcPts val="600"/>
-              </a:spcAft>
-              <a:buFont typeface="Wingdings" panose="05000000000000000000" pitchFamily="2" charset="2"/>
-              <a:buChar char="§"/>
-              <a:defRPr sz="3000"/>
-            </a:lvl3pPr>
-            <a:lvl4pPr marL="2133547" indent="-304792" defTabSz="1219170" latinLnBrk="1">
-              <a:lnSpc>
-                <a:spcPct val="105000"/>
-              </a:lnSpc>
-              <a:spcBef>
-                <a:spcPts val="600"/>
-              </a:spcBef>
-              <a:spcAft>
-                <a:spcPts val="600"/>
-              </a:spcAft>
-              <a:buFont typeface="Wingdings" panose="05000000000000000000" pitchFamily="2" charset="2"/>
-              <a:buChar char="§"/>
-              <a:defRPr sz="2800"/>
-            </a:lvl4pPr>
-            <a:lvl5pPr marL="2743131" indent="-304792" defTabSz="1219170" latinLnBrk="1">
-              <a:lnSpc>
-                <a:spcPct val="105000"/>
-              </a:lnSpc>
-              <a:spcBef>
-                <a:spcPts val="600"/>
-              </a:spcBef>
-              <a:spcAft>
-                <a:spcPts val="600"/>
-              </a:spcAft>
-              <a:buFont typeface="Wingdings" panose="05000000000000000000" pitchFamily="2" charset="2"/>
-              <a:buChar char="§"/>
-              <a:defRPr sz="2600"/>
-            </a:lvl5pPr>
-            <a:lvl6pPr marL="3352716" indent="-304792" defTabSz="1219170" latinLnBrk="1">
-              <a:spcBef>
-                <a:spcPct val="20000"/>
-              </a:spcBef>
-              <a:buFont typeface="Arial" pitchFamily="34" charset="0"/>
-              <a:buChar char="•"/>
-              <a:defRPr sz="2667"/>
-            </a:lvl6pPr>
-            <a:lvl7pPr marL="3962301" indent="-304792" defTabSz="1219170" latinLnBrk="1">
-              <a:spcBef>
-                <a:spcPct val="20000"/>
-              </a:spcBef>
-              <a:buFont typeface="Arial" pitchFamily="34" charset="0"/>
-              <a:buChar char="•"/>
-              <a:defRPr sz="2667"/>
-            </a:lvl7pPr>
-            <a:lvl8pPr marL="4571886" indent="-304792" defTabSz="1219170" latinLnBrk="1">
-              <a:spcBef>
-                <a:spcPct val="20000"/>
-              </a:spcBef>
-              <a:buFont typeface="Arial" pitchFamily="34" charset="0"/>
-              <a:buChar char="•"/>
-              <a:defRPr sz="2667"/>
-            </a:lvl8pPr>
-            <a:lvl9pPr marL="5181470" indent="-304792" defTabSz="1219170" latinLnBrk="1">
-              <a:spcBef>
-                <a:spcPct val="20000"/>
-              </a:spcBef>
-              <a:buFont typeface="Arial" pitchFamily="34" charset="0"/>
-              <a:buChar char="•"/>
-              <a:defRPr sz="2667"/>
-            </a:lvl9pPr>
-          </a:lstStyle>
-          <a:p>
-            <a:r>
-              <a:rPr lang="en-US" noProof="1"/>
-              <a:t>person.js</a:t>
-            </a:r>
-          </a:p>
-        </p:txBody>
-      </p:sp>
-      <p:sp>
-        <p:nvSpPr>
-          <p:cNvPr id="30" name="Text Placeholder 3"/>
-          <p:cNvSpPr txBox="1">
-            <a:spLocks/>
-          </p:cNvSpPr>
-          <p:nvPr/>
-        </p:nvSpPr>
-        <p:spPr>
-          <a:xfrm>
-            <a:off x="5969773" y="3148965"/>
-            <a:ext cx="5958012" cy="1751542"/>
-          </a:xfrm>
-          <a:prstGeom prst="rect">
-            <a:avLst/>
-          </a:prstGeom>
-          <a:solidFill>
-            <a:schemeClr val="accent6">
-              <a:lumMod val="75000"/>
-              <a:alpha val="15000"/>
-            </a:schemeClr>
-          </a:solidFill>
-          <a:ln w="12700">
-            <a:solidFill>
-              <a:schemeClr val="tx1">
-                <a:lumMod val="50000"/>
-              </a:schemeClr>
-            </a:solidFill>
-          </a:ln>
-        </p:spPr>
-        <p:txBody>
-          <a:bodyPr vert="horz" wrap="square" lIns="144000" tIns="108000" rIns="144000" bIns="108000" rtlCol="0">
-            <a:spAutoFit/>
-          </a:bodyPr>
-          <a:lstStyle>
-            <a:defPPr>
-              <a:defRPr lang="en-US"/>
-            </a:defPPr>
-            <a:lvl1pPr defTabSz="1218438">
-              <a:spcBef>
-                <a:spcPts val="600"/>
-              </a:spcBef>
-              <a:spcAft>
-                <a:spcPts val="600"/>
-              </a:spcAft>
-              <a:defRPr sz="2400" b="1">
-                <a:latin typeface="Consolas" pitchFamily="49" charset="0"/>
-              </a:defRPr>
-            </a:lvl1pPr>
-            <a:lvl2pPr marL="990575" indent="-380990" defTabSz="1219170" latinLnBrk="1">
-              <a:lnSpc>
-                <a:spcPct val="105000"/>
-              </a:lnSpc>
-              <a:spcBef>
-                <a:spcPts val="600"/>
-              </a:spcBef>
-              <a:spcAft>
-                <a:spcPts val="600"/>
-              </a:spcAft>
-              <a:buFont typeface="Wingdings" panose="05000000000000000000" pitchFamily="2" charset="2"/>
-              <a:buChar char="§"/>
-              <a:defRPr sz="3200"/>
-            </a:lvl2pPr>
-            <a:lvl3pPr marL="1523962" indent="-304792" defTabSz="1219170" latinLnBrk="1">
-              <a:lnSpc>
-                <a:spcPct val="105000"/>
-              </a:lnSpc>
-              <a:spcBef>
-                <a:spcPts val="600"/>
-              </a:spcBef>
-              <a:spcAft>
-                <a:spcPts val="600"/>
-              </a:spcAft>
-              <a:buFont typeface="Wingdings" panose="05000000000000000000" pitchFamily="2" charset="2"/>
-              <a:buChar char="§"/>
-              <a:defRPr sz="3000"/>
-            </a:lvl3pPr>
-            <a:lvl4pPr marL="2133547" indent="-304792" defTabSz="1219170" latinLnBrk="1">
-              <a:lnSpc>
-                <a:spcPct val="105000"/>
-              </a:lnSpc>
-              <a:spcBef>
-                <a:spcPts val="600"/>
-              </a:spcBef>
-              <a:spcAft>
-                <a:spcPts val="600"/>
-              </a:spcAft>
-              <a:buFont typeface="Wingdings" panose="05000000000000000000" pitchFamily="2" charset="2"/>
-              <a:buChar char="§"/>
-              <a:defRPr sz="2800"/>
-            </a:lvl4pPr>
-            <a:lvl5pPr marL="2743131" indent="-304792" defTabSz="1219170" latinLnBrk="1">
-              <a:lnSpc>
-                <a:spcPct val="105000"/>
-              </a:lnSpc>
-              <a:spcBef>
-                <a:spcPts val="600"/>
-              </a:spcBef>
-              <a:spcAft>
-                <a:spcPts val="600"/>
-              </a:spcAft>
-              <a:buFont typeface="Wingdings" panose="05000000000000000000" pitchFamily="2" charset="2"/>
-              <a:buChar char="§"/>
-              <a:defRPr sz="2600"/>
-            </a:lvl5pPr>
-            <a:lvl6pPr marL="3352716" indent="-304792" defTabSz="1219170" latinLnBrk="1">
-              <a:spcBef>
-                <a:spcPct val="20000"/>
-              </a:spcBef>
-              <a:buFont typeface="Arial" pitchFamily="34" charset="0"/>
-              <a:buChar char="•"/>
-              <a:defRPr sz="2667"/>
-            </a:lvl6pPr>
-            <a:lvl7pPr marL="3962301" indent="-304792" defTabSz="1219170" latinLnBrk="1">
-              <a:spcBef>
-                <a:spcPct val="20000"/>
-              </a:spcBef>
-              <a:buFont typeface="Arial" pitchFamily="34" charset="0"/>
-              <a:buChar char="•"/>
-              <a:defRPr sz="2667"/>
-            </a:lvl7pPr>
-            <a:lvl8pPr marL="4571886" indent="-304792" defTabSz="1219170" latinLnBrk="1">
-              <a:spcBef>
-                <a:spcPct val="20000"/>
-              </a:spcBef>
-              <a:buFont typeface="Arial" pitchFamily="34" charset="0"/>
-              <a:buChar char="•"/>
-              <a:defRPr sz="2667"/>
-            </a:lvl8pPr>
-            <a:lvl9pPr marL="5181470" indent="-304792" defTabSz="1219170" latinLnBrk="1">
-              <a:spcBef>
-                <a:spcPct val="20000"/>
-              </a:spcBef>
-              <a:buFont typeface="Arial" pitchFamily="34" charset="0"/>
-              <a:buChar char="•"/>
-              <a:defRPr sz="2667"/>
-            </a:lvl9pPr>
-          </a:lstStyle>
-          <a:p>
-            <a:pPr>
-              <a:lnSpc>
-                <a:spcPct val="105000"/>
-              </a:lnSpc>
-              <a:spcBef>
-                <a:spcPts val="0"/>
-              </a:spcBef>
-              <a:spcAft>
-                <a:spcPts val="0"/>
-              </a:spcAft>
-            </a:pPr>
-            <a:r>
-              <a:rPr lang="en-US" noProof="1"/>
-              <a:t>let Person = </a:t>
-            </a:r>
-            <a:r>
-              <a:rPr lang="en-US" noProof="1">
-                <a:solidFill>
-                  <a:schemeClr val="bg1"/>
-                </a:solidFill>
-              </a:rPr>
-              <a:t>require</a:t>
-            </a:r>
-            <a:r>
-              <a:rPr lang="en-US" noProof="1"/>
-              <a:t>('./person');</a:t>
-            </a:r>
-          </a:p>
-          <a:p>
-            <a:pPr>
-              <a:lnSpc>
-                <a:spcPct val="105000"/>
-              </a:lnSpc>
-              <a:spcBef>
-                <a:spcPts val="0"/>
-              </a:spcBef>
-              <a:spcAft>
-                <a:spcPts val="0"/>
-              </a:spcAft>
-            </a:pPr>
-            <a:endParaRPr lang="en-US" noProof="1"/>
-          </a:p>
-          <a:p>
-            <a:pPr>
-              <a:lnSpc>
-                <a:spcPct val="105000"/>
-              </a:lnSpc>
-              <a:spcBef>
-                <a:spcPts val="0"/>
-              </a:spcBef>
-              <a:spcAft>
-                <a:spcPts val="0"/>
-              </a:spcAft>
-            </a:pPr>
-            <a:r>
-              <a:rPr lang="en-US" noProof="1"/>
-              <a:t>let p = new Person('Pesho');</a:t>
-            </a:r>
-          </a:p>
-          <a:p>
-            <a:pPr>
-              <a:lnSpc>
-                <a:spcPct val="105000"/>
-              </a:lnSpc>
-              <a:spcBef>
-                <a:spcPts val="0"/>
-              </a:spcBef>
-              <a:spcAft>
-                <a:spcPts val="0"/>
-              </a:spcAft>
-            </a:pPr>
-            <a:r>
-              <a:rPr lang="en-US" noProof="1"/>
-              <a:t>console.log(p.toString());</a:t>
-            </a:r>
-          </a:p>
-        </p:txBody>
-      </p:sp>
-      <p:sp>
-        <p:nvSpPr>
-          <p:cNvPr id="31" name="Text Placeholder 3"/>
-          <p:cNvSpPr txBox="1">
-            <a:spLocks/>
-          </p:cNvSpPr>
-          <p:nvPr/>
-        </p:nvSpPr>
-        <p:spPr>
-          <a:xfrm>
-            <a:off x="5969773" y="2561524"/>
-            <a:ext cx="5958012" cy="587441"/>
-          </a:xfrm>
-          <a:prstGeom prst="rect">
-            <a:avLst/>
-          </a:prstGeom>
-          <a:solidFill>
-            <a:schemeClr val="accent6">
-              <a:lumMod val="75000"/>
-              <a:alpha val="50000"/>
-            </a:schemeClr>
-          </a:solidFill>
-          <a:ln w="12700">
-            <a:solidFill>
-              <a:schemeClr val="tx1">
-                <a:lumMod val="50000"/>
-              </a:schemeClr>
-            </a:solidFill>
-          </a:ln>
-        </p:spPr>
-        <p:txBody>
-          <a:bodyPr vert="horz" wrap="square" lIns="144000" tIns="108000" rIns="144000" bIns="108000" rtlCol="0">
-            <a:spAutoFit/>
-          </a:bodyPr>
-          <a:lstStyle>
-            <a:defPPr>
-              <a:defRPr lang="en-US"/>
-            </a:defPPr>
-            <a:lvl1pPr defTabSz="1218438">
-              <a:spcBef>
-                <a:spcPts val="600"/>
-              </a:spcBef>
-              <a:spcAft>
-                <a:spcPts val="600"/>
-              </a:spcAft>
-              <a:defRPr sz="2400" b="1">
-                <a:latin typeface="Consolas" pitchFamily="49" charset="0"/>
-              </a:defRPr>
-            </a:lvl1pPr>
-            <a:lvl2pPr marL="990575" indent="-380990" defTabSz="1219170" latinLnBrk="1">
-              <a:lnSpc>
-                <a:spcPct val="105000"/>
-              </a:lnSpc>
-              <a:spcBef>
-                <a:spcPts val="600"/>
-              </a:spcBef>
-              <a:spcAft>
-                <a:spcPts val="600"/>
-              </a:spcAft>
-              <a:buFont typeface="Wingdings" panose="05000000000000000000" pitchFamily="2" charset="2"/>
-              <a:buChar char="§"/>
-              <a:defRPr sz="3200"/>
-            </a:lvl2pPr>
-            <a:lvl3pPr marL="1523962" indent="-304792" defTabSz="1219170" latinLnBrk="1">
-              <a:lnSpc>
-                <a:spcPct val="105000"/>
-              </a:lnSpc>
-              <a:spcBef>
-                <a:spcPts val="600"/>
-              </a:spcBef>
-              <a:spcAft>
-                <a:spcPts val="600"/>
-              </a:spcAft>
-              <a:buFont typeface="Wingdings" panose="05000000000000000000" pitchFamily="2" charset="2"/>
-              <a:buChar char="§"/>
-              <a:defRPr sz="3000"/>
-            </a:lvl3pPr>
-            <a:lvl4pPr marL="2133547" indent="-304792" defTabSz="1219170" latinLnBrk="1">
-              <a:lnSpc>
-                <a:spcPct val="105000"/>
-              </a:lnSpc>
-              <a:spcBef>
-                <a:spcPts val="600"/>
-              </a:spcBef>
-              <a:spcAft>
-                <a:spcPts val="600"/>
-              </a:spcAft>
-              <a:buFont typeface="Wingdings" panose="05000000000000000000" pitchFamily="2" charset="2"/>
-              <a:buChar char="§"/>
-              <a:defRPr sz="2800"/>
-            </a:lvl4pPr>
-            <a:lvl5pPr marL="2743131" indent="-304792" defTabSz="1219170" latinLnBrk="1">
-              <a:lnSpc>
-                <a:spcPct val="105000"/>
-              </a:lnSpc>
-              <a:spcBef>
-                <a:spcPts val="600"/>
-              </a:spcBef>
-              <a:spcAft>
-                <a:spcPts val="600"/>
-              </a:spcAft>
-              <a:buFont typeface="Wingdings" panose="05000000000000000000" pitchFamily="2" charset="2"/>
-              <a:buChar char="§"/>
-              <a:defRPr sz="2600"/>
-            </a:lvl5pPr>
-            <a:lvl6pPr marL="3352716" indent="-304792" defTabSz="1219170" latinLnBrk="1">
-              <a:spcBef>
-                <a:spcPct val="20000"/>
-              </a:spcBef>
-              <a:buFont typeface="Arial" pitchFamily="34" charset="0"/>
-              <a:buChar char="•"/>
-              <a:defRPr sz="2667"/>
-            </a:lvl6pPr>
-            <a:lvl7pPr marL="3962301" indent="-304792" defTabSz="1219170" latinLnBrk="1">
-              <a:spcBef>
-                <a:spcPct val="20000"/>
-              </a:spcBef>
-              <a:buFont typeface="Arial" pitchFamily="34" charset="0"/>
-              <a:buChar char="•"/>
-              <a:defRPr sz="2667"/>
-            </a:lvl7pPr>
-            <a:lvl8pPr marL="4571886" indent="-304792" defTabSz="1219170" latinLnBrk="1">
-              <a:spcBef>
-                <a:spcPct val="20000"/>
-              </a:spcBef>
-              <a:buFont typeface="Arial" pitchFamily="34" charset="0"/>
-              <a:buChar char="•"/>
-              <a:defRPr sz="2667"/>
-            </a:lvl8pPr>
-            <a:lvl9pPr marL="5181470" indent="-304792" defTabSz="1219170" latinLnBrk="1">
-              <a:spcBef>
-                <a:spcPct val="20000"/>
-              </a:spcBef>
-              <a:buFont typeface="Arial" pitchFamily="34" charset="0"/>
-              <a:buChar char="•"/>
-              <a:defRPr sz="2667"/>
-            </a:lvl9pPr>
-          </a:lstStyle>
-          <a:p>
-            <a:pPr algn="ctr"/>
-            <a:r>
-              <a:rPr lang="en-US" noProof="1"/>
-              <a:t>app.js</a:t>
-            </a:r>
-          </a:p>
-        </p:txBody>
-      </p:sp>
-      <p:sp>
-        <p:nvSpPr>
-          <p:cNvPr id="41" name="Oval 40"/>
-          <p:cNvSpPr/>
-          <p:nvPr/>
-        </p:nvSpPr>
-        <p:spPr>
-          <a:xfrm>
-            <a:off x="1311092" y="1968907"/>
-            <a:ext cx="1193271" cy="421630"/>
-          </a:xfrm>
-          <a:prstGeom prst="ellipse">
-            <a:avLst/>
-          </a:prstGeom>
-          <a:noFill/>
-          <a:ln w="38100">
-            <a:solidFill>
-              <a:schemeClr val="accent1"/>
-            </a:solidFill>
-          </a:ln>
-        </p:spPr>
-        <p:style>
-          <a:lnRef idx="2">
-            <a:schemeClr val="accent1">
-              <a:shade val="50000"/>
-            </a:schemeClr>
-          </a:lnRef>
-          <a:fillRef idx="1">
-            <a:schemeClr val="accent1"/>
-          </a:fillRef>
-          <a:effectRef idx="0">
-            <a:schemeClr val="accent1"/>
-          </a:effectRef>
-          <a:fontRef idx="minor">
-            <a:schemeClr val="lt1"/>
-          </a:fontRef>
-        </p:style>
-        <p:txBody>
-          <a:bodyPr rtlCol="0" anchor="ctr"/>
-          <a:lstStyle/>
-          <a:p>
-            <a:pPr algn="ctr"/>
-            <a:endParaRPr lang="en-US" sz="2800">
-              <a:solidFill>
-                <a:schemeClr val="accent1">
-                  <a:lumMod val="75000"/>
-                </a:schemeClr>
-              </a:solidFill>
-            </a:endParaRPr>
-          </a:p>
-        </p:txBody>
-      </p:sp>
-      <p:sp>
-        <p:nvSpPr>
-          <p:cNvPr id="42" name="Freeform: Shape 41"/>
-          <p:cNvSpPr/>
-          <p:nvPr/>
-        </p:nvSpPr>
-        <p:spPr>
-          <a:xfrm>
-            <a:off x="2366715" y="1791275"/>
-            <a:ext cx="6622182" cy="2405340"/>
-          </a:xfrm>
-          <a:custGeom>
-            <a:avLst/>
-            <a:gdLst>
-              <a:gd name="connsiteX0" fmla="*/ 0 w 4618029"/>
-              <a:gd name="connsiteY0" fmla="*/ 3052689 h 3052689"/>
-              <a:gd name="connsiteX1" fmla="*/ 2236763 w 4618029"/>
-              <a:gd name="connsiteY1" fmla="*/ 379828 h 3052689"/>
-              <a:gd name="connsiteX2" fmla="*/ 4473526 w 4618029"/>
-              <a:gd name="connsiteY2" fmla="*/ 956603 h 3052689"/>
-              <a:gd name="connsiteX3" fmla="*/ 4403188 w 4618029"/>
-              <a:gd name="connsiteY3" fmla="*/ 309489 h 3052689"/>
-              <a:gd name="connsiteX4" fmla="*/ 4459459 w 4618029"/>
-              <a:gd name="connsiteY4" fmla="*/ 0 h 3052689"/>
-              <a:gd name="connsiteX0" fmla="*/ 0 w 4618029"/>
-              <a:gd name="connsiteY0" fmla="*/ 2750876 h 2750876"/>
-              <a:gd name="connsiteX1" fmla="*/ 2236763 w 4618029"/>
-              <a:gd name="connsiteY1" fmla="*/ 78015 h 2750876"/>
-              <a:gd name="connsiteX2" fmla="*/ 4473526 w 4618029"/>
-              <a:gd name="connsiteY2" fmla="*/ 654790 h 2750876"/>
-              <a:gd name="connsiteX3" fmla="*/ 4403188 w 4618029"/>
-              <a:gd name="connsiteY3" fmla="*/ 7676 h 2750876"/>
-              <a:gd name="connsiteX0" fmla="*/ 0 w 4473526"/>
-              <a:gd name="connsiteY0" fmla="*/ 2750876 h 2750876"/>
-              <a:gd name="connsiteX1" fmla="*/ 2236763 w 4473526"/>
-              <a:gd name="connsiteY1" fmla="*/ 78015 h 2750876"/>
-              <a:gd name="connsiteX2" fmla="*/ 4473526 w 4473526"/>
-              <a:gd name="connsiteY2" fmla="*/ 654790 h 2750876"/>
-              <a:gd name="connsiteX0" fmla="*/ 0 w 4473526"/>
-              <a:gd name="connsiteY0" fmla="*/ 3084601 h 3084601"/>
-              <a:gd name="connsiteX1" fmla="*/ 3010486 w 4473526"/>
-              <a:gd name="connsiteY1" fmla="*/ 60047 h 3084601"/>
-              <a:gd name="connsiteX2" fmla="*/ 4473526 w 4473526"/>
-              <a:gd name="connsiteY2" fmla="*/ 988515 h 3084601"/>
-              <a:gd name="connsiteX0" fmla="*/ 0 w 4473526"/>
-              <a:gd name="connsiteY0" fmla="*/ 3024918 h 3024918"/>
-              <a:gd name="connsiteX1" fmla="*/ 3010486 w 4473526"/>
-              <a:gd name="connsiteY1" fmla="*/ 364 h 3024918"/>
-              <a:gd name="connsiteX2" fmla="*/ 4473526 w 4473526"/>
-              <a:gd name="connsiteY2" fmla="*/ 928832 h 3024918"/>
-              <a:gd name="connsiteX0" fmla="*/ 0 w 4473526"/>
-              <a:gd name="connsiteY0" fmla="*/ 3024918 h 3024918"/>
-              <a:gd name="connsiteX1" fmla="*/ 3010486 w 4473526"/>
-              <a:gd name="connsiteY1" fmla="*/ 364 h 3024918"/>
-              <a:gd name="connsiteX2" fmla="*/ 4473526 w 4473526"/>
-              <a:gd name="connsiteY2" fmla="*/ 928832 h 3024918"/>
-              <a:gd name="connsiteX0" fmla="*/ 0 w 4473526"/>
-              <a:gd name="connsiteY0" fmla="*/ 3025724 h 3025724"/>
-              <a:gd name="connsiteX1" fmla="*/ 3010486 w 4473526"/>
-              <a:gd name="connsiteY1" fmla="*/ 1170 h 3025724"/>
-              <a:gd name="connsiteX2" fmla="*/ 4473526 w 4473526"/>
-              <a:gd name="connsiteY2" fmla="*/ 929638 h 3025724"/>
-              <a:gd name="connsiteX0" fmla="*/ 0 w 4473526"/>
-              <a:gd name="connsiteY0" fmla="*/ 3025724 h 3025724"/>
-              <a:gd name="connsiteX1" fmla="*/ 3010486 w 4473526"/>
-              <a:gd name="connsiteY1" fmla="*/ 1170 h 3025724"/>
-              <a:gd name="connsiteX2" fmla="*/ 4473526 w 4473526"/>
-              <a:gd name="connsiteY2" fmla="*/ 929638 h 3025724"/>
-              <a:gd name="connsiteX0" fmla="*/ 0 w 4881310"/>
-              <a:gd name="connsiteY0" fmla="*/ 662169 h 1708188"/>
-              <a:gd name="connsiteX1" fmla="*/ 3418270 w 4881310"/>
-              <a:gd name="connsiteY1" fmla="*/ 779720 h 1708188"/>
-              <a:gd name="connsiteX2" fmla="*/ 4881310 w 4881310"/>
-              <a:gd name="connsiteY2" fmla="*/ 1708188 h 1708188"/>
-              <a:gd name="connsiteX0" fmla="*/ 0 w 6371291"/>
-              <a:gd name="connsiteY0" fmla="*/ 829167 h 5715537"/>
-              <a:gd name="connsiteX1" fmla="*/ 3418270 w 6371291"/>
-              <a:gd name="connsiteY1" fmla="*/ 946718 h 5715537"/>
-              <a:gd name="connsiteX2" fmla="*/ 6371291 w 6371291"/>
-              <a:gd name="connsiteY2" fmla="*/ 5715537 h 5715537"/>
-              <a:gd name="connsiteX0" fmla="*/ 0 w 6371291"/>
-              <a:gd name="connsiteY0" fmla="*/ 829167 h 5715537"/>
-              <a:gd name="connsiteX1" fmla="*/ 3543743 w 6371291"/>
-              <a:gd name="connsiteY1" fmla="*/ 946717 h 5715537"/>
-              <a:gd name="connsiteX2" fmla="*/ 6371291 w 6371291"/>
-              <a:gd name="connsiteY2" fmla="*/ 5715537 h 5715537"/>
-              <a:gd name="connsiteX0" fmla="*/ 0 w 6371522"/>
-              <a:gd name="connsiteY0" fmla="*/ 829167 h 5715537"/>
-              <a:gd name="connsiteX1" fmla="*/ 3543743 w 6371522"/>
-              <a:gd name="connsiteY1" fmla="*/ 946717 h 5715537"/>
-              <a:gd name="connsiteX2" fmla="*/ 6371291 w 6371522"/>
-              <a:gd name="connsiteY2" fmla="*/ 5715537 h 5715537"/>
-              <a:gd name="connsiteX0" fmla="*/ 0 w 6371522"/>
-              <a:gd name="connsiteY0" fmla="*/ 566592 h 5452962"/>
-              <a:gd name="connsiteX1" fmla="*/ 3543743 w 6371522"/>
-              <a:gd name="connsiteY1" fmla="*/ 684142 h 5452962"/>
-              <a:gd name="connsiteX2" fmla="*/ 6371291 w 6371522"/>
-              <a:gd name="connsiteY2" fmla="*/ 5452962 h 5452962"/>
-            </a:gdLst>
-            <a:ahLst/>
-            <a:cxnLst>
-              <a:cxn ang="0">
-                <a:pos x="connsiteX0" y="connsiteY0"/>
-              </a:cxn>
-              <a:cxn ang="0">
-                <a:pos x="connsiteX1" y="connsiteY1"/>
-              </a:cxn>
-              <a:cxn ang="0">
-                <a:pos x="connsiteX2" y="connsiteY2"/>
-              </a:cxn>
-            </a:cxnLst>
-            <a:rect l="l" t="t" r="r" b="b"/>
-            <a:pathLst>
-              <a:path w="6371522" h="5452962">
-                <a:moveTo>
-                  <a:pt x="0" y="566592"/>
-                </a:moveTo>
-                <a:cubicBezTo>
-                  <a:pt x="1425807" y="-276232"/>
-                  <a:pt x="2481861" y="-130253"/>
-                  <a:pt x="3543743" y="684142"/>
-                </a:cubicBezTo>
-                <a:cubicBezTo>
-                  <a:pt x="4605625" y="1498537"/>
-                  <a:pt x="6394897" y="3749871"/>
-                  <a:pt x="6371291" y="5452962"/>
-                </a:cubicBezTo>
-              </a:path>
-            </a:pathLst>
-          </a:custGeom>
-          <a:noFill/>
-          <a:ln w="38100">
-            <a:solidFill>
-              <a:schemeClr val="accent1"/>
-            </a:solidFill>
-            <a:headEnd type="none" w="med" len="med"/>
-            <a:tailEnd type="triangle" w="lg" len="lg"/>
-          </a:ln>
-        </p:spPr>
-        <p:style>
-          <a:lnRef idx="2">
-            <a:schemeClr val="accent1">
-              <a:shade val="50000"/>
-            </a:schemeClr>
-          </a:lnRef>
-          <a:fillRef idx="1">
-            <a:schemeClr val="accent1"/>
-          </a:fillRef>
-          <a:effectRef idx="0">
-            <a:schemeClr val="accent1"/>
-          </a:effectRef>
-          <a:fontRef idx="minor">
-            <a:schemeClr val="lt1"/>
-          </a:fontRef>
-        </p:style>
-        <p:txBody>
-          <a:bodyPr rtlCol="0" anchor="ctr"/>
-          <a:lstStyle/>
-          <a:p>
-            <a:pPr algn="ctr"/>
-            <a:endParaRPr lang="en-US" dirty="0">
-              <a:solidFill>
-                <a:schemeClr val="accent1">
-                  <a:lumMod val="75000"/>
-                </a:schemeClr>
-              </a:solidFill>
-            </a:endParaRPr>
-          </a:p>
-        </p:txBody>
-      </p:sp>
-      <p:sp>
-        <p:nvSpPr>
-          <p:cNvPr id="43" name="Oval 42"/>
-          <p:cNvSpPr/>
-          <p:nvPr/>
-        </p:nvSpPr>
-        <p:spPr>
-          <a:xfrm>
-            <a:off x="2854627" y="5986294"/>
-            <a:ext cx="1851811" cy="557587"/>
-          </a:xfrm>
-          <a:prstGeom prst="ellipse">
-            <a:avLst/>
-          </a:prstGeom>
-          <a:noFill/>
-          <a:ln w="38100">
-            <a:solidFill>
-              <a:schemeClr val="accent1"/>
-            </a:solidFill>
-          </a:ln>
-        </p:spPr>
-        <p:style>
-          <a:lnRef idx="2">
-            <a:schemeClr val="accent1">
-              <a:shade val="50000"/>
-            </a:schemeClr>
-          </a:lnRef>
-          <a:fillRef idx="1">
-            <a:schemeClr val="accent1"/>
-          </a:fillRef>
-          <a:effectRef idx="0">
-            <a:schemeClr val="accent1"/>
-          </a:effectRef>
-          <a:fontRef idx="minor">
-            <a:schemeClr val="lt1"/>
-          </a:fontRef>
-        </p:style>
-        <p:txBody>
-          <a:bodyPr rtlCol="0" anchor="ctr"/>
-          <a:lstStyle/>
-          <a:p>
-            <a:pPr algn="ctr"/>
-            <a:endParaRPr lang="en-US" sz="2800">
-              <a:solidFill>
-                <a:schemeClr val="accent1"/>
-              </a:solidFill>
-            </a:endParaRPr>
-          </a:p>
-        </p:txBody>
-      </p:sp>
-      <p:sp>
-        <p:nvSpPr>
-          <p:cNvPr id="44" name="Freeform: Shape 43"/>
-          <p:cNvSpPr/>
-          <p:nvPr/>
-        </p:nvSpPr>
-        <p:spPr>
-          <a:xfrm>
-            <a:off x="3541440" y="2484311"/>
-            <a:ext cx="3753411" cy="3501983"/>
-          </a:xfrm>
-          <a:custGeom>
-            <a:avLst/>
-            <a:gdLst>
-              <a:gd name="connsiteX0" fmla="*/ 0 w 4618029"/>
-              <a:gd name="connsiteY0" fmla="*/ 3052689 h 3052689"/>
-              <a:gd name="connsiteX1" fmla="*/ 2236763 w 4618029"/>
-              <a:gd name="connsiteY1" fmla="*/ 379828 h 3052689"/>
-              <a:gd name="connsiteX2" fmla="*/ 4473526 w 4618029"/>
-              <a:gd name="connsiteY2" fmla="*/ 956603 h 3052689"/>
-              <a:gd name="connsiteX3" fmla="*/ 4403188 w 4618029"/>
-              <a:gd name="connsiteY3" fmla="*/ 309489 h 3052689"/>
-              <a:gd name="connsiteX4" fmla="*/ 4459459 w 4618029"/>
-              <a:gd name="connsiteY4" fmla="*/ 0 h 3052689"/>
-              <a:gd name="connsiteX0" fmla="*/ 0 w 4618029"/>
-              <a:gd name="connsiteY0" fmla="*/ 2750876 h 2750876"/>
-              <a:gd name="connsiteX1" fmla="*/ 2236763 w 4618029"/>
-              <a:gd name="connsiteY1" fmla="*/ 78015 h 2750876"/>
-              <a:gd name="connsiteX2" fmla="*/ 4473526 w 4618029"/>
-              <a:gd name="connsiteY2" fmla="*/ 654790 h 2750876"/>
-              <a:gd name="connsiteX3" fmla="*/ 4403188 w 4618029"/>
-              <a:gd name="connsiteY3" fmla="*/ 7676 h 2750876"/>
-              <a:gd name="connsiteX0" fmla="*/ 0 w 4473526"/>
-              <a:gd name="connsiteY0" fmla="*/ 2750876 h 2750876"/>
-              <a:gd name="connsiteX1" fmla="*/ 2236763 w 4473526"/>
-              <a:gd name="connsiteY1" fmla="*/ 78015 h 2750876"/>
-              <a:gd name="connsiteX2" fmla="*/ 4473526 w 4473526"/>
-              <a:gd name="connsiteY2" fmla="*/ 654790 h 2750876"/>
-              <a:gd name="connsiteX0" fmla="*/ 0 w 4473526"/>
-              <a:gd name="connsiteY0" fmla="*/ 3084601 h 3084601"/>
-              <a:gd name="connsiteX1" fmla="*/ 3010486 w 4473526"/>
-              <a:gd name="connsiteY1" fmla="*/ 60047 h 3084601"/>
-              <a:gd name="connsiteX2" fmla="*/ 4473526 w 4473526"/>
-              <a:gd name="connsiteY2" fmla="*/ 988515 h 3084601"/>
-              <a:gd name="connsiteX0" fmla="*/ 0 w 4473526"/>
-              <a:gd name="connsiteY0" fmla="*/ 3024918 h 3024918"/>
-              <a:gd name="connsiteX1" fmla="*/ 3010486 w 4473526"/>
-              <a:gd name="connsiteY1" fmla="*/ 364 h 3024918"/>
-              <a:gd name="connsiteX2" fmla="*/ 4473526 w 4473526"/>
-              <a:gd name="connsiteY2" fmla="*/ 928832 h 3024918"/>
-              <a:gd name="connsiteX0" fmla="*/ 0 w 4473526"/>
-              <a:gd name="connsiteY0" fmla="*/ 3024918 h 3024918"/>
-              <a:gd name="connsiteX1" fmla="*/ 3010486 w 4473526"/>
-              <a:gd name="connsiteY1" fmla="*/ 364 h 3024918"/>
-              <a:gd name="connsiteX2" fmla="*/ 4473526 w 4473526"/>
-              <a:gd name="connsiteY2" fmla="*/ 928832 h 3024918"/>
-              <a:gd name="connsiteX0" fmla="*/ 0 w 4473526"/>
-              <a:gd name="connsiteY0" fmla="*/ 3025724 h 3025724"/>
-              <a:gd name="connsiteX1" fmla="*/ 3010486 w 4473526"/>
-              <a:gd name="connsiteY1" fmla="*/ 1170 h 3025724"/>
-              <a:gd name="connsiteX2" fmla="*/ 4473526 w 4473526"/>
-              <a:gd name="connsiteY2" fmla="*/ 929638 h 3025724"/>
-              <a:gd name="connsiteX0" fmla="*/ 0 w 4473526"/>
-              <a:gd name="connsiteY0" fmla="*/ 3025724 h 3025724"/>
-              <a:gd name="connsiteX1" fmla="*/ 3010486 w 4473526"/>
-              <a:gd name="connsiteY1" fmla="*/ 1170 h 3025724"/>
-              <a:gd name="connsiteX2" fmla="*/ 4473526 w 4473526"/>
-              <a:gd name="connsiteY2" fmla="*/ 929638 h 3025724"/>
-              <a:gd name="connsiteX0" fmla="*/ 0 w 4881310"/>
-              <a:gd name="connsiteY0" fmla="*/ 662169 h 1708188"/>
-              <a:gd name="connsiteX1" fmla="*/ 3418270 w 4881310"/>
-              <a:gd name="connsiteY1" fmla="*/ 779720 h 1708188"/>
-              <a:gd name="connsiteX2" fmla="*/ 4881310 w 4881310"/>
-              <a:gd name="connsiteY2" fmla="*/ 1708188 h 1708188"/>
-              <a:gd name="connsiteX0" fmla="*/ 0 w 6371291"/>
-              <a:gd name="connsiteY0" fmla="*/ 829167 h 5715537"/>
-              <a:gd name="connsiteX1" fmla="*/ 3418270 w 6371291"/>
-              <a:gd name="connsiteY1" fmla="*/ 946718 h 5715537"/>
-              <a:gd name="connsiteX2" fmla="*/ 6371291 w 6371291"/>
-              <a:gd name="connsiteY2" fmla="*/ 5715537 h 5715537"/>
-              <a:gd name="connsiteX0" fmla="*/ 0 w 6371291"/>
-              <a:gd name="connsiteY0" fmla="*/ 829167 h 5715537"/>
-              <a:gd name="connsiteX1" fmla="*/ 3543743 w 6371291"/>
-              <a:gd name="connsiteY1" fmla="*/ 946717 h 5715537"/>
-              <a:gd name="connsiteX2" fmla="*/ 6371291 w 6371291"/>
-              <a:gd name="connsiteY2" fmla="*/ 5715537 h 5715537"/>
-              <a:gd name="connsiteX0" fmla="*/ 0 w 6371522"/>
-              <a:gd name="connsiteY0" fmla="*/ 829167 h 5715537"/>
-              <a:gd name="connsiteX1" fmla="*/ 3543743 w 6371522"/>
-              <a:gd name="connsiteY1" fmla="*/ 946717 h 5715537"/>
-              <a:gd name="connsiteX2" fmla="*/ 6371291 w 6371522"/>
-              <a:gd name="connsiteY2" fmla="*/ 5715537 h 5715537"/>
-              <a:gd name="connsiteX0" fmla="*/ 0 w 6371522"/>
-              <a:gd name="connsiteY0" fmla="*/ 566592 h 5452962"/>
-              <a:gd name="connsiteX1" fmla="*/ 3543743 w 6371522"/>
-              <a:gd name="connsiteY1" fmla="*/ 684142 h 5452962"/>
-              <a:gd name="connsiteX2" fmla="*/ 6371291 w 6371522"/>
-              <a:gd name="connsiteY2" fmla="*/ 5452962 h 5452962"/>
-              <a:gd name="connsiteX0" fmla="*/ 0 w 3485616"/>
-              <a:gd name="connsiteY0" fmla="*/ 10349573 h 10349574"/>
-              <a:gd name="connsiteX1" fmla="*/ 657886 w 3485616"/>
-              <a:gd name="connsiteY1" fmla="*/ 133090 h 10349574"/>
-              <a:gd name="connsiteX2" fmla="*/ 3485434 w 3485616"/>
-              <a:gd name="connsiteY2" fmla="*/ 4901910 h 10349574"/>
-              <a:gd name="connsiteX0" fmla="*/ 14249 w 3499865"/>
-              <a:gd name="connsiteY0" fmla="*/ 10349573 h 10349574"/>
-              <a:gd name="connsiteX1" fmla="*/ 672135 w 3499865"/>
-              <a:gd name="connsiteY1" fmla="*/ 133090 h 10349574"/>
-              <a:gd name="connsiteX2" fmla="*/ 3499683 w 3499865"/>
-              <a:gd name="connsiteY2" fmla="*/ 4901910 h 10349574"/>
-              <a:gd name="connsiteX0" fmla="*/ 5872 w 3491519"/>
-              <a:gd name="connsiteY0" fmla="*/ 6629202 h 6629203"/>
-              <a:gd name="connsiteX1" fmla="*/ 993123 w 3491519"/>
-              <a:gd name="connsiteY1" fmla="*/ 776756 h 6629203"/>
-              <a:gd name="connsiteX2" fmla="*/ 3491306 w 3491519"/>
-              <a:gd name="connsiteY2" fmla="*/ 1181539 h 6629203"/>
-              <a:gd name="connsiteX0" fmla="*/ 9992 w 3495668"/>
-              <a:gd name="connsiteY0" fmla="*/ 6919687 h 6919688"/>
-              <a:gd name="connsiteX1" fmla="*/ 997243 w 3495668"/>
-              <a:gd name="connsiteY1" fmla="*/ 1067241 h 6919688"/>
-              <a:gd name="connsiteX2" fmla="*/ 3495426 w 3495668"/>
-              <a:gd name="connsiteY2" fmla="*/ 1472024 h 6919688"/>
-            </a:gdLst>
-            <a:ahLst/>
-            <a:cxnLst>
-              <a:cxn ang="0">
-                <a:pos x="connsiteX0" y="connsiteY0"/>
-              </a:cxn>
-              <a:cxn ang="0">
-                <a:pos x="connsiteX1" y="connsiteY1"/>
-              </a:cxn>
-              <a:cxn ang="0">
-                <a:pos x="connsiteX2" y="connsiteY2"/>
-              </a:cxn>
-            </a:cxnLst>
-            <a:rect l="l" t="t" r="r" b="b"/>
-            <a:pathLst>
-              <a:path w="3495668" h="6919688">
-                <a:moveTo>
-                  <a:pt x="9992" y="6919687"/>
-                </a:moveTo>
-                <a:cubicBezTo>
-                  <a:pt x="-54183" y="5518267"/>
-                  <a:pt x="181078" y="2708341"/>
-                  <a:pt x="997243" y="1067241"/>
-                </a:cubicBezTo>
-                <a:cubicBezTo>
-                  <a:pt x="1813408" y="-573859"/>
-                  <a:pt x="3519032" y="-231067"/>
-                  <a:pt x="3495426" y="1472024"/>
-                </a:cubicBezTo>
-              </a:path>
-            </a:pathLst>
-          </a:custGeom>
-          <a:noFill/>
-          <a:ln w="38100">
-            <a:solidFill>
-              <a:schemeClr val="accent1"/>
-            </a:solidFill>
-            <a:headEnd type="none" w="med" len="med"/>
-            <a:tailEnd type="triangle" w="lg" len="lg"/>
-          </a:ln>
-        </p:spPr>
-        <p:style>
-          <a:lnRef idx="2">
-            <a:schemeClr val="accent1">
-              <a:shade val="50000"/>
-            </a:schemeClr>
-          </a:lnRef>
-          <a:fillRef idx="1">
-            <a:schemeClr val="accent1"/>
-          </a:fillRef>
-          <a:effectRef idx="0">
-            <a:schemeClr val="accent1"/>
-          </a:effectRef>
-          <a:fontRef idx="minor">
-            <a:schemeClr val="lt1"/>
-          </a:fontRef>
-        </p:style>
-        <p:txBody>
-          <a:bodyPr rtlCol="0" anchor="ctr"/>
-          <a:lstStyle/>
-          <a:p>
-            <a:pPr algn="ctr"/>
-            <a:endParaRPr lang="en-US" dirty="0">
-              <a:solidFill>
-                <a:schemeClr val="accent1">
-                  <a:lumMod val="75000"/>
-                </a:schemeClr>
-              </a:solidFill>
-            </a:endParaRPr>
-          </a:p>
-        </p:txBody>
-      </p:sp>
-      <p:sp>
-        <p:nvSpPr>
-          <p:cNvPr id="46" name="Rectangle 3"/>
-          <p:cNvSpPr>
-            <a:spLocks noChangeArrowheads="1"/>
-          </p:cNvSpPr>
-          <p:nvPr/>
-        </p:nvSpPr>
-        <p:spPr bwMode="auto">
-          <a:xfrm>
-            <a:off x="6711445" y="3222631"/>
-            <a:ext cx="1166812" cy="405377"/>
-          </a:xfrm>
-          <a:prstGeom prst="rect">
-            <a:avLst/>
-          </a:prstGeom>
-          <a:solidFill>
-            <a:schemeClr val="tx1">
-              <a:lumMod val="40000"/>
-              <a:lumOff val="60000"/>
-              <a:alpha val="41000"/>
-            </a:schemeClr>
-          </a:solidFill>
-          <a:ln w="12700">
-            <a:solidFill>
-              <a:schemeClr val="accent5">
-                <a:lumMod val="75000"/>
-              </a:schemeClr>
-            </a:solidFill>
-          </a:ln>
-        </p:spPr>
-        <p:txBody>
-          <a:bodyPr wrap="square" lIns="108000" tIns="72000" rIns="108000" bIns="72000">
-            <a:spAutoFit/>
-          </a:bodyPr>
-          <a:lstStyle/>
-          <a:p>
-            <a:pPr eaLnBrk="0" hangingPunct="0">
-              <a:lnSpc>
-                <a:spcPct val="105000"/>
-              </a:lnSpc>
-              <a:buClr>
-                <a:schemeClr val="accent5">
-                  <a:lumMod val="40000"/>
-                  <a:lumOff val="60000"/>
-                </a:schemeClr>
-              </a:buClr>
-              <a:buSzPct val="70000"/>
-            </a:pPr>
-            <a:endParaRPr lang="en-US" sz="2800" b="1" noProof="1">
-              <a:solidFill>
-                <a:schemeClr val="tx2">
-                  <a:lumMod val="75000"/>
-                </a:schemeClr>
-              </a:solidFill>
-              <a:effectLst>
-                <a:outerShdw blurRad="38100" dist="38100" dir="2700000" algn="tl">
-                  <a:srgbClr val="000000">
-                    <a:alpha val="43137"/>
-                  </a:srgbClr>
-                </a:outerShdw>
-              </a:effectLst>
-              <a:latin typeface="Consolas" pitchFamily="49" charset="0"/>
-              <a:cs typeface="Consolas" pitchFamily="49" charset="0"/>
-            </a:endParaRPr>
-          </a:p>
-        </p:txBody>
-      </p:sp>
-      <p:sp>
-        <p:nvSpPr>
-          <p:cNvPr id="4" name="Slide Title"/>
-          <p:cNvSpPr>
-            <a:spLocks noGrp="1"/>
-          </p:cNvSpPr>
-          <p:nvPr>
-            <p:ph type="title"/>
-          </p:nvPr>
-        </p:nvSpPr>
-        <p:spPr/>
-        <p:txBody>
-          <a:bodyPr/>
-          <a:lstStyle/>
-          <a:p>
-            <a:r>
-              <a:rPr lang="en-US" dirty="0"/>
-              <a:t>Screen Elements (2)</a:t>
-            </a:r>
-          </a:p>
-        </p:txBody>
-      </p:sp>
-    </p:spTree>
-    <p:extLst>
-      <p:ext uri="{BB962C8B-B14F-4D97-AF65-F5344CB8AC3E}">
-        <p14:creationId xmlns:p14="http://schemas.microsoft.com/office/powerpoint/2010/main" val="3901867048"/>
-      </p:ext>
-    </p:extLst>
-  </p:cSld>
-  <p:clrMapOvr>
-    <a:masterClrMapping/>
-  </p:clrMapOvr>
-  <mc:AlternateContent xmlns:mc="http://schemas.openxmlformats.org/markup-compatibility/2006" xmlns:p14="http://schemas.microsoft.com/office/powerpoint/2010/main">
-    <mc:Choice Requires="p14">
-      <p:transition spd="slow" p14:dur="2000" advClick="0" advTm="5000"/>
-    </mc:Choice>
-    <mc:Fallback xmlns="">
-      <p:transition spd="slow" advClick="0" advTm="5000"/>
-    </mc:Fallback>
-  </mc:AlternateContent>
-  <p:timing>
-    <p:tnLst>
-      <p:par>
-        <p:cTn id="1" dur="indefinite" restart="never" nodeType="tmRoot">
-          <p:childTnLst>
-            <p:seq concurrent="1" nextAc="seek">
-              <p:cTn id="2" dur="indefinite" nodeType="mainSeq">
-                <p:childTnLst>
-                  <p:par>
-                    <p:cTn id="3" fill="hold">
-                      <p:stCondLst>
-                        <p:cond delay="indefinite"/>
-                      </p:stCondLst>
-                      <p:childTnLst>
-                        <p:par>
-                          <p:cTn id="4" fill="hold">
-                            <p:stCondLst>
-                              <p:cond delay="0"/>
-                            </p:stCondLst>
-                            <p:childTnLst>
-                              <p:par>
-                                <p:cTn id="5" presetID="21" presetClass="entr" presetSubtype="1" fill="hold" grpId="0" nodeType="clickEffect">
-                                  <p:stCondLst>
-                                    <p:cond delay="0"/>
-                                  </p:stCondLst>
-                                  <p:childTnLst>
-                                    <p:set>
-                                      <p:cBhvr>
-                                        <p:cTn id="6" dur="1" fill="hold">
-                                          <p:stCondLst>
-                                            <p:cond delay="0"/>
-                                          </p:stCondLst>
-                                        </p:cTn>
-                                        <p:tgtEl>
-                                          <p:spTgt spid="41"/>
-                                        </p:tgtEl>
-                                        <p:attrNameLst>
-                                          <p:attrName>style.visibility</p:attrName>
-                                        </p:attrNameLst>
-                                      </p:cBhvr>
-                                      <p:to>
-                                        <p:strVal val="visible"/>
-                                      </p:to>
-                                    </p:set>
-                                    <p:animEffect transition="in" filter="wheel(1)">
-                                      <p:cBhvr>
-                                        <p:cTn id="7" dur="500"/>
-                                        <p:tgtEl>
-                                          <p:spTgt spid="41"/>
-                                        </p:tgtEl>
-                                      </p:cBhvr>
-                                    </p:animEffect>
-                                  </p:childTnLst>
-                                </p:cTn>
-                              </p:par>
-                            </p:childTnLst>
-                          </p:cTn>
-                        </p:par>
-                        <p:par>
-                          <p:cTn id="8" fill="hold">
-                            <p:stCondLst>
-                              <p:cond delay="500"/>
-                            </p:stCondLst>
-                            <p:childTnLst>
-                              <p:par>
-                                <p:cTn id="9" presetID="22" presetClass="entr" presetSubtype="8" fill="hold" grpId="0" nodeType="afterEffect">
-                                  <p:stCondLst>
-                                    <p:cond delay="0"/>
-                                  </p:stCondLst>
-                                  <p:childTnLst>
-                                    <p:set>
-                                      <p:cBhvr>
-                                        <p:cTn id="10" dur="1" fill="hold">
-                                          <p:stCondLst>
-                                            <p:cond delay="0"/>
-                                          </p:stCondLst>
-                                        </p:cTn>
-                                        <p:tgtEl>
-                                          <p:spTgt spid="42"/>
-                                        </p:tgtEl>
-                                        <p:attrNameLst>
-                                          <p:attrName>style.visibility</p:attrName>
-                                        </p:attrNameLst>
-                                      </p:cBhvr>
-                                      <p:to>
-                                        <p:strVal val="visible"/>
-                                      </p:to>
-                                    </p:set>
-                                    <p:animEffect transition="in" filter="wipe(left)">
-                                      <p:cBhvr>
-                                        <p:cTn id="11" dur="500"/>
-                                        <p:tgtEl>
-                                          <p:spTgt spid="42"/>
-                                        </p:tgtEl>
-                                      </p:cBhvr>
-                                    </p:animEffect>
-                                  </p:childTnLst>
-                                </p:cTn>
-                              </p:par>
-                            </p:childTnLst>
-                          </p:cTn>
-                        </p:par>
-                      </p:childTnLst>
-                    </p:cTn>
-                  </p:par>
-                  <p:par>
-                    <p:cTn id="12" fill="hold">
-                      <p:stCondLst>
-                        <p:cond delay="indefinite"/>
-                      </p:stCondLst>
-                      <p:childTnLst>
-                        <p:par>
-                          <p:cTn id="13" fill="hold">
-                            <p:stCondLst>
-                              <p:cond delay="0"/>
-                            </p:stCondLst>
-                            <p:childTnLst>
-                              <p:par>
-                                <p:cTn id="14" presetID="10" presetClass="entr" presetSubtype="0" fill="hold" nodeType="clickEffect">
-                                  <p:stCondLst>
-                                    <p:cond delay="0"/>
-                                  </p:stCondLst>
-                                  <p:childTnLst>
-                                    <p:set>
-                                      <p:cBhvr>
-                                        <p:cTn id="15" dur="1" fill="hold">
-                                          <p:stCondLst>
-                                            <p:cond delay="0"/>
-                                          </p:stCondLst>
-                                        </p:cTn>
-                                        <p:tgtEl>
-                                          <p:spTgt spid="22">
-                                            <p:txEl>
-                                              <p:pRg st="8" end="8"/>
-                                            </p:txEl>
-                                          </p:spTgt>
-                                        </p:tgtEl>
-                                        <p:attrNameLst>
-                                          <p:attrName>style.visibility</p:attrName>
-                                        </p:attrNameLst>
-                                      </p:cBhvr>
-                                      <p:to>
-                                        <p:strVal val="visible"/>
-                                      </p:to>
-                                    </p:set>
-                                    <p:animEffect transition="in" filter="fade">
-                                      <p:cBhvr>
-                                        <p:cTn id="16" dur="500"/>
-                                        <p:tgtEl>
-                                          <p:spTgt spid="22">
-                                            <p:txEl>
-                                              <p:pRg st="8" end="8"/>
-                                            </p:txEl>
-                                          </p:spTgt>
-                                        </p:tgtEl>
-                                      </p:cBhvr>
-                                    </p:animEffect>
-                                  </p:childTnLst>
-                                </p:cTn>
-                              </p:par>
-                              <p:par>
-                                <p:cTn id="17" presetID="10" presetClass="entr" presetSubtype="0" fill="hold" nodeType="withEffect">
-                                  <p:stCondLst>
-                                    <p:cond delay="0"/>
-                                  </p:stCondLst>
-                                  <p:childTnLst>
-                                    <p:set>
-                                      <p:cBhvr>
-                                        <p:cTn id="18" dur="1" fill="hold">
-                                          <p:stCondLst>
-                                            <p:cond delay="0"/>
-                                          </p:stCondLst>
-                                        </p:cTn>
-                                        <p:tgtEl>
-                                          <p:spTgt spid="30">
-                                            <p:txEl>
-                                              <p:pRg st="0" end="0"/>
-                                            </p:txEl>
-                                          </p:spTgt>
-                                        </p:tgtEl>
-                                        <p:attrNameLst>
-                                          <p:attrName>style.visibility</p:attrName>
-                                        </p:attrNameLst>
-                                      </p:cBhvr>
-                                      <p:to>
-                                        <p:strVal val="visible"/>
-                                      </p:to>
-                                    </p:set>
-                                    <p:animEffect transition="in" filter="fade">
-                                      <p:cBhvr>
-                                        <p:cTn id="19" dur="500"/>
-                                        <p:tgtEl>
-                                          <p:spTgt spid="30">
-                                            <p:txEl>
-                                              <p:pRg st="0" end="0"/>
-                                            </p:txEl>
-                                          </p:spTgt>
-                                        </p:tgtEl>
-                                      </p:cBhvr>
-                                    </p:animEffect>
-                                  </p:childTnLst>
-                                </p:cTn>
-                              </p:par>
-                              <p:par>
-                                <p:cTn id="20" presetID="10" presetClass="exit" presetSubtype="0" fill="hold" grpId="1" nodeType="withEffect">
-                                  <p:stCondLst>
-                                    <p:cond delay="0"/>
-                                  </p:stCondLst>
-                                  <p:childTnLst>
-                                    <p:animEffect transition="out" filter="fade">
-                                      <p:cBhvr>
-                                        <p:cTn id="21" dur="500"/>
-                                        <p:tgtEl>
-                                          <p:spTgt spid="41"/>
-                                        </p:tgtEl>
-                                      </p:cBhvr>
-                                    </p:animEffect>
-                                    <p:set>
-                                      <p:cBhvr>
-                                        <p:cTn id="22" dur="1" fill="hold">
-                                          <p:stCondLst>
-                                            <p:cond delay="499"/>
-                                          </p:stCondLst>
-                                        </p:cTn>
-                                        <p:tgtEl>
-                                          <p:spTgt spid="41"/>
-                                        </p:tgtEl>
-                                        <p:attrNameLst>
-                                          <p:attrName>style.visibility</p:attrName>
-                                        </p:attrNameLst>
-                                      </p:cBhvr>
-                                      <p:to>
-                                        <p:strVal val="hidden"/>
-                                      </p:to>
-                                    </p:set>
-                                  </p:childTnLst>
-                                </p:cTn>
-                              </p:par>
-                              <p:par>
-                                <p:cTn id="23" presetID="10" presetClass="exit" presetSubtype="0" fill="hold" grpId="1" nodeType="withEffect">
-                                  <p:stCondLst>
-                                    <p:cond delay="0"/>
-                                  </p:stCondLst>
-                                  <p:childTnLst>
-                                    <p:animEffect transition="out" filter="fade">
-                                      <p:cBhvr>
-                                        <p:cTn id="24" dur="500"/>
-                                        <p:tgtEl>
-                                          <p:spTgt spid="42"/>
-                                        </p:tgtEl>
-                                      </p:cBhvr>
-                                    </p:animEffect>
-                                    <p:set>
-                                      <p:cBhvr>
-                                        <p:cTn id="25" dur="1" fill="hold">
-                                          <p:stCondLst>
-                                            <p:cond delay="499"/>
-                                          </p:stCondLst>
-                                        </p:cTn>
-                                        <p:tgtEl>
-                                          <p:spTgt spid="42"/>
-                                        </p:tgtEl>
-                                        <p:attrNameLst>
-                                          <p:attrName>style.visibility</p:attrName>
-                                        </p:attrNameLst>
-                                      </p:cBhvr>
-                                      <p:to>
-                                        <p:strVal val="hidden"/>
-                                      </p:to>
-                                    </p:set>
-                                  </p:childTnLst>
-                                </p:cTn>
-                              </p:par>
-                            </p:childTnLst>
-                          </p:cTn>
-                        </p:par>
-                        <p:par>
-                          <p:cTn id="26" fill="hold">
-                            <p:stCondLst>
-                              <p:cond delay="500"/>
-                            </p:stCondLst>
-                            <p:childTnLst>
-                              <p:par>
-                                <p:cTn id="27" presetID="21" presetClass="entr" presetSubtype="1" fill="hold" grpId="0" nodeType="afterEffect">
-                                  <p:stCondLst>
-                                    <p:cond delay="0"/>
-                                  </p:stCondLst>
-                                  <p:childTnLst>
-                                    <p:set>
-                                      <p:cBhvr>
-                                        <p:cTn id="28" dur="1" fill="hold">
-                                          <p:stCondLst>
-                                            <p:cond delay="0"/>
-                                          </p:stCondLst>
-                                        </p:cTn>
-                                        <p:tgtEl>
-                                          <p:spTgt spid="43"/>
-                                        </p:tgtEl>
-                                        <p:attrNameLst>
-                                          <p:attrName>style.visibility</p:attrName>
-                                        </p:attrNameLst>
-                                      </p:cBhvr>
-                                      <p:to>
-                                        <p:strVal val="visible"/>
-                                      </p:to>
-                                    </p:set>
-                                    <p:animEffect transition="in" filter="wheel(1)">
-                                      <p:cBhvr>
-                                        <p:cTn id="29" dur="500"/>
-                                        <p:tgtEl>
-                                          <p:spTgt spid="43"/>
-                                        </p:tgtEl>
-                                      </p:cBhvr>
-                                    </p:animEffect>
-                                  </p:childTnLst>
-                                </p:cTn>
-                              </p:par>
-                            </p:childTnLst>
-                          </p:cTn>
-                        </p:par>
-                        <p:par>
-                          <p:cTn id="30" fill="hold">
-                            <p:stCondLst>
-                              <p:cond delay="1000"/>
-                            </p:stCondLst>
-                            <p:childTnLst>
-                              <p:par>
-                                <p:cTn id="31" presetID="22" presetClass="entr" presetSubtype="8" fill="hold" grpId="0" nodeType="afterEffect">
-                                  <p:stCondLst>
-                                    <p:cond delay="0"/>
-                                  </p:stCondLst>
-                                  <p:childTnLst>
-                                    <p:set>
-                                      <p:cBhvr>
-                                        <p:cTn id="32" dur="1" fill="hold">
-                                          <p:stCondLst>
-                                            <p:cond delay="0"/>
-                                          </p:stCondLst>
-                                        </p:cTn>
-                                        <p:tgtEl>
-                                          <p:spTgt spid="44"/>
-                                        </p:tgtEl>
-                                        <p:attrNameLst>
-                                          <p:attrName>style.visibility</p:attrName>
-                                        </p:attrNameLst>
-                                      </p:cBhvr>
-                                      <p:to>
-                                        <p:strVal val="visible"/>
-                                      </p:to>
-                                    </p:set>
-                                    <p:animEffect transition="in" filter="wipe(left)">
-                                      <p:cBhvr>
-                                        <p:cTn id="33" dur="500"/>
-                                        <p:tgtEl>
-                                          <p:spTgt spid="44"/>
-                                        </p:tgtEl>
-                                      </p:cBhvr>
-                                    </p:animEffect>
-                                  </p:childTnLst>
-                                </p:cTn>
-                              </p:par>
-                              <p:par>
-                                <p:cTn id="34" presetID="10" presetClass="entr" presetSubtype="0" fill="hold" grpId="0" nodeType="withEffect">
-                                  <p:stCondLst>
-                                    <p:cond delay="0"/>
-                                  </p:stCondLst>
-                                  <p:childTnLst>
-                                    <p:set>
-                                      <p:cBhvr>
-                                        <p:cTn id="35" dur="1" fill="hold">
-                                          <p:stCondLst>
-                                            <p:cond delay="0"/>
-                                          </p:stCondLst>
-                                        </p:cTn>
-                                        <p:tgtEl>
-                                          <p:spTgt spid="46"/>
-                                        </p:tgtEl>
-                                        <p:attrNameLst>
-                                          <p:attrName>style.visibility</p:attrName>
-                                        </p:attrNameLst>
-                                      </p:cBhvr>
-                                      <p:to>
-                                        <p:strVal val="visible"/>
-                                      </p:to>
-                                    </p:set>
-                                    <p:animEffect transition="in" filter="fade">
-                                      <p:cBhvr>
-                                        <p:cTn id="36" dur="500"/>
-                                        <p:tgtEl>
-                                          <p:spTgt spid="46"/>
-                                        </p:tgtEl>
-                                      </p:cBhvr>
-                                    </p:animEffect>
-                                  </p:childTnLst>
-                                </p:cTn>
-                              </p:par>
-                            </p:childTnLst>
-                          </p:cTn>
-                        </p:par>
-                        <p:par>
-                          <p:cTn id="37" fill="hold">
-                            <p:stCondLst>
-                              <p:cond delay="1500"/>
-                            </p:stCondLst>
-                            <p:childTnLst>
-                              <p:par>
-                                <p:cTn id="38" presetID="10" presetClass="exit" presetSubtype="0" fill="hold" grpId="1" nodeType="afterEffect">
-                                  <p:stCondLst>
-                                    <p:cond delay="0"/>
-                                  </p:stCondLst>
-                                  <p:childTnLst>
-                                    <p:animEffect transition="out" filter="fade">
-                                      <p:cBhvr>
-                                        <p:cTn id="39" dur="500"/>
-                                        <p:tgtEl>
-                                          <p:spTgt spid="46"/>
-                                        </p:tgtEl>
-                                      </p:cBhvr>
-                                    </p:animEffect>
-                                    <p:set>
-                                      <p:cBhvr>
-                                        <p:cTn id="40" dur="1" fill="hold">
-                                          <p:stCondLst>
-                                            <p:cond delay="499"/>
-                                          </p:stCondLst>
-                                        </p:cTn>
-                                        <p:tgtEl>
-                                          <p:spTgt spid="46"/>
-                                        </p:tgtEl>
-                                        <p:attrNameLst>
-                                          <p:attrName>style.visibility</p:attrName>
-                                        </p:attrNameLst>
-                                      </p:cBhvr>
-                                      <p:to>
-                                        <p:strVal val="hidden"/>
-                                      </p:to>
-                                    </p:set>
-                                  </p:childTnLst>
-                                </p:cTn>
-                              </p:par>
-                            </p:childTnLst>
-                          </p:cTn>
-                        </p:par>
-                      </p:childTnLst>
-                    </p:cTn>
-                  </p:par>
-                </p:childTnLst>
-              </p:cTn>
-              <p:prevCondLst>
-                <p:cond evt="onPrev" delay="0">
-                  <p:tgtEl>
-                    <p:sldTgt/>
-                  </p:tgtEl>
-                </p:cond>
-              </p:prevCondLst>
-              <p:nextCondLst>
-                <p:cond evt="onNext" delay="0">
-                  <p:tgtEl>
-                    <p:sldTgt/>
-                  </p:tgtEl>
-                </p:cond>
-              </p:nextCondLst>
-            </p:seq>
-          </p:childTnLst>
-        </p:cTn>
-      </p:par>
-    </p:tnLst>
-    <p:bldLst>
-      <p:bldP spid="41" grpId="0" animBg="1"/>
-      <p:bldP spid="41" grpId="1" animBg="1"/>
-      <p:bldP spid="42" grpId="0" animBg="1"/>
-      <p:bldP spid="42" grpId="1" animBg="1"/>
-      <p:bldP spid="43" grpId="0" animBg="1"/>
-      <p:bldP spid="44" grpId="0" animBg="1"/>
-      <p:bldP spid="46" grpId="0" animBg="1"/>
-      <p:bldP spid="46" grpId="1" animBg="1"/>
-    </p:bldLst>
-  </p:timing>
-</p:sld>
-</file>
-
-<file path=ppt/slides/slide11.xml><?xml version="1.0" encoding="utf-8"?>
-<p:sld xmlns:a="http://schemas.openxmlformats.org/drawingml/2006/main" xmlns:r="http://schemas.openxmlformats.org/officeDocument/2006/relationships" xmlns:p="http://schemas.openxmlformats.org/presentationml/2006/main">
-  <p:cSld>
-    <p:spTree>
-      <p:nvGrpSpPr>
-        <p:cNvPr id="1" name=""/>
-        <p:cNvGrpSpPr/>
-        <p:nvPr/>
-      </p:nvGrpSpPr>
-      <p:grpSpPr>
-        <a:xfrm>
-          <a:off x="0" y="0"/>
-          <a:ext cx="0" cy="0"/>
-          <a:chOff x="0" y="0"/>
-          <a:chExt cx="0" cy="0"/>
-        </a:xfrm>
-      </p:grpSpPr>
-      <p:sp>
-        <p:nvSpPr>
           <p:cNvPr id="24" name="Slide Number">
             <a:extLst>
               <a:ext uri="{FF2B5EF4-FFF2-40B4-BE49-F238E27FC236}">
@@ -16159,7 +12694,7 @@
             <a:fld id="{2BF067CD-8E6B-4360-9AA8-C5DF2A48A6D1}" type="slidenum">
               <a:rPr lang="en-US" smtClean="0"/>
               <a:pPr/>
-              <a:t>11</a:t>
+              <a:t>10</a:t>
             </a:fld>
             <a:endParaRPr lang="en-US" dirty="0"/>
           </a:p>
@@ -17402,7 +13937,7 @@
 </p:sld>
 </file>
 
-<file path=ppt/slides/slide12.xml><?xml version="1.0" encoding="utf-8"?>
+<file path=ppt/slides/slide11.xml><?xml version="1.0" encoding="utf-8"?>
 <p:sld xmlns:a="http://schemas.openxmlformats.org/drawingml/2006/main" xmlns:r="http://schemas.openxmlformats.org/officeDocument/2006/relationships" xmlns:p="http://schemas.openxmlformats.org/presentationml/2006/main">
   <p:cSld>
     <p:spTree>
@@ -17455,7 +13990,7 @@
             <a:fld id="{2BF067CD-8E6B-4360-9AA8-C5DF2A48A6D1}" type="slidenum">
               <a:rPr lang="en-US" smtClean="0"/>
               <a:pPr/>
-              <a:t>12</a:t>
+              <a:t>11</a:t>
             </a:fld>
             <a:endParaRPr lang="en-US" dirty="0"/>
           </a:p>
@@ -18946,7 +15481,7 @@
 </p:sld>
 </file>
 
-<file path=ppt/slides/slide13.xml><?xml version="1.0" encoding="utf-8"?>
+<file path=ppt/slides/slide12.xml><?xml version="1.0" encoding="utf-8"?>
 <p:sld xmlns:a="http://schemas.openxmlformats.org/drawingml/2006/main" xmlns:r="http://schemas.openxmlformats.org/officeDocument/2006/relationships" xmlns:p="http://schemas.openxmlformats.org/presentationml/2006/main">
   <p:cSld>
     <p:spTree>
@@ -18999,7 +15534,7 @@
             <a:fld id="{2BF067CD-8E6B-4360-9AA8-C5DF2A48A6D1}" type="slidenum">
               <a:rPr lang="en-US" smtClean="0"/>
               <a:pPr/>
-              <a:t>13</a:t>
+              <a:t>12</a:t>
             </a:fld>
             <a:endParaRPr lang="en-US" dirty="0"/>
           </a:p>
@@ -20510,7 +17045,7 @@
 </p:sld>
 </file>
 
-<file path=ppt/slides/slide14.xml><?xml version="1.0" encoding="utf-8"?>
+<file path=ppt/slides/slide13.xml><?xml version="1.0" encoding="utf-8"?>
 <p:sld xmlns:a="http://schemas.openxmlformats.org/drawingml/2006/main" xmlns:r="http://schemas.openxmlformats.org/officeDocument/2006/relationships" xmlns:p="http://schemas.openxmlformats.org/presentationml/2006/main">
   <p:cSld>
     <p:spTree>
@@ -20563,7 +17098,7 @@
             <a:fld id="{2BF067CD-8E6B-4360-9AA8-C5DF2A48A6D1}" type="slidenum">
               <a:rPr lang="en-US" smtClean="0"/>
               <a:pPr/>
-              <a:t>14</a:t>
+              <a:t>13</a:t>
             </a:fld>
             <a:endParaRPr lang="en-US" dirty="0"/>
           </a:p>
@@ -21447,7 +17982,7 @@
 </p:sld>
 </file>
 
-<file path=ppt/slides/slide15.xml><?xml version="1.0" encoding="utf-8"?>
+<file path=ppt/slides/slide14.xml><?xml version="1.0" encoding="utf-8"?>
 <p:sld xmlns:a="http://schemas.openxmlformats.org/drawingml/2006/main" xmlns:r="http://schemas.openxmlformats.org/officeDocument/2006/relationships" xmlns:p="http://schemas.openxmlformats.org/presentationml/2006/main">
   <p:cSld>
     <p:spTree>
@@ -21500,7 +18035,7 @@
             <a:fld id="{2BF067CD-8E6B-4360-9AA8-C5DF2A48A6D1}" type="slidenum">
               <a:rPr lang="en-US" smtClean="0"/>
               <a:pPr/>
-              <a:t>15</a:t>
+              <a:t>14</a:t>
             </a:fld>
             <a:endParaRPr lang="en-US" dirty="0"/>
           </a:p>
@@ -22281,7 +18816,7 @@
 </p:sld>
 </file>
 
-<file path=ppt/slides/slide16.xml><?xml version="1.0" encoding="utf-8"?>
+<file path=ppt/slides/slide15.xml><?xml version="1.0" encoding="utf-8"?>
 <p:sld xmlns:a="http://schemas.openxmlformats.org/drawingml/2006/main" xmlns:r="http://schemas.openxmlformats.org/officeDocument/2006/relationships" xmlns:p="http://schemas.openxmlformats.org/presentationml/2006/main">
   <p:cSld>
     <p:spTree>
@@ -22422,7 +18957,7 @@
             <a:fld id="{2BF067CD-8E6B-4360-9AA8-C5DF2A48A6D1}" type="slidenum">
               <a:rPr lang="en-US" smtClean="0"/>
               <a:pPr/>
-              <a:t>16</a:t>
+              <a:t>15</a:t>
             </a:fld>
             <a:endParaRPr lang="en-US" dirty="0"/>
           </a:p>
@@ -23321,7 +19856,7 @@
 </p:sld>
 </file>
 
-<file path=ppt/slides/slide17.xml><?xml version="1.0" encoding="utf-8"?>
+<file path=ppt/slides/slide16.xml><?xml version="1.0" encoding="utf-8"?>
 <p:sld xmlns:a="http://schemas.openxmlformats.org/drawingml/2006/main" xmlns:r="http://schemas.openxmlformats.org/officeDocument/2006/relationships" xmlns:p="http://schemas.openxmlformats.org/presentationml/2006/main">
   <p:cSld>
     <p:spTree>
@@ -23462,7 +19997,7 @@
             <a:fld id="{2BF067CD-8E6B-4360-9AA8-C5DF2A48A6D1}" type="slidenum">
               <a:rPr lang="en-US" smtClean="0"/>
               <a:pPr/>
-              <a:t>17</a:t>
+              <a:t>16</a:t>
             </a:fld>
             <a:endParaRPr lang="en-US" dirty="0"/>
           </a:p>
@@ -24403,7 +20938,7 @@
 </p:sld>
 </file>
 
-<file path=ppt/slides/slide18.xml><?xml version="1.0" encoding="utf-8"?>
+<file path=ppt/slides/slide17.xml><?xml version="1.0" encoding="utf-8"?>
 <p:sld xmlns:a="http://schemas.openxmlformats.org/drawingml/2006/main" xmlns:r="http://schemas.openxmlformats.org/officeDocument/2006/relationships" xmlns:p="http://schemas.openxmlformats.org/presentationml/2006/main">
   <p:cSld>
     <p:spTree>
@@ -24545,7 +21080,7 @@
 </p:sld>
 </file>
 
-<file path=ppt/slides/slide19.xml><?xml version="1.0" encoding="utf-8"?>
+<file path=ppt/slides/slide18.xml><?xml version="1.0" encoding="utf-8"?>
 <p:sld xmlns:a="http://schemas.openxmlformats.org/drawingml/2006/main" xmlns:r="http://schemas.openxmlformats.org/officeDocument/2006/relationships" xmlns:p="http://schemas.openxmlformats.org/presentationml/2006/main">
   <p:cSld>
     <p:spTree>
@@ -24755,6 +21290,276 @@
     <p:extLst>
       <p:ext uri="{BB962C8B-B14F-4D97-AF65-F5344CB8AC3E}">
         <p14:creationId xmlns:p14="http://schemas.microsoft.com/office/powerpoint/2010/main" val="1536342511"/>
+      </p:ext>
+    </p:extLst>
+  </p:cSld>
+  <p:clrMapOvr>
+    <a:masterClrMapping/>
+  </p:clrMapOvr>
+  <mc:AlternateContent xmlns:mc="http://schemas.openxmlformats.org/markup-compatibility/2006" xmlns:p14="http://schemas.microsoft.com/office/powerpoint/2010/main">
+    <mc:Choice Requires="p14">
+      <p:transition spd="slow" p14:dur="2000" advClick="0" advTm="5000"/>
+    </mc:Choice>
+    <mc:Fallback xmlns="">
+      <p:transition spd="slow" advClick="0" advTm="5000"/>
+    </mc:Fallback>
+  </mc:AlternateContent>
+</p:sld>
+</file>
+
+<file path=ppt/slides/slide19.xml><?xml version="1.0" encoding="utf-8"?>
+<p:sld xmlns:a="http://schemas.openxmlformats.org/drawingml/2006/main" xmlns:r="http://schemas.openxmlformats.org/officeDocument/2006/relationships" xmlns:p="http://schemas.openxmlformats.org/presentationml/2006/main">
+  <p:cSld>
+    <p:spTree>
+      <p:nvGrpSpPr>
+        <p:cNvPr id="1" name=""/>
+        <p:cNvGrpSpPr/>
+        <p:nvPr/>
+      </p:nvGrpSpPr>
+      <p:grpSpPr>
+        <a:xfrm>
+          <a:off x="0" y="0"/>
+          <a:ext cx="0" cy="0"/>
+          <a:chOff x="0" y="0"/>
+          <a:chExt cx="0" cy="0"/>
+        </a:xfrm>
+      </p:grpSpPr>
+      <p:sp>
+        <p:nvSpPr>
+          <p:cNvPr id="11" name="Slide Number">
+            <a:extLst>
+              <a:ext uri="{FF2B5EF4-FFF2-40B4-BE49-F238E27FC236}">
+                <a16:creationId xmlns:a16="http://schemas.microsoft.com/office/drawing/2014/main" id="{715231CF-06A4-4F23-A88C-B975D819227A}"/>
+              </a:ext>
+            </a:extLst>
+          </p:cNvPr>
+          <p:cNvSpPr>
+            <a:spLocks noGrp="1"/>
+          </p:cNvSpPr>
+          <p:nvPr>
+            <p:ph type="sldNum" sz="quarter" idx="5"/>
+          </p:nvPr>
+        </p:nvSpPr>
+        <p:spPr>
+          <a:xfrm>
+            <a:off x="11753030" y="6507000"/>
+            <a:ext cx="367414" cy="297000"/>
+          </a:xfrm>
+          <a:prstGeom prst="rect">
+            <a:avLst/>
+          </a:prstGeom>
+        </p:spPr>
+        <p:txBody>
+          <a:bodyPr/>
+          <a:lstStyle>
+            <a:lvl1pPr algn="r">
+              <a:defRPr sz="1000"/>
+            </a:lvl1pPr>
+          </a:lstStyle>
+          <a:p>
+            <a:fld id="{2BF067CD-8E6B-4360-9AA8-C5DF2A48A6D1}" type="slidenum">
+              <a:rPr lang="en-US" smtClean="0"/>
+              <a:pPr/>
+              <a:t>19</a:t>
+            </a:fld>
+            <a:endParaRPr lang="en-US" dirty="0"/>
+          </a:p>
+        </p:txBody>
+      </p:sp>
+      <p:sp>
+        <p:nvSpPr>
+          <p:cNvPr id="7" name="Text Placeholder 6">
+            <a:extLst>
+              <a:ext uri="{FF2B5EF4-FFF2-40B4-BE49-F238E27FC236}">
+                <a16:creationId xmlns:a16="http://schemas.microsoft.com/office/drawing/2014/main" id="{A126977E-2B25-4DB3-98BB-1D80A2861C40}"/>
+              </a:ext>
+            </a:extLst>
+          </p:cNvPr>
+          <p:cNvSpPr>
+            <a:spLocks noGrp="1"/>
+          </p:cNvSpPr>
+          <p:nvPr>
+            <p:ph type="body" sz="quarter" idx="10"/>
+          </p:nvPr>
+        </p:nvSpPr>
+        <p:spPr/>
+        <p:txBody>
+          <a:bodyPr/>
+          <a:lstStyle/>
+          <a:p>
+            <a:r>
+              <a:rPr lang="en-US" dirty="0"/>
+              <a:t>Some explanatory text</a:t>
+            </a:r>
+          </a:p>
+        </p:txBody>
+      </p:sp>
+      <p:grpSp>
+        <p:nvGrpSpPr>
+          <p:cNvPr id="9" name="Group 8"/>
+          <p:cNvGrpSpPr/>
+          <p:nvPr/>
+        </p:nvGrpSpPr>
+        <p:grpSpPr>
+          <a:xfrm>
+            <a:off x="5051312" y="1493178"/>
+            <a:ext cx="6515100" cy="5010150"/>
+            <a:chOff x="2836862" y="1238250"/>
+            <a:chExt cx="6515100" cy="5010150"/>
+          </a:xfrm>
+        </p:grpSpPr>
+        <p:pic>
+          <p:nvPicPr>
+            <p:cNvPr id="5" name="Picture 4"/>
+            <p:cNvPicPr>
+              <a:picLocks noChangeAspect="1"/>
+            </p:cNvPicPr>
+            <p:nvPr/>
+          </p:nvPicPr>
+          <p:blipFill>
+            <a:blip r:embed="rId3"/>
+            <a:stretch>
+              <a:fillRect/>
+            </a:stretch>
+          </p:blipFill>
+          <p:spPr>
+            <a:xfrm>
+              <a:off x="2836862" y="1238250"/>
+              <a:ext cx="6515100" cy="5010150"/>
+            </a:xfrm>
+            <a:prstGeom prst="rect">
+              <a:avLst/>
+            </a:prstGeom>
+            <a:ln>
+              <a:noFill/>
+            </a:ln>
+            <a:effectLst>
+              <a:outerShdw blurRad="292100" dist="139700" dir="2700000" algn="tl" rotWithShape="0">
+                <a:srgbClr val="333333">
+                  <a:alpha val="65000"/>
+                </a:srgbClr>
+              </a:outerShdw>
+            </a:effectLst>
+          </p:spPr>
+        </p:pic>
+        <p:sp>
+          <p:nvSpPr>
+            <p:cNvPr id="6" name="Rectangle 5"/>
+            <p:cNvSpPr/>
+            <p:nvPr/>
+          </p:nvSpPr>
+          <p:spPr>
+            <a:xfrm>
+              <a:off x="5502644" y="1895272"/>
+              <a:ext cx="914400" cy="457200"/>
+            </a:xfrm>
+            <a:prstGeom prst="rect">
+              <a:avLst/>
+            </a:prstGeom>
+            <a:noFill/>
+            <a:ln w="38100"/>
+          </p:spPr>
+          <p:style>
+            <a:lnRef idx="2">
+              <a:schemeClr val="accent1">
+                <a:shade val="50000"/>
+              </a:schemeClr>
+            </a:lnRef>
+            <a:fillRef idx="1">
+              <a:schemeClr val="accent1"/>
+            </a:fillRef>
+            <a:effectRef idx="0">
+              <a:schemeClr val="accent1"/>
+            </a:effectRef>
+            <a:fontRef idx="minor">
+              <a:schemeClr val="lt1"/>
+            </a:fontRef>
+          </p:style>
+          <p:txBody>
+            <a:bodyPr rtlCol="0" anchor="ctr"/>
+            <a:lstStyle/>
+            <a:p>
+              <a:pPr algn="ctr"/>
+              <a:endParaRPr lang="en-US" sz="2800" dirty="0"/>
+            </a:p>
+          </p:txBody>
+        </p:sp>
+        <p:sp>
+          <p:nvSpPr>
+            <p:cNvPr id="8" name="Arrow: Bent 7"/>
+            <p:cNvSpPr/>
+            <p:nvPr/>
+          </p:nvSpPr>
+          <p:spPr>
+            <a:xfrm flipH="1" flipV="1">
+              <a:off x="5094082" y="2598500"/>
+              <a:ext cx="956522" cy="802532"/>
+            </a:xfrm>
+            <a:prstGeom prst="bentArrow">
+              <a:avLst>
+                <a:gd name="adj1" fmla="val 23788"/>
+                <a:gd name="adj2" fmla="val 28102"/>
+                <a:gd name="adj3" fmla="val 38696"/>
+                <a:gd name="adj4" fmla="val 30417"/>
+              </a:avLst>
+            </a:prstGeom>
+          </p:spPr>
+          <p:style>
+            <a:lnRef idx="2">
+              <a:schemeClr val="accent1">
+                <a:shade val="50000"/>
+              </a:schemeClr>
+            </a:lnRef>
+            <a:fillRef idx="1">
+              <a:schemeClr val="accent1"/>
+            </a:fillRef>
+            <a:effectRef idx="0">
+              <a:schemeClr val="accent1"/>
+            </a:effectRef>
+            <a:fontRef idx="minor">
+              <a:schemeClr val="lt1"/>
+            </a:fontRef>
+          </p:style>
+          <p:txBody>
+            <a:bodyPr rtlCol="0" anchor="ctr"/>
+            <a:lstStyle/>
+            <a:p>
+              <a:pPr algn="ctr"/>
+              <a:endParaRPr lang="en-US" sz="2800">
+                <a:solidFill>
+                  <a:schemeClr val="tx1"/>
+                </a:solidFill>
+              </a:endParaRPr>
+            </a:p>
+          </p:txBody>
+        </p:sp>
+      </p:grpSp>
+      <p:sp>
+        <p:nvSpPr>
+          <p:cNvPr id="4" name="Slide Title"/>
+          <p:cNvSpPr>
+            <a:spLocks noGrp="1"/>
+          </p:cNvSpPr>
+          <p:nvPr>
+            <p:ph type="title"/>
+          </p:nvPr>
+        </p:nvSpPr>
+        <p:spPr/>
+        <p:txBody>
+          <a:bodyPr/>
+          <a:lstStyle/>
+          <a:p>
+            <a:r>
+              <a:rPr lang="en-US" dirty="0"/>
+              <a:t>Login Screen</a:t>
+            </a:r>
+          </a:p>
+        </p:txBody>
+      </p:sp>
+    </p:spTree>
+    <p:extLst>
+      <p:ext uri="{BB962C8B-B14F-4D97-AF65-F5344CB8AC3E}">
+        <p14:creationId xmlns:p14="http://schemas.microsoft.com/office/powerpoint/2010/main" val="2820825661"/>
       </p:ext>
     </p:extLst>
   </p:cSld>
@@ -25343,276 +22148,6 @@
       </p:grpSpPr>
       <p:sp>
         <p:nvSpPr>
-          <p:cNvPr id="11" name="Slide Number">
-            <a:extLst>
-              <a:ext uri="{FF2B5EF4-FFF2-40B4-BE49-F238E27FC236}">
-                <a16:creationId xmlns:a16="http://schemas.microsoft.com/office/drawing/2014/main" id="{715231CF-06A4-4F23-A88C-B975D819227A}"/>
-              </a:ext>
-            </a:extLst>
-          </p:cNvPr>
-          <p:cNvSpPr>
-            <a:spLocks noGrp="1"/>
-          </p:cNvSpPr>
-          <p:nvPr>
-            <p:ph type="sldNum" sz="quarter" idx="5"/>
-          </p:nvPr>
-        </p:nvSpPr>
-        <p:spPr>
-          <a:xfrm>
-            <a:off x="11753030" y="6507000"/>
-            <a:ext cx="367414" cy="297000"/>
-          </a:xfrm>
-          <a:prstGeom prst="rect">
-            <a:avLst/>
-          </a:prstGeom>
-        </p:spPr>
-        <p:txBody>
-          <a:bodyPr/>
-          <a:lstStyle>
-            <a:lvl1pPr algn="r">
-              <a:defRPr sz="1000"/>
-            </a:lvl1pPr>
-          </a:lstStyle>
-          <a:p>
-            <a:fld id="{2BF067CD-8E6B-4360-9AA8-C5DF2A48A6D1}" type="slidenum">
-              <a:rPr lang="en-US" smtClean="0"/>
-              <a:pPr/>
-              <a:t>20</a:t>
-            </a:fld>
-            <a:endParaRPr lang="en-US" dirty="0"/>
-          </a:p>
-        </p:txBody>
-      </p:sp>
-      <p:sp>
-        <p:nvSpPr>
-          <p:cNvPr id="7" name="Text Placeholder 6">
-            <a:extLst>
-              <a:ext uri="{FF2B5EF4-FFF2-40B4-BE49-F238E27FC236}">
-                <a16:creationId xmlns:a16="http://schemas.microsoft.com/office/drawing/2014/main" id="{A126977E-2B25-4DB3-98BB-1D80A2861C40}"/>
-              </a:ext>
-            </a:extLst>
-          </p:cNvPr>
-          <p:cNvSpPr>
-            <a:spLocks noGrp="1"/>
-          </p:cNvSpPr>
-          <p:nvPr>
-            <p:ph type="body" sz="quarter" idx="10"/>
-          </p:nvPr>
-        </p:nvSpPr>
-        <p:spPr/>
-        <p:txBody>
-          <a:bodyPr/>
-          <a:lstStyle/>
-          <a:p>
-            <a:r>
-              <a:rPr lang="en-US" dirty="0"/>
-              <a:t>Some explanatory text</a:t>
-            </a:r>
-          </a:p>
-        </p:txBody>
-      </p:sp>
-      <p:grpSp>
-        <p:nvGrpSpPr>
-          <p:cNvPr id="9" name="Group 8"/>
-          <p:cNvGrpSpPr/>
-          <p:nvPr/>
-        </p:nvGrpSpPr>
-        <p:grpSpPr>
-          <a:xfrm>
-            <a:off x="5051312" y="1493178"/>
-            <a:ext cx="6515100" cy="5010150"/>
-            <a:chOff x="2836862" y="1238250"/>
-            <a:chExt cx="6515100" cy="5010150"/>
-          </a:xfrm>
-        </p:grpSpPr>
-        <p:pic>
-          <p:nvPicPr>
-            <p:cNvPr id="5" name="Picture 4"/>
-            <p:cNvPicPr>
-              <a:picLocks noChangeAspect="1"/>
-            </p:cNvPicPr>
-            <p:nvPr/>
-          </p:nvPicPr>
-          <p:blipFill>
-            <a:blip r:embed="rId3"/>
-            <a:stretch>
-              <a:fillRect/>
-            </a:stretch>
-          </p:blipFill>
-          <p:spPr>
-            <a:xfrm>
-              <a:off x="2836862" y="1238250"/>
-              <a:ext cx="6515100" cy="5010150"/>
-            </a:xfrm>
-            <a:prstGeom prst="rect">
-              <a:avLst/>
-            </a:prstGeom>
-            <a:ln>
-              <a:noFill/>
-            </a:ln>
-            <a:effectLst>
-              <a:outerShdw blurRad="292100" dist="139700" dir="2700000" algn="tl" rotWithShape="0">
-                <a:srgbClr val="333333">
-                  <a:alpha val="65000"/>
-                </a:srgbClr>
-              </a:outerShdw>
-            </a:effectLst>
-          </p:spPr>
-        </p:pic>
-        <p:sp>
-          <p:nvSpPr>
-            <p:cNvPr id="6" name="Rectangle 5"/>
-            <p:cNvSpPr/>
-            <p:nvPr/>
-          </p:nvSpPr>
-          <p:spPr>
-            <a:xfrm>
-              <a:off x="5502644" y="1895272"/>
-              <a:ext cx="914400" cy="457200"/>
-            </a:xfrm>
-            <a:prstGeom prst="rect">
-              <a:avLst/>
-            </a:prstGeom>
-            <a:noFill/>
-            <a:ln w="38100"/>
-          </p:spPr>
-          <p:style>
-            <a:lnRef idx="2">
-              <a:schemeClr val="accent1">
-                <a:shade val="50000"/>
-              </a:schemeClr>
-            </a:lnRef>
-            <a:fillRef idx="1">
-              <a:schemeClr val="accent1"/>
-            </a:fillRef>
-            <a:effectRef idx="0">
-              <a:schemeClr val="accent1"/>
-            </a:effectRef>
-            <a:fontRef idx="minor">
-              <a:schemeClr val="lt1"/>
-            </a:fontRef>
-          </p:style>
-          <p:txBody>
-            <a:bodyPr rtlCol="0" anchor="ctr"/>
-            <a:lstStyle/>
-            <a:p>
-              <a:pPr algn="ctr"/>
-              <a:endParaRPr lang="en-US" sz="2800" dirty="0"/>
-            </a:p>
-          </p:txBody>
-        </p:sp>
-        <p:sp>
-          <p:nvSpPr>
-            <p:cNvPr id="8" name="Arrow: Bent 7"/>
-            <p:cNvSpPr/>
-            <p:nvPr/>
-          </p:nvSpPr>
-          <p:spPr>
-            <a:xfrm flipH="1" flipV="1">
-              <a:off x="5094082" y="2598500"/>
-              <a:ext cx="956522" cy="802532"/>
-            </a:xfrm>
-            <a:prstGeom prst="bentArrow">
-              <a:avLst>
-                <a:gd name="adj1" fmla="val 23788"/>
-                <a:gd name="adj2" fmla="val 28102"/>
-                <a:gd name="adj3" fmla="val 38696"/>
-                <a:gd name="adj4" fmla="val 30417"/>
-              </a:avLst>
-            </a:prstGeom>
-          </p:spPr>
-          <p:style>
-            <a:lnRef idx="2">
-              <a:schemeClr val="accent1">
-                <a:shade val="50000"/>
-              </a:schemeClr>
-            </a:lnRef>
-            <a:fillRef idx="1">
-              <a:schemeClr val="accent1"/>
-            </a:fillRef>
-            <a:effectRef idx="0">
-              <a:schemeClr val="accent1"/>
-            </a:effectRef>
-            <a:fontRef idx="minor">
-              <a:schemeClr val="lt1"/>
-            </a:fontRef>
-          </p:style>
-          <p:txBody>
-            <a:bodyPr rtlCol="0" anchor="ctr"/>
-            <a:lstStyle/>
-            <a:p>
-              <a:pPr algn="ctr"/>
-              <a:endParaRPr lang="en-US" sz="2800">
-                <a:solidFill>
-                  <a:schemeClr val="tx1"/>
-                </a:solidFill>
-              </a:endParaRPr>
-            </a:p>
-          </p:txBody>
-        </p:sp>
-      </p:grpSp>
-      <p:sp>
-        <p:nvSpPr>
-          <p:cNvPr id="4" name="Slide Title"/>
-          <p:cNvSpPr>
-            <a:spLocks noGrp="1"/>
-          </p:cNvSpPr>
-          <p:nvPr>
-            <p:ph type="title"/>
-          </p:nvPr>
-        </p:nvSpPr>
-        <p:spPr/>
-        <p:txBody>
-          <a:bodyPr/>
-          <a:lstStyle/>
-          <a:p>
-            <a:r>
-              <a:rPr lang="en-US" dirty="0"/>
-              <a:t>Login Screen</a:t>
-            </a:r>
-          </a:p>
-        </p:txBody>
-      </p:sp>
-    </p:spTree>
-    <p:extLst>
-      <p:ext uri="{BB962C8B-B14F-4D97-AF65-F5344CB8AC3E}">
-        <p14:creationId xmlns:p14="http://schemas.microsoft.com/office/powerpoint/2010/main" val="2820825661"/>
-      </p:ext>
-    </p:extLst>
-  </p:cSld>
-  <p:clrMapOvr>
-    <a:masterClrMapping/>
-  </p:clrMapOvr>
-  <mc:AlternateContent xmlns:mc="http://schemas.openxmlformats.org/markup-compatibility/2006" xmlns:p14="http://schemas.microsoft.com/office/powerpoint/2010/main">
-    <mc:Choice Requires="p14">
-      <p:transition spd="slow" p14:dur="2000" advClick="0" advTm="5000"/>
-    </mc:Choice>
-    <mc:Fallback xmlns="">
-      <p:transition spd="slow" advClick="0" advTm="5000"/>
-    </mc:Fallback>
-  </mc:AlternateContent>
-</p:sld>
-</file>
-
-<file path=ppt/slides/slide21.xml><?xml version="1.0" encoding="utf-8"?>
-<p:sld xmlns:a="http://schemas.openxmlformats.org/drawingml/2006/main" xmlns:r="http://schemas.openxmlformats.org/officeDocument/2006/relationships" xmlns:p="http://schemas.openxmlformats.org/presentationml/2006/main">
-  <p:cSld>
-    <p:spTree>
-      <p:nvGrpSpPr>
-        <p:cNvPr id="1" name=""/>
-        <p:cNvGrpSpPr/>
-        <p:nvPr/>
-      </p:nvGrpSpPr>
-      <p:grpSpPr>
-        <a:xfrm>
-          <a:off x="0" y="0"/>
-          <a:ext cx="0" cy="0"/>
-          <a:chOff x="0" y="0"/>
-          <a:chExt cx="0" cy="0"/>
-        </a:xfrm>
-      </p:grpSpPr>
-      <p:sp>
-        <p:nvSpPr>
           <p:cNvPr id="6" name="Slide Number">
             <a:extLst>
               <a:ext uri="{FF2B5EF4-FFF2-40B4-BE49-F238E27FC236}">
@@ -25647,7 +22182,7 @@
             <a:fld id="{2BF067CD-8E6B-4360-9AA8-C5DF2A48A6D1}" type="slidenum">
               <a:rPr lang="en-US" smtClean="0"/>
               <a:pPr/>
-              <a:t>21</a:t>
+              <a:t>20</a:t>
             </a:fld>
             <a:endParaRPr lang="en-US" dirty="0"/>
           </a:p>
@@ -27061,7 +23596,7 @@
 </p:sld>
 </file>
 
-<file path=ppt/slides/slide22.xml><?xml version="1.0" encoding="utf-8"?>
+<file path=ppt/slides/slide21.xml><?xml version="1.0" encoding="utf-8"?>
 <p:sld xmlns:a="http://schemas.openxmlformats.org/drawingml/2006/main" xmlns:r="http://schemas.openxmlformats.org/officeDocument/2006/relationships" xmlns:p="http://schemas.openxmlformats.org/presentationml/2006/main">
   <p:cSld>
     <p:spTree>
@@ -27114,7 +23649,7 @@
             <a:fld id="{2BF067CD-8E6B-4360-9AA8-C5DF2A48A6D1}" type="slidenum">
               <a:rPr lang="en-US" smtClean="0"/>
               <a:pPr/>
-              <a:t>22</a:t>
+              <a:t>21</a:t>
             </a:fld>
             <a:endParaRPr lang="en-US" dirty="0"/>
           </a:p>
@@ -28171,7 +24706,7 @@
 </p:sld>
 </file>
 
-<file path=ppt/slides/slide23.xml><?xml version="1.0" encoding="utf-8"?>
+<file path=ppt/slides/slide22.xml><?xml version="1.0" encoding="utf-8"?>
 <p:sld xmlns:a="http://schemas.openxmlformats.org/drawingml/2006/main" xmlns:r="http://schemas.openxmlformats.org/officeDocument/2006/relationships" xmlns:p="http://schemas.openxmlformats.org/presentationml/2006/main">
   <p:cSld>
     <p:spTree>
@@ -28242,1045 +24777,7 @@
 </p:sld>
 </file>
 
-<file path=ppt/slides/slide24.xml><?xml version="1.0" encoding="utf-8"?>
-<p:sld xmlns:a="http://schemas.openxmlformats.org/drawingml/2006/main" xmlns:r="http://schemas.openxmlformats.org/officeDocument/2006/relationships" xmlns:p="http://schemas.openxmlformats.org/presentationml/2006/main">
-  <p:cSld>
-    <p:spTree>
-      <p:nvGrpSpPr>
-        <p:cNvPr id="1" name=""/>
-        <p:cNvGrpSpPr/>
-        <p:nvPr/>
-      </p:nvGrpSpPr>
-      <p:grpSpPr>
-        <a:xfrm>
-          <a:off x="0" y="0"/>
-          <a:ext cx="0" cy="0"/>
-          <a:chOff x="0" y="0"/>
-          <a:chExt cx="0" cy="0"/>
-        </a:xfrm>
-      </p:grpSpPr>
-      <p:sp>
-        <p:nvSpPr>
-          <p:cNvPr id="5" name="Slide Title">
-            <a:extLst>
-              <a:ext uri="{FF2B5EF4-FFF2-40B4-BE49-F238E27FC236}">
-                <a16:creationId xmlns:a16="http://schemas.microsoft.com/office/drawing/2014/main" id="{FA0703FC-0F8F-4C80-A615-E4B381EC0E0C}"/>
-              </a:ext>
-            </a:extLst>
-          </p:cNvPr>
-          <p:cNvSpPr>
-            <a:spLocks noGrp="1"/>
-          </p:cNvSpPr>
-          <p:nvPr>
-            <p:ph type="title"/>
-          </p:nvPr>
-        </p:nvSpPr>
-        <p:spPr/>
-        <p:txBody>
-          <a:bodyPr/>
-          <a:lstStyle/>
-          <a:p>
-            <a:r>
-              <a:rPr lang="bg-BG" sz="8800" dirty="0">
-                <a:solidFill>
-                  <a:srgbClr val="234465"/>
-                </a:solidFill>
-              </a:rPr>
-              <a:t>Въпроси</a:t>
-            </a:r>
-            <a:r>
-              <a:rPr lang="en-US" sz="8800" dirty="0">
-                <a:solidFill>
-                  <a:srgbClr val="234465"/>
-                </a:solidFill>
-              </a:rPr>
-              <a:t>?</a:t>
-            </a:r>
-            <a:endParaRPr lang="en-US" sz="8800" dirty="0"/>
-          </a:p>
-        </p:txBody>
-      </p:sp>
-    </p:spTree>
-    <p:extLst>
-      <p:ext uri="{BB962C8B-B14F-4D97-AF65-F5344CB8AC3E}">
-        <p14:creationId xmlns:p14="http://schemas.microsoft.com/office/powerpoint/2010/main" val="1472534970"/>
-      </p:ext>
-    </p:extLst>
-  </p:cSld>
-  <p:clrMapOvr>
-    <a:masterClrMapping/>
-  </p:clrMapOvr>
-  <mc:AlternateContent xmlns:mc="http://schemas.openxmlformats.org/markup-compatibility/2006" xmlns:p14="http://schemas.microsoft.com/office/powerpoint/2010/main">
-    <mc:Choice Requires="p14">
-      <p:transition spd="slow" p14:dur="2000" advClick="0" advTm="5000"/>
-    </mc:Choice>
-    <mc:Fallback xmlns="">
-      <p:transition spd="slow" advClick="0" advTm="5000"/>
-    </mc:Fallback>
-  </mc:AlternateContent>
-</p:sld>
-</file>
-
-<file path=ppt/slides/slide25.xml><?xml version="1.0" encoding="utf-8"?>
-<p:sld xmlns:a="http://schemas.openxmlformats.org/drawingml/2006/main" xmlns:r="http://schemas.openxmlformats.org/officeDocument/2006/relationships" xmlns:p="http://schemas.openxmlformats.org/presentationml/2006/main">
-  <p:cSld>
-    <p:spTree>
-      <p:nvGrpSpPr>
-        <p:cNvPr id="1" name=""/>
-        <p:cNvGrpSpPr/>
-        <p:nvPr/>
-      </p:nvGrpSpPr>
-      <p:grpSpPr>
-        <a:xfrm>
-          <a:off x="0" y="0"/>
-          <a:ext cx="0" cy="0"/>
-          <a:chOff x="0" y="0"/>
-          <a:chExt cx="0" cy="0"/>
-        </a:xfrm>
-      </p:grpSpPr>
-      <p:sp>
-        <p:nvSpPr>
-          <p:cNvPr id="16" name="Slide Number">
-            <a:extLst>
-              <a:ext uri="{FF2B5EF4-FFF2-40B4-BE49-F238E27FC236}">
-                <a16:creationId xmlns:a16="http://schemas.microsoft.com/office/drawing/2014/main" id="{1DA59687-2AA3-446B-9C8E-9FD7874E63E1}"/>
-              </a:ext>
-            </a:extLst>
-          </p:cNvPr>
-          <p:cNvSpPr>
-            <a:spLocks noGrp="1"/>
-          </p:cNvSpPr>
-          <p:nvPr>
-            <p:ph type="sldNum" sz="quarter" idx="5"/>
-          </p:nvPr>
-        </p:nvSpPr>
-        <p:spPr>
-          <a:xfrm>
-            <a:off x="11753030" y="6507000"/>
-            <a:ext cx="367414" cy="297000"/>
-          </a:xfrm>
-          <a:prstGeom prst="rect">
-            <a:avLst/>
-          </a:prstGeom>
-        </p:spPr>
-        <p:txBody>
-          <a:bodyPr vert="horz" lIns="91440" tIns="45720" rIns="91440" bIns="45720" rtlCol="0" anchor="b"/>
-          <a:lstStyle>
-            <a:lvl1pPr algn="r">
-              <a:defRPr sz="1000"/>
-            </a:lvl1pPr>
-          </a:lstStyle>
-          <a:p>
-            <a:fld id="{2BF067CD-8E6B-4360-9AA8-C5DF2A48A6D1}" type="slidenum">
-              <a:rPr lang="en-US" smtClean="0"/>
-              <a:pPr/>
-              <a:t>25</a:t>
-            </a:fld>
-            <a:endParaRPr lang="en-US" dirty="0"/>
-          </a:p>
-        </p:txBody>
-      </p:sp>
-      <p:pic>
-        <p:nvPicPr>
-          <p:cNvPr id="33" name="Superhosting">
-            <a:hlinkClick r:id="rId3"/>
-            <a:extLst>
-              <a:ext uri="{FF2B5EF4-FFF2-40B4-BE49-F238E27FC236}">
-                <a16:creationId xmlns:a16="http://schemas.microsoft.com/office/drawing/2014/main" id="{209EACB9-FC1D-4DCA-BC86-B0DD02312350}"/>
-              </a:ext>
-            </a:extLst>
-          </p:cNvPr>
-          <p:cNvPicPr>
-            <a:picLocks noChangeAspect="1"/>
-          </p:cNvPicPr>
-          <p:nvPr/>
-        </p:nvPicPr>
-        <p:blipFill>
-          <a:blip r:embed="rId4"/>
-          <a:stretch>
-            <a:fillRect/>
-          </a:stretch>
-        </p:blipFill>
-        <p:spPr>
-          <a:xfrm>
-            <a:off x="4666674" y="5669707"/>
-            <a:ext cx="6474561" cy="774293"/>
-          </a:xfrm>
-          <a:prstGeom prst="roundRect">
-            <a:avLst/>
-          </a:prstGeom>
-          <a:solidFill>
-            <a:schemeClr val="bg2"/>
-          </a:solidFill>
-          <a:ln>
-            <a:solidFill>
-              <a:schemeClr val="tx1"/>
-            </a:solidFill>
-          </a:ln>
-          <a:effectLst>
-            <a:softEdge rad="0"/>
-          </a:effectLst>
-        </p:spPr>
-      </p:pic>
-      <p:pic>
-        <p:nvPicPr>
-          <p:cNvPr id="32" name="Stemo">
-            <a:hlinkClick r:id="rId5"/>
-            <a:extLst>
-              <a:ext uri="{FF2B5EF4-FFF2-40B4-BE49-F238E27FC236}">
-                <a16:creationId xmlns:a16="http://schemas.microsoft.com/office/drawing/2014/main" id="{0FDF11E6-F5ED-4FB2-96CD-9D306D28A0DB}"/>
-              </a:ext>
-            </a:extLst>
-          </p:cNvPr>
-          <p:cNvPicPr>
-            <a:picLocks noChangeAspect="1"/>
-          </p:cNvPicPr>
-          <p:nvPr/>
-        </p:nvPicPr>
-        <p:blipFill rotWithShape="1">
-          <a:blip r:embed="rId6" cstate="print">
-            <a:extLst>
-              <a:ext uri="{28A0092B-C50C-407E-A947-70E740481C1C}">
-                <a14:useLocalDpi xmlns:a14="http://schemas.microsoft.com/office/drawing/2010/main" val="0"/>
-              </a:ext>
-            </a:extLst>
-          </a:blip>
-          <a:srcRect l="-4204" r="-4204"/>
-          <a:stretch>
-            <a:fillRect/>
-          </a:stretch>
-        </p:blipFill>
-        <p:spPr>
-          <a:xfrm>
-            <a:off x="1093778" y="5580622"/>
-            <a:ext cx="2873046" cy="863377"/>
-          </a:xfrm>
-          <a:prstGeom prst="roundRect">
-            <a:avLst/>
-          </a:prstGeom>
-          <a:solidFill>
-            <a:schemeClr val="bg2"/>
-          </a:solidFill>
-          <a:ln>
-            <a:solidFill>
-              <a:schemeClr val="tx1"/>
-            </a:solidFill>
-          </a:ln>
-          <a:effectLst>
-            <a:softEdge rad="0"/>
-          </a:effectLst>
-        </p:spPr>
-      </p:pic>
-      <p:pic>
-        <p:nvPicPr>
-          <p:cNvPr id="22" name="Infragistics">
-            <a:hlinkClick r:id="rId7"/>
-            <a:extLst>
-              <a:ext uri="{FF2B5EF4-FFF2-40B4-BE49-F238E27FC236}">
-                <a16:creationId xmlns:a16="http://schemas.microsoft.com/office/drawing/2014/main" id="{B144A31B-0A04-458F-A3E8-FB087C518105}"/>
-              </a:ext>
-            </a:extLst>
-          </p:cNvPr>
-          <p:cNvPicPr>
-            <a:picLocks noChangeAspect="1"/>
-          </p:cNvPicPr>
-          <p:nvPr/>
-        </p:nvPicPr>
-        <p:blipFill rotWithShape="1">
-          <a:blip r:embed="rId8" cstate="print">
-            <a:extLst>
-              <a:ext uri="{28A0092B-C50C-407E-A947-70E740481C1C}">
-                <a14:useLocalDpi xmlns:a14="http://schemas.microsoft.com/office/drawing/2010/main" val="0"/>
-              </a:ext>
-            </a:extLst>
-          </a:blip>
-          <a:srcRect l="-4204" r="-4204"/>
-          <a:stretch/>
-        </p:blipFill>
-        <p:spPr>
-          <a:xfrm>
-            <a:off x="5438016" y="4550361"/>
-            <a:ext cx="5667359" cy="863377"/>
-          </a:xfrm>
-          <a:prstGeom prst="roundRect">
-            <a:avLst/>
-          </a:prstGeom>
-          <a:solidFill>
-            <a:schemeClr val="bg2"/>
-          </a:solidFill>
-          <a:ln>
-            <a:solidFill>
-              <a:schemeClr val="tx1"/>
-            </a:solidFill>
-          </a:ln>
-          <a:effectLst>
-            <a:softEdge rad="0"/>
-          </a:effectLst>
-        </p:spPr>
-      </p:pic>
-      <p:pic>
-        <p:nvPicPr>
-          <p:cNvPr id="23" name="Indeavr" descr="Ð ÐµÐ·ÑÐ»ÑÐ°Ñ Ñ Ð¸Ð·Ð¾Ð±ÑÐ°Ð¶ÐµÐ½Ð¸Ðµ Ð·Ð° indeavr">
-            <a:hlinkClick r:id="rId9"/>
-            <a:extLst>
-              <a:ext uri="{FF2B5EF4-FFF2-40B4-BE49-F238E27FC236}">
-                <a16:creationId xmlns:a16="http://schemas.microsoft.com/office/drawing/2014/main" id="{BCA470B5-EF7D-4607-9DBD-6D5DD869EAD8}"/>
-              </a:ext>
-            </a:extLst>
-          </p:cNvPr>
-          <p:cNvPicPr>
-            <a:picLocks noChangeAspect="1" noChangeArrowheads="1"/>
-          </p:cNvPicPr>
-          <p:nvPr/>
-        </p:nvPicPr>
-        <p:blipFill rotWithShape="1">
-          <a:blip r:embed="rId10" cstate="print">
-            <a:extLst>
-              <a:ext uri="{28A0092B-C50C-407E-A947-70E740481C1C}">
-                <a14:useLocalDpi xmlns:a14="http://schemas.microsoft.com/office/drawing/2010/main" val="0"/>
-              </a:ext>
-            </a:extLst>
-          </a:blip>
-          <a:srcRect l="-14633" t="-16118" r="-14633" b="-8642"/>
-          <a:stretch/>
-        </p:blipFill>
-        <p:spPr bwMode="auto">
-          <a:xfrm>
-            <a:off x="1050766" y="4550361"/>
-            <a:ext cx="3961114" cy="863377"/>
-          </a:xfrm>
-          <a:prstGeom prst="roundRect">
-            <a:avLst/>
-          </a:prstGeom>
-          <a:solidFill>
-            <a:schemeClr val="bg2"/>
-          </a:solidFill>
-          <a:ln>
-            <a:solidFill>
-              <a:schemeClr val="tx1"/>
-            </a:solidFill>
-          </a:ln>
-          <a:effectLst/>
-        </p:spPr>
-      </p:pic>
-      <p:pic>
-        <p:nvPicPr>
-          <p:cNvPr id="31" name="Motion Software">
-            <a:hlinkClick r:id="rId11"/>
-            <a:extLst>
-              <a:ext uri="{FF2B5EF4-FFF2-40B4-BE49-F238E27FC236}">
-                <a16:creationId xmlns:a16="http://schemas.microsoft.com/office/drawing/2014/main" id="{6C36419A-8DCA-4C41-ACC6-107A967CC691}"/>
-              </a:ext>
-            </a:extLst>
-          </p:cNvPr>
-          <p:cNvPicPr>
-            <a:picLocks noChangeAspect="1"/>
-          </p:cNvPicPr>
-          <p:nvPr/>
-        </p:nvPicPr>
-        <p:blipFill rotWithShape="1">
-          <a:blip r:embed="rId12" cstate="print">
-            <a:extLst>
-              <a:ext uri="{28A0092B-C50C-407E-A947-70E740481C1C}">
-                <a14:useLocalDpi xmlns:a14="http://schemas.microsoft.com/office/drawing/2010/main" val="0"/>
-              </a:ext>
-            </a:extLst>
-          </a:blip>
-          <a:srcRect l="-28589" t="-22282" r="-30138" b="-23831"/>
-          <a:stretch/>
-        </p:blipFill>
-        <p:spPr>
-          <a:xfrm>
-            <a:off x="9356727" y="3520099"/>
-            <a:ext cx="1748647" cy="863377"/>
-          </a:xfrm>
-          <a:prstGeom prst="roundRect">
-            <a:avLst/>
-          </a:prstGeom>
-          <a:solidFill>
-            <a:schemeClr val="bg2"/>
-          </a:solidFill>
-          <a:ln>
-            <a:solidFill>
-              <a:schemeClr val="tx1"/>
-            </a:solidFill>
-          </a:ln>
-          <a:effectLst/>
-        </p:spPr>
-      </p:pic>
-      <p:pic>
-        <p:nvPicPr>
-          <p:cNvPr id="29" name="Postbank">
-            <a:hlinkClick r:id="rId13"/>
-            <a:extLst>
-              <a:ext uri="{FF2B5EF4-FFF2-40B4-BE49-F238E27FC236}">
-                <a16:creationId xmlns:a16="http://schemas.microsoft.com/office/drawing/2014/main" id="{786DE91B-5838-4ABB-9599-9B9D5A72C832}"/>
-              </a:ext>
-            </a:extLst>
-          </p:cNvPr>
-          <p:cNvPicPr>
-            <a:picLocks noChangeAspect="1"/>
-          </p:cNvPicPr>
-          <p:nvPr/>
-        </p:nvPicPr>
-        <p:blipFill rotWithShape="1">
-          <a:blip r:embed="rId14" cstate="print">
-            <a:extLst>
-              <a:ext uri="{28A0092B-C50C-407E-A947-70E740481C1C}">
-                <a14:useLocalDpi xmlns:a14="http://schemas.microsoft.com/office/drawing/2010/main" val="0"/>
-              </a:ext>
-            </a:extLst>
-          </a:blip>
-          <a:srcRect l="-21826" t="-8951" r="-21826" b="-8951"/>
-          <a:stretch/>
-        </p:blipFill>
-        <p:spPr>
-          <a:xfrm>
-            <a:off x="6219373" y="3520099"/>
-            <a:ext cx="2519002" cy="863377"/>
-          </a:xfrm>
-          <a:prstGeom prst="roundRect">
-            <a:avLst/>
-          </a:prstGeom>
-          <a:solidFill>
-            <a:schemeClr val="bg2"/>
-          </a:solidFill>
-          <a:ln>
-            <a:solidFill>
-              <a:schemeClr val="tx1"/>
-            </a:solidFill>
-          </a:ln>
-          <a:effectLst/>
-        </p:spPr>
-      </p:pic>
-      <p:pic>
-        <p:nvPicPr>
-          <p:cNvPr id="30" name="SmartIT">
-            <a:hlinkClick r:id="rId15"/>
-            <a:extLst>
-              <a:ext uri="{FF2B5EF4-FFF2-40B4-BE49-F238E27FC236}">
-                <a16:creationId xmlns:a16="http://schemas.microsoft.com/office/drawing/2014/main" id="{EBCEF2BC-A3EC-41EB-A352-8F346A8B7942}"/>
-              </a:ext>
-            </a:extLst>
-          </p:cNvPr>
-          <p:cNvPicPr>
-            <a:picLocks noChangeAspect="1"/>
-          </p:cNvPicPr>
-          <p:nvPr/>
-        </p:nvPicPr>
-        <p:blipFill rotWithShape="1">
-          <a:blip r:embed="rId16" cstate="print">
-            <a:extLst>
-              <a:ext uri="{28A0092B-C50C-407E-A947-70E740481C1C}">
-                <a14:useLocalDpi xmlns:a14="http://schemas.microsoft.com/office/drawing/2010/main" val="0"/>
-              </a:ext>
-            </a:extLst>
-          </a:blip>
-          <a:srcRect l="-14503" t="-16504" r="-14503" b="-16504"/>
-          <a:stretch/>
-        </p:blipFill>
-        <p:spPr>
-          <a:xfrm>
-            <a:off x="1050767" y="3520099"/>
-            <a:ext cx="4540472" cy="863377"/>
-          </a:xfrm>
-          <a:prstGeom prst="roundRect">
-            <a:avLst/>
-          </a:prstGeom>
-          <a:solidFill>
-            <a:schemeClr val="bg2"/>
-          </a:solidFill>
-          <a:ln>
-            <a:solidFill>
-              <a:schemeClr val="tx1"/>
-            </a:solidFill>
-          </a:ln>
-          <a:effectLst/>
-        </p:spPr>
-      </p:pic>
-      <p:pic>
-        <p:nvPicPr>
-          <p:cNvPr id="24" name="Netpeak" descr="Ð ÐµÐ·ÑÐ»ÑÐ°Ñ Ñ Ð¸Ð·Ð¾Ð±ÑÐ°Ð¶ÐµÐ½Ð¸Ðµ Ð·Ð° netpeak">
-            <a:hlinkClick r:id="rId17"/>
-            <a:extLst>
-              <a:ext uri="{FF2B5EF4-FFF2-40B4-BE49-F238E27FC236}">
-                <a16:creationId xmlns:a16="http://schemas.microsoft.com/office/drawing/2014/main" id="{331D262B-A4E1-444E-91F0-CD0732950891}"/>
-              </a:ext>
-            </a:extLst>
-          </p:cNvPr>
-          <p:cNvPicPr>
-            <a:picLocks noChangeAspect="1" noChangeArrowheads="1"/>
-          </p:cNvPicPr>
-          <p:nvPr/>
-        </p:nvPicPr>
-        <p:blipFill rotWithShape="1">
-          <a:blip r:embed="rId18" cstate="print">
-            <a:extLst>
-              <a:ext uri="{28A0092B-C50C-407E-A947-70E740481C1C}">
-                <a14:useLocalDpi xmlns:a14="http://schemas.microsoft.com/office/drawing/2010/main" val="0"/>
-              </a:ext>
-            </a:extLst>
-          </a:blip>
-          <a:srcRect l="-7291" t="-11436" r="-7291" b="-11436"/>
-          <a:stretch/>
-        </p:blipFill>
-        <p:spPr bwMode="auto">
-          <a:xfrm>
-            <a:off x="5313044" y="2489837"/>
-            <a:ext cx="5792330" cy="863377"/>
-          </a:xfrm>
-          <a:prstGeom prst="roundRect">
-            <a:avLst/>
-          </a:prstGeom>
-          <a:solidFill>
-            <a:schemeClr val="bg2"/>
-          </a:solidFill>
-          <a:ln>
-            <a:solidFill>
-              <a:schemeClr val="tx1"/>
-            </a:solidFill>
-          </a:ln>
-          <a:effectLst/>
-        </p:spPr>
-      </p:pic>
-      <p:pic>
-        <p:nvPicPr>
-          <p:cNvPr id="25" name="Sotware Group" descr="Ð ÐµÐ·ÑÐ»ÑÐ°Ñ Ñ Ð¸Ð·Ð¾Ð±ÑÐ°Ð¶ÐµÐ½Ð¸Ðµ Ð·Ð° software group">
-            <a:hlinkClick r:id="rId19"/>
-            <a:extLst>
-              <a:ext uri="{FF2B5EF4-FFF2-40B4-BE49-F238E27FC236}">
-                <a16:creationId xmlns:a16="http://schemas.microsoft.com/office/drawing/2014/main" id="{82BEFF31-0390-4708-9B87-CD5CA29F0545}"/>
-              </a:ext>
-            </a:extLst>
-          </p:cNvPr>
-          <p:cNvPicPr>
-            <a:picLocks noChangeAspect="1" noChangeArrowheads="1"/>
-          </p:cNvPicPr>
-          <p:nvPr/>
-        </p:nvPicPr>
-        <p:blipFill rotWithShape="1">
-          <a:blip r:embed="rId20" cstate="print">
-            <a:extLst>
-              <a:ext uri="{28A0092B-C50C-407E-A947-70E740481C1C}">
-                <a14:useLocalDpi xmlns:a14="http://schemas.microsoft.com/office/drawing/2010/main" val="0"/>
-              </a:ext>
-            </a:extLst>
-          </a:blip>
-          <a:srcRect l="-12284" r="-9241"/>
-          <a:stretch/>
-        </p:blipFill>
-        <p:spPr bwMode="auto">
-          <a:xfrm>
-            <a:off x="1050767" y="2489837"/>
-            <a:ext cx="3857374" cy="863377"/>
-          </a:xfrm>
-          <a:prstGeom prst="roundRect">
-            <a:avLst/>
-          </a:prstGeom>
-          <a:solidFill>
-            <a:schemeClr val="bg2"/>
-          </a:solidFill>
-          <a:ln>
-            <a:solidFill>
-              <a:schemeClr val="tx1"/>
-            </a:solidFill>
-          </a:ln>
-          <a:effectLst/>
-        </p:spPr>
-      </p:pic>
-      <p:pic>
-        <p:nvPicPr>
-          <p:cNvPr id="26" name="Telenor">
-            <a:hlinkClick r:id="rId21"/>
-            <a:extLst>
-              <a:ext uri="{FF2B5EF4-FFF2-40B4-BE49-F238E27FC236}">
-                <a16:creationId xmlns:a16="http://schemas.microsoft.com/office/drawing/2014/main" id="{C8FB8C63-59CB-4A45-8529-96F047E7DDA8}"/>
-              </a:ext>
-            </a:extLst>
-          </p:cNvPr>
-          <p:cNvPicPr>
-            <a:picLocks noChangeAspect="1"/>
-          </p:cNvPicPr>
-          <p:nvPr/>
-        </p:nvPicPr>
-        <p:blipFill rotWithShape="1">
-          <a:blip r:embed="rId22" cstate="print">
-            <a:extLst>
-              <a:ext uri="{28A0092B-C50C-407E-A947-70E740481C1C}">
-                <a14:useLocalDpi xmlns:a14="http://schemas.microsoft.com/office/drawing/2010/main" val="0"/>
-              </a:ext>
-            </a:extLst>
-          </a:blip>
-          <a:srcRect l="-12003" r="-12003" b="-2307"/>
-          <a:stretch/>
-        </p:blipFill>
-        <p:spPr>
-          <a:xfrm>
-            <a:off x="8657834" y="1459575"/>
-            <a:ext cx="2447538" cy="863377"/>
-          </a:xfrm>
-          <a:prstGeom prst="roundRect">
-            <a:avLst/>
-          </a:prstGeom>
-          <a:solidFill>
-            <a:schemeClr val="bg2"/>
-          </a:solidFill>
-          <a:ln>
-            <a:solidFill>
-              <a:schemeClr val="tx1"/>
-            </a:solidFill>
-          </a:ln>
-          <a:effectLst/>
-        </p:spPr>
-      </p:pic>
-      <p:pic>
-        <p:nvPicPr>
-          <p:cNvPr id="28" name="SB Tech">
-            <a:hlinkClick r:id="rId23"/>
-            <a:extLst>
-              <a:ext uri="{FF2B5EF4-FFF2-40B4-BE49-F238E27FC236}">
-                <a16:creationId xmlns:a16="http://schemas.microsoft.com/office/drawing/2014/main" id="{26832791-E415-4416-8C24-87B330830339}"/>
-              </a:ext>
-            </a:extLst>
-          </p:cNvPr>
-          <p:cNvPicPr>
-            <a:picLocks noChangeAspect="1"/>
-          </p:cNvPicPr>
-          <p:nvPr/>
-        </p:nvPicPr>
-        <p:blipFill rotWithShape="1">
-          <a:blip r:embed="rId24" cstate="print">
-            <a:extLst>
-              <a:ext uri="{28A0092B-C50C-407E-A947-70E740481C1C}">
-                <a14:useLocalDpi xmlns:a14="http://schemas.microsoft.com/office/drawing/2010/main" val="0"/>
-              </a:ext>
-            </a:extLst>
-          </a:blip>
-          <a:srcRect l="-3822" r="-689"/>
-          <a:stretch/>
-        </p:blipFill>
-        <p:spPr>
-          <a:xfrm>
-            <a:off x="5590147" y="1459575"/>
-            <a:ext cx="2713010" cy="863377"/>
-          </a:xfrm>
-          <a:prstGeom prst="roundRect">
-            <a:avLst/>
-          </a:prstGeom>
-          <a:solidFill>
-            <a:schemeClr val="bg2"/>
-          </a:solidFill>
-          <a:ln>
-            <a:solidFill>
-              <a:schemeClr val="tx1"/>
-            </a:solidFill>
-          </a:ln>
-          <a:effectLst/>
-        </p:spPr>
-      </p:pic>
-      <p:pic>
-        <p:nvPicPr>
-          <p:cNvPr id="27" name="XS Software">
-            <a:hlinkClick r:id="rId25"/>
-            <a:extLst>
-              <a:ext uri="{FF2B5EF4-FFF2-40B4-BE49-F238E27FC236}">
-                <a16:creationId xmlns:a16="http://schemas.microsoft.com/office/drawing/2014/main" id="{EE616F15-A212-4948-8C33-01A8B3540A1B}"/>
-              </a:ext>
-            </a:extLst>
-          </p:cNvPr>
-          <p:cNvPicPr>
-            <a:picLocks noChangeAspect="1"/>
-          </p:cNvPicPr>
-          <p:nvPr/>
-        </p:nvPicPr>
-        <p:blipFill rotWithShape="1">
-          <a:blip r:embed="rId26" cstate="print">
-            <a:extLst>
-              <a:ext uri="{28A0092B-C50C-407E-A947-70E740481C1C}">
-                <a14:useLocalDpi xmlns:a14="http://schemas.microsoft.com/office/drawing/2010/main" val="0"/>
-              </a:ext>
-            </a:extLst>
-          </a:blip>
-          <a:srcRect l="-8796" t="-9452" r="-8796" b="-9452"/>
-          <a:stretch/>
-        </p:blipFill>
-        <p:spPr>
-          <a:xfrm>
-            <a:off x="1050766" y="1459575"/>
-            <a:ext cx="4184702" cy="863377"/>
-          </a:xfrm>
-          <a:prstGeom prst="roundRect">
-            <a:avLst/>
-          </a:prstGeom>
-          <a:solidFill>
-            <a:schemeClr val="bg2"/>
-          </a:solidFill>
-          <a:ln>
-            <a:solidFill>
-              <a:schemeClr val="tx1"/>
-            </a:solidFill>
-          </a:ln>
-          <a:effectLst/>
-        </p:spPr>
-      </p:pic>
-      <p:sp>
-        <p:nvSpPr>
-          <p:cNvPr id="444418" name="Slide Title"/>
-          <p:cNvSpPr>
-            <a:spLocks noGrp="1" noChangeArrowheads="1"/>
-          </p:cNvSpPr>
-          <p:nvPr>
-            <p:ph type="title"/>
-          </p:nvPr>
-        </p:nvSpPr>
-        <p:spPr/>
-        <p:txBody>
-          <a:bodyPr>
-            <a:normAutofit/>
-          </a:bodyPr>
-          <a:lstStyle/>
-          <a:p>
-            <a:r>
-              <a:rPr lang="en-US" dirty="0">
-                <a:solidFill>
-                  <a:schemeClr val="bg2"/>
-                </a:solidFill>
-              </a:rPr>
-              <a:t>SoftUni Diamond Partners</a:t>
-            </a:r>
-            <a:endParaRPr lang="bg-BG" dirty="0">
-              <a:solidFill>
-                <a:schemeClr val="bg2"/>
-              </a:solidFill>
-            </a:endParaRPr>
-          </a:p>
-        </p:txBody>
-      </p:sp>
-    </p:spTree>
-    <p:extLst>
-      <p:ext uri="{BB962C8B-B14F-4D97-AF65-F5344CB8AC3E}">
-        <p14:creationId xmlns:p14="http://schemas.microsoft.com/office/powerpoint/2010/main" val="582614691"/>
-      </p:ext>
-    </p:extLst>
-  </p:cSld>
-  <p:clrMapOvr>
-    <a:masterClrMapping/>
-  </p:clrMapOvr>
-  <mc:AlternateContent xmlns:mc="http://schemas.openxmlformats.org/markup-compatibility/2006" xmlns:p14="http://schemas.microsoft.com/office/powerpoint/2010/main">
-    <mc:Choice Requires="p14">
-      <p:transition spd="slow" p14:dur="2000" advClick="0" advTm="5000"/>
-    </mc:Choice>
-    <mc:Fallback xmlns="">
-      <p:transition spd="slow" advClick="0" advTm="5000"/>
-    </mc:Fallback>
-  </mc:AlternateContent>
-</p:sld>
-</file>
-
-<file path=ppt/slides/slide26.xml><?xml version="1.0" encoding="utf-8"?>
-<p:sld xmlns:a="http://schemas.openxmlformats.org/drawingml/2006/main" xmlns:r="http://schemas.openxmlformats.org/officeDocument/2006/relationships" xmlns:p="http://schemas.openxmlformats.org/presentationml/2006/main">
-  <p:cSld>
-    <p:spTree>
-      <p:nvGrpSpPr>
-        <p:cNvPr id="1" name=""/>
-        <p:cNvGrpSpPr/>
-        <p:nvPr/>
-      </p:nvGrpSpPr>
-      <p:grpSpPr>
-        <a:xfrm>
-          <a:off x="0" y="0"/>
-          <a:ext cx="0" cy="0"/>
-          <a:chOff x="0" y="0"/>
-          <a:chExt cx="0" cy="0"/>
-        </a:xfrm>
-      </p:grpSpPr>
-      <p:sp>
-        <p:nvSpPr>
-          <p:cNvPr id="10" name="Slide Number">
-            <a:extLst>
-              <a:ext uri="{FF2B5EF4-FFF2-40B4-BE49-F238E27FC236}">
-                <a16:creationId xmlns:a16="http://schemas.microsoft.com/office/drawing/2014/main" id="{DF5E34AF-7064-4957-9286-B7A58DFE74CC}"/>
-              </a:ext>
-            </a:extLst>
-          </p:cNvPr>
-          <p:cNvSpPr>
-            <a:spLocks noGrp="1"/>
-          </p:cNvSpPr>
-          <p:nvPr>
-            <p:ph type="sldNum" sz="quarter" idx="5"/>
-          </p:nvPr>
-        </p:nvSpPr>
-        <p:spPr/>
-        <p:txBody>
-          <a:bodyPr/>
-          <a:lstStyle>
-            <a:lvl1pPr algn="r">
-              <a:defRPr sz="1000"/>
-            </a:lvl1pPr>
-          </a:lstStyle>
-          <a:p>
-            <a:fld id="{2BF067CD-8E6B-4360-9AA8-C5DF2A48A6D1}" type="slidenum">
-              <a:rPr lang="en-US" smtClean="0"/>
-              <a:pPr/>
-              <a:t>26</a:t>
-            </a:fld>
-            <a:endParaRPr lang="en-US" dirty="0"/>
-          </a:p>
-        </p:txBody>
-      </p:sp>
-      <p:grpSp>
-        <p:nvGrpSpPr>
-          <p:cNvPr id="9" name="Group Logos">
-            <a:extLst>
-              <a:ext uri="{FF2B5EF4-FFF2-40B4-BE49-F238E27FC236}">
-                <a16:creationId xmlns:a16="http://schemas.microsoft.com/office/drawing/2014/main" id="{8F94737B-4698-41F8-AC81-9324F12880B9}"/>
-              </a:ext>
-            </a:extLst>
-          </p:cNvPr>
-          <p:cNvGrpSpPr/>
-          <p:nvPr/>
-        </p:nvGrpSpPr>
-        <p:grpSpPr>
-          <a:xfrm>
-            <a:off x="1982272" y="1933804"/>
-            <a:ext cx="8227457" cy="4150196"/>
-            <a:chOff x="1492446" y="2067924"/>
-            <a:chExt cx="6811766" cy="3436077"/>
-          </a:xfrm>
-        </p:grpSpPr>
-        <p:pic>
-          <p:nvPicPr>
-            <p:cNvPr id="11" name="Picture 10">
-              <a:extLst>
-                <a:ext uri="{FF2B5EF4-FFF2-40B4-BE49-F238E27FC236}">
-                  <a16:creationId xmlns:a16="http://schemas.microsoft.com/office/drawing/2014/main" id="{0C08C713-0228-4051-B23E-879B0431216F}"/>
-                </a:ext>
-              </a:extLst>
-            </p:cNvPr>
-            <p:cNvPicPr>
-              <a:picLocks noChangeAspect="1"/>
-            </p:cNvPicPr>
-            <p:nvPr/>
-          </p:nvPicPr>
-          <p:blipFill rotWithShape="1">
-            <a:blip r:embed="rId3" cstate="print">
-              <a:extLst>
-                <a:ext uri="{28A0092B-C50C-407E-A947-70E740481C1C}">
-                  <a14:useLocalDpi xmlns:a14="http://schemas.microsoft.com/office/drawing/2010/main" val="0"/>
-                </a:ext>
-              </a:extLst>
-            </a:blip>
-            <a:srcRect l="-5953" t="-24485" r="-5953" b="-24485"/>
-            <a:stretch/>
-          </p:blipFill>
-          <p:spPr>
-            <a:xfrm>
-              <a:off x="1492446" y="2067924"/>
-              <a:ext cx="4297166" cy="1439625"/>
-            </a:xfrm>
-            <a:prstGeom prst="roundRect">
-              <a:avLst>
-                <a:gd name="adj" fmla="val 8805"/>
-              </a:avLst>
-            </a:prstGeom>
-            <a:solidFill>
-              <a:schemeClr val="bg2"/>
-            </a:solidFill>
-            <a:ln>
-              <a:solidFill>
-                <a:schemeClr val="tx1"/>
-              </a:solidFill>
-            </a:ln>
-            <a:effectLst/>
-          </p:spPr>
-        </p:pic>
-        <p:pic>
-          <p:nvPicPr>
-            <p:cNvPr id="12" name="Picture 11">
-              <a:hlinkClick r:id="rId4"/>
-              <a:extLst>
-                <a:ext uri="{FF2B5EF4-FFF2-40B4-BE49-F238E27FC236}">
-                  <a16:creationId xmlns:a16="http://schemas.microsoft.com/office/drawing/2014/main" id="{BFA766B8-8BBD-4F74-89B8-E81AF861C6E6}"/>
-                </a:ext>
-              </a:extLst>
-            </p:cNvPr>
-            <p:cNvPicPr>
-              <a:picLocks noChangeAspect="1"/>
-            </p:cNvPicPr>
-            <p:nvPr/>
-          </p:nvPicPr>
-          <p:blipFill rotWithShape="1">
-            <a:blip r:embed="rId5" cstate="print">
-              <a:extLst>
-                <a:ext uri="{28A0092B-C50C-407E-A947-70E740481C1C}">
-                  <a14:useLocalDpi xmlns:a14="http://schemas.microsoft.com/office/drawing/2010/main" val="0"/>
-                </a:ext>
-              </a:extLst>
-            </a:blip>
-            <a:srcRect l="-6654" r="6654"/>
-            <a:stretch/>
-          </p:blipFill>
-          <p:spPr>
-            <a:xfrm>
-              <a:off x="6341434" y="2067924"/>
-              <a:ext cx="1962778" cy="1439625"/>
-            </a:xfrm>
-            <a:prstGeom prst="roundRect">
-              <a:avLst>
-                <a:gd name="adj" fmla="val 8806"/>
-              </a:avLst>
-            </a:prstGeom>
-            <a:solidFill>
-              <a:schemeClr val="bg2"/>
-            </a:solidFill>
-            <a:ln>
-              <a:solidFill>
-                <a:schemeClr val="tx1"/>
-              </a:solidFill>
-            </a:ln>
-            <a:effectLst/>
-          </p:spPr>
-        </p:pic>
-        <p:pic>
-          <p:nvPicPr>
-            <p:cNvPr id="14" name="Picture 13">
-              <a:hlinkClick r:id="rId6"/>
-              <a:extLst>
-                <a:ext uri="{FF2B5EF4-FFF2-40B4-BE49-F238E27FC236}">
-                  <a16:creationId xmlns:a16="http://schemas.microsoft.com/office/drawing/2014/main" id="{0913EF2F-215E-4B4F-A9E0-2D7E3B0C57C7}"/>
-                </a:ext>
-              </a:extLst>
-            </p:cNvPr>
-            <p:cNvPicPr>
-              <a:picLocks noChangeAspect="1"/>
-            </p:cNvPicPr>
-            <p:nvPr/>
-          </p:nvPicPr>
-          <p:blipFill rotWithShape="1">
-            <a:blip r:embed="rId7" cstate="print">
-              <a:extLst>
-                <a:ext uri="{28A0092B-C50C-407E-A947-70E740481C1C}">
-                  <a14:useLocalDpi xmlns:a14="http://schemas.microsoft.com/office/drawing/2010/main" val="0"/>
-                </a:ext>
-              </a:extLst>
-            </a:blip>
-            <a:srcRect l="-3201" t="-3201" r="-3201" b="-3201"/>
-            <a:stretch/>
-          </p:blipFill>
-          <p:spPr>
-            <a:xfrm>
-              <a:off x="5904002" y="4064376"/>
-              <a:ext cx="2400210" cy="1439625"/>
-            </a:xfrm>
-            <a:prstGeom prst="roundRect">
-              <a:avLst>
-                <a:gd name="adj" fmla="val 8200"/>
-              </a:avLst>
-            </a:prstGeom>
-            <a:solidFill>
-              <a:schemeClr val="bg2"/>
-            </a:solidFill>
-            <a:ln>
-              <a:solidFill>
-                <a:schemeClr val="tx1"/>
-              </a:solidFill>
-            </a:ln>
-            <a:effectLst/>
-          </p:spPr>
-        </p:pic>
-        <p:pic>
-          <p:nvPicPr>
-            <p:cNvPr id="16" name="Picture 15">
-              <a:hlinkClick r:id="rId8"/>
-              <a:extLst>
-                <a:ext uri="{FF2B5EF4-FFF2-40B4-BE49-F238E27FC236}">
-                  <a16:creationId xmlns:a16="http://schemas.microsoft.com/office/drawing/2014/main" id="{16A88256-1F6F-4AC2-AC84-DB3557011F68}"/>
-                </a:ext>
-              </a:extLst>
-            </p:cNvPr>
-            <p:cNvPicPr>
-              <a:picLocks noChangeAspect="1"/>
-            </p:cNvPicPr>
-            <p:nvPr/>
-          </p:nvPicPr>
-          <p:blipFill rotWithShape="1">
-            <a:blip r:embed="rId9" cstate="print">
-              <a:extLst>
-                <a:ext uri="{28A0092B-C50C-407E-A947-70E740481C1C}">
-                  <a14:useLocalDpi xmlns:a14="http://schemas.microsoft.com/office/drawing/2010/main" val="0"/>
-                </a:ext>
-              </a:extLst>
-            </a:blip>
-            <a:srcRect l="-9305" t="-5874" r="-9305" b="-12736"/>
-            <a:stretch/>
-          </p:blipFill>
-          <p:spPr>
-            <a:xfrm>
-              <a:off x="1492446" y="4064376"/>
-              <a:ext cx="3383118" cy="1439625"/>
-            </a:xfrm>
-            <a:prstGeom prst="roundRect">
-              <a:avLst>
-                <a:gd name="adj" fmla="val 10015"/>
-              </a:avLst>
-            </a:prstGeom>
-            <a:solidFill>
-              <a:schemeClr val="bg2"/>
-            </a:solidFill>
-            <a:ln>
-              <a:solidFill>
-                <a:schemeClr val="tx1"/>
-              </a:solidFill>
-            </a:ln>
-            <a:effectLst/>
-          </p:spPr>
-        </p:pic>
-      </p:grpSp>
-      <p:sp>
-        <p:nvSpPr>
-          <p:cNvPr id="444418" name="Slide Title"/>
-          <p:cNvSpPr>
-            <a:spLocks noGrp="1" noChangeArrowheads="1"/>
-          </p:cNvSpPr>
-          <p:nvPr>
-            <p:ph type="title"/>
-          </p:nvPr>
-        </p:nvSpPr>
-        <p:spPr/>
-        <p:txBody>
-          <a:bodyPr/>
-          <a:lstStyle/>
-          <a:p>
-            <a:r>
-              <a:rPr lang="en-US" dirty="0"/>
-              <a:t>SoftUni Organizational Partners</a:t>
-            </a:r>
-            <a:endParaRPr lang="bg-BG" dirty="0"/>
-          </a:p>
-        </p:txBody>
-      </p:sp>
-    </p:spTree>
-    <p:extLst>
-      <p:ext uri="{BB962C8B-B14F-4D97-AF65-F5344CB8AC3E}">
-        <p14:creationId xmlns:p14="http://schemas.microsoft.com/office/powerpoint/2010/main" val="1293583112"/>
-      </p:ext>
-    </p:extLst>
-  </p:cSld>
-  <p:clrMapOvr>
-    <a:masterClrMapping/>
-  </p:clrMapOvr>
-  <mc:AlternateContent xmlns:mc="http://schemas.openxmlformats.org/markup-compatibility/2006" xmlns:p14="http://schemas.microsoft.com/office/powerpoint/2010/main">
-    <mc:Choice Requires="p14">
-      <p:transition spd="slow" p14:dur="2000" advClick="0" advTm="5000"/>
-    </mc:Choice>
-    <mc:Fallback xmlns="">
-      <p:transition spd="slow" advClick="0" advTm="5000"/>
-    </mc:Fallback>
-  </mc:AlternateContent>
-</p:sld>
-</file>
-
-<file path=ppt/slides/slide27.xml><?xml version="1.0" encoding="utf-8"?>
+<file path=ppt/slides/slide23.xml><?xml version="1.0" encoding="utf-8"?>
 <p:sld xmlns:a="http://schemas.openxmlformats.org/drawingml/2006/main" xmlns:r="http://schemas.openxmlformats.org/officeDocument/2006/relationships" xmlns:p="http://schemas.openxmlformats.org/presentationml/2006/main">
   <p:cSld>
     <p:spTree>
@@ -29333,7 +24830,7 @@
             <a:fld id="{2BF067CD-8E6B-4360-9AA8-C5DF2A48A6D1}" type="slidenum">
               <a:rPr lang="en-US" smtClean="0"/>
               <a:pPr/>
-              <a:t>27</a:t>
+              <a:t>23</a:t>
             </a:fld>
             <a:endParaRPr lang="en-US" dirty="0"/>
           </a:p>
@@ -29520,925 +25017,7 @@
 </p:sld>
 </file>
 
-<file path=ppt/slides/slide28.xml><?xml version="1.0" encoding="utf-8"?>
-<p:sld xmlns:a="http://schemas.openxmlformats.org/drawingml/2006/main" xmlns:r="http://schemas.openxmlformats.org/officeDocument/2006/relationships" xmlns:p="http://schemas.openxmlformats.org/presentationml/2006/main">
-  <p:cSld>
-    <p:spTree>
-      <p:nvGrpSpPr>
-        <p:cNvPr id="1" name=""/>
-        <p:cNvGrpSpPr/>
-        <p:nvPr/>
-      </p:nvGrpSpPr>
-      <p:grpSpPr>
-        <a:xfrm>
-          <a:off x="0" y="0"/>
-          <a:ext cx="0" cy="0"/>
-          <a:chOff x="0" y="0"/>
-          <a:chExt cx="0" cy="0"/>
-        </a:xfrm>
-      </p:grpSpPr>
-      <p:sp>
-        <p:nvSpPr>
-          <p:cNvPr id="5" name="Slide Number">
-            <a:extLst>
-              <a:ext uri="{FF2B5EF4-FFF2-40B4-BE49-F238E27FC236}">
-                <a16:creationId xmlns:a16="http://schemas.microsoft.com/office/drawing/2014/main" id="{F48C3C93-90A1-4D31-BEA6-B54D1106CE31}"/>
-              </a:ext>
-            </a:extLst>
-          </p:cNvPr>
-          <p:cNvSpPr>
-            <a:spLocks noGrp="1"/>
-          </p:cNvSpPr>
-          <p:nvPr>
-            <p:ph type="sldNum" sz="quarter" idx="5"/>
-          </p:nvPr>
-        </p:nvSpPr>
-        <p:spPr>
-          <a:xfrm>
-            <a:off x="11753030" y="6507000"/>
-            <a:ext cx="367414" cy="297000"/>
-          </a:xfrm>
-          <a:prstGeom prst="rect">
-            <a:avLst/>
-          </a:prstGeom>
-        </p:spPr>
-        <p:txBody>
-          <a:bodyPr vert="horz" lIns="91440" tIns="45720" rIns="91440" bIns="45720" rtlCol="0" anchor="b"/>
-          <a:lstStyle>
-            <a:lvl1pPr algn="r">
-              <a:defRPr sz="1000"/>
-            </a:lvl1pPr>
-          </a:lstStyle>
-          <a:p>
-            <a:fld id="{2BF067CD-8E6B-4360-9AA8-C5DF2A48A6D1}" type="slidenum">
-              <a:rPr lang="en-US" smtClean="0"/>
-              <a:pPr/>
-              <a:t>28</a:t>
-            </a:fld>
-            <a:endParaRPr lang="en-US" dirty="0"/>
-          </a:p>
-        </p:txBody>
-      </p:sp>
-      <p:sp>
-        <p:nvSpPr>
-          <p:cNvPr id="2" name="Slide Body">
-            <a:extLst>
-              <a:ext uri="{FF2B5EF4-FFF2-40B4-BE49-F238E27FC236}">
-                <a16:creationId xmlns:a16="http://schemas.microsoft.com/office/drawing/2014/main" id="{980F49B1-E4BE-4389-A747-7AB9B71AD920}"/>
-              </a:ext>
-            </a:extLst>
-          </p:cNvPr>
-          <p:cNvSpPr>
-            <a:spLocks noGrp="1"/>
-          </p:cNvSpPr>
-          <p:nvPr>
-            <p:ph type="body" sz="quarter" idx="10"/>
-          </p:nvPr>
-        </p:nvSpPr>
-        <p:spPr>
-          <a:xfrm>
-            <a:off x="190402" y="1269001"/>
-            <a:ext cx="11818096" cy="5455890"/>
-          </a:xfrm>
-        </p:spPr>
-        <p:txBody>
-          <a:bodyPr/>
-          <a:lstStyle/>
-          <a:p>
-            <a:pPr>
-              <a:lnSpc>
-                <a:spcPct val="120000"/>
-              </a:lnSpc>
-            </a:pPr>
-            <a:r>
-              <a:rPr lang="bg-BG" dirty="0"/>
-              <a:t>Този курс</a:t>
-            </a:r>
-            <a:r>
-              <a:rPr lang="en-US" dirty="0"/>
-              <a:t> (</a:t>
-            </a:r>
-            <a:r>
-              <a:rPr lang="bg-BG" dirty="0"/>
-              <a:t>презентации, примери, демонстрационен код, упражнения, домашни, видео и други активи</a:t>
-            </a:r>
-            <a:r>
-              <a:rPr lang="en-US" dirty="0"/>
-              <a:t>) </a:t>
-            </a:r>
-            <a:r>
-              <a:rPr lang="bg-BG" dirty="0"/>
-              <a:t>представлява</a:t>
-            </a:r>
-            <a:r>
-              <a:rPr lang="en-US" dirty="0"/>
-              <a:t> </a:t>
-            </a:r>
-            <a:r>
-              <a:rPr lang="bg-BG" b="1" dirty="0"/>
-              <a:t>защитено авторско съдържание</a:t>
-            </a:r>
-            <a:endParaRPr lang="en-US" dirty="0"/>
-          </a:p>
-          <a:p>
-            <a:pPr>
-              <a:lnSpc>
-                <a:spcPct val="120000"/>
-              </a:lnSpc>
-            </a:pPr>
-            <a:r>
-              <a:rPr lang="bg-BG" dirty="0"/>
-              <a:t>Нерегламентирано копиране</a:t>
-            </a:r>
-            <a:r>
-              <a:rPr lang="en-US" dirty="0"/>
-              <a:t>,</a:t>
-            </a:r>
-            <a:r>
-              <a:rPr lang="bg-BG" dirty="0"/>
-              <a:t> разпространение или използване е незаконно</a:t>
-            </a:r>
-          </a:p>
-          <a:p>
-            <a:pPr>
-              <a:lnSpc>
-                <a:spcPct val="120000"/>
-              </a:lnSpc>
-            </a:pPr>
-            <a:r>
-              <a:rPr lang="en-US" dirty="0"/>
-              <a:t>© </a:t>
-            </a:r>
-            <a:r>
-              <a:rPr lang="bg-BG" dirty="0"/>
-              <a:t>СофтУни</a:t>
-            </a:r>
-            <a:r>
-              <a:rPr lang="en-US" dirty="0"/>
-              <a:t> – </a:t>
-            </a:r>
-            <a:r>
-              <a:rPr lang="en-US" dirty="0">
-                <a:hlinkClick r:id="rId3"/>
-              </a:rPr>
-              <a:t>https://softuni.org</a:t>
-            </a:r>
-            <a:endParaRPr lang="en-US" dirty="0"/>
-          </a:p>
-          <a:p>
-            <a:pPr>
-              <a:lnSpc>
-                <a:spcPct val="120000"/>
-              </a:lnSpc>
-            </a:pPr>
-            <a:r>
-              <a:rPr lang="en-US" dirty="0"/>
-              <a:t>© </a:t>
-            </a:r>
-            <a:r>
-              <a:rPr lang="bg-BG" dirty="0"/>
-              <a:t>Софтуерен университет</a:t>
-            </a:r>
-            <a:r>
-              <a:rPr lang="en-US" dirty="0"/>
-              <a:t> – </a:t>
-            </a:r>
-            <a:r>
-              <a:rPr lang="en-US" dirty="0">
-                <a:hlinkClick r:id="rId4"/>
-              </a:rPr>
-              <a:t>https://softuni.bg</a:t>
-            </a:r>
-            <a:endParaRPr lang="bg-BG" dirty="0"/>
-          </a:p>
-          <a:p>
-            <a:pPr>
-              <a:lnSpc>
-                <a:spcPct val="120000"/>
-              </a:lnSpc>
-            </a:pPr>
-            <a:endParaRPr lang="bg-BG" dirty="0"/>
-          </a:p>
-        </p:txBody>
-      </p:sp>
-      <p:pic>
-        <p:nvPicPr>
-          <p:cNvPr id="6" name="Picture License" descr="License">
-            <a:extLst>
-              <a:ext uri="{FF2B5EF4-FFF2-40B4-BE49-F238E27FC236}">
-                <a16:creationId xmlns:a16="http://schemas.microsoft.com/office/drawing/2014/main" id="{82BA520F-A037-4E01-AA18-27D9F1E930A6}"/>
-              </a:ext>
-            </a:extLst>
-          </p:cNvPr>
-          <p:cNvPicPr>
-            <a:picLocks noChangeAspect="1"/>
-          </p:cNvPicPr>
-          <p:nvPr/>
-        </p:nvPicPr>
-        <p:blipFill>
-          <a:blip r:embed="rId5">
-            <a:clrChange>
-              <a:clrFrom>
-                <a:srgbClr val="FFFFFF"/>
-              </a:clrFrom>
-              <a:clrTo>
-                <a:srgbClr val="FFFFFF">
-                  <a:alpha val="0"/>
-                </a:srgbClr>
-              </a:clrTo>
-            </a:clrChange>
-          </a:blip>
-          <a:stretch>
-            <a:fillRect/>
-          </a:stretch>
-        </p:blipFill>
-        <p:spPr>
-          <a:xfrm>
-            <a:off x="9745023" y="4445455"/>
-            <a:ext cx="1930977" cy="2043545"/>
-          </a:xfrm>
-          <a:prstGeom prst="rect">
-            <a:avLst/>
-          </a:prstGeom>
-        </p:spPr>
-      </p:pic>
-      <p:sp>
-        <p:nvSpPr>
-          <p:cNvPr id="3" name="Slide Title">
-            <a:extLst>
-              <a:ext uri="{FF2B5EF4-FFF2-40B4-BE49-F238E27FC236}">
-                <a16:creationId xmlns:a16="http://schemas.microsoft.com/office/drawing/2014/main" id="{E5F1FB41-80C3-4816-BC47-CCC50632E6E8}"/>
-              </a:ext>
-            </a:extLst>
-          </p:cNvPr>
-          <p:cNvSpPr>
-            <a:spLocks noGrp="1"/>
-          </p:cNvSpPr>
-          <p:nvPr>
-            <p:ph type="title"/>
-          </p:nvPr>
-        </p:nvSpPr>
-        <p:spPr/>
-        <p:txBody>
-          <a:bodyPr/>
-          <a:lstStyle/>
-          <a:p>
-            <a:r>
-              <a:rPr lang="bg-BG" dirty="0"/>
-              <a:t>Лиценз</a:t>
-            </a:r>
-          </a:p>
-        </p:txBody>
-      </p:sp>
-    </p:spTree>
-    <p:extLst>
-      <p:ext uri="{BB962C8B-B14F-4D97-AF65-F5344CB8AC3E}">
-        <p14:creationId xmlns:p14="http://schemas.microsoft.com/office/powerpoint/2010/main" val="3879276042"/>
-      </p:ext>
-    </p:extLst>
-  </p:cSld>
-  <p:clrMapOvr>
-    <a:masterClrMapping/>
-  </p:clrMapOvr>
-  <mc:AlternateContent xmlns:mc="http://schemas.openxmlformats.org/markup-compatibility/2006" xmlns:p14="http://schemas.microsoft.com/office/powerpoint/2010/main">
-    <mc:Choice Requires="p14">
-      <p:transition spd="slow" p14:dur="2000" advClick="0" advTm="5000"/>
-    </mc:Choice>
-    <mc:Fallback xmlns="">
-      <p:transition spd="slow" advClick="0" advTm="5000"/>
-    </mc:Fallback>
-  </mc:AlternateContent>
-</p:sld>
-</file>
-
-<file path=ppt/slides/slide29.xml><?xml version="1.0" encoding="utf-8"?>
-<p:sld xmlns:a="http://schemas.openxmlformats.org/drawingml/2006/main" xmlns:r="http://schemas.openxmlformats.org/officeDocument/2006/relationships" xmlns:p="http://schemas.openxmlformats.org/presentationml/2006/main">
-  <p:cSld>
-    <p:spTree>
-      <p:nvGrpSpPr>
-        <p:cNvPr id="1" name=""/>
-        <p:cNvGrpSpPr/>
-        <p:nvPr/>
-      </p:nvGrpSpPr>
-      <p:grpSpPr>
-        <a:xfrm>
-          <a:off x="0" y="0"/>
-          <a:ext cx="0" cy="0"/>
-          <a:chOff x="0" y="0"/>
-          <a:chExt cx="0" cy="0"/>
-        </a:xfrm>
-      </p:grpSpPr>
-      <p:sp>
-        <p:nvSpPr>
-          <p:cNvPr id="11" name="Slide Number">
-            <a:extLst>
-              <a:ext uri="{FF2B5EF4-FFF2-40B4-BE49-F238E27FC236}">
-                <a16:creationId xmlns:a16="http://schemas.microsoft.com/office/drawing/2014/main" id="{34114123-C942-490F-A6BB-FD3CFFFE4B50}"/>
-              </a:ext>
-            </a:extLst>
-          </p:cNvPr>
-          <p:cNvSpPr>
-            <a:spLocks noGrp="1"/>
-          </p:cNvSpPr>
-          <p:nvPr>
-            <p:ph type="sldNum" sz="quarter" idx="4"/>
-          </p:nvPr>
-        </p:nvSpPr>
-        <p:spPr/>
-        <p:txBody>
-          <a:bodyPr/>
-          <a:lstStyle>
-            <a:lvl1pPr algn="r">
-              <a:defRPr sz="1000"/>
-            </a:lvl1pPr>
-          </a:lstStyle>
-          <a:p>
-            <a:fld id="{2BF067CD-8E6B-4360-9AA8-C5DF2A48A6D1}" type="slidenum">
-              <a:rPr lang="en-US" smtClean="0"/>
-              <a:pPr/>
-              <a:t>29</a:t>
-            </a:fld>
-            <a:endParaRPr lang="en-US" dirty="0"/>
-          </a:p>
-        </p:txBody>
-      </p:sp>
-      <p:sp>
-        <p:nvSpPr>
-          <p:cNvPr id="4" name="Slide Body"/>
-          <p:cNvSpPr>
-            <a:spLocks noGrp="1"/>
-          </p:cNvSpPr>
-          <p:nvPr>
-            <p:ph idx="4294967295"/>
-          </p:nvPr>
-        </p:nvSpPr>
-        <p:spPr>
-          <a:xfrm>
-            <a:off x="190404" y="1179000"/>
-            <a:ext cx="8695596" cy="5490000"/>
-          </a:xfrm>
-        </p:spPr>
-        <p:txBody>
-          <a:bodyPr>
-            <a:normAutofit/>
-          </a:bodyPr>
-          <a:lstStyle/>
-          <a:p>
-            <a:pPr>
-              <a:lnSpc>
-                <a:spcPct val="100000"/>
-              </a:lnSpc>
-            </a:pPr>
-            <a:r>
-              <a:rPr lang="en-US" sz="3200" dirty="0"/>
-              <a:t>Software University – High-Quality Education, Profession and Job for Software Developers</a:t>
-            </a:r>
-          </a:p>
-          <a:p>
-            <a:pPr lvl="1"/>
-            <a:r>
-              <a:rPr lang="en-US" sz="3000" noProof="1">
-                <a:hlinkClick r:id="rId3"/>
-              </a:rPr>
-              <a:t>softuni.bg</a:t>
-            </a:r>
-            <a:r>
-              <a:rPr lang="en-US" sz="3000" noProof="1"/>
-              <a:t>, </a:t>
-            </a:r>
-            <a:r>
-              <a:rPr lang="en-US" sz="3000" noProof="1">
-                <a:hlinkClick r:id="rId4"/>
-              </a:rPr>
-              <a:t>softuni.org</a:t>
-            </a:r>
-            <a:r>
-              <a:rPr lang="en-US" sz="3000" noProof="1"/>
-              <a:t> </a:t>
-            </a:r>
-          </a:p>
-          <a:p>
-            <a:pPr>
-              <a:lnSpc>
-                <a:spcPct val="100000"/>
-              </a:lnSpc>
-            </a:pPr>
-            <a:r>
-              <a:rPr lang="en-US" sz="3200" dirty="0"/>
-              <a:t>Software University Foundation</a:t>
-            </a:r>
-            <a:endParaRPr lang="bg-BG" sz="3200" dirty="0"/>
-          </a:p>
-          <a:p>
-            <a:pPr lvl="1"/>
-            <a:r>
-              <a:rPr lang="en-US" sz="3000" noProof="1">
-                <a:hlinkClick r:id="rId5"/>
-              </a:rPr>
-              <a:t>softuni.foundation</a:t>
-            </a:r>
-            <a:endParaRPr lang="en-US" sz="3000" noProof="1"/>
-          </a:p>
-          <a:p>
-            <a:pPr>
-              <a:lnSpc>
-                <a:spcPct val="100000"/>
-              </a:lnSpc>
-            </a:pPr>
-            <a:r>
-              <a:rPr lang="en-US" sz="3200" dirty="0"/>
-              <a:t>Software University @ Facebook</a:t>
-            </a:r>
-          </a:p>
-          <a:p>
-            <a:pPr lvl="1"/>
-            <a:r>
-              <a:rPr lang="en-US" sz="3000" noProof="1">
-                <a:hlinkClick r:id="rId6"/>
-              </a:rPr>
-              <a:t>facebook.com/SoftwareUniversity</a:t>
-            </a:r>
-            <a:endParaRPr lang="en-US" sz="3000" noProof="1"/>
-          </a:p>
-          <a:p>
-            <a:pPr>
-              <a:lnSpc>
-                <a:spcPct val="100000"/>
-              </a:lnSpc>
-            </a:pPr>
-            <a:r>
-              <a:rPr lang="en-US" sz="3200" dirty="0"/>
-              <a:t>Software University Forums</a:t>
-            </a:r>
-          </a:p>
-          <a:p>
-            <a:pPr lvl="1"/>
-            <a:r>
-              <a:rPr lang="en-US" sz="3000" dirty="0">
-                <a:hlinkClick r:id="rId7"/>
-              </a:rPr>
-              <a:t>forum.softuni.bg</a:t>
-            </a:r>
-            <a:endParaRPr lang="en-US" sz="3000" noProof="1"/>
-          </a:p>
-        </p:txBody>
-      </p:sp>
-      <p:sp>
-        <p:nvSpPr>
-          <p:cNvPr id="3" name="Slide Title"/>
-          <p:cNvSpPr>
-            <a:spLocks noGrp="1"/>
-          </p:cNvSpPr>
-          <p:nvPr>
-            <p:ph type="title"/>
-          </p:nvPr>
-        </p:nvSpPr>
-        <p:spPr/>
-        <p:txBody>
-          <a:bodyPr/>
-          <a:lstStyle/>
-          <a:p>
-            <a:r>
-              <a:rPr lang="en-US" dirty="0"/>
-              <a:t>Trainings @ Software University</a:t>
-            </a:r>
-            <a:r>
-              <a:rPr lang="bg-BG" dirty="0"/>
-              <a:t> (</a:t>
-            </a:r>
-            <a:r>
-              <a:rPr lang="en-US" dirty="0"/>
-              <a:t>SoftUni)</a:t>
-            </a:r>
-          </a:p>
-        </p:txBody>
-      </p:sp>
-    </p:spTree>
-    <p:extLst>
-      <p:ext uri="{BB962C8B-B14F-4D97-AF65-F5344CB8AC3E}">
-        <p14:creationId xmlns:p14="http://schemas.microsoft.com/office/powerpoint/2010/main" val="144186764"/>
-      </p:ext>
-    </p:extLst>
-  </p:cSld>
-  <p:clrMapOvr>
-    <a:masterClrMapping/>
-  </p:clrMapOvr>
-  <mc:AlternateContent xmlns:mc="http://schemas.openxmlformats.org/markup-compatibility/2006" xmlns:p14="http://schemas.microsoft.com/office/powerpoint/2010/main">
-    <mc:Choice Requires="p14">
-      <p:transition spd="slow" p14:dur="2000" advClick="0" advTm="5000"/>
-    </mc:Choice>
-    <mc:Fallback xmlns="">
-      <p:transition spd="slow" advClick="0" advTm="5000"/>
-    </mc:Fallback>
-  </mc:AlternateContent>
-</p:sld>
-</file>
-
 <file path=ppt/slides/slide3.xml><?xml version="1.0" encoding="utf-8"?>
-<p:sld xmlns:a="http://schemas.openxmlformats.org/drawingml/2006/main" xmlns:r="http://schemas.openxmlformats.org/officeDocument/2006/relationships" xmlns:p="http://schemas.openxmlformats.org/presentationml/2006/main">
-  <p:cSld>
-    <p:spTree>
-      <p:nvGrpSpPr>
-        <p:cNvPr id="1" name=""/>
-        <p:cNvGrpSpPr/>
-        <p:nvPr/>
-      </p:nvGrpSpPr>
-      <p:grpSpPr>
-        <a:xfrm>
-          <a:off x="0" y="0"/>
-          <a:ext cx="0" cy="0"/>
-          <a:chOff x="0" y="0"/>
-          <a:chExt cx="0" cy="0"/>
-        </a:xfrm>
-      </p:grpSpPr>
-      <p:sp>
-        <p:nvSpPr>
-          <p:cNvPr id="4" name="Slide Number">
-            <a:extLst>
-              <a:ext uri="{FF2B5EF4-FFF2-40B4-BE49-F238E27FC236}">
-                <a16:creationId xmlns:a16="http://schemas.microsoft.com/office/drawing/2014/main" id="{D631DD5F-C231-483F-BA1E-043A13D943EE}"/>
-              </a:ext>
-            </a:extLst>
-          </p:cNvPr>
-          <p:cNvSpPr>
-            <a:spLocks noGrp="1"/>
-          </p:cNvSpPr>
-          <p:nvPr>
-            <p:ph type="sldNum" sz="quarter" idx="5"/>
-          </p:nvPr>
-        </p:nvSpPr>
-        <p:spPr>
-          <a:xfrm>
-            <a:off x="11753030" y="6507000"/>
-            <a:ext cx="367414" cy="297000"/>
-          </a:xfrm>
-          <a:prstGeom prst="rect">
-            <a:avLst/>
-          </a:prstGeom>
-        </p:spPr>
-        <p:txBody>
-          <a:bodyPr vert="horz" lIns="91440" tIns="45720" rIns="91440" bIns="45720" rtlCol="0" anchor="b"/>
-          <a:lstStyle>
-            <a:lvl1pPr algn="r">
-              <a:defRPr sz="1000"/>
-            </a:lvl1pPr>
-          </a:lstStyle>
-          <a:p>
-            <a:fld id="{2BF067CD-8E6B-4360-9AA8-C5DF2A48A6D1}" type="slidenum">
-              <a:rPr lang="en-US" smtClean="0"/>
-              <a:pPr/>
-              <a:t>3</a:t>
-            </a:fld>
-            <a:endParaRPr lang="en-US" dirty="0"/>
-          </a:p>
-        </p:txBody>
-      </p:sp>
-      <p:sp>
-        <p:nvSpPr>
-          <p:cNvPr id="8" name="Slide Body">
-            <a:extLst>
-              <a:ext uri="{FF2B5EF4-FFF2-40B4-BE49-F238E27FC236}">
-                <a16:creationId xmlns:a16="http://schemas.microsoft.com/office/drawing/2014/main" id="{AA287FCE-0667-4256-B6C3-85EEA9B9995C}"/>
-              </a:ext>
-            </a:extLst>
-          </p:cNvPr>
-          <p:cNvSpPr>
-            <a:spLocks noGrp="1"/>
-          </p:cNvSpPr>
-          <p:nvPr>
-            <p:ph type="body" sz="quarter" idx="10"/>
-          </p:nvPr>
-        </p:nvSpPr>
-        <p:spPr>
-          <a:xfrm>
-            <a:off x="190402" y="1404000"/>
-            <a:ext cx="11818096" cy="5320890"/>
-          </a:xfrm>
-        </p:spPr>
-        <p:txBody>
-          <a:bodyPr>
-            <a:normAutofit/>
-          </a:bodyPr>
-          <a:lstStyle/>
-          <a:p>
-            <a:pPr marL="0" indent="0" algn="ctr">
-              <a:buNone/>
-            </a:pPr>
-            <a:endParaRPr lang="en-US" sz="1000" dirty="0"/>
-          </a:p>
-          <a:p>
-            <a:pPr marL="0" indent="0" algn="ctr">
-              <a:buNone/>
-            </a:pPr>
-            <a:r>
-              <a:rPr lang="en-US" sz="11500" b="1" dirty="0">
-                <a:solidFill>
-                  <a:schemeClr val="bg1"/>
-                </a:solidFill>
-              </a:rPr>
-              <a:t>sli.do</a:t>
-            </a:r>
-          </a:p>
-          <a:p>
-            <a:pPr marL="0" indent="0" algn="ctr">
-              <a:buNone/>
-            </a:pPr>
-            <a:r>
-              <a:rPr lang="en-US" sz="11500" b="1" dirty="0"/>
-              <a:t>#12345</a:t>
-            </a:r>
-            <a:endParaRPr lang="bg-BG" sz="11500" b="1" dirty="0"/>
-          </a:p>
-        </p:txBody>
-      </p:sp>
-      <p:sp>
-        <p:nvSpPr>
-          <p:cNvPr id="7" name="Slide Title">
-            <a:extLst>
-              <a:ext uri="{FF2B5EF4-FFF2-40B4-BE49-F238E27FC236}">
-                <a16:creationId xmlns:a16="http://schemas.microsoft.com/office/drawing/2014/main" id="{82485852-BA6B-4D95-A06E-D18F832FEBA9}"/>
-              </a:ext>
-            </a:extLst>
-          </p:cNvPr>
-          <p:cNvSpPr>
-            <a:spLocks noGrp="1"/>
-          </p:cNvSpPr>
-          <p:nvPr>
-            <p:ph type="title"/>
-          </p:nvPr>
-        </p:nvSpPr>
-        <p:spPr/>
-        <p:txBody>
-          <a:bodyPr/>
-          <a:lstStyle/>
-          <a:p>
-            <a:r>
-              <a:rPr lang="en-US" dirty="0"/>
-              <a:t>Have a Question?</a:t>
-            </a:r>
-            <a:endParaRPr lang="bg-BG" dirty="0"/>
-          </a:p>
-        </p:txBody>
-      </p:sp>
-    </p:spTree>
-    <p:extLst>
-      <p:ext uri="{BB962C8B-B14F-4D97-AF65-F5344CB8AC3E}">
-        <p14:creationId xmlns:p14="http://schemas.microsoft.com/office/powerpoint/2010/main" val="3366093874"/>
-      </p:ext>
-    </p:extLst>
-  </p:cSld>
-  <p:clrMapOvr>
-    <a:masterClrMapping/>
-  </p:clrMapOvr>
-  <mc:AlternateContent xmlns:mc="http://schemas.openxmlformats.org/markup-compatibility/2006" xmlns:p14="http://schemas.microsoft.com/office/powerpoint/2010/main">
-    <mc:Choice Requires="p14">
-      <p:transition spd="slow" p14:dur="2000" advClick="0" advTm="5000"/>
-    </mc:Choice>
-    <mc:Fallback xmlns="">
-      <p:transition spd="slow" advClick="0" advTm="5000"/>
-    </mc:Fallback>
-  </mc:AlternateContent>
-</p:sld>
-</file>
-
-<file path=ppt/slides/slide30.xml><?xml version="1.0" encoding="utf-8"?>
-<p:sld xmlns:a="http://schemas.openxmlformats.org/drawingml/2006/main" xmlns:r="http://schemas.openxmlformats.org/officeDocument/2006/relationships" xmlns:p="http://schemas.openxmlformats.org/presentationml/2006/main">
-  <p:cSld>
-    <p:spTree>
-      <p:nvGrpSpPr>
-        <p:cNvPr id="1" name=""/>
-        <p:cNvGrpSpPr/>
-        <p:nvPr/>
-      </p:nvGrpSpPr>
-      <p:grpSpPr>
-        <a:xfrm>
-          <a:off x="0" y="0"/>
-          <a:ext cx="0" cy="0"/>
-          <a:chOff x="0" y="0"/>
-          <a:chExt cx="0" cy="0"/>
-        </a:xfrm>
-      </p:grpSpPr>
-      <p:sp>
-        <p:nvSpPr>
-          <p:cNvPr id="11" name="Slide Number">
-            <a:extLst>
-              <a:ext uri="{FF2B5EF4-FFF2-40B4-BE49-F238E27FC236}">
-                <a16:creationId xmlns:a16="http://schemas.microsoft.com/office/drawing/2014/main" id="{34114123-C942-490F-A6BB-FD3CFFFE4B50}"/>
-              </a:ext>
-            </a:extLst>
-          </p:cNvPr>
-          <p:cNvSpPr>
-            <a:spLocks noGrp="1"/>
-          </p:cNvSpPr>
-          <p:nvPr>
-            <p:ph type="sldNum" sz="quarter" idx="4"/>
-          </p:nvPr>
-        </p:nvSpPr>
-        <p:spPr/>
-        <p:txBody>
-          <a:bodyPr/>
-          <a:lstStyle>
-            <a:lvl1pPr algn="r">
-              <a:defRPr sz="1000"/>
-            </a:lvl1pPr>
-          </a:lstStyle>
-          <a:p>
-            <a:fld id="{2BF067CD-8E6B-4360-9AA8-C5DF2A48A6D1}" type="slidenum">
-              <a:rPr lang="en-US" smtClean="0"/>
-              <a:pPr/>
-              <a:t>30</a:t>
-            </a:fld>
-            <a:endParaRPr lang="en-US" dirty="0"/>
-          </a:p>
-        </p:txBody>
-      </p:sp>
-      <p:sp>
-        <p:nvSpPr>
-          <p:cNvPr id="4" name="Slide Body"/>
-          <p:cNvSpPr>
-            <a:spLocks noGrp="1"/>
-          </p:cNvSpPr>
-          <p:nvPr>
-            <p:ph idx="4294967295"/>
-          </p:nvPr>
-        </p:nvSpPr>
-        <p:spPr>
-          <a:xfrm>
-            <a:off x="190404" y="1179000"/>
-            <a:ext cx="9865596" cy="5490000"/>
-          </a:xfrm>
-        </p:spPr>
-        <p:txBody>
-          <a:bodyPr>
-            <a:normAutofit/>
-          </a:bodyPr>
-          <a:lstStyle/>
-          <a:p>
-            <a:pPr>
-              <a:lnSpc>
-                <a:spcPct val="100000"/>
-              </a:lnSpc>
-            </a:pPr>
-            <a:r>
-              <a:rPr lang="bg-BG" sz="3200" dirty="0"/>
-              <a:t>Софтуерен университет </a:t>
-            </a:r>
-            <a:r>
-              <a:rPr lang="en-US" sz="3200" dirty="0"/>
-              <a:t>– </a:t>
-            </a:r>
-            <a:r>
-              <a:rPr lang="bg-BG" sz="3200" dirty="0"/>
-              <a:t>качествено образование, професия и работа за софтуерни инженери</a:t>
-            </a:r>
-            <a:endParaRPr lang="en-US" sz="3200" dirty="0"/>
-          </a:p>
-          <a:p>
-            <a:pPr lvl="1"/>
-            <a:r>
-              <a:rPr lang="en-US" sz="3000" noProof="1">
-                <a:hlinkClick r:id="rId3"/>
-              </a:rPr>
-              <a:t>softuni.bg</a:t>
-            </a:r>
-            <a:endParaRPr lang="en-US" sz="3000" noProof="1"/>
-          </a:p>
-          <a:p>
-            <a:pPr>
-              <a:lnSpc>
-                <a:spcPct val="100000"/>
-              </a:lnSpc>
-            </a:pPr>
-            <a:r>
-              <a:rPr lang="bg-BG" sz="3200" dirty="0"/>
-              <a:t>Фондация "Софтуерен университет"</a:t>
-            </a:r>
-          </a:p>
-          <a:p>
-            <a:pPr lvl="1"/>
-            <a:r>
-              <a:rPr lang="en-US" sz="3000" noProof="1">
-                <a:hlinkClick r:id="rId4"/>
-              </a:rPr>
-              <a:t>softuni.foundation</a:t>
-            </a:r>
-            <a:endParaRPr lang="en-US" sz="3000" noProof="1"/>
-          </a:p>
-          <a:p>
-            <a:pPr>
-              <a:lnSpc>
-                <a:spcPct val="100000"/>
-              </a:lnSpc>
-            </a:pPr>
-            <a:r>
-              <a:rPr lang="bg-BG" sz="3200" dirty="0"/>
-              <a:t>Софтуерен университет</a:t>
-            </a:r>
-            <a:r>
-              <a:rPr lang="en-US" sz="3200" dirty="0"/>
-              <a:t> @ Facebook</a:t>
-            </a:r>
-          </a:p>
-          <a:p>
-            <a:pPr lvl="1"/>
-            <a:r>
-              <a:rPr lang="en-US" sz="3000" noProof="1">
-                <a:hlinkClick r:id="rId5"/>
-              </a:rPr>
-              <a:t>facebook.com/SoftwareUniversity</a:t>
-            </a:r>
-            <a:endParaRPr lang="en-US" sz="3000" noProof="1"/>
-          </a:p>
-          <a:p>
-            <a:pPr>
-              <a:lnSpc>
-                <a:spcPct val="100000"/>
-              </a:lnSpc>
-            </a:pPr>
-            <a:r>
-              <a:rPr lang="bg-BG" sz="3200" dirty="0"/>
-              <a:t>Дискусионни форуми на СофтУни</a:t>
-            </a:r>
-            <a:endParaRPr lang="en-US" sz="3200" dirty="0"/>
-          </a:p>
-          <a:p>
-            <a:pPr lvl="1"/>
-            <a:r>
-              <a:rPr lang="en-US" sz="3000" dirty="0">
-                <a:hlinkClick r:id="rId6"/>
-              </a:rPr>
-              <a:t>forum.softuni.bg</a:t>
-            </a:r>
-            <a:endParaRPr lang="en-US" sz="3000" noProof="1"/>
-          </a:p>
-        </p:txBody>
-      </p:sp>
-      <p:sp>
-        <p:nvSpPr>
-          <p:cNvPr id="3" name="Slide Title"/>
-          <p:cNvSpPr>
-            <a:spLocks noGrp="1"/>
-          </p:cNvSpPr>
-          <p:nvPr>
-            <p:ph type="title"/>
-          </p:nvPr>
-        </p:nvSpPr>
-        <p:spPr/>
-        <p:txBody>
-          <a:bodyPr>
-            <a:normAutofit fontScale="90000"/>
-          </a:bodyPr>
-          <a:lstStyle/>
-          <a:p>
-            <a:r>
-              <a:rPr lang="bg-BG" dirty="0"/>
-              <a:t>Обучения</a:t>
-            </a:r>
-            <a:r>
-              <a:rPr lang="en-US" dirty="0"/>
-              <a:t> </a:t>
-            </a:r>
-            <a:r>
-              <a:rPr lang="bg-BG" dirty="0"/>
-              <a:t>в</a:t>
-            </a:r>
-            <a:r>
-              <a:rPr lang="en-US" dirty="0"/>
-              <a:t> </a:t>
-            </a:r>
-            <a:r>
-              <a:rPr lang="bg-BG" dirty="0"/>
-              <a:t>Софтуерен университет (СофтУни</a:t>
-            </a:r>
-            <a:r>
-              <a:rPr lang="en-US" dirty="0"/>
-              <a:t>)</a:t>
-            </a:r>
-          </a:p>
-        </p:txBody>
-      </p:sp>
-    </p:spTree>
-    <p:extLst>
-      <p:ext uri="{BB962C8B-B14F-4D97-AF65-F5344CB8AC3E}">
-        <p14:creationId xmlns:p14="http://schemas.microsoft.com/office/powerpoint/2010/main" val="768318314"/>
-      </p:ext>
-    </p:extLst>
-  </p:cSld>
-  <p:clrMapOvr>
-    <a:masterClrMapping/>
-  </p:clrMapOvr>
-  <mc:AlternateContent xmlns:mc="http://schemas.openxmlformats.org/markup-compatibility/2006" xmlns:p14="http://schemas.microsoft.com/office/powerpoint/2010/main">
-    <mc:Choice Requires="p14">
-      <p:transition spd="slow" p14:dur="2000" advClick="0" advTm="5000"/>
-    </mc:Choice>
-    <mc:Fallback xmlns="">
-      <p:transition spd="slow" advClick="0" advTm="5000"/>
-    </mc:Fallback>
-  </mc:AlternateContent>
-</p:sld>
-</file>
-
-<file path=ppt/slides/slide4.xml><?xml version="1.0" encoding="utf-8"?>
 <p:sld xmlns:a="http://schemas.openxmlformats.org/drawingml/2006/main" xmlns:r="http://schemas.openxmlformats.org/officeDocument/2006/relationships" xmlns:p="http://schemas.openxmlformats.org/presentationml/2006/main">
   <p:cSld>
     <p:spTree>
@@ -30491,7 +25070,7 @@
             <a:fld id="{2BF067CD-8E6B-4360-9AA8-C5DF2A48A6D1}" type="slidenum">
               <a:rPr lang="en-US" smtClean="0"/>
               <a:pPr/>
-              <a:t>4</a:t>
+              <a:t>3</a:t>
             </a:fld>
             <a:endParaRPr lang="en-US" dirty="0"/>
           </a:p>
@@ -30997,7 +25576,7 @@
 </p:sld>
 </file>
 
-<file path=ppt/slides/slide5.xml><?xml version="1.0" encoding="utf-8"?>
+<file path=ppt/slides/slide4.xml><?xml version="1.0" encoding="utf-8"?>
 <p:sld xmlns:a="http://schemas.openxmlformats.org/drawingml/2006/main" xmlns:r="http://schemas.openxmlformats.org/officeDocument/2006/relationships" xmlns:p="http://schemas.openxmlformats.org/presentationml/2006/main">
   <p:cSld>
     <p:spTree>
@@ -31127,7 +25706,7 @@
 </p:sld>
 </file>
 
-<file path=ppt/slides/slide6.xml><?xml version="1.0" encoding="utf-8"?>
+<file path=ppt/slides/slide5.xml><?xml version="1.0" encoding="utf-8"?>
 <p:sld xmlns:a="http://schemas.openxmlformats.org/drawingml/2006/main" xmlns:r="http://schemas.openxmlformats.org/officeDocument/2006/relationships" xmlns:p="http://schemas.openxmlformats.org/presentationml/2006/main">
   <p:cSld>
     <p:spTree>
@@ -31180,7 +25759,7 @@
             <a:fld id="{2BF067CD-8E6B-4360-9AA8-C5DF2A48A6D1}" type="slidenum">
               <a:rPr lang="en-US" smtClean="0"/>
               <a:pPr/>
-              <a:t>6</a:t>
+              <a:t>5</a:t>
             </a:fld>
             <a:endParaRPr lang="en-US" dirty="0"/>
           </a:p>
@@ -32010,7 +26589,7 @@
 </p:sld>
 </file>
 
-<file path=ppt/slides/slide7.xml><?xml version="1.0" encoding="utf-8"?>
+<file path=ppt/slides/slide6.xml><?xml version="1.0" encoding="utf-8"?>
 <p:sld xmlns:a="http://schemas.openxmlformats.org/drawingml/2006/main" xmlns:r="http://schemas.openxmlformats.org/officeDocument/2006/relationships" xmlns:p="http://schemas.openxmlformats.org/presentationml/2006/main">
   <p:cSld>
     <p:spTree>
@@ -32151,7 +26730,7 @@
             <a:fld id="{2BF067CD-8E6B-4360-9AA8-C5DF2A48A6D1}" type="slidenum">
               <a:rPr lang="en-US" smtClean="0"/>
               <a:pPr/>
-              <a:t>7</a:t>
+              <a:t>6</a:t>
             </a:fld>
             <a:endParaRPr lang="en-US" dirty="0"/>
           </a:p>
@@ -32385,7 +26964,7 @@
 </p:sld>
 </file>
 
-<file path=ppt/slides/slide8.xml><?xml version="1.0" encoding="utf-8"?>
+<file path=ppt/slides/slide7.xml><?xml version="1.0" encoding="utf-8"?>
 <p:sld xmlns:a="http://schemas.openxmlformats.org/drawingml/2006/main" xmlns:r="http://schemas.openxmlformats.org/officeDocument/2006/relationships" xmlns:p="http://schemas.openxmlformats.org/presentationml/2006/main">
   <p:cSld>
     <p:spTree>
@@ -32526,7 +27105,7 @@
             <a:fld id="{2BF067CD-8E6B-4360-9AA8-C5DF2A48A6D1}" type="slidenum">
               <a:rPr lang="en-US" smtClean="0"/>
               <a:pPr/>
-              <a:t>8</a:t>
+              <a:t>7</a:t>
             </a:fld>
             <a:endParaRPr lang="en-US" dirty="0"/>
           </a:p>
@@ -33112,7 +27691,7 @@
 </p:sld>
 </file>
 
-<file path=ppt/slides/slide9.xml><?xml version="1.0" encoding="utf-8"?>
+<file path=ppt/slides/slide8.xml><?xml version="1.0" encoding="utf-8"?>
 <p:sld xmlns:a="http://schemas.openxmlformats.org/drawingml/2006/main" xmlns:r="http://schemas.openxmlformats.org/officeDocument/2006/relationships" xmlns:p="http://schemas.openxmlformats.org/presentationml/2006/main">
   <p:cSld>
     <p:spTree>
@@ -33165,7 +27744,7 @@
             <a:fld id="{2BF067CD-8E6B-4360-9AA8-C5DF2A48A6D1}" type="slidenum">
               <a:rPr lang="en-US" smtClean="0"/>
               <a:pPr/>
-              <a:t>9</a:t>
+              <a:t>8</a:t>
             </a:fld>
             <a:endParaRPr lang="en-US" dirty="0"/>
           </a:p>
@@ -34210,6 +28789,1843 @@
       <p:transition spd="slow" advClick="0" advTm="5000"/>
     </mc:Fallback>
   </mc:AlternateContent>
+</p:sld>
+</file>
+
+<file path=ppt/slides/slide9.xml><?xml version="1.0" encoding="utf-8"?>
+<p:sld xmlns:a="http://schemas.openxmlformats.org/drawingml/2006/main" xmlns:r="http://schemas.openxmlformats.org/officeDocument/2006/relationships" xmlns:p="http://schemas.openxmlformats.org/presentationml/2006/main">
+  <p:cSld>
+    <p:spTree>
+      <p:nvGrpSpPr>
+        <p:cNvPr id="1" name=""/>
+        <p:cNvGrpSpPr/>
+        <p:nvPr/>
+      </p:nvGrpSpPr>
+      <p:grpSpPr>
+        <a:xfrm>
+          <a:off x="0" y="0"/>
+          <a:ext cx="0" cy="0"/>
+          <a:chOff x="0" y="0"/>
+          <a:chExt cx="0" cy="0"/>
+        </a:xfrm>
+      </p:grpSpPr>
+      <p:sp>
+        <p:nvSpPr>
+          <p:cNvPr id="13" name="Slide Number">
+            <a:extLst>
+              <a:ext uri="{FF2B5EF4-FFF2-40B4-BE49-F238E27FC236}">
+                <a16:creationId xmlns:a16="http://schemas.microsoft.com/office/drawing/2014/main" id="{B07293CE-0BF1-4F01-BE07-8B36E3A001D9}"/>
+              </a:ext>
+            </a:extLst>
+          </p:cNvPr>
+          <p:cNvSpPr>
+            <a:spLocks noGrp="1"/>
+          </p:cNvSpPr>
+          <p:nvPr>
+            <p:ph type="sldNum" sz="quarter" idx="5"/>
+          </p:nvPr>
+        </p:nvSpPr>
+        <p:spPr>
+          <a:xfrm>
+            <a:off x="11753030" y="6507000"/>
+            <a:ext cx="367414" cy="297000"/>
+          </a:xfrm>
+          <a:prstGeom prst="rect">
+            <a:avLst/>
+          </a:prstGeom>
+        </p:spPr>
+        <p:txBody>
+          <a:bodyPr vert="horz" lIns="91440" tIns="45720" rIns="91440" bIns="45720" rtlCol="0" anchor="b"/>
+          <a:lstStyle>
+            <a:lvl1pPr algn="r">
+              <a:defRPr sz="1000"/>
+            </a:lvl1pPr>
+          </a:lstStyle>
+          <a:p>
+            <a:fld id="{2BF067CD-8E6B-4360-9AA8-C5DF2A48A6D1}" type="slidenum">
+              <a:rPr lang="en-US" smtClean="0"/>
+              <a:pPr/>
+              <a:t>9</a:t>
+            </a:fld>
+            <a:endParaRPr lang="en-US" dirty="0"/>
+          </a:p>
+        </p:txBody>
+      </p:sp>
+      <p:sp>
+        <p:nvSpPr>
+          <p:cNvPr id="22" name="Text Placeholder 3"/>
+          <p:cNvSpPr txBox="1">
+            <a:spLocks/>
+          </p:cNvSpPr>
+          <p:nvPr/>
+        </p:nvSpPr>
+        <p:spPr>
+          <a:xfrm>
+            <a:off x="246000" y="1873452"/>
+            <a:ext cx="5411422" cy="4773203"/>
+          </a:xfrm>
+          <a:prstGeom prst="rect">
+            <a:avLst/>
+          </a:prstGeom>
+          <a:solidFill>
+            <a:schemeClr val="accent6">
+              <a:lumMod val="75000"/>
+              <a:alpha val="15000"/>
+            </a:schemeClr>
+          </a:solidFill>
+          <a:ln w="12700">
+            <a:solidFill>
+              <a:schemeClr val="tx1">
+                <a:lumMod val="50000"/>
+              </a:schemeClr>
+            </a:solidFill>
+          </a:ln>
+        </p:spPr>
+        <p:txBody>
+          <a:bodyPr vert="horz" wrap="square" lIns="144000" tIns="108000" rIns="144000" bIns="108000" rtlCol="0">
+            <a:spAutoFit/>
+          </a:bodyPr>
+          <a:lstStyle>
+            <a:defPPr>
+              <a:defRPr lang="en-US"/>
+            </a:defPPr>
+            <a:lvl1pPr defTabSz="1218438">
+              <a:spcBef>
+                <a:spcPts val="600"/>
+              </a:spcBef>
+              <a:spcAft>
+                <a:spcPts val="600"/>
+              </a:spcAft>
+              <a:defRPr sz="2400" b="1">
+                <a:latin typeface="Consolas" pitchFamily="49" charset="0"/>
+              </a:defRPr>
+            </a:lvl1pPr>
+            <a:lvl2pPr marL="990575" indent="-380990" defTabSz="1219170" latinLnBrk="1">
+              <a:lnSpc>
+                <a:spcPct val="105000"/>
+              </a:lnSpc>
+              <a:spcBef>
+                <a:spcPts val="600"/>
+              </a:spcBef>
+              <a:spcAft>
+                <a:spcPts val="600"/>
+              </a:spcAft>
+              <a:buFont typeface="Wingdings" panose="05000000000000000000" pitchFamily="2" charset="2"/>
+              <a:buChar char="§"/>
+              <a:defRPr sz="3200"/>
+            </a:lvl2pPr>
+            <a:lvl3pPr marL="1523962" indent="-304792" defTabSz="1219170" latinLnBrk="1">
+              <a:lnSpc>
+                <a:spcPct val="105000"/>
+              </a:lnSpc>
+              <a:spcBef>
+                <a:spcPts val="600"/>
+              </a:spcBef>
+              <a:spcAft>
+                <a:spcPts val="600"/>
+              </a:spcAft>
+              <a:buFont typeface="Wingdings" panose="05000000000000000000" pitchFamily="2" charset="2"/>
+              <a:buChar char="§"/>
+              <a:defRPr sz="3000"/>
+            </a:lvl3pPr>
+            <a:lvl4pPr marL="2133547" indent="-304792" defTabSz="1219170" latinLnBrk="1">
+              <a:lnSpc>
+                <a:spcPct val="105000"/>
+              </a:lnSpc>
+              <a:spcBef>
+                <a:spcPts val="600"/>
+              </a:spcBef>
+              <a:spcAft>
+                <a:spcPts val="600"/>
+              </a:spcAft>
+              <a:buFont typeface="Wingdings" panose="05000000000000000000" pitchFamily="2" charset="2"/>
+              <a:buChar char="§"/>
+              <a:defRPr sz="2800"/>
+            </a:lvl4pPr>
+            <a:lvl5pPr marL="2743131" indent="-304792" defTabSz="1219170" latinLnBrk="1">
+              <a:lnSpc>
+                <a:spcPct val="105000"/>
+              </a:lnSpc>
+              <a:spcBef>
+                <a:spcPts val="600"/>
+              </a:spcBef>
+              <a:spcAft>
+                <a:spcPts val="600"/>
+              </a:spcAft>
+              <a:buFont typeface="Wingdings" panose="05000000000000000000" pitchFamily="2" charset="2"/>
+              <a:buChar char="§"/>
+              <a:defRPr sz="2600"/>
+            </a:lvl5pPr>
+            <a:lvl6pPr marL="3352716" indent="-304792" defTabSz="1219170" latinLnBrk="1">
+              <a:spcBef>
+                <a:spcPct val="20000"/>
+              </a:spcBef>
+              <a:buFont typeface="Arial" pitchFamily="34" charset="0"/>
+              <a:buChar char="•"/>
+              <a:defRPr sz="2667"/>
+            </a:lvl6pPr>
+            <a:lvl7pPr marL="3962301" indent="-304792" defTabSz="1219170" latinLnBrk="1">
+              <a:spcBef>
+                <a:spcPct val="20000"/>
+              </a:spcBef>
+              <a:buFont typeface="Arial" pitchFamily="34" charset="0"/>
+              <a:buChar char="•"/>
+              <a:defRPr sz="2667"/>
+            </a:lvl7pPr>
+            <a:lvl8pPr marL="4571886" indent="-304792" defTabSz="1219170" latinLnBrk="1">
+              <a:spcBef>
+                <a:spcPct val="20000"/>
+              </a:spcBef>
+              <a:buFont typeface="Arial" pitchFamily="34" charset="0"/>
+              <a:buChar char="•"/>
+              <a:defRPr sz="2667"/>
+            </a:lvl8pPr>
+            <a:lvl9pPr marL="5181470" indent="-304792" defTabSz="1219170" latinLnBrk="1">
+              <a:spcBef>
+                <a:spcPct val="20000"/>
+              </a:spcBef>
+              <a:buFont typeface="Arial" pitchFamily="34" charset="0"/>
+              <a:buChar char="•"/>
+              <a:defRPr sz="2667"/>
+            </a:lvl9pPr>
+          </a:lstStyle>
+          <a:p>
+            <a:pPr>
+              <a:lnSpc>
+                <a:spcPct val="105000"/>
+              </a:lnSpc>
+              <a:spcBef>
+                <a:spcPts val="0"/>
+              </a:spcBef>
+              <a:spcAft>
+                <a:spcPts val="0"/>
+              </a:spcAft>
+            </a:pPr>
+            <a:r>
+              <a:rPr lang="en-US" noProof="1"/>
+              <a:t>class Person {</a:t>
+            </a:r>
+          </a:p>
+          <a:p>
+            <a:r>
+              <a:rPr lang="en-US" noProof="1"/>
+              <a:t>  constructor(name) {</a:t>
+            </a:r>
+          </a:p>
+          <a:p>
+            <a:r>
+              <a:rPr lang="en-US" noProof="1"/>
+              <a:t>    this.name = name;</a:t>
+            </a:r>
+          </a:p>
+          <a:p>
+            <a:r>
+              <a:rPr lang="en-US" noProof="1"/>
+              <a:t>  }</a:t>
+            </a:r>
+          </a:p>
+          <a:p>
+            <a:r>
+              <a:rPr lang="en-US" noProof="1"/>
+              <a:t>  toString() {</a:t>
+            </a:r>
+          </a:p>
+          <a:p>
+            <a:r>
+              <a:rPr lang="en-US" noProof="1"/>
+              <a:t>    return `I'm ${this.name}`;</a:t>
+            </a:r>
+          </a:p>
+          <a:p>
+            <a:r>
+              <a:rPr lang="en-US" noProof="1"/>
+              <a:t>  }</a:t>
+            </a:r>
+          </a:p>
+          <a:p>
+            <a:r>
+              <a:rPr lang="en-US" noProof="1"/>
+              <a:t>}</a:t>
+            </a:r>
+          </a:p>
+          <a:p>
+            <a:r>
+              <a:rPr lang="en-US" noProof="1">
+                <a:solidFill>
+                  <a:schemeClr val="bg1"/>
+                </a:solidFill>
+              </a:rPr>
+              <a:t>module.exports</a:t>
+            </a:r>
+            <a:r>
+              <a:rPr lang="en-US" noProof="1"/>
+              <a:t> = Person;</a:t>
+            </a:r>
+          </a:p>
+        </p:txBody>
+      </p:sp>
+      <p:sp>
+        <p:nvSpPr>
+          <p:cNvPr id="24" name="Text Placeholder 3"/>
+          <p:cNvSpPr txBox="1">
+            <a:spLocks/>
+          </p:cNvSpPr>
+          <p:nvPr/>
+        </p:nvSpPr>
+        <p:spPr>
+          <a:xfrm>
+            <a:off x="246000" y="1286011"/>
+            <a:ext cx="5411422" cy="587441"/>
+          </a:xfrm>
+          <a:prstGeom prst="rect">
+            <a:avLst/>
+          </a:prstGeom>
+          <a:solidFill>
+            <a:schemeClr val="accent6">
+              <a:lumMod val="75000"/>
+              <a:alpha val="50000"/>
+            </a:schemeClr>
+          </a:solidFill>
+          <a:ln w="12700">
+            <a:solidFill>
+              <a:schemeClr val="tx1">
+                <a:lumMod val="50000"/>
+              </a:schemeClr>
+            </a:solidFill>
+          </a:ln>
+        </p:spPr>
+        <p:txBody>
+          <a:bodyPr vert="horz" wrap="square" lIns="144000" tIns="108000" rIns="144000" bIns="108000" rtlCol="0">
+            <a:spAutoFit/>
+          </a:bodyPr>
+          <a:lstStyle>
+            <a:defPPr>
+              <a:defRPr lang="en-US"/>
+            </a:defPPr>
+            <a:lvl1pPr algn="ctr" defTabSz="1218438">
+              <a:spcBef>
+                <a:spcPts val="600"/>
+              </a:spcBef>
+              <a:spcAft>
+                <a:spcPts val="600"/>
+              </a:spcAft>
+              <a:defRPr sz="2400" b="1">
+                <a:latin typeface="Consolas" pitchFamily="49" charset="0"/>
+              </a:defRPr>
+            </a:lvl1pPr>
+            <a:lvl2pPr marL="990575" indent="-380990" defTabSz="1219170" latinLnBrk="1">
+              <a:lnSpc>
+                <a:spcPct val="105000"/>
+              </a:lnSpc>
+              <a:spcBef>
+                <a:spcPts val="600"/>
+              </a:spcBef>
+              <a:spcAft>
+                <a:spcPts val="600"/>
+              </a:spcAft>
+              <a:buFont typeface="Wingdings" panose="05000000000000000000" pitchFamily="2" charset="2"/>
+              <a:buChar char="§"/>
+              <a:defRPr sz="3200"/>
+            </a:lvl2pPr>
+            <a:lvl3pPr marL="1523962" indent="-304792" defTabSz="1219170" latinLnBrk="1">
+              <a:lnSpc>
+                <a:spcPct val="105000"/>
+              </a:lnSpc>
+              <a:spcBef>
+                <a:spcPts val="600"/>
+              </a:spcBef>
+              <a:spcAft>
+                <a:spcPts val="600"/>
+              </a:spcAft>
+              <a:buFont typeface="Wingdings" panose="05000000000000000000" pitchFamily="2" charset="2"/>
+              <a:buChar char="§"/>
+              <a:defRPr sz="3000"/>
+            </a:lvl3pPr>
+            <a:lvl4pPr marL="2133547" indent="-304792" defTabSz="1219170" latinLnBrk="1">
+              <a:lnSpc>
+                <a:spcPct val="105000"/>
+              </a:lnSpc>
+              <a:spcBef>
+                <a:spcPts val="600"/>
+              </a:spcBef>
+              <a:spcAft>
+                <a:spcPts val="600"/>
+              </a:spcAft>
+              <a:buFont typeface="Wingdings" panose="05000000000000000000" pitchFamily="2" charset="2"/>
+              <a:buChar char="§"/>
+              <a:defRPr sz="2800"/>
+            </a:lvl4pPr>
+            <a:lvl5pPr marL="2743131" indent="-304792" defTabSz="1219170" latinLnBrk="1">
+              <a:lnSpc>
+                <a:spcPct val="105000"/>
+              </a:lnSpc>
+              <a:spcBef>
+                <a:spcPts val="600"/>
+              </a:spcBef>
+              <a:spcAft>
+                <a:spcPts val="600"/>
+              </a:spcAft>
+              <a:buFont typeface="Wingdings" panose="05000000000000000000" pitchFamily="2" charset="2"/>
+              <a:buChar char="§"/>
+              <a:defRPr sz="2600"/>
+            </a:lvl5pPr>
+            <a:lvl6pPr marL="3352716" indent="-304792" defTabSz="1219170" latinLnBrk="1">
+              <a:spcBef>
+                <a:spcPct val="20000"/>
+              </a:spcBef>
+              <a:buFont typeface="Arial" pitchFamily="34" charset="0"/>
+              <a:buChar char="•"/>
+              <a:defRPr sz="2667"/>
+            </a:lvl6pPr>
+            <a:lvl7pPr marL="3962301" indent="-304792" defTabSz="1219170" latinLnBrk="1">
+              <a:spcBef>
+                <a:spcPct val="20000"/>
+              </a:spcBef>
+              <a:buFont typeface="Arial" pitchFamily="34" charset="0"/>
+              <a:buChar char="•"/>
+              <a:defRPr sz="2667"/>
+            </a:lvl7pPr>
+            <a:lvl8pPr marL="4571886" indent="-304792" defTabSz="1219170" latinLnBrk="1">
+              <a:spcBef>
+                <a:spcPct val="20000"/>
+              </a:spcBef>
+              <a:buFont typeface="Arial" pitchFamily="34" charset="0"/>
+              <a:buChar char="•"/>
+              <a:defRPr sz="2667"/>
+            </a:lvl8pPr>
+            <a:lvl9pPr marL="5181470" indent="-304792" defTabSz="1219170" latinLnBrk="1">
+              <a:spcBef>
+                <a:spcPct val="20000"/>
+              </a:spcBef>
+              <a:buFont typeface="Arial" pitchFamily="34" charset="0"/>
+              <a:buChar char="•"/>
+              <a:defRPr sz="2667"/>
+            </a:lvl9pPr>
+          </a:lstStyle>
+          <a:p>
+            <a:r>
+              <a:rPr lang="en-US" noProof="1"/>
+              <a:t>person.js</a:t>
+            </a:r>
+          </a:p>
+        </p:txBody>
+      </p:sp>
+      <p:sp>
+        <p:nvSpPr>
+          <p:cNvPr id="30" name="Text Placeholder 3"/>
+          <p:cNvSpPr txBox="1">
+            <a:spLocks/>
+          </p:cNvSpPr>
+          <p:nvPr/>
+        </p:nvSpPr>
+        <p:spPr>
+          <a:xfrm>
+            <a:off x="5969773" y="3148965"/>
+            <a:ext cx="5958012" cy="1751542"/>
+          </a:xfrm>
+          <a:prstGeom prst="rect">
+            <a:avLst/>
+          </a:prstGeom>
+          <a:solidFill>
+            <a:schemeClr val="accent6">
+              <a:lumMod val="75000"/>
+              <a:alpha val="15000"/>
+            </a:schemeClr>
+          </a:solidFill>
+          <a:ln w="12700">
+            <a:solidFill>
+              <a:schemeClr val="tx1">
+                <a:lumMod val="50000"/>
+              </a:schemeClr>
+            </a:solidFill>
+          </a:ln>
+        </p:spPr>
+        <p:txBody>
+          <a:bodyPr vert="horz" wrap="square" lIns="144000" tIns="108000" rIns="144000" bIns="108000" rtlCol="0">
+            <a:spAutoFit/>
+          </a:bodyPr>
+          <a:lstStyle>
+            <a:defPPr>
+              <a:defRPr lang="en-US"/>
+            </a:defPPr>
+            <a:lvl1pPr defTabSz="1218438">
+              <a:spcBef>
+                <a:spcPts val="600"/>
+              </a:spcBef>
+              <a:spcAft>
+                <a:spcPts val="600"/>
+              </a:spcAft>
+              <a:defRPr sz="2400" b="1">
+                <a:latin typeface="Consolas" pitchFamily="49" charset="0"/>
+              </a:defRPr>
+            </a:lvl1pPr>
+            <a:lvl2pPr marL="990575" indent="-380990" defTabSz="1219170" latinLnBrk="1">
+              <a:lnSpc>
+                <a:spcPct val="105000"/>
+              </a:lnSpc>
+              <a:spcBef>
+                <a:spcPts val="600"/>
+              </a:spcBef>
+              <a:spcAft>
+                <a:spcPts val="600"/>
+              </a:spcAft>
+              <a:buFont typeface="Wingdings" panose="05000000000000000000" pitchFamily="2" charset="2"/>
+              <a:buChar char="§"/>
+              <a:defRPr sz="3200"/>
+            </a:lvl2pPr>
+            <a:lvl3pPr marL="1523962" indent="-304792" defTabSz="1219170" latinLnBrk="1">
+              <a:lnSpc>
+                <a:spcPct val="105000"/>
+              </a:lnSpc>
+              <a:spcBef>
+                <a:spcPts val="600"/>
+              </a:spcBef>
+              <a:spcAft>
+                <a:spcPts val="600"/>
+              </a:spcAft>
+              <a:buFont typeface="Wingdings" panose="05000000000000000000" pitchFamily="2" charset="2"/>
+              <a:buChar char="§"/>
+              <a:defRPr sz="3000"/>
+            </a:lvl3pPr>
+            <a:lvl4pPr marL="2133547" indent="-304792" defTabSz="1219170" latinLnBrk="1">
+              <a:lnSpc>
+                <a:spcPct val="105000"/>
+              </a:lnSpc>
+              <a:spcBef>
+                <a:spcPts val="600"/>
+              </a:spcBef>
+              <a:spcAft>
+                <a:spcPts val="600"/>
+              </a:spcAft>
+              <a:buFont typeface="Wingdings" panose="05000000000000000000" pitchFamily="2" charset="2"/>
+              <a:buChar char="§"/>
+              <a:defRPr sz="2800"/>
+            </a:lvl4pPr>
+            <a:lvl5pPr marL="2743131" indent="-304792" defTabSz="1219170" latinLnBrk="1">
+              <a:lnSpc>
+                <a:spcPct val="105000"/>
+              </a:lnSpc>
+              <a:spcBef>
+                <a:spcPts val="600"/>
+              </a:spcBef>
+              <a:spcAft>
+                <a:spcPts val="600"/>
+              </a:spcAft>
+              <a:buFont typeface="Wingdings" panose="05000000000000000000" pitchFamily="2" charset="2"/>
+              <a:buChar char="§"/>
+              <a:defRPr sz="2600"/>
+            </a:lvl5pPr>
+            <a:lvl6pPr marL="3352716" indent="-304792" defTabSz="1219170" latinLnBrk="1">
+              <a:spcBef>
+                <a:spcPct val="20000"/>
+              </a:spcBef>
+              <a:buFont typeface="Arial" pitchFamily="34" charset="0"/>
+              <a:buChar char="•"/>
+              <a:defRPr sz="2667"/>
+            </a:lvl6pPr>
+            <a:lvl7pPr marL="3962301" indent="-304792" defTabSz="1219170" latinLnBrk="1">
+              <a:spcBef>
+                <a:spcPct val="20000"/>
+              </a:spcBef>
+              <a:buFont typeface="Arial" pitchFamily="34" charset="0"/>
+              <a:buChar char="•"/>
+              <a:defRPr sz="2667"/>
+            </a:lvl7pPr>
+            <a:lvl8pPr marL="4571886" indent="-304792" defTabSz="1219170" latinLnBrk="1">
+              <a:spcBef>
+                <a:spcPct val="20000"/>
+              </a:spcBef>
+              <a:buFont typeface="Arial" pitchFamily="34" charset="0"/>
+              <a:buChar char="•"/>
+              <a:defRPr sz="2667"/>
+            </a:lvl8pPr>
+            <a:lvl9pPr marL="5181470" indent="-304792" defTabSz="1219170" latinLnBrk="1">
+              <a:spcBef>
+                <a:spcPct val="20000"/>
+              </a:spcBef>
+              <a:buFont typeface="Arial" pitchFamily="34" charset="0"/>
+              <a:buChar char="•"/>
+              <a:defRPr sz="2667"/>
+            </a:lvl9pPr>
+          </a:lstStyle>
+          <a:p>
+            <a:pPr>
+              <a:lnSpc>
+                <a:spcPct val="105000"/>
+              </a:lnSpc>
+              <a:spcBef>
+                <a:spcPts val="0"/>
+              </a:spcBef>
+              <a:spcAft>
+                <a:spcPts val="0"/>
+              </a:spcAft>
+            </a:pPr>
+            <a:r>
+              <a:rPr lang="en-US" noProof="1"/>
+              <a:t>let Person = </a:t>
+            </a:r>
+            <a:r>
+              <a:rPr lang="en-US" noProof="1">
+                <a:solidFill>
+                  <a:schemeClr val="bg1"/>
+                </a:solidFill>
+              </a:rPr>
+              <a:t>require</a:t>
+            </a:r>
+            <a:r>
+              <a:rPr lang="en-US" noProof="1"/>
+              <a:t>('./person');</a:t>
+            </a:r>
+          </a:p>
+          <a:p>
+            <a:pPr>
+              <a:lnSpc>
+                <a:spcPct val="105000"/>
+              </a:lnSpc>
+              <a:spcBef>
+                <a:spcPts val="0"/>
+              </a:spcBef>
+              <a:spcAft>
+                <a:spcPts val="0"/>
+              </a:spcAft>
+            </a:pPr>
+            <a:endParaRPr lang="en-US" noProof="1"/>
+          </a:p>
+          <a:p>
+            <a:pPr>
+              <a:lnSpc>
+                <a:spcPct val="105000"/>
+              </a:lnSpc>
+              <a:spcBef>
+                <a:spcPts val="0"/>
+              </a:spcBef>
+              <a:spcAft>
+                <a:spcPts val="0"/>
+              </a:spcAft>
+            </a:pPr>
+            <a:r>
+              <a:rPr lang="en-US" noProof="1"/>
+              <a:t>let p = new Person('Pesho');</a:t>
+            </a:r>
+          </a:p>
+          <a:p>
+            <a:pPr>
+              <a:lnSpc>
+                <a:spcPct val="105000"/>
+              </a:lnSpc>
+              <a:spcBef>
+                <a:spcPts val="0"/>
+              </a:spcBef>
+              <a:spcAft>
+                <a:spcPts val="0"/>
+              </a:spcAft>
+            </a:pPr>
+            <a:r>
+              <a:rPr lang="en-US" noProof="1"/>
+              <a:t>console.log(p.toString());</a:t>
+            </a:r>
+          </a:p>
+        </p:txBody>
+      </p:sp>
+      <p:sp>
+        <p:nvSpPr>
+          <p:cNvPr id="31" name="Text Placeholder 3"/>
+          <p:cNvSpPr txBox="1">
+            <a:spLocks/>
+          </p:cNvSpPr>
+          <p:nvPr/>
+        </p:nvSpPr>
+        <p:spPr>
+          <a:xfrm>
+            <a:off x="5969773" y="2561524"/>
+            <a:ext cx="5958012" cy="587441"/>
+          </a:xfrm>
+          <a:prstGeom prst="rect">
+            <a:avLst/>
+          </a:prstGeom>
+          <a:solidFill>
+            <a:schemeClr val="accent6">
+              <a:lumMod val="75000"/>
+              <a:alpha val="50000"/>
+            </a:schemeClr>
+          </a:solidFill>
+          <a:ln w="12700">
+            <a:solidFill>
+              <a:schemeClr val="tx1">
+                <a:lumMod val="50000"/>
+              </a:schemeClr>
+            </a:solidFill>
+          </a:ln>
+        </p:spPr>
+        <p:txBody>
+          <a:bodyPr vert="horz" wrap="square" lIns="144000" tIns="108000" rIns="144000" bIns="108000" rtlCol="0">
+            <a:spAutoFit/>
+          </a:bodyPr>
+          <a:lstStyle>
+            <a:defPPr>
+              <a:defRPr lang="en-US"/>
+            </a:defPPr>
+            <a:lvl1pPr defTabSz="1218438">
+              <a:spcBef>
+                <a:spcPts val="600"/>
+              </a:spcBef>
+              <a:spcAft>
+                <a:spcPts val="600"/>
+              </a:spcAft>
+              <a:defRPr sz="2400" b="1">
+                <a:latin typeface="Consolas" pitchFamily="49" charset="0"/>
+              </a:defRPr>
+            </a:lvl1pPr>
+            <a:lvl2pPr marL="990575" indent="-380990" defTabSz="1219170" latinLnBrk="1">
+              <a:lnSpc>
+                <a:spcPct val="105000"/>
+              </a:lnSpc>
+              <a:spcBef>
+                <a:spcPts val="600"/>
+              </a:spcBef>
+              <a:spcAft>
+                <a:spcPts val="600"/>
+              </a:spcAft>
+              <a:buFont typeface="Wingdings" panose="05000000000000000000" pitchFamily="2" charset="2"/>
+              <a:buChar char="§"/>
+              <a:defRPr sz="3200"/>
+            </a:lvl2pPr>
+            <a:lvl3pPr marL="1523962" indent="-304792" defTabSz="1219170" latinLnBrk="1">
+              <a:lnSpc>
+                <a:spcPct val="105000"/>
+              </a:lnSpc>
+              <a:spcBef>
+                <a:spcPts val="600"/>
+              </a:spcBef>
+              <a:spcAft>
+                <a:spcPts val="600"/>
+              </a:spcAft>
+              <a:buFont typeface="Wingdings" panose="05000000000000000000" pitchFamily="2" charset="2"/>
+              <a:buChar char="§"/>
+              <a:defRPr sz="3000"/>
+            </a:lvl3pPr>
+            <a:lvl4pPr marL="2133547" indent="-304792" defTabSz="1219170" latinLnBrk="1">
+              <a:lnSpc>
+                <a:spcPct val="105000"/>
+              </a:lnSpc>
+              <a:spcBef>
+                <a:spcPts val="600"/>
+              </a:spcBef>
+              <a:spcAft>
+                <a:spcPts val="600"/>
+              </a:spcAft>
+              <a:buFont typeface="Wingdings" panose="05000000000000000000" pitchFamily="2" charset="2"/>
+              <a:buChar char="§"/>
+              <a:defRPr sz="2800"/>
+            </a:lvl4pPr>
+            <a:lvl5pPr marL="2743131" indent="-304792" defTabSz="1219170" latinLnBrk="1">
+              <a:lnSpc>
+                <a:spcPct val="105000"/>
+              </a:lnSpc>
+              <a:spcBef>
+                <a:spcPts val="600"/>
+              </a:spcBef>
+              <a:spcAft>
+                <a:spcPts val="600"/>
+              </a:spcAft>
+              <a:buFont typeface="Wingdings" panose="05000000000000000000" pitchFamily="2" charset="2"/>
+              <a:buChar char="§"/>
+              <a:defRPr sz="2600"/>
+            </a:lvl5pPr>
+            <a:lvl6pPr marL="3352716" indent="-304792" defTabSz="1219170" latinLnBrk="1">
+              <a:spcBef>
+                <a:spcPct val="20000"/>
+              </a:spcBef>
+              <a:buFont typeface="Arial" pitchFamily="34" charset="0"/>
+              <a:buChar char="•"/>
+              <a:defRPr sz="2667"/>
+            </a:lvl6pPr>
+            <a:lvl7pPr marL="3962301" indent="-304792" defTabSz="1219170" latinLnBrk="1">
+              <a:spcBef>
+                <a:spcPct val="20000"/>
+              </a:spcBef>
+              <a:buFont typeface="Arial" pitchFamily="34" charset="0"/>
+              <a:buChar char="•"/>
+              <a:defRPr sz="2667"/>
+            </a:lvl7pPr>
+            <a:lvl8pPr marL="4571886" indent="-304792" defTabSz="1219170" latinLnBrk="1">
+              <a:spcBef>
+                <a:spcPct val="20000"/>
+              </a:spcBef>
+              <a:buFont typeface="Arial" pitchFamily="34" charset="0"/>
+              <a:buChar char="•"/>
+              <a:defRPr sz="2667"/>
+            </a:lvl8pPr>
+            <a:lvl9pPr marL="5181470" indent="-304792" defTabSz="1219170" latinLnBrk="1">
+              <a:spcBef>
+                <a:spcPct val="20000"/>
+              </a:spcBef>
+              <a:buFont typeface="Arial" pitchFamily="34" charset="0"/>
+              <a:buChar char="•"/>
+              <a:defRPr sz="2667"/>
+            </a:lvl9pPr>
+          </a:lstStyle>
+          <a:p>
+            <a:pPr algn="ctr"/>
+            <a:r>
+              <a:rPr lang="en-US" noProof="1"/>
+              <a:t>app.js</a:t>
+            </a:r>
+          </a:p>
+        </p:txBody>
+      </p:sp>
+      <p:sp>
+        <p:nvSpPr>
+          <p:cNvPr id="41" name="Oval 40"/>
+          <p:cNvSpPr/>
+          <p:nvPr/>
+        </p:nvSpPr>
+        <p:spPr>
+          <a:xfrm>
+            <a:off x="1311092" y="1968907"/>
+            <a:ext cx="1193271" cy="421630"/>
+          </a:xfrm>
+          <a:prstGeom prst="ellipse">
+            <a:avLst/>
+          </a:prstGeom>
+          <a:noFill/>
+          <a:ln w="38100">
+            <a:solidFill>
+              <a:schemeClr val="accent1"/>
+            </a:solidFill>
+          </a:ln>
+        </p:spPr>
+        <p:style>
+          <a:lnRef idx="2">
+            <a:schemeClr val="accent1">
+              <a:shade val="50000"/>
+            </a:schemeClr>
+          </a:lnRef>
+          <a:fillRef idx="1">
+            <a:schemeClr val="accent1"/>
+          </a:fillRef>
+          <a:effectRef idx="0">
+            <a:schemeClr val="accent1"/>
+          </a:effectRef>
+          <a:fontRef idx="minor">
+            <a:schemeClr val="lt1"/>
+          </a:fontRef>
+        </p:style>
+        <p:txBody>
+          <a:bodyPr rtlCol="0" anchor="ctr"/>
+          <a:lstStyle/>
+          <a:p>
+            <a:pPr algn="ctr"/>
+            <a:endParaRPr lang="en-US" sz="2800">
+              <a:solidFill>
+                <a:schemeClr val="accent1">
+                  <a:lumMod val="75000"/>
+                </a:schemeClr>
+              </a:solidFill>
+            </a:endParaRPr>
+          </a:p>
+        </p:txBody>
+      </p:sp>
+      <p:sp>
+        <p:nvSpPr>
+          <p:cNvPr id="42" name="Freeform: Shape 41"/>
+          <p:cNvSpPr/>
+          <p:nvPr/>
+        </p:nvSpPr>
+        <p:spPr>
+          <a:xfrm>
+            <a:off x="2366715" y="1791275"/>
+            <a:ext cx="6622182" cy="2405340"/>
+          </a:xfrm>
+          <a:custGeom>
+            <a:avLst/>
+            <a:gdLst>
+              <a:gd name="connsiteX0" fmla="*/ 0 w 4618029"/>
+              <a:gd name="connsiteY0" fmla="*/ 3052689 h 3052689"/>
+              <a:gd name="connsiteX1" fmla="*/ 2236763 w 4618029"/>
+              <a:gd name="connsiteY1" fmla="*/ 379828 h 3052689"/>
+              <a:gd name="connsiteX2" fmla="*/ 4473526 w 4618029"/>
+              <a:gd name="connsiteY2" fmla="*/ 956603 h 3052689"/>
+              <a:gd name="connsiteX3" fmla="*/ 4403188 w 4618029"/>
+              <a:gd name="connsiteY3" fmla="*/ 309489 h 3052689"/>
+              <a:gd name="connsiteX4" fmla="*/ 4459459 w 4618029"/>
+              <a:gd name="connsiteY4" fmla="*/ 0 h 3052689"/>
+              <a:gd name="connsiteX0" fmla="*/ 0 w 4618029"/>
+              <a:gd name="connsiteY0" fmla="*/ 2750876 h 2750876"/>
+              <a:gd name="connsiteX1" fmla="*/ 2236763 w 4618029"/>
+              <a:gd name="connsiteY1" fmla="*/ 78015 h 2750876"/>
+              <a:gd name="connsiteX2" fmla="*/ 4473526 w 4618029"/>
+              <a:gd name="connsiteY2" fmla="*/ 654790 h 2750876"/>
+              <a:gd name="connsiteX3" fmla="*/ 4403188 w 4618029"/>
+              <a:gd name="connsiteY3" fmla="*/ 7676 h 2750876"/>
+              <a:gd name="connsiteX0" fmla="*/ 0 w 4473526"/>
+              <a:gd name="connsiteY0" fmla="*/ 2750876 h 2750876"/>
+              <a:gd name="connsiteX1" fmla="*/ 2236763 w 4473526"/>
+              <a:gd name="connsiteY1" fmla="*/ 78015 h 2750876"/>
+              <a:gd name="connsiteX2" fmla="*/ 4473526 w 4473526"/>
+              <a:gd name="connsiteY2" fmla="*/ 654790 h 2750876"/>
+              <a:gd name="connsiteX0" fmla="*/ 0 w 4473526"/>
+              <a:gd name="connsiteY0" fmla="*/ 3084601 h 3084601"/>
+              <a:gd name="connsiteX1" fmla="*/ 3010486 w 4473526"/>
+              <a:gd name="connsiteY1" fmla="*/ 60047 h 3084601"/>
+              <a:gd name="connsiteX2" fmla="*/ 4473526 w 4473526"/>
+              <a:gd name="connsiteY2" fmla="*/ 988515 h 3084601"/>
+              <a:gd name="connsiteX0" fmla="*/ 0 w 4473526"/>
+              <a:gd name="connsiteY0" fmla="*/ 3024918 h 3024918"/>
+              <a:gd name="connsiteX1" fmla="*/ 3010486 w 4473526"/>
+              <a:gd name="connsiteY1" fmla="*/ 364 h 3024918"/>
+              <a:gd name="connsiteX2" fmla="*/ 4473526 w 4473526"/>
+              <a:gd name="connsiteY2" fmla="*/ 928832 h 3024918"/>
+              <a:gd name="connsiteX0" fmla="*/ 0 w 4473526"/>
+              <a:gd name="connsiteY0" fmla="*/ 3024918 h 3024918"/>
+              <a:gd name="connsiteX1" fmla="*/ 3010486 w 4473526"/>
+              <a:gd name="connsiteY1" fmla="*/ 364 h 3024918"/>
+              <a:gd name="connsiteX2" fmla="*/ 4473526 w 4473526"/>
+              <a:gd name="connsiteY2" fmla="*/ 928832 h 3024918"/>
+              <a:gd name="connsiteX0" fmla="*/ 0 w 4473526"/>
+              <a:gd name="connsiteY0" fmla="*/ 3025724 h 3025724"/>
+              <a:gd name="connsiteX1" fmla="*/ 3010486 w 4473526"/>
+              <a:gd name="connsiteY1" fmla="*/ 1170 h 3025724"/>
+              <a:gd name="connsiteX2" fmla="*/ 4473526 w 4473526"/>
+              <a:gd name="connsiteY2" fmla="*/ 929638 h 3025724"/>
+              <a:gd name="connsiteX0" fmla="*/ 0 w 4473526"/>
+              <a:gd name="connsiteY0" fmla="*/ 3025724 h 3025724"/>
+              <a:gd name="connsiteX1" fmla="*/ 3010486 w 4473526"/>
+              <a:gd name="connsiteY1" fmla="*/ 1170 h 3025724"/>
+              <a:gd name="connsiteX2" fmla="*/ 4473526 w 4473526"/>
+              <a:gd name="connsiteY2" fmla="*/ 929638 h 3025724"/>
+              <a:gd name="connsiteX0" fmla="*/ 0 w 4881310"/>
+              <a:gd name="connsiteY0" fmla="*/ 662169 h 1708188"/>
+              <a:gd name="connsiteX1" fmla="*/ 3418270 w 4881310"/>
+              <a:gd name="connsiteY1" fmla="*/ 779720 h 1708188"/>
+              <a:gd name="connsiteX2" fmla="*/ 4881310 w 4881310"/>
+              <a:gd name="connsiteY2" fmla="*/ 1708188 h 1708188"/>
+              <a:gd name="connsiteX0" fmla="*/ 0 w 6371291"/>
+              <a:gd name="connsiteY0" fmla="*/ 829167 h 5715537"/>
+              <a:gd name="connsiteX1" fmla="*/ 3418270 w 6371291"/>
+              <a:gd name="connsiteY1" fmla="*/ 946718 h 5715537"/>
+              <a:gd name="connsiteX2" fmla="*/ 6371291 w 6371291"/>
+              <a:gd name="connsiteY2" fmla="*/ 5715537 h 5715537"/>
+              <a:gd name="connsiteX0" fmla="*/ 0 w 6371291"/>
+              <a:gd name="connsiteY0" fmla="*/ 829167 h 5715537"/>
+              <a:gd name="connsiteX1" fmla="*/ 3543743 w 6371291"/>
+              <a:gd name="connsiteY1" fmla="*/ 946717 h 5715537"/>
+              <a:gd name="connsiteX2" fmla="*/ 6371291 w 6371291"/>
+              <a:gd name="connsiteY2" fmla="*/ 5715537 h 5715537"/>
+              <a:gd name="connsiteX0" fmla="*/ 0 w 6371522"/>
+              <a:gd name="connsiteY0" fmla="*/ 829167 h 5715537"/>
+              <a:gd name="connsiteX1" fmla="*/ 3543743 w 6371522"/>
+              <a:gd name="connsiteY1" fmla="*/ 946717 h 5715537"/>
+              <a:gd name="connsiteX2" fmla="*/ 6371291 w 6371522"/>
+              <a:gd name="connsiteY2" fmla="*/ 5715537 h 5715537"/>
+              <a:gd name="connsiteX0" fmla="*/ 0 w 6371522"/>
+              <a:gd name="connsiteY0" fmla="*/ 566592 h 5452962"/>
+              <a:gd name="connsiteX1" fmla="*/ 3543743 w 6371522"/>
+              <a:gd name="connsiteY1" fmla="*/ 684142 h 5452962"/>
+              <a:gd name="connsiteX2" fmla="*/ 6371291 w 6371522"/>
+              <a:gd name="connsiteY2" fmla="*/ 5452962 h 5452962"/>
+            </a:gdLst>
+            <a:ahLst/>
+            <a:cxnLst>
+              <a:cxn ang="0">
+                <a:pos x="connsiteX0" y="connsiteY0"/>
+              </a:cxn>
+              <a:cxn ang="0">
+                <a:pos x="connsiteX1" y="connsiteY1"/>
+              </a:cxn>
+              <a:cxn ang="0">
+                <a:pos x="connsiteX2" y="connsiteY2"/>
+              </a:cxn>
+            </a:cxnLst>
+            <a:rect l="l" t="t" r="r" b="b"/>
+            <a:pathLst>
+              <a:path w="6371522" h="5452962">
+                <a:moveTo>
+                  <a:pt x="0" y="566592"/>
+                </a:moveTo>
+                <a:cubicBezTo>
+                  <a:pt x="1425807" y="-276232"/>
+                  <a:pt x="2481861" y="-130253"/>
+                  <a:pt x="3543743" y="684142"/>
+                </a:cubicBezTo>
+                <a:cubicBezTo>
+                  <a:pt x="4605625" y="1498537"/>
+                  <a:pt x="6394897" y="3749871"/>
+                  <a:pt x="6371291" y="5452962"/>
+                </a:cubicBezTo>
+              </a:path>
+            </a:pathLst>
+          </a:custGeom>
+          <a:noFill/>
+          <a:ln w="38100">
+            <a:solidFill>
+              <a:schemeClr val="accent1"/>
+            </a:solidFill>
+            <a:headEnd type="none" w="med" len="med"/>
+            <a:tailEnd type="triangle" w="lg" len="lg"/>
+          </a:ln>
+        </p:spPr>
+        <p:style>
+          <a:lnRef idx="2">
+            <a:schemeClr val="accent1">
+              <a:shade val="50000"/>
+            </a:schemeClr>
+          </a:lnRef>
+          <a:fillRef idx="1">
+            <a:schemeClr val="accent1"/>
+          </a:fillRef>
+          <a:effectRef idx="0">
+            <a:schemeClr val="accent1"/>
+          </a:effectRef>
+          <a:fontRef idx="minor">
+            <a:schemeClr val="lt1"/>
+          </a:fontRef>
+        </p:style>
+        <p:txBody>
+          <a:bodyPr rtlCol="0" anchor="ctr"/>
+          <a:lstStyle/>
+          <a:p>
+            <a:pPr algn="ctr"/>
+            <a:endParaRPr lang="en-US" dirty="0">
+              <a:solidFill>
+                <a:schemeClr val="accent1">
+                  <a:lumMod val="75000"/>
+                </a:schemeClr>
+              </a:solidFill>
+            </a:endParaRPr>
+          </a:p>
+        </p:txBody>
+      </p:sp>
+      <p:sp>
+        <p:nvSpPr>
+          <p:cNvPr id="43" name="Oval 42"/>
+          <p:cNvSpPr/>
+          <p:nvPr/>
+        </p:nvSpPr>
+        <p:spPr>
+          <a:xfrm>
+            <a:off x="2854627" y="5986294"/>
+            <a:ext cx="1851811" cy="557587"/>
+          </a:xfrm>
+          <a:prstGeom prst="ellipse">
+            <a:avLst/>
+          </a:prstGeom>
+          <a:noFill/>
+          <a:ln w="38100">
+            <a:solidFill>
+              <a:schemeClr val="accent1"/>
+            </a:solidFill>
+          </a:ln>
+        </p:spPr>
+        <p:style>
+          <a:lnRef idx="2">
+            <a:schemeClr val="accent1">
+              <a:shade val="50000"/>
+            </a:schemeClr>
+          </a:lnRef>
+          <a:fillRef idx="1">
+            <a:schemeClr val="accent1"/>
+          </a:fillRef>
+          <a:effectRef idx="0">
+            <a:schemeClr val="accent1"/>
+          </a:effectRef>
+          <a:fontRef idx="minor">
+            <a:schemeClr val="lt1"/>
+          </a:fontRef>
+        </p:style>
+        <p:txBody>
+          <a:bodyPr rtlCol="0" anchor="ctr"/>
+          <a:lstStyle/>
+          <a:p>
+            <a:pPr algn="ctr"/>
+            <a:endParaRPr lang="en-US" sz="2800">
+              <a:solidFill>
+                <a:schemeClr val="accent1"/>
+              </a:solidFill>
+            </a:endParaRPr>
+          </a:p>
+        </p:txBody>
+      </p:sp>
+      <p:sp>
+        <p:nvSpPr>
+          <p:cNvPr id="44" name="Freeform: Shape 43"/>
+          <p:cNvSpPr/>
+          <p:nvPr/>
+        </p:nvSpPr>
+        <p:spPr>
+          <a:xfrm>
+            <a:off x="3541440" y="2484311"/>
+            <a:ext cx="3753411" cy="3501983"/>
+          </a:xfrm>
+          <a:custGeom>
+            <a:avLst/>
+            <a:gdLst>
+              <a:gd name="connsiteX0" fmla="*/ 0 w 4618029"/>
+              <a:gd name="connsiteY0" fmla="*/ 3052689 h 3052689"/>
+              <a:gd name="connsiteX1" fmla="*/ 2236763 w 4618029"/>
+              <a:gd name="connsiteY1" fmla="*/ 379828 h 3052689"/>
+              <a:gd name="connsiteX2" fmla="*/ 4473526 w 4618029"/>
+              <a:gd name="connsiteY2" fmla="*/ 956603 h 3052689"/>
+              <a:gd name="connsiteX3" fmla="*/ 4403188 w 4618029"/>
+              <a:gd name="connsiteY3" fmla="*/ 309489 h 3052689"/>
+              <a:gd name="connsiteX4" fmla="*/ 4459459 w 4618029"/>
+              <a:gd name="connsiteY4" fmla="*/ 0 h 3052689"/>
+              <a:gd name="connsiteX0" fmla="*/ 0 w 4618029"/>
+              <a:gd name="connsiteY0" fmla="*/ 2750876 h 2750876"/>
+              <a:gd name="connsiteX1" fmla="*/ 2236763 w 4618029"/>
+              <a:gd name="connsiteY1" fmla="*/ 78015 h 2750876"/>
+              <a:gd name="connsiteX2" fmla="*/ 4473526 w 4618029"/>
+              <a:gd name="connsiteY2" fmla="*/ 654790 h 2750876"/>
+              <a:gd name="connsiteX3" fmla="*/ 4403188 w 4618029"/>
+              <a:gd name="connsiteY3" fmla="*/ 7676 h 2750876"/>
+              <a:gd name="connsiteX0" fmla="*/ 0 w 4473526"/>
+              <a:gd name="connsiteY0" fmla="*/ 2750876 h 2750876"/>
+              <a:gd name="connsiteX1" fmla="*/ 2236763 w 4473526"/>
+              <a:gd name="connsiteY1" fmla="*/ 78015 h 2750876"/>
+              <a:gd name="connsiteX2" fmla="*/ 4473526 w 4473526"/>
+              <a:gd name="connsiteY2" fmla="*/ 654790 h 2750876"/>
+              <a:gd name="connsiteX0" fmla="*/ 0 w 4473526"/>
+              <a:gd name="connsiteY0" fmla="*/ 3084601 h 3084601"/>
+              <a:gd name="connsiteX1" fmla="*/ 3010486 w 4473526"/>
+              <a:gd name="connsiteY1" fmla="*/ 60047 h 3084601"/>
+              <a:gd name="connsiteX2" fmla="*/ 4473526 w 4473526"/>
+              <a:gd name="connsiteY2" fmla="*/ 988515 h 3084601"/>
+              <a:gd name="connsiteX0" fmla="*/ 0 w 4473526"/>
+              <a:gd name="connsiteY0" fmla="*/ 3024918 h 3024918"/>
+              <a:gd name="connsiteX1" fmla="*/ 3010486 w 4473526"/>
+              <a:gd name="connsiteY1" fmla="*/ 364 h 3024918"/>
+              <a:gd name="connsiteX2" fmla="*/ 4473526 w 4473526"/>
+              <a:gd name="connsiteY2" fmla="*/ 928832 h 3024918"/>
+              <a:gd name="connsiteX0" fmla="*/ 0 w 4473526"/>
+              <a:gd name="connsiteY0" fmla="*/ 3024918 h 3024918"/>
+              <a:gd name="connsiteX1" fmla="*/ 3010486 w 4473526"/>
+              <a:gd name="connsiteY1" fmla="*/ 364 h 3024918"/>
+              <a:gd name="connsiteX2" fmla="*/ 4473526 w 4473526"/>
+              <a:gd name="connsiteY2" fmla="*/ 928832 h 3024918"/>
+              <a:gd name="connsiteX0" fmla="*/ 0 w 4473526"/>
+              <a:gd name="connsiteY0" fmla="*/ 3025724 h 3025724"/>
+              <a:gd name="connsiteX1" fmla="*/ 3010486 w 4473526"/>
+              <a:gd name="connsiteY1" fmla="*/ 1170 h 3025724"/>
+              <a:gd name="connsiteX2" fmla="*/ 4473526 w 4473526"/>
+              <a:gd name="connsiteY2" fmla="*/ 929638 h 3025724"/>
+              <a:gd name="connsiteX0" fmla="*/ 0 w 4473526"/>
+              <a:gd name="connsiteY0" fmla="*/ 3025724 h 3025724"/>
+              <a:gd name="connsiteX1" fmla="*/ 3010486 w 4473526"/>
+              <a:gd name="connsiteY1" fmla="*/ 1170 h 3025724"/>
+              <a:gd name="connsiteX2" fmla="*/ 4473526 w 4473526"/>
+              <a:gd name="connsiteY2" fmla="*/ 929638 h 3025724"/>
+              <a:gd name="connsiteX0" fmla="*/ 0 w 4881310"/>
+              <a:gd name="connsiteY0" fmla="*/ 662169 h 1708188"/>
+              <a:gd name="connsiteX1" fmla="*/ 3418270 w 4881310"/>
+              <a:gd name="connsiteY1" fmla="*/ 779720 h 1708188"/>
+              <a:gd name="connsiteX2" fmla="*/ 4881310 w 4881310"/>
+              <a:gd name="connsiteY2" fmla="*/ 1708188 h 1708188"/>
+              <a:gd name="connsiteX0" fmla="*/ 0 w 6371291"/>
+              <a:gd name="connsiteY0" fmla="*/ 829167 h 5715537"/>
+              <a:gd name="connsiteX1" fmla="*/ 3418270 w 6371291"/>
+              <a:gd name="connsiteY1" fmla="*/ 946718 h 5715537"/>
+              <a:gd name="connsiteX2" fmla="*/ 6371291 w 6371291"/>
+              <a:gd name="connsiteY2" fmla="*/ 5715537 h 5715537"/>
+              <a:gd name="connsiteX0" fmla="*/ 0 w 6371291"/>
+              <a:gd name="connsiteY0" fmla="*/ 829167 h 5715537"/>
+              <a:gd name="connsiteX1" fmla="*/ 3543743 w 6371291"/>
+              <a:gd name="connsiteY1" fmla="*/ 946717 h 5715537"/>
+              <a:gd name="connsiteX2" fmla="*/ 6371291 w 6371291"/>
+              <a:gd name="connsiteY2" fmla="*/ 5715537 h 5715537"/>
+              <a:gd name="connsiteX0" fmla="*/ 0 w 6371522"/>
+              <a:gd name="connsiteY0" fmla="*/ 829167 h 5715537"/>
+              <a:gd name="connsiteX1" fmla="*/ 3543743 w 6371522"/>
+              <a:gd name="connsiteY1" fmla="*/ 946717 h 5715537"/>
+              <a:gd name="connsiteX2" fmla="*/ 6371291 w 6371522"/>
+              <a:gd name="connsiteY2" fmla="*/ 5715537 h 5715537"/>
+              <a:gd name="connsiteX0" fmla="*/ 0 w 6371522"/>
+              <a:gd name="connsiteY0" fmla="*/ 566592 h 5452962"/>
+              <a:gd name="connsiteX1" fmla="*/ 3543743 w 6371522"/>
+              <a:gd name="connsiteY1" fmla="*/ 684142 h 5452962"/>
+              <a:gd name="connsiteX2" fmla="*/ 6371291 w 6371522"/>
+              <a:gd name="connsiteY2" fmla="*/ 5452962 h 5452962"/>
+              <a:gd name="connsiteX0" fmla="*/ 0 w 3485616"/>
+              <a:gd name="connsiteY0" fmla="*/ 10349573 h 10349574"/>
+              <a:gd name="connsiteX1" fmla="*/ 657886 w 3485616"/>
+              <a:gd name="connsiteY1" fmla="*/ 133090 h 10349574"/>
+              <a:gd name="connsiteX2" fmla="*/ 3485434 w 3485616"/>
+              <a:gd name="connsiteY2" fmla="*/ 4901910 h 10349574"/>
+              <a:gd name="connsiteX0" fmla="*/ 14249 w 3499865"/>
+              <a:gd name="connsiteY0" fmla="*/ 10349573 h 10349574"/>
+              <a:gd name="connsiteX1" fmla="*/ 672135 w 3499865"/>
+              <a:gd name="connsiteY1" fmla="*/ 133090 h 10349574"/>
+              <a:gd name="connsiteX2" fmla="*/ 3499683 w 3499865"/>
+              <a:gd name="connsiteY2" fmla="*/ 4901910 h 10349574"/>
+              <a:gd name="connsiteX0" fmla="*/ 5872 w 3491519"/>
+              <a:gd name="connsiteY0" fmla="*/ 6629202 h 6629203"/>
+              <a:gd name="connsiteX1" fmla="*/ 993123 w 3491519"/>
+              <a:gd name="connsiteY1" fmla="*/ 776756 h 6629203"/>
+              <a:gd name="connsiteX2" fmla="*/ 3491306 w 3491519"/>
+              <a:gd name="connsiteY2" fmla="*/ 1181539 h 6629203"/>
+              <a:gd name="connsiteX0" fmla="*/ 9992 w 3495668"/>
+              <a:gd name="connsiteY0" fmla="*/ 6919687 h 6919688"/>
+              <a:gd name="connsiteX1" fmla="*/ 997243 w 3495668"/>
+              <a:gd name="connsiteY1" fmla="*/ 1067241 h 6919688"/>
+              <a:gd name="connsiteX2" fmla="*/ 3495426 w 3495668"/>
+              <a:gd name="connsiteY2" fmla="*/ 1472024 h 6919688"/>
+            </a:gdLst>
+            <a:ahLst/>
+            <a:cxnLst>
+              <a:cxn ang="0">
+                <a:pos x="connsiteX0" y="connsiteY0"/>
+              </a:cxn>
+              <a:cxn ang="0">
+                <a:pos x="connsiteX1" y="connsiteY1"/>
+              </a:cxn>
+              <a:cxn ang="0">
+                <a:pos x="connsiteX2" y="connsiteY2"/>
+              </a:cxn>
+            </a:cxnLst>
+            <a:rect l="l" t="t" r="r" b="b"/>
+            <a:pathLst>
+              <a:path w="3495668" h="6919688">
+                <a:moveTo>
+                  <a:pt x="9992" y="6919687"/>
+                </a:moveTo>
+                <a:cubicBezTo>
+                  <a:pt x="-54183" y="5518267"/>
+                  <a:pt x="181078" y="2708341"/>
+                  <a:pt x="997243" y="1067241"/>
+                </a:cubicBezTo>
+                <a:cubicBezTo>
+                  <a:pt x="1813408" y="-573859"/>
+                  <a:pt x="3519032" y="-231067"/>
+                  <a:pt x="3495426" y="1472024"/>
+                </a:cubicBezTo>
+              </a:path>
+            </a:pathLst>
+          </a:custGeom>
+          <a:noFill/>
+          <a:ln w="38100">
+            <a:solidFill>
+              <a:schemeClr val="accent1"/>
+            </a:solidFill>
+            <a:headEnd type="none" w="med" len="med"/>
+            <a:tailEnd type="triangle" w="lg" len="lg"/>
+          </a:ln>
+        </p:spPr>
+        <p:style>
+          <a:lnRef idx="2">
+            <a:schemeClr val="accent1">
+              <a:shade val="50000"/>
+            </a:schemeClr>
+          </a:lnRef>
+          <a:fillRef idx="1">
+            <a:schemeClr val="accent1"/>
+          </a:fillRef>
+          <a:effectRef idx="0">
+            <a:schemeClr val="accent1"/>
+          </a:effectRef>
+          <a:fontRef idx="minor">
+            <a:schemeClr val="lt1"/>
+          </a:fontRef>
+        </p:style>
+        <p:txBody>
+          <a:bodyPr rtlCol="0" anchor="ctr"/>
+          <a:lstStyle/>
+          <a:p>
+            <a:pPr algn="ctr"/>
+            <a:endParaRPr lang="en-US" dirty="0">
+              <a:solidFill>
+                <a:schemeClr val="accent1">
+                  <a:lumMod val="75000"/>
+                </a:schemeClr>
+              </a:solidFill>
+            </a:endParaRPr>
+          </a:p>
+        </p:txBody>
+      </p:sp>
+      <p:sp>
+        <p:nvSpPr>
+          <p:cNvPr id="46" name="Rectangle 3"/>
+          <p:cNvSpPr>
+            <a:spLocks noChangeArrowheads="1"/>
+          </p:cNvSpPr>
+          <p:nvPr/>
+        </p:nvSpPr>
+        <p:spPr bwMode="auto">
+          <a:xfrm>
+            <a:off x="6711445" y="3222631"/>
+            <a:ext cx="1166812" cy="405377"/>
+          </a:xfrm>
+          <a:prstGeom prst="rect">
+            <a:avLst/>
+          </a:prstGeom>
+          <a:solidFill>
+            <a:schemeClr val="tx1">
+              <a:lumMod val="40000"/>
+              <a:lumOff val="60000"/>
+              <a:alpha val="41000"/>
+            </a:schemeClr>
+          </a:solidFill>
+          <a:ln w="12700">
+            <a:solidFill>
+              <a:schemeClr val="accent5">
+                <a:lumMod val="75000"/>
+              </a:schemeClr>
+            </a:solidFill>
+          </a:ln>
+        </p:spPr>
+        <p:txBody>
+          <a:bodyPr wrap="square" lIns="108000" tIns="72000" rIns="108000" bIns="72000">
+            <a:spAutoFit/>
+          </a:bodyPr>
+          <a:lstStyle/>
+          <a:p>
+            <a:pPr eaLnBrk="0" hangingPunct="0">
+              <a:lnSpc>
+                <a:spcPct val="105000"/>
+              </a:lnSpc>
+              <a:buClr>
+                <a:schemeClr val="accent5">
+                  <a:lumMod val="40000"/>
+                  <a:lumOff val="60000"/>
+                </a:schemeClr>
+              </a:buClr>
+              <a:buSzPct val="70000"/>
+            </a:pPr>
+            <a:endParaRPr lang="en-US" sz="2800" b="1" noProof="1">
+              <a:solidFill>
+                <a:schemeClr val="tx2">
+                  <a:lumMod val="75000"/>
+                </a:schemeClr>
+              </a:solidFill>
+              <a:effectLst>
+                <a:outerShdw blurRad="38100" dist="38100" dir="2700000" algn="tl">
+                  <a:srgbClr val="000000">
+                    <a:alpha val="43137"/>
+                  </a:srgbClr>
+                </a:outerShdw>
+              </a:effectLst>
+              <a:latin typeface="Consolas" pitchFamily="49" charset="0"/>
+              <a:cs typeface="Consolas" pitchFamily="49" charset="0"/>
+            </a:endParaRPr>
+          </a:p>
+        </p:txBody>
+      </p:sp>
+      <p:sp>
+        <p:nvSpPr>
+          <p:cNvPr id="4" name="Slide Title"/>
+          <p:cNvSpPr>
+            <a:spLocks noGrp="1"/>
+          </p:cNvSpPr>
+          <p:nvPr>
+            <p:ph type="title"/>
+          </p:nvPr>
+        </p:nvSpPr>
+        <p:spPr/>
+        <p:txBody>
+          <a:bodyPr/>
+          <a:lstStyle/>
+          <a:p>
+            <a:r>
+              <a:rPr lang="en-US" dirty="0"/>
+              <a:t>Screen Elements (2)</a:t>
+            </a:r>
+          </a:p>
+        </p:txBody>
+      </p:sp>
+    </p:spTree>
+    <p:extLst>
+      <p:ext uri="{BB962C8B-B14F-4D97-AF65-F5344CB8AC3E}">
+        <p14:creationId xmlns:p14="http://schemas.microsoft.com/office/powerpoint/2010/main" val="3901867048"/>
+      </p:ext>
+    </p:extLst>
+  </p:cSld>
+  <p:clrMapOvr>
+    <a:masterClrMapping/>
+  </p:clrMapOvr>
+  <mc:AlternateContent xmlns:mc="http://schemas.openxmlformats.org/markup-compatibility/2006" xmlns:p14="http://schemas.microsoft.com/office/powerpoint/2010/main">
+    <mc:Choice Requires="p14">
+      <p:transition spd="slow" p14:dur="2000" advClick="0" advTm="5000"/>
+    </mc:Choice>
+    <mc:Fallback xmlns="">
+      <p:transition spd="slow" advClick="0" advTm="5000"/>
+    </mc:Fallback>
+  </mc:AlternateContent>
+  <p:timing>
+    <p:tnLst>
+      <p:par>
+        <p:cTn id="1" dur="indefinite" restart="never" nodeType="tmRoot">
+          <p:childTnLst>
+            <p:seq concurrent="1" nextAc="seek">
+              <p:cTn id="2" dur="indefinite" nodeType="mainSeq">
+                <p:childTnLst>
+                  <p:par>
+                    <p:cTn id="3" fill="hold">
+                      <p:stCondLst>
+                        <p:cond delay="indefinite"/>
+                      </p:stCondLst>
+                      <p:childTnLst>
+                        <p:par>
+                          <p:cTn id="4" fill="hold">
+                            <p:stCondLst>
+                              <p:cond delay="0"/>
+                            </p:stCondLst>
+                            <p:childTnLst>
+                              <p:par>
+                                <p:cTn id="5" presetID="21" presetClass="entr" presetSubtype="1" fill="hold" grpId="0" nodeType="clickEffect">
+                                  <p:stCondLst>
+                                    <p:cond delay="0"/>
+                                  </p:stCondLst>
+                                  <p:childTnLst>
+                                    <p:set>
+                                      <p:cBhvr>
+                                        <p:cTn id="6" dur="1" fill="hold">
+                                          <p:stCondLst>
+                                            <p:cond delay="0"/>
+                                          </p:stCondLst>
+                                        </p:cTn>
+                                        <p:tgtEl>
+                                          <p:spTgt spid="41"/>
+                                        </p:tgtEl>
+                                        <p:attrNameLst>
+                                          <p:attrName>style.visibility</p:attrName>
+                                        </p:attrNameLst>
+                                      </p:cBhvr>
+                                      <p:to>
+                                        <p:strVal val="visible"/>
+                                      </p:to>
+                                    </p:set>
+                                    <p:animEffect transition="in" filter="wheel(1)">
+                                      <p:cBhvr>
+                                        <p:cTn id="7" dur="500"/>
+                                        <p:tgtEl>
+                                          <p:spTgt spid="41"/>
+                                        </p:tgtEl>
+                                      </p:cBhvr>
+                                    </p:animEffect>
+                                  </p:childTnLst>
+                                </p:cTn>
+                              </p:par>
+                            </p:childTnLst>
+                          </p:cTn>
+                        </p:par>
+                        <p:par>
+                          <p:cTn id="8" fill="hold">
+                            <p:stCondLst>
+                              <p:cond delay="500"/>
+                            </p:stCondLst>
+                            <p:childTnLst>
+                              <p:par>
+                                <p:cTn id="9" presetID="22" presetClass="entr" presetSubtype="8" fill="hold" grpId="0" nodeType="afterEffect">
+                                  <p:stCondLst>
+                                    <p:cond delay="0"/>
+                                  </p:stCondLst>
+                                  <p:childTnLst>
+                                    <p:set>
+                                      <p:cBhvr>
+                                        <p:cTn id="10" dur="1" fill="hold">
+                                          <p:stCondLst>
+                                            <p:cond delay="0"/>
+                                          </p:stCondLst>
+                                        </p:cTn>
+                                        <p:tgtEl>
+                                          <p:spTgt spid="42"/>
+                                        </p:tgtEl>
+                                        <p:attrNameLst>
+                                          <p:attrName>style.visibility</p:attrName>
+                                        </p:attrNameLst>
+                                      </p:cBhvr>
+                                      <p:to>
+                                        <p:strVal val="visible"/>
+                                      </p:to>
+                                    </p:set>
+                                    <p:animEffect transition="in" filter="wipe(left)">
+                                      <p:cBhvr>
+                                        <p:cTn id="11" dur="500"/>
+                                        <p:tgtEl>
+                                          <p:spTgt spid="42"/>
+                                        </p:tgtEl>
+                                      </p:cBhvr>
+                                    </p:animEffect>
+                                  </p:childTnLst>
+                                </p:cTn>
+                              </p:par>
+                            </p:childTnLst>
+                          </p:cTn>
+                        </p:par>
+                      </p:childTnLst>
+                    </p:cTn>
+                  </p:par>
+                  <p:par>
+                    <p:cTn id="12" fill="hold">
+                      <p:stCondLst>
+                        <p:cond delay="indefinite"/>
+                      </p:stCondLst>
+                      <p:childTnLst>
+                        <p:par>
+                          <p:cTn id="13" fill="hold">
+                            <p:stCondLst>
+                              <p:cond delay="0"/>
+                            </p:stCondLst>
+                            <p:childTnLst>
+                              <p:par>
+                                <p:cTn id="14" presetID="10" presetClass="entr" presetSubtype="0" fill="hold" nodeType="clickEffect">
+                                  <p:stCondLst>
+                                    <p:cond delay="0"/>
+                                  </p:stCondLst>
+                                  <p:childTnLst>
+                                    <p:set>
+                                      <p:cBhvr>
+                                        <p:cTn id="15" dur="1" fill="hold">
+                                          <p:stCondLst>
+                                            <p:cond delay="0"/>
+                                          </p:stCondLst>
+                                        </p:cTn>
+                                        <p:tgtEl>
+                                          <p:spTgt spid="22">
+                                            <p:txEl>
+                                              <p:pRg st="8" end="8"/>
+                                            </p:txEl>
+                                          </p:spTgt>
+                                        </p:tgtEl>
+                                        <p:attrNameLst>
+                                          <p:attrName>style.visibility</p:attrName>
+                                        </p:attrNameLst>
+                                      </p:cBhvr>
+                                      <p:to>
+                                        <p:strVal val="visible"/>
+                                      </p:to>
+                                    </p:set>
+                                    <p:animEffect transition="in" filter="fade">
+                                      <p:cBhvr>
+                                        <p:cTn id="16" dur="500"/>
+                                        <p:tgtEl>
+                                          <p:spTgt spid="22">
+                                            <p:txEl>
+                                              <p:pRg st="8" end="8"/>
+                                            </p:txEl>
+                                          </p:spTgt>
+                                        </p:tgtEl>
+                                      </p:cBhvr>
+                                    </p:animEffect>
+                                  </p:childTnLst>
+                                </p:cTn>
+                              </p:par>
+                              <p:par>
+                                <p:cTn id="17" presetID="10" presetClass="entr" presetSubtype="0" fill="hold" nodeType="withEffect">
+                                  <p:stCondLst>
+                                    <p:cond delay="0"/>
+                                  </p:stCondLst>
+                                  <p:childTnLst>
+                                    <p:set>
+                                      <p:cBhvr>
+                                        <p:cTn id="18" dur="1" fill="hold">
+                                          <p:stCondLst>
+                                            <p:cond delay="0"/>
+                                          </p:stCondLst>
+                                        </p:cTn>
+                                        <p:tgtEl>
+                                          <p:spTgt spid="30">
+                                            <p:txEl>
+                                              <p:pRg st="0" end="0"/>
+                                            </p:txEl>
+                                          </p:spTgt>
+                                        </p:tgtEl>
+                                        <p:attrNameLst>
+                                          <p:attrName>style.visibility</p:attrName>
+                                        </p:attrNameLst>
+                                      </p:cBhvr>
+                                      <p:to>
+                                        <p:strVal val="visible"/>
+                                      </p:to>
+                                    </p:set>
+                                    <p:animEffect transition="in" filter="fade">
+                                      <p:cBhvr>
+                                        <p:cTn id="19" dur="500"/>
+                                        <p:tgtEl>
+                                          <p:spTgt spid="30">
+                                            <p:txEl>
+                                              <p:pRg st="0" end="0"/>
+                                            </p:txEl>
+                                          </p:spTgt>
+                                        </p:tgtEl>
+                                      </p:cBhvr>
+                                    </p:animEffect>
+                                  </p:childTnLst>
+                                </p:cTn>
+                              </p:par>
+                              <p:par>
+                                <p:cTn id="20" presetID="10" presetClass="exit" presetSubtype="0" fill="hold" grpId="1" nodeType="withEffect">
+                                  <p:stCondLst>
+                                    <p:cond delay="0"/>
+                                  </p:stCondLst>
+                                  <p:childTnLst>
+                                    <p:animEffect transition="out" filter="fade">
+                                      <p:cBhvr>
+                                        <p:cTn id="21" dur="500"/>
+                                        <p:tgtEl>
+                                          <p:spTgt spid="41"/>
+                                        </p:tgtEl>
+                                      </p:cBhvr>
+                                    </p:animEffect>
+                                    <p:set>
+                                      <p:cBhvr>
+                                        <p:cTn id="22" dur="1" fill="hold">
+                                          <p:stCondLst>
+                                            <p:cond delay="499"/>
+                                          </p:stCondLst>
+                                        </p:cTn>
+                                        <p:tgtEl>
+                                          <p:spTgt spid="41"/>
+                                        </p:tgtEl>
+                                        <p:attrNameLst>
+                                          <p:attrName>style.visibility</p:attrName>
+                                        </p:attrNameLst>
+                                      </p:cBhvr>
+                                      <p:to>
+                                        <p:strVal val="hidden"/>
+                                      </p:to>
+                                    </p:set>
+                                  </p:childTnLst>
+                                </p:cTn>
+                              </p:par>
+                              <p:par>
+                                <p:cTn id="23" presetID="10" presetClass="exit" presetSubtype="0" fill="hold" grpId="1" nodeType="withEffect">
+                                  <p:stCondLst>
+                                    <p:cond delay="0"/>
+                                  </p:stCondLst>
+                                  <p:childTnLst>
+                                    <p:animEffect transition="out" filter="fade">
+                                      <p:cBhvr>
+                                        <p:cTn id="24" dur="500"/>
+                                        <p:tgtEl>
+                                          <p:spTgt spid="42"/>
+                                        </p:tgtEl>
+                                      </p:cBhvr>
+                                    </p:animEffect>
+                                    <p:set>
+                                      <p:cBhvr>
+                                        <p:cTn id="25" dur="1" fill="hold">
+                                          <p:stCondLst>
+                                            <p:cond delay="499"/>
+                                          </p:stCondLst>
+                                        </p:cTn>
+                                        <p:tgtEl>
+                                          <p:spTgt spid="42"/>
+                                        </p:tgtEl>
+                                        <p:attrNameLst>
+                                          <p:attrName>style.visibility</p:attrName>
+                                        </p:attrNameLst>
+                                      </p:cBhvr>
+                                      <p:to>
+                                        <p:strVal val="hidden"/>
+                                      </p:to>
+                                    </p:set>
+                                  </p:childTnLst>
+                                </p:cTn>
+                              </p:par>
+                            </p:childTnLst>
+                          </p:cTn>
+                        </p:par>
+                        <p:par>
+                          <p:cTn id="26" fill="hold">
+                            <p:stCondLst>
+                              <p:cond delay="500"/>
+                            </p:stCondLst>
+                            <p:childTnLst>
+                              <p:par>
+                                <p:cTn id="27" presetID="21" presetClass="entr" presetSubtype="1" fill="hold" grpId="0" nodeType="afterEffect">
+                                  <p:stCondLst>
+                                    <p:cond delay="0"/>
+                                  </p:stCondLst>
+                                  <p:childTnLst>
+                                    <p:set>
+                                      <p:cBhvr>
+                                        <p:cTn id="28" dur="1" fill="hold">
+                                          <p:stCondLst>
+                                            <p:cond delay="0"/>
+                                          </p:stCondLst>
+                                        </p:cTn>
+                                        <p:tgtEl>
+                                          <p:spTgt spid="43"/>
+                                        </p:tgtEl>
+                                        <p:attrNameLst>
+                                          <p:attrName>style.visibility</p:attrName>
+                                        </p:attrNameLst>
+                                      </p:cBhvr>
+                                      <p:to>
+                                        <p:strVal val="visible"/>
+                                      </p:to>
+                                    </p:set>
+                                    <p:animEffect transition="in" filter="wheel(1)">
+                                      <p:cBhvr>
+                                        <p:cTn id="29" dur="500"/>
+                                        <p:tgtEl>
+                                          <p:spTgt spid="43"/>
+                                        </p:tgtEl>
+                                      </p:cBhvr>
+                                    </p:animEffect>
+                                  </p:childTnLst>
+                                </p:cTn>
+                              </p:par>
+                            </p:childTnLst>
+                          </p:cTn>
+                        </p:par>
+                        <p:par>
+                          <p:cTn id="30" fill="hold">
+                            <p:stCondLst>
+                              <p:cond delay="1000"/>
+                            </p:stCondLst>
+                            <p:childTnLst>
+                              <p:par>
+                                <p:cTn id="31" presetID="22" presetClass="entr" presetSubtype="8" fill="hold" grpId="0" nodeType="afterEffect">
+                                  <p:stCondLst>
+                                    <p:cond delay="0"/>
+                                  </p:stCondLst>
+                                  <p:childTnLst>
+                                    <p:set>
+                                      <p:cBhvr>
+                                        <p:cTn id="32" dur="1" fill="hold">
+                                          <p:stCondLst>
+                                            <p:cond delay="0"/>
+                                          </p:stCondLst>
+                                        </p:cTn>
+                                        <p:tgtEl>
+                                          <p:spTgt spid="44"/>
+                                        </p:tgtEl>
+                                        <p:attrNameLst>
+                                          <p:attrName>style.visibility</p:attrName>
+                                        </p:attrNameLst>
+                                      </p:cBhvr>
+                                      <p:to>
+                                        <p:strVal val="visible"/>
+                                      </p:to>
+                                    </p:set>
+                                    <p:animEffect transition="in" filter="wipe(left)">
+                                      <p:cBhvr>
+                                        <p:cTn id="33" dur="500"/>
+                                        <p:tgtEl>
+                                          <p:spTgt spid="44"/>
+                                        </p:tgtEl>
+                                      </p:cBhvr>
+                                    </p:animEffect>
+                                  </p:childTnLst>
+                                </p:cTn>
+                              </p:par>
+                              <p:par>
+                                <p:cTn id="34" presetID="10" presetClass="entr" presetSubtype="0" fill="hold" grpId="0" nodeType="withEffect">
+                                  <p:stCondLst>
+                                    <p:cond delay="0"/>
+                                  </p:stCondLst>
+                                  <p:childTnLst>
+                                    <p:set>
+                                      <p:cBhvr>
+                                        <p:cTn id="35" dur="1" fill="hold">
+                                          <p:stCondLst>
+                                            <p:cond delay="0"/>
+                                          </p:stCondLst>
+                                        </p:cTn>
+                                        <p:tgtEl>
+                                          <p:spTgt spid="46"/>
+                                        </p:tgtEl>
+                                        <p:attrNameLst>
+                                          <p:attrName>style.visibility</p:attrName>
+                                        </p:attrNameLst>
+                                      </p:cBhvr>
+                                      <p:to>
+                                        <p:strVal val="visible"/>
+                                      </p:to>
+                                    </p:set>
+                                    <p:animEffect transition="in" filter="fade">
+                                      <p:cBhvr>
+                                        <p:cTn id="36" dur="500"/>
+                                        <p:tgtEl>
+                                          <p:spTgt spid="46"/>
+                                        </p:tgtEl>
+                                      </p:cBhvr>
+                                    </p:animEffect>
+                                  </p:childTnLst>
+                                </p:cTn>
+                              </p:par>
+                            </p:childTnLst>
+                          </p:cTn>
+                        </p:par>
+                        <p:par>
+                          <p:cTn id="37" fill="hold">
+                            <p:stCondLst>
+                              <p:cond delay="1500"/>
+                            </p:stCondLst>
+                            <p:childTnLst>
+                              <p:par>
+                                <p:cTn id="38" presetID="10" presetClass="exit" presetSubtype="0" fill="hold" grpId="1" nodeType="afterEffect">
+                                  <p:stCondLst>
+                                    <p:cond delay="0"/>
+                                  </p:stCondLst>
+                                  <p:childTnLst>
+                                    <p:animEffect transition="out" filter="fade">
+                                      <p:cBhvr>
+                                        <p:cTn id="39" dur="500"/>
+                                        <p:tgtEl>
+                                          <p:spTgt spid="46"/>
+                                        </p:tgtEl>
+                                      </p:cBhvr>
+                                    </p:animEffect>
+                                    <p:set>
+                                      <p:cBhvr>
+                                        <p:cTn id="40" dur="1" fill="hold">
+                                          <p:stCondLst>
+                                            <p:cond delay="499"/>
+                                          </p:stCondLst>
+                                        </p:cTn>
+                                        <p:tgtEl>
+                                          <p:spTgt spid="46"/>
+                                        </p:tgtEl>
+                                        <p:attrNameLst>
+                                          <p:attrName>style.visibility</p:attrName>
+                                        </p:attrNameLst>
+                                      </p:cBhvr>
+                                      <p:to>
+                                        <p:strVal val="hidden"/>
+                                      </p:to>
+                                    </p:set>
+                                  </p:childTnLst>
+                                </p:cTn>
+                              </p:par>
+                            </p:childTnLst>
+                          </p:cTn>
+                        </p:par>
+                      </p:childTnLst>
+                    </p:cTn>
+                  </p:par>
+                </p:childTnLst>
+              </p:cTn>
+              <p:prevCondLst>
+                <p:cond evt="onPrev" delay="0">
+                  <p:tgtEl>
+                    <p:sldTgt/>
+                  </p:tgtEl>
+                </p:cond>
+              </p:prevCondLst>
+              <p:nextCondLst>
+                <p:cond evt="onNext" delay="0">
+                  <p:tgtEl>
+                    <p:sldTgt/>
+                  </p:tgtEl>
+                </p:cond>
+              </p:nextCondLst>
+            </p:seq>
+          </p:childTnLst>
+        </p:cTn>
+      </p:par>
+    </p:tnLst>
+    <p:bldLst>
+      <p:bldP spid="41" grpId="0" animBg="1"/>
+      <p:bldP spid="41" grpId="1" animBg="1"/>
+      <p:bldP spid="42" grpId="0" animBg="1"/>
+      <p:bldP spid="42" grpId="1" animBg="1"/>
+      <p:bldP spid="43" grpId="0" animBg="1"/>
+      <p:bldP spid="44" grpId="0" animBg="1"/>
+      <p:bldP spid="46" grpId="0" animBg="1"/>
+      <p:bldP spid="46" grpId="1" animBg="1"/>
+    </p:bldLst>
+  </p:timing>
 </p:sld>
 </file>
 

--- a/Document-Templates/SoftUni-International-PowerPoint-Template-July-2020.pptx
+++ b/Document-Templates/SoftUni-International-PowerPoint-Template-July-2020.pptx
@@ -287,7 +287,7 @@
           <a:p>
             <a:fld id="{4E087215-0C8F-4762-A664-737A353EC9A4}" type="datetimeFigureOut">
               <a:rPr lang="bg-BG" smtClean="0"/>
-              <a:t>12.11.2020 г.</a:t>
+              <a:t>25.8.2023 г.</a:t>
             </a:fld>
             <a:endParaRPr lang="bg-BG"/>
           </a:p>
@@ -478,7 +478,7 @@
           <a:p>
             <a:fld id="{72D84649-876A-46C9-8472-14CB09C070D8}" type="datetimeFigureOut">
               <a:rPr lang="en-US" smtClean="0"/>
-              <a:t>12-Nov-20</a:t>
+              <a:t>25-Aug-23</a:t>
             </a:fld>
             <a:endParaRPr lang="en-US"/>
           </a:p>
@@ -12620,6 +12620,49 @@
           </a:p>
         </p:txBody>
       </p:sp>
+      <p:pic>
+        <p:nvPicPr>
+          <p:cNvPr id="5" name="Picture Placeholder 5" descr="A person using a computer&#10;&#10;Description automatically generated">
+            <a:extLst>
+              <a:ext uri="{FF2B5EF4-FFF2-40B4-BE49-F238E27FC236}">
+                <a16:creationId xmlns:a16="http://schemas.microsoft.com/office/drawing/2014/main" id="{4C57C82A-A320-704B-DA73-93712D8DC454}"/>
+              </a:ext>
+            </a:extLst>
+          </p:cNvPr>
+          <p:cNvPicPr>
+            <a:picLocks noGrp="1" noChangeAspect="1"/>
+          </p:cNvPicPr>
+          <p:nvPr>
+            <p:ph type="pic" sz="quarter" idx="10"/>
+          </p:nvPr>
+        </p:nvPicPr>
+        <p:blipFill>
+          <a:blip r:embed="rId4" cstate="print">
+            <a:extLst>
+              <a:ext uri="{28A0092B-C50C-407E-A947-70E740481C1C}">
+                <a14:useLocalDpi xmlns:a14="http://schemas.microsoft.com/office/drawing/2010/main" val="0"/>
+              </a:ext>
+            </a:extLst>
+          </a:blip>
+          <a:srcRect/>
+          <a:stretch>
+            <a:fillRect/>
+          </a:stretch>
+        </p:blipFill>
+        <p:spPr>
+          <a:xfrm>
+            <a:off x="4386000" y="2924668"/>
+            <a:ext cx="3670560" cy="2068844"/>
+          </a:xfrm>
+          <a:ln>
+            <a:solidFill>
+              <a:schemeClr val="bg2">
+                <a:lumMod val="85000"/>
+              </a:schemeClr>
+            </a:solidFill>
+          </a:ln>
+        </p:spPr>
+      </p:pic>
     </p:spTree>
     <p:extLst>
       <p:ext uri="{BB962C8B-B14F-4D97-AF65-F5344CB8AC3E}">
@@ -17152,7 +17195,7 @@
               <a:t>The </a:t>
             </a:r>
             <a:r>
-              <a:rPr lang="en-US" dirty="0">
+              <a:rPr lang="en-US" b="1" dirty="0">
                 <a:solidFill>
                   <a:schemeClr val="accent1"/>
                 </a:solidFill>
@@ -17164,7 +17207,7 @@
               <a:t>is preserved, with </a:t>
             </a:r>
             <a:r>
-              <a:rPr lang="en-US" dirty="0">
+              <a:rPr lang="en-US" b="1" dirty="0">
                 <a:solidFill>
                   <a:schemeClr val="accent1"/>
                 </a:solidFill>
@@ -18077,7 +18120,7 @@
               <a:t>Write a JS function to extract all </a:t>
             </a:r>
             <a:r>
-              <a:rPr lang="en-US" dirty="0">
+              <a:rPr lang="en-US" b="1" dirty="0">
                 <a:solidFill>
                   <a:schemeClr val="accent1"/>
                 </a:solidFill>
@@ -18085,7 +18128,7 @@
               <a:t>unique</a:t>
             </a:r>
             <a:r>
-              <a:rPr lang="en-US" dirty="0">
+              <a:rPr lang="en-US" b="1" dirty="0">
                 <a:solidFill>
                   <a:schemeClr val="accent1">
                     <a:lumMod val="75000"/>
@@ -18095,7 +18138,7 @@
               <a:t> </a:t>
             </a:r>
             <a:r>
-              <a:rPr lang="en-US" dirty="0">
+              <a:rPr lang="en-US" b="1" dirty="0">
                 <a:solidFill>
                   <a:schemeClr val="accent1"/>
                 </a:solidFill>
@@ -18103,7 +18146,7 @@
               <a:t>words</a:t>
             </a:r>
             <a:r>
-              <a:rPr lang="en-US" dirty="0">
+              <a:rPr lang="en-US" b="1" dirty="0">
                 <a:solidFill>
                   <a:schemeClr val="accent1">
                     <a:lumMod val="75000"/>
@@ -18114,22 +18157,14 @@
             </a:r>
             <a:r>
               <a:rPr lang="en-US" dirty="0"/>
-              <a:t>from </a:t>
-            </a:r>
-            <a:r>
-              <a:rPr lang="en-US"/>
-              <a:t>a text</a:t>
+              <a:t>from a text</a:t>
             </a:r>
             <a:br>
-              <a:rPr lang="en-US"/>
+              <a:rPr lang="en-US" dirty="0"/>
             </a:br>
             <a:r>
-              <a:rPr lang="en-US"/>
-              <a:t>(</a:t>
-            </a:r>
-            <a:r>
               <a:rPr lang="en-US" dirty="0"/>
-              <a:t>case insensitive)</a:t>
+              <a:t>(case insensitive)</a:t>
             </a:r>
           </a:p>
           <a:p>
@@ -18143,7 +18178,7 @@
               <a:t>Words are sequences of </a:t>
             </a:r>
             <a:r>
-              <a:rPr lang="en-US" dirty="0">
+              <a:rPr lang="en-US" b="1" dirty="0">
                 <a:solidFill>
                   <a:schemeClr val="accent1"/>
                 </a:solidFill>
@@ -18155,7 +18190,7 @@
               <a:t>, </a:t>
             </a:r>
             <a:r>
-              <a:rPr lang="en-US" dirty="0">
+              <a:rPr lang="en-US" b="1" dirty="0">
                 <a:solidFill>
                   <a:schemeClr val="accent1"/>
                 </a:solidFill>
@@ -18167,7 +18202,7 @@
               <a:t> and </a:t>
             </a:r>
             <a:r>
-              <a:rPr lang="en-US" dirty="0">
+              <a:rPr lang="en-US" b="1" dirty="0">
                 <a:solidFill>
                   <a:schemeClr val="accent1"/>
                 </a:solidFill>
@@ -18186,7 +18221,7 @@
               <a:t>The </a:t>
             </a:r>
             <a:r>
-              <a:rPr lang="en-US" dirty="0">
+              <a:rPr lang="en-US" b="1" dirty="0">
                 <a:solidFill>
                   <a:schemeClr val="accent1"/>
                 </a:solidFill>
@@ -18198,7 +18233,7 @@
               <a:t> comes as </a:t>
             </a:r>
             <a:r>
-              <a:rPr lang="en-US" dirty="0">
+              <a:rPr lang="en-US" b="1" dirty="0">
                 <a:solidFill>
                   <a:schemeClr val="accent1"/>
                 </a:solidFill>
@@ -18206,7 +18241,7 @@
               <a:t>array</a:t>
             </a:r>
             <a:r>
-              <a:rPr lang="en-US" dirty="0">
+              <a:rPr lang="en-US" b="1" dirty="0">
                 <a:solidFill>
                   <a:schemeClr val="accent1">
                     <a:lumMod val="75000"/>
@@ -18216,7 +18251,7 @@
               <a:t> </a:t>
             </a:r>
             <a:r>
-              <a:rPr lang="en-US" dirty="0">
+              <a:rPr lang="en-US" b="1" dirty="0">
                 <a:solidFill>
                   <a:schemeClr val="accent1"/>
                 </a:solidFill>
@@ -18224,7 +18259,7 @@
               <a:t>of</a:t>
             </a:r>
             <a:r>
-              <a:rPr lang="en-US" dirty="0">
+              <a:rPr lang="en-US" b="1" dirty="0">
                 <a:solidFill>
                   <a:schemeClr val="accent1">
                     <a:lumMod val="75000"/>
@@ -18234,7 +18269,7 @@
               <a:t> </a:t>
             </a:r>
             <a:r>
-              <a:rPr lang="en-US" dirty="0">
+              <a:rPr lang="en-US" b="1" dirty="0">
                 <a:solidFill>
                   <a:schemeClr val="accent1"/>
                 </a:solidFill>
@@ -18253,7 +18288,7 @@
               <a:t>The </a:t>
             </a:r>
             <a:r>
-              <a:rPr lang="en-US" dirty="0">
+              <a:rPr lang="en-US" b="1" dirty="0">
                 <a:solidFill>
                   <a:schemeClr val="accent1"/>
                 </a:solidFill>
@@ -18265,7 +18300,7 @@
               <a:t> should hold the words in their </a:t>
             </a:r>
             <a:r>
-              <a:rPr lang="en-US" dirty="0">
+              <a:rPr lang="en-US" b="1" dirty="0">
                 <a:solidFill>
                   <a:schemeClr val="accent1"/>
                 </a:solidFill>
@@ -18273,7 +18308,7 @@
               <a:t>order</a:t>
             </a:r>
             <a:r>
-              <a:rPr lang="en-US" dirty="0">
+              <a:rPr lang="en-US" b="1" dirty="0">
                 <a:solidFill>
                   <a:schemeClr val="accent1">
                     <a:lumMod val="75000"/>
@@ -18283,7 +18318,7 @@
               <a:t> </a:t>
             </a:r>
             <a:r>
-              <a:rPr lang="en-US" dirty="0">
+              <a:rPr lang="en-US" b="1" dirty="0">
                 <a:solidFill>
                   <a:schemeClr val="accent1"/>
                 </a:solidFill>
@@ -18291,7 +18326,7 @@
               <a:t>of</a:t>
             </a:r>
             <a:r>
-              <a:rPr lang="en-US" dirty="0">
+              <a:rPr lang="en-US" b="1" dirty="0">
                 <a:solidFill>
                   <a:schemeClr val="accent1">
                     <a:lumMod val="75000"/>
@@ -18301,7 +18336,7 @@
               <a:t> </a:t>
             </a:r>
             <a:r>
-              <a:rPr lang="en-US" dirty="0">
+              <a:rPr lang="en-US" b="1" dirty="0">
                 <a:solidFill>
                   <a:schemeClr val="accent1"/>
                 </a:solidFill>
@@ -19245,218 +19280,208 @@
         </p:nvSpPr>
         <p:spPr>
           <a:xfrm>
-            <a:off x="615283" y="1851024"/>
+            <a:off x="620104" y="1851024"/>
             <a:ext cx="10951129" cy="3690535"/>
           </a:xfrm>
+          <a:solidFill>
+            <a:schemeClr val="accent6">
+              <a:lumMod val="75000"/>
+              <a:alpha val="15000"/>
+            </a:schemeClr>
+          </a:solidFill>
+          <a:ln w="12700">
+            <a:solidFill>
+              <a:schemeClr val="tx1">
+                <a:lumMod val="50000"/>
+              </a:schemeClr>
+            </a:solidFill>
+          </a:ln>
         </p:spPr>
         <p:txBody>
-          <a:bodyPr>
-            <a:normAutofit fontScale="85000" lnSpcReduction="20000"/>
+          <a:bodyPr vert="horz" wrap="square" lIns="144000" tIns="108000" rIns="144000" bIns="108000" rtlCol="0">
+            <a:spAutoFit/>
           </a:bodyPr>
           <a:lstStyle/>
           <a:p>
-            <a:r>
-              <a:rPr lang="en-US" sz="2400" dirty="0"/>
+            <a:pPr marL="0" indent="0">
+              <a:spcBef>
+                <a:spcPts val="0"/>
+              </a:spcBef>
+              <a:spcAft>
+                <a:spcPts val="0"/>
+              </a:spcAft>
+              <a:buNone/>
+            </a:pPr>
+            <a:r>
+              <a:rPr lang="en-US" sz="2400" b="1" noProof="1">
+                <a:latin typeface="Consolas" pitchFamily="49" charset="0"/>
+              </a:rPr>
               <a:t>function extractWords(inputSentences) {</a:t>
             </a:r>
           </a:p>
           <a:p>
-            <a:r>
-              <a:rPr lang="en-US" sz="2400" dirty="0"/>
-              <a:t>  let wordPattern = </a:t>
-            </a:r>
-            <a:r>
-              <a:rPr lang="en-US" sz="2400" dirty="0">
+            <a:pPr marL="0" indent="0">
+              <a:spcBef>
+                <a:spcPts val="0"/>
+              </a:spcBef>
+              <a:spcAft>
+                <a:spcPts val="0"/>
+              </a:spcAft>
+              <a:buNone/>
+            </a:pPr>
+            <a:r>
+              <a:rPr lang="en-US" sz="2400" b="1" noProof="1">
+                <a:latin typeface="Consolas" pitchFamily="49" charset="0"/>
+              </a:rPr>
+              <a:t>  let wordPattern = /</a:t>
+            </a:r>
+            <a:r>
+              <a:rPr lang="en-US" sz="2400" b="1" noProof="1">
                 <a:solidFill>
                   <a:schemeClr val="bg1"/>
                 </a:solidFill>
+                <a:latin typeface="Consolas" pitchFamily="49" charset="0"/>
               </a:rPr>
-              <a:t>/</a:t>
-            </a:r>
-            <a:r>
-              <a:rPr lang="en-US" sz="2400" dirty="0"/>
               <a:t>\b[a-zA-Z0-9_]+\b</a:t>
             </a:r>
             <a:r>
-              <a:rPr lang="en-US" sz="2400" dirty="0">
+              <a:rPr lang="en-US" sz="2400" b="1" noProof="1">
+                <a:latin typeface="Consolas" pitchFamily="49" charset="0"/>
+              </a:rPr>
+              <a:t>/g;</a:t>
+            </a:r>
+          </a:p>
+          <a:p>
+            <a:pPr marL="0" indent="0">
+              <a:spcBef>
+                <a:spcPts val="0"/>
+              </a:spcBef>
+              <a:spcAft>
+                <a:spcPts val="0"/>
+              </a:spcAft>
+              <a:buNone/>
+            </a:pPr>
+            <a:r>
+              <a:rPr lang="en-US" sz="2400" b="1" noProof="1">
+                <a:latin typeface="Consolas" pitchFamily="49" charset="0"/>
+              </a:rPr>
+              <a:t>  let words = new Set();</a:t>
+            </a:r>
+          </a:p>
+          <a:p>
+            <a:pPr marL="0" indent="0">
+              <a:spcBef>
+                <a:spcPts val="0"/>
+              </a:spcBef>
+              <a:spcAft>
+                <a:spcPts val="0"/>
+              </a:spcAft>
+              <a:buNone/>
+            </a:pPr>
+            <a:r>
+              <a:rPr lang="en-US" sz="2400" b="1" noProof="1">
+                <a:latin typeface="Consolas" pitchFamily="49" charset="0"/>
+              </a:rPr>
+              <a:t>  for (let sentence of inputSentences) {</a:t>
+            </a:r>
+          </a:p>
+          <a:p>
+            <a:pPr marL="0" indent="0">
+              <a:spcBef>
+                <a:spcPts val="0"/>
+              </a:spcBef>
+              <a:spcAft>
+                <a:spcPts val="0"/>
+              </a:spcAft>
+              <a:buNone/>
+            </a:pPr>
+            <a:r>
+              <a:rPr lang="en-US" sz="2400" b="1" noProof="1">
+                <a:latin typeface="Consolas" pitchFamily="49" charset="0"/>
+              </a:rPr>
+              <a:t>    let matches = sentence.</a:t>
+            </a:r>
+            <a:r>
+              <a:rPr lang="en-US" sz="2400" b="1" noProof="1">
                 <a:solidFill>
                   <a:schemeClr val="bg1"/>
                 </a:solidFill>
-              </a:rPr>
-              <a:t>/</a:t>
-            </a:r>
-            <a:r>
-              <a:rPr lang="en-US" sz="2400" dirty="0"/>
-              <a:t>g;</a:t>
-            </a:r>
-          </a:p>
-          <a:p>
-            <a:r>
-              <a:rPr lang="en-US" sz="2400" dirty="0"/>
-              <a:t>  let words = </a:t>
-            </a:r>
-            <a:r>
-              <a:rPr lang="en-US" sz="2400" dirty="0">
-                <a:solidFill>
-                  <a:schemeClr val="bg1"/>
-                </a:solidFill>
-              </a:rPr>
-              <a:t>new Set()</a:t>
-            </a:r>
-            <a:r>
-              <a:rPr lang="en-US" sz="2400" dirty="0"/>
-              <a:t>;</a:t>
-            </a:r>
-          </a:p>
-          <a:p>
-            <a:r>
-              <a:rPr lang="en-US" sz="2400" dirty="0"/>
-              <a:t>  </a:t>
-            </a:r>
-            <a:r>
-              <a:rPr lang="en-US" sz="2400" dirty="0">
-                <a:solidFill>
-                  <a:schemeClr val="bg1"/>
-                </a:solidFill>
-              </a:rPr>
-              <a:t>for</a:t>
-            </a:r>
-            <a:r>
-              <a:rPr lang="en-US" sz="2400" dirty="0"/>
-              <a:t> (let sentence </a:t>
-            </a:r>
-            <a:r>
-              <a:rPr lang="en-US" sz="2400" dirty="0">
-                <a:solidFill>
-                  <a:schemeClr val="bg1"/>
-                </a:solidFill>
-              </a:rPr>
-              <a:t>of</a:t>
-            </a:r>
-            <a:r>
-              <a:rPr lang="en-US" sz="2400" dirty="0"/>
-              <a:t> inputSentences) {</a:t>
-            </a:r>
-          </a:p>
-          <a:p>
-            <a:r>
-              <a:rPr lang="en-US" sz="2400" dirty="0"/>
-              <a:t>    let matches = sentence.</a:t>
-            </a:r>
-            <a:r>
-              <a:rPr lang="en-US" sz="2400" dirty="0">
-                <a:solidFill>
-                  <a:schemeClr val="bg1"/>
-                </a:solidFill>
+                <a:latin typeface="Consolas" pitchFamily="49" charset="0"/>
               </a:rPr>
               <a:t>match</a:t>
             </a:r>
             <a:r>
-              <a:rPr lang="en-US" sz="2400" dirty="0"/>
+              <a:rPr lang="en-US" sz="2400" b="1" noProof="1">
+                <a:latin typeface="Consolas" pitchFamily="49" charset="0"/>
+              </a:rPr>
               <a:t>(wordPattern);</a:t>
             </a:r>
           </a:p>
           <a:p>
-            <a:r>
-              <a:rPr lang="en-US" sz="2400" dirty="0"/>
-              <a:t>    matches.</a:t>
-            </a:r>
-            <a:r>
-              <a:rPr lang="en-US" sz="2400" dirty="0">
-                <a:solidFill>
-                  <a:schemeClr val="bg1"/>
-                </a:solidFill>
+            <a:pPr marL="0" indent="0">
+              <a:spcBef>
+                <a:spcPts val="0"/>
+              </a:spcBef>
+              <a:spcAft>
+                <a:spcPts val="0"/>
+              </a:spcAft>
+              <a:buNone/>
+            </a:pPr>
+            <a:r>
+              <a:rPr lang="en-US" sz="2400" b="1" noProof="1">
+                <a:latin typeface="Consolas" pitchFamily="49" charset="0"/>
               </a:rPr>
-              <a:t>forEach</a:t>
-            </a:r>
-            <a:r>
-              <a:rPr lang="en-US" sz="2400" dirty="0"/>
-              <a:t>(x=&gt;words.</a:t>
-            </a:r>
-            <a:r>
-              <a:rPr lang="en-US" sz="2400" dirty="0">
-                <a:solidFill>
-                  <a:schemeClr val="bg1"/>
-                </a:solidFill>
+              <a:t>    matches.forEach(x =&gt; words.add(x.toLowerCase()));</a:t>
+            </a:r>
+          </a:p>
+          <a:p>
+            <a:pPr marL="0" indent="0">
+              <a:spcBef>
+                <a:spcPts val="0"/>
+              </a:spcBef>
+              <a:spcAft>
+                <a:spcPts val="0"/>
+              </a:spcAft>
+              <a:buNone/>
+            </a:pPr>
+            <a:r>
+              <a:rPr lang="en-US" sz="2400" b="1" noProof="1">
+                <a:latin typeface="Consolas" pitchFamily="49" charset="0"/>
               </a:rPr>
-              <a:t>add</a:t>
-            </a:r>
-            <a:r>
-              <a:rPr lang="en-US" sz="2400" dirty="0"/>
-              <a:t>(x.</a:t>
-            </a:r>
-            <a:r>
-              <a:rPr lang="en-US" sz="2400" dirty="0">
-                <a:solidFill>
-                  <a:schemeClr val="bg1"/>
-                </a:solidFill>
+              <a:t>  }</a:t>
+            </a:r>
+          </a:p>
+          <a:p>
+            <a:pPr marL="0" indent="0">
+              <a:spcBef>
+                <a:spcPts val="0"/>
+              </a:spcBef>
+              <a:spcAft>
+                <a:spcPts val="0"/>
+              </a:spcAft>
+              <a:buNone/>
+            </a:pPr>
+            <a:r>
+              <a:rPr lang="en-US" sz="2400" b="1" noProof="1">
+                <a:latin typeface="Consolas" pitchFamily="49" charset="0"/>
               </a:rPr>
-              <a:t>toLowerCase</a:t>
-            </a:r>
-            <a:r>
-              <a:rPr lang="en-US" sz="2400" dirty="0">
-                <a:solidFill>
-                  <a:schemeClr val="accent4"/>
-                </a:solidFill>
+              <a:t>  console.log([...words.values()].join(", "))^;</a:t>
+            </a:r>
+          </a:p>
+          <a:p>
+            <a:pPr marL="0" indent="0">
+              <a:spcBef>
+                <a:spcPts val="0"/>
+              </a:spcBef>
+              <a:spcAft>
+                <a:spcPts val="0"/>
+              </a:spcAft>
+              <a:buNone/>
+            </a:pPr>
+            <a:r>
+              <a:rPr lang="en-US" sz="2400" b="1" noProof="1">
+                <a:latin typeface="Consolas" pitchFamily="49" charset="0"/>
               </a:rPr>
-              <a:t>()</a:t>
-            </a:r>
-            <a:r>
-              <a:rPr lang="en-US" sz="2400" dirty="0"/>
-              <a:t>));</a:t>
-            </a:r>
-          </a:p>
-          <a:p>
-            <a:r>
-              <a:rPr lang="en-US" sz="2400" dirty="0"/>
-              <a:t>  }</a:t>
-            </a:r>
-          </a:p>
-          <a:p>
-            <a:r>
-              <a:rPr lang="en-US" sz="2400" dirty="0"/>
-              <a:t>  console.log([</a:t>
-            </a:r>
-            <a:r>
-              <a:rPr lang="bg-BG" sz="2400" dirty="0">
-                <a:solidFill>
-                  <a:schemeClr val="accent4"/>
-                </a:solidFill>
-              </a:rPr>
-              <a:t>...</a:t>
-            </a:r>
-            <a:r>
-              <a:rPr lang="en-US" sz="2400" dirty="0"/>
-              <a:t>words.</a:t>
-            </a:r>
-            <a:r>
-              <a:rPr lang="en-US" sz="2400" dirty="0">
-                <a:solidFill>
-                  <a:schemeClr val="bg1"/>
-                </a:solidFill>
-              </a:rPr>
-              <a:t>values()</a:t>
-            </a:r>
-            <a:r>
-              <a:rPr lang="en-US" sz="2400" dirty="0"/>
-              <a:t>].</a:t>
-            </a:r>
-            <a:r>
-              <a:rPr lang="en-US" sz="2400" dirty="0">
-                <a:solidFill>
-                  <a:schemeClr val="bg1"/>
-                </a:solidFill>
-              </a:rPr>
-              <a:t>join</a:t>
-            </a:r>
-            <a:r>
-              <a:rPr lang="en-US" sz="2400" dirty="0"/>
-              <a:t>(", "))^;</a:t>
-            </a:r>
-          </a:p>
-          <a:p>
-            <a:r>
-              <a:rPr lang="en-US" sz="2400" dirty="0"/>
               <a:t>}</a:t>
             </a:r>
           </a:p>
@@ -20024,199 +20049,210 @@
             <a:off x="2894935" y="2351677"/>
             <a:ext cx="6801517" cy="3668625"/>
           </a:xfrm>
+          <a:solidFill>
+            <a:schemeClr val="accent6">
+              <a:lumMod val="75000"/>
+              <a:alpha val="15000"/>
+            </a:schemeClr>
+          </a:solidFill>
+          <a:ln w="12700">
+            <a:solidFill>
+              <a:schemeClr val="tx1">
+                <a:lumMod val="50000"/>
+              </a:schemeClr>
+            </a:solidFill>
+          </a:ln>
         </p:spPr>
         <p:txBody>
-          <a:bodyPr wrap="square" lIns="144000">
+          <a:bodyPr vert="horz" wrap="square" lIns="144000" tIns="108000" rIns="144000" bIns="108000" rtlCol="0">
             <a:spAutoFit/>
           </a:bodyPr>
           <a:lstStyle/>
           <a:p>
-            <a:pPr>
-              <a:lnSpc>
-                <a:spcPct val="105000"/>
-              </a:lnSpc>
+            <a:pPr marL="0" indent="0">
               <a:spcBef>
                 <a:spcPts val="0"/>
               </a:spcBef>
+              <a:spcAft>
+                <a:spcPts val="0"/>
+              </a:spcAft>
+              <a:buNone/>
             </a:pPr>
             <a:r>
-              <a:rPr lang="en-US" sz="2400" dirty="0">
-                <a:solidFill>
-                  <a:schemeClr val="tx1"/>
-                </a:solidFill>
+              <a:rPr lang="en-US" sz="2400" b="1" dirty="0">
+                <a:latin typeface="Consolas" pitchFamily="49" charset="0"/>
               </a:rPr>
               <a:t>using System;</a:t>
             </a:r>
           </a:p>
           <a:p>
-            <a:pPr>
-              <a:lnSpc>
-                <a:spcPct val="105000"/>
-              </a:lnSpc>
+            <a:pPr marL="0" indent="0">
               <a:spcBef>
                 <a:spcPts val="0"/>
               </a:spcBef>
+              <a:spcAft>
+                <a:spcPts val="0"/>
+              </a:spcAft>
+              <a:buNone/>
             </a:pPr>
-            <a:endParaRPr lang="en-US" sz="2400" dirty="0">
-              <a:solidFill>
-                <a:schemeClr val="tx1"/>
-              </a:solidFill>
+            <a:endParaRPr lang="en-US" sz="2400" b="1" dirty="0">
+              <a:latin typeface="Consolas" pitchFamily="49" charset="0"/>
             </a:endParaRPr>
           </a:p>
           <a:p>
-            <a:pPr>
-              <a:lnSpc>
-                <a:spcPct val="105000"/>
-              </a:lnSpc>
+            <a:pPr marL="0" indent="0">
               <a:spcBef>
                 <a:spcPts val="0"/>
               </a:spcBef>
+              <a:spcAft>
+                <a:spcPts val="0"/>
+              </a:spcAft>
+              <a:buNone/>
             </a:pPr>
             <a:r>
-              <a:rPr lang="en-US" sz="2400" dirty="0">
-                <a:solidFill>
-                  <a:schemeClr val="tx1"/>
-                </a:solidFill>
+              <a:rPr lang="en-US" sz="2400" b="1" dirty="0">
+                <a:latin typeface="Consolas" pitchFamily="49" charset="0"/>
               </a:rPr>
               <a:t>class </a:t>
             </a:r>
             <a:r>
-              <a:rPr lang="en-US" sz="2400" dirty="0">
+              <a:rPr lang="en-US" sz="2400" b="1" dirty="0">
                 <a:solidFill>
                   <a:schemeClr val="bg1"/>
                 </a:solidFill>
+                <a:latin typeface="Consolas" pitchFamily="49" charset="0"/>
               </a:rPr>
               <a:t>HelloCSharp</a:t>
             </a:r>
           </a:p>
           <a:p>
-            <a:pPr>
-              <a:lnSpc>
-                <a:spcPct val="105000"/>
-              </a:lnSpc>
+            <a:pPr marL="0" indent="0">
               <a:spcBef>
                 <a:spcPts val="0"/>
               </a:spcBef>
+              <a:spcAft>
+                <a:spcPts val="0"/>
+              </a:spcAft>
+              <a:buNone/>
             </a:pPr>
             <a:r>
-              <a:rPr lang="en-US" sz="2400" dirty="0">
-                <a:solidFill>
-                  <a:schemeClr val="tx1"/>
-                </a:solidFill>
+              <a:rPr lang="en-US" sz="2400" b="1" dirty="0">
+                <a:latin typeface="Consolas" pitchFamily="49" charset="0"/>
               </a:rPr>
               <a:t>{</a:t>
             </a:r>
           </a:p>
           <a:p>
-            <a:pPr>
-              <a:lnSpc>
-                <a:spcPct val="105000"/>
-              </a:lnSpc>
+            <a:pPr marL="0" indent="0">
               <a:spcBef>
                 <a:spcPts val="0"/>
               </a:spcBef>
+              <a:spcAft>
+                <a:spcPts val="0"/>
+              </a:spcAft>
+              <a:buNone/>
             </a:pPr>
             <a:r>
-              <a:rPr lang="en-US" sz="2400" dirty="0">
-                <a:solidFill>
-                  <a:schemeClr val="tx1"/>
-                </a:solidFill>
+              <a:rPr lang="en-US" sz="2400" b="1" dirty="0">
+                <a:latin typeface="Consolas" pitchFamily="49" charset="0"/>
               </a:rPr>
               <a:t>  static void </a:t>
             </a:r>
             <a:r>
-              <a:rPr lang="en-US" sz="2400" dirty="0">
+              <a:rPr lang="en-US" sz="2400" b="1" dirty="0">
                 <a:solidFill>
                   <a:schemeClr val="bg1"/>
                 </a:solidFill>
+                <a:latin typeface="Consolas" pitchFamily="49" charset="0"/>
               </a:rPr>
-              <a:t>Main()</a:t>
-            </a:r>
-          </a:p>
-          <a:p>
-            <a:pPr>
-              <a:lnSpc>
-                <a:spcPct val="105000"/>
-              </a:lnSpc>
+              <a:t>Main</a:t>
+            </a:r>
+            <a:r>
+              <a:rPr lang="en-US" sz="2400" b="1" dirty="0">
+                <a:latin typeface="Consolas" pitchFamily="49" charset="0"/>
+              </a:rPr>
+              <a:t>()</a:t>
+            </a:r>
+          </a:p>
+          <a:p>
+            <a:pPr marL="0" indent="0">
               <a:spcBef>
                 <a:spcPts val="0"/>
               </a:spcBef>
+              <a:spcAft>
+                <a:spcPts val="0"/>
+              </a:spcAft>
+              <a:buNone/>
             </a:pPr>
             <a:r>
-              <a:rPr lang="en-US" sz="2400" dirty="0">
-                <a:solidFill>
-                  <a:schemeClr val="tx1"/>
-                </a:solidFill>
+              <a:rPr lang="en-US" sz="2400" b="1" dirty="0">
+                <a:latin typeface="Consolas" pitchFamily="49" charset="0"/>
               </a:rPr>
               <a:t>    {</a:t>
             </a:r>
           </a:p>
           <a:p>
-            <a:pPr>
-              <a:lnSpc>
-                <a:spcPct val="105000"/>
-              </a:lnSpc>
+            <a:pPr marL="0" indent="0">
               <a:spcBef>
                 <a:spcPts val="0"/>
               </a:spcBef>
+              <a:spcAft>
+                <a:spcPts val="0"/>
+              </a:spcAft>
+              <a:buNone/>
             </a:pPr>
             <a:r>
-              <a:rPr lang="en-US" sz="2400" dirty="0">
-                <a:solidFill>
-                  <a:schemeClr val="tx1"/>
-                </a:solidFill>
+              <a:rPr lang="en-US" sz="2400" b="1" dirty="0">
+                <a:latin typeface="Consolas" pitchFamily="49" charset="0"/>
               </a:rPr>
               <a:t>      Console.</a:t>
             </a:r>
             <a:r>
-              <a:rPr lang="en-US" sz="2400" dirty="0">
+              <a:rPr lang="en-US" sz="2400" b="1" dirty="0">
                 <a:solidFill>
                   <a:schemeClr val="bg1"/>
                 </a:solidFill>
+                <a:latin typeface="Consolas" pitchFamily="49" charset="0"/>
               </a:rPr>
               <a:t>WriteLine</a:t>
             </a:r>
             <a:r>
-              <a:rPr lang="en-US" sz="2400" dirty="0">
-                <a:solidFill>
-                  <a:schemeClr val="tx1"/>
-                </a:solidFill>
+              <a:rPr lang="en-US" sz="2400" b="1" dirty="0">
+                <a:latin typeface="Consolas" pitchFamily="49" charset="0"/>
               </a:rPr>
               <a:t>("Hello, C#");</a:t>
             </a:r>
           </a:p>
           <a:p>
-            <a:pPr>
-              <a:lnSpc>
-                <a:spcPct val="105000"/>
-              </a:lnSpc>
+            <a:pPr marL="0" indent="0">
               <a:spcBef>
                 <a:spcPts val="0"/>
               </a:spcBef>
+              <a:spcAft>
+                <a:spcPts val="0"/>
+              </a:spcAft>
+              <a:buNone/>
             </a:pPr>
             <a:r>
-              <a:rPr lang="en-US" sz="2400" dirty="0">
-                <a:solidFill>
-                  <a:schemeClr val="tx1"/>
-                </a:solidFill>
+              <a:rPr lang="en-US" sz="2400" b="1" dirty="0">
+                <a:latin typeface="Consolas" pitchFamily="49" charset="0"/>
               </a:rPr>
               <a:t>    }</a:t>
             </a:r>
           </a:p>
           <a:p>
-            <a:pPr>
-              <a:lnSpc>
-                <a:spcPct val="105000"/>
-              </a:lnSpc>
+            <a:pPr marL="0" indent="0">
               <a:spcBef>
                 <a:spcPts val="0"/>
               </a:spcBef>
+              <a:spcAft>
+                <a:spcPts val="0"/>
+              </a:spcAft>
+              <a:buNone/>
             </a:pPr>
             <a:r>
-              <a:rPr lang="en-US" sz="2400" dirty="0">
-                <a:solidFill>
-                  <a:schemeClr val="tx1"/>
-                </a:solidFill>
+              <a:rPr lang="en-US" sz="2400" b="1" dirty="0">
+                <a:latin typeface="Consolas" pitchFamily="49" charset="0"/>
               </a:rPr>
               <a:t>}</a:t>
             </a:r>
@@ -21815,12 +21851,7 @@
             <p:ph type="title"/>
           </p:nvPr>
         </p:nvSpPr>
-        <p:spPr>
-          <a:xfrm>
-            <a:off x="190405" y="100750"/>
-            <a:ext cx="9669213" cy="882654"/>
-          </a:xfrm>
-        </p:spPr>
+        <p:spPr/>
         <p:txBody>
           <a:bodyPr/>
           <a:lstStyle/>
@@ -23888,6 +23919,176 @@
       </p:pic>
       <p:sp>
         <p:nvSpPr>
+          <p:cNvPr id="14" name="Text Placeholder Body">
+            <a:extLst>
+              <a:ext uri="{FF2B5EF4-FFF2-40B4-BE49-F238E27FC236}">
+                <a16:creationId xmlns:a16="http://schemas.microsoft.com/office/drawing/2014/main" id="{0E49D336-45B6-44D3-97C4-E28F8DEA2022}"/>
+              </a:ext>
+            </a:extLst>
+          </p:cNvPr>
+          <p:cNvSpPr>
+            <a:spLocks noGrp="1"/>
+          </p:cNvSpPr>
+          <p:nvPr>
+            <p:ph type="body" sz="quarter" idx="10"/>
+          </p:nvPr>
+        </p:nvSpPr>
+        <p:spPr>
+          <a:xfrm>
+            <a:off x="697878" y="1676785"/>
+            <a:ext cx="8446247" cy="4681077"/>
+          </a:xfrm>
+        </p:spPr>
+        <p:txBody>
+          <a:bodyPr/>
+          <a:lstStyle>
+            <a:lvl1pPr marL="514350" indent="-514350">
+              <a:buFont typeface="Wingdings" panose="05000000000000000000" pitchFamily="2" charset="2"/>
+              <a:buChar char="§"/>
+              <a:defRPr>
+                <a:solidFill>
+                  <a:schemeClr val="bg2"/>
+                </a:solidFill>
+              </a:defRPr>
+            </a:lvl1pPr>
+            <a:lvl2pPr marL="1123935" indent="-514350">
+              <a:buFont typeface="Wingdings" panose="05000000000000000000" pitchFamily="2" charset="2"/>
+              <a:buChar char="§"/>
+              <a:defRPr>
+                <a:solidFill>
+                  <a:schemeClr val="tx1"/>
+                </a:solidFill>
+              </a:defRPr>
+            </a:lvl2pPr>
+            <a:lvl3pPr marL="1733520" indent="-514350">
+              <a:buFont typeface="Wingdings" panose="05000000000000000000" pitchFamily="2" charset="2"/>
+              <a:buChar char="§"/>
+              <a:defRPr>
+                <a:solidFill>
+                  <a:schemeClr val="tx1"/>
+                </a:solidFill>
+              </a:defRPr>
+            </a:lvl3pPr>
+            <a:lvl4pPr marL="2343105" indent="-514350">
+              <a:buFont typeface="Wingdings" panose="05000000000000000000" pitchFamily="2" charset="2"/>
+              <a:buChar char="§"/>
+              <a:defRPr>
+                <a:solidFill>
+                  <a:schemeClr val="tx1"/>
+                </a:solidFill>
+              </a:defRPr>
+            </a:lvl4pPr>
+            <a:lvl5pPr marL="2952689" indent="-514350">
+              <a:buFont typeface="Wingdings" panose="05000000000000000000" pitchFamily="2" charset="2"/>
+              <a:buChar char="§"/>
+              <a:defRPr>
+                <a:solidFill>
+                  <a:schemeClr val="tx1"/>
+                </a:solidFill>
+              </a:defRPr>
+            </a:lvl5pPr>
+          </a:lstStyle>
+          <a:p>
+            <a:pPr marL="452438" lvl="0" indent="-452438"/>
+            <a:r>
+              <a:rPr lang="en-US" dirty="0"/>
+              <a:t>Objects in JS hold key value pairs</a:t>
+            </a:r>
+          </a:p>
+          <a:p>
+            <a:pPr marL="452438" lvl="0" indent="-452438">
+              <a:buClr>
+                <a:schemeClr val="bg2"/>
+              </a:buClr>
+            </a:pPr>
+            <a:r>
+              <a:rPr lang="en-US" b="1" dirty="0">
+                <a:solidFill>
+                  <a:schemeClr val="bg1">
+                    <a:lumMod val="60000"/>
+                    <a:lumOff val="40000"/>
+                  </a:schemeClr>
+                </a:solidFill>
+              </a:rPr>
+              <a:t>Maps</a:t>
+            </a:r>
+            <a:r>
+              <a:rPr lang="en-US" dirty="0"/>
+              <a:t> map keys to values, preserves key order</a:t>
+            </a:r>
+          </a:p>
+          <a:p>
+            <a:pPr marL="452438" lvl="0" indent="-452438"/>
+            <a:endParaRPr lang="en-US" dirty="0"/>
+          </a:p>
+          <a:p>
+            <a:pPr marL="452438" lvl="0" indent="-452438"/>
+            <a:endParaRPr lang="en-US" dirty="0"/>
+          </a:p>
+          <a:p>
+            <a:pPr marL="452438" lvl="0" indent="-452438">
+              <a:lnSpc>
+                <a:spcPct val="110000"/>
+              </a:lnSpc>
+              <a:spcBef>
+                <a:spcPts val="1200"/>
+              </a:spcBef>
+              <a:buClr>
+                <a:schemeClr val="bg2"/>
+              </a:buClr>
+            </a:pPr>
+            <a:r>
+              <a:rPr lang="en-US" b="1" dirty="0">
+                <a:solidFill>
+                  <a:schemeClr val="bg1">
+                    <a:lumMod val="60000"/>
+                    <a:lumOff val="40000"/>
+                  </a:schemeClr>
+                </a:solidFill>
+              </a:rPr>
+              <a:t>Sets</a:t>
+            </a:r>
+            <a:r>
+              <a:rPr lang="en-US" dirty="0"/>
+              <a:t> hold unique collection of values</a:t>
+            </a:r>
+          </a:p>
+          <a:p>
+            <a:pPr marL="452438" lvl="0" indent="-452438">
+              <a:buClr>
+                <a:schemeClr val="bg2"/>
+              </a:buClr>
+            </a:pPr>
+            <a:endParaRPr lang="en-US" dirty="0"/>
+          </a:p>
+        </p:txBody>
+      </p:sp>
+      <p:sp>
+        <p:nvSpPr>
+          <p:cNvPr id="4" name="Slide Title"/>
+          <p:cNvSpPr>
+            <a:spLocks noGrp="1"/>
+          </p:cNvSpPr>
+          <p:nvPr>
+            <p:ph type="title"/>
+          </p:nvPr>
+        </p:nvSpPr>
+        <p:spPr/>
+        <p:txBody>
+          <a:bodyPr>
+            <a:normAutofit/>
+          </a:bodyPr>
+          <a:lstStyle/>
+          <a:p>
+            <a:r>
+              <a:rPr lang="en-US" dirty="0"/>
+              <a:t>Summary</a:t>
+            </a:r>
+          </a:p>
+        </p:txBody>
+      </p:sp>
+      <p:sp>
+        <p:nvSpPr>
           <p:cNvPr id="16" name="Text Placeholder Code Box">
             <a:extLst>
               <a:ext uri="{FF2B5EF4-FFF2-40B4-BE49-F238E27FC236}">
@@ -24048,7 +24249,10 @@
             <a:r>
               <a:rPr lang="en-US" dirty="0">
                 <a:solidFill>
-                  <a:schemeClr val="bg1"/>
+                  <a:schemeClr val="bg1">
+                    <a:lumMod val="60000"/>
+                    <a:lumOff val="40000"/>
+                  </a:schemeClr>
                 </a:solidFill>
               </a:rPr>
               <a:t>new Set()</a:t>
@@ -24064,7 +24268,10 @@
             <a:r>
               <a:rPr lang="en-US" dirty="0">
                 <a:solidFill>
-                  <a:schemeClr val="bg1"/>
+                  <a:schemeClr val="bg1">
+                    <a:lumMod val="60000"/>
+                    <a:lumOff val="40000"/>
+                  </a:schemeClr>
                 </a:solidFill>
               </a:rPr>
               <a:t>add</a:t>
@@ -24247,10 +24454,21 @@
             <a:r>
               <a:rPr lang="en-US" dirty="0">
                 <a:solidFill>
+                  <a:schemeClr val="bg1">
+                    <a:lumMod val="60000"/>
+                    <a:lumOff val="40000"/>
+                  </a:schemeClr>
+                </a:solidFill>
+              </a:rPr>
+              <a:t>{</a:t>
+            </a:r>
+            <a:r>
+              <a:rPr lang="en-US" dirty="0">
+                <a:solidFill>
                   <a:schemeClr val="bg1"/>
                 </a:solidFill>
               </a:rPr>
-              <a:t>{ </a:t>
+              <a:t> </a:t>
             </a:r>
             <a:r>
               <a:rPr lang="en-US" dirty="0">
@@ -24263,7 +24481,10 @@
             <a:r>
               <a:rPr lang="en-US" dirty="0">
                 <a:solidFill>
-                  <a:schemeClr val="bg1"/>
+                  <a:schemeClr val="bg1">
+                    <a:lumMod val="60000"/>
+                    <a:lumOff val="40000"/>
+                  </a:schemeClr>
                 </a:solidFill>
               </a:rPr>
               <a:t>};</a:t>
@@ -24283,7 +24504,10 @@
             <a:r>
               <a:rPr lang="en-US" dirty="0">
                 <a:solidFill>
-                  <a:schemeClr val="bg1"/>
+                  <a:schemeClr val="bg1">
+                    <a:lumMod val="60000"/>
+                    <a:lumOff val="40000"/>
+                  </a:schemeClr>
                 </a:solidFill>
               </a:rPr>
               <a:t>delete</a:t>
@@ -24295,170 +24519,6 @@
                 </a:solidFill>
               </a:rPr>
               <a:t> obj.name;</a:t>
-            </a:r>
-          </a:p>
-        </p:txBody>
-      </p:sp>
-      <p:sp>
-        <p:nvSpPr>
-          <p:cNvPr id="14" name="Text Placeholder Body">
-            <a:extLst>
-              <a:ext uri="{FF2B5EF4-FFF2-40B4-BE49-F238E27FC236}">
-                <a16:creationId xmlns:a16="http://schemas.microsoft.com/office/drawing/2014/main" id="{0E49D336-45B6-44D3-97C4-E28F8DEA2022}"/>
-              </a:ext>
-            </a:extLst>
-          </p:cNvPr>
-          <p:cNvSpPr>
-            <a:spLocks noGrp="1"/>
-          </p:cNvSpPr>
-          <p:nvPr>
-            <p:ph type="body" sz="quarter" idx="10"/>
-          </p:nvPr>
-        </p:nvSpPr>
-        <p:spPr>
-          <a:xfrm>
-            <a:off x="697878" y="1676785"/>
-            <a:ext cx="8446247" cy="4681077"/>
-          </a:xfrm>
-        </p:spPr>
-        <p:txBody>
-          <a:bodyPr/>
-          <a:lstStyle>
-            <a:lvl1pPr marL="514350" indent="-514350">
-              <a:buFont typeface="Wingdings" panose="05000000000000000000" pitchFamily="2" charset="2"/>
-              <a:buChar char="§"/>
-              <a:defRPr>
-                <a:solidFill>
-                  <a:schemeClr val="bg2"/>
-                </a:solidFill>
-              </a:defRPr>
-            </a:lvl1pPr>
-            <a:lvl2pPr marL="1123935" indent="-514350">
-              <a:buFont typeface="Wingdings" panose="05000000000000000000" pitchFamily="2" charset="2"/>
-              <a:buChar char="§"/>
-              <a:defRPr>
-                <a:solidFill>
-                  <a:schemeClr val="tx1"/>
-                </a:solidFill>
-              </a:defRPr>
-            </a:lvl2pPr>
-            <a:lvl3pPr marL="1733520" indent="-514350">
-              <a:buFont typeface="Wingdings" panose="05000000000000000000" pitchFamily="2" charset="2"/>
-              <a:buChar char="§"/>
-              <a:defRPr>
-                <a:solidFill>
-                  <a:schemeClr val="tx1"/>
-                </a:solidFill>
-              </a:defRPr>
-            </a:lvl3pPr>
-            <a:lvl4pPr marL="2343105" indent="-514350">
-              <a:buFont typeface="Wingdings" panose="05000000000000000000" pitchFamily="2" charset="2"/>
-              <a:buChar char="§"/>
-              <a:defRPr>
-                <a:solidFill>
-                  <a:schemeClr val="tx1"/>
-                </a:solidFill>
-              </a:defRPr>
-            </a:lvl4pPr>
-            <a:lvl5pPr marL="2952689" indent="-514350">
-              <a:buFont typeface="Wingdings" panose="05000000000000000000" pitchFamily="2" charset="2"/>
-              <a:buChar char="§"/>
-              <a:defRPr>
-                <a:solidFill>
-                  <a:schemeClr val="tx1"/>
-                </a:solidFill>
-              </a:defRPr>
-            </a:lvl5pPr>
-          </a:lstStyle>
-          <a:p>
-            <a:pPr marL="452438" lvl="0" indent="-452438"/>
-            <a:r>
-              <a:rPr lang="en-US" dirty="0"/>
-              <a:t>Objects in JS hold key value pairs</a:t>
-            </a:r>
-          </a:p>
-          <a:p>
-            <a:pPr marL="452438" lvl="0" indent="-452438">
-              <a:buClr>
-                <a:schemeClr val="bg2"/>
-              </a:buClr>
-            </a:pPr>
-            <a:r>
-              <a:rPr lang="en-US" dirty="0">
-                <a:solidFill>
-                  <a:schemeClr val="bg1"/>
-                </a:solidFill>
-              </a:rPr>
-              <a:t>Maps</a:t>
-            </a:r>
-            <a:r>
-              <a:rPr lang="en-US" dirty="0"/>
-              <a:t> map keys to values, preserves key order</a:t>
-            </a:r>
-          </a:p>
-          <a:p>
-            <a:pPr marL="452438" lvl="0" indent="-452438"/>
-            <a:endParaRPr lang="en-US" dirty="0"/>
-          </a:p>
-          <a:p>
-            <a:pPr marL="452438" lvl="0" indent="-452438"/>
-            <a:endParaRPr lang="en-US" dirty="0"/>
-          </a:p>
-          <a:p>
-            <a:pPr marL="452438" lvl="0" indent="-452438">
-              <a:lnSpc>
-                <a:spcPct val="110000"/>
-              </a:lnSpc>
-              <a:spcBef>
-                <a:spcPts val="1200"/>
-              </a:spcBef>
-              <a:buClr>
-                <a:schemeClr val="bg2"/>
-              </a:buClr>
-            </a:pPr>
-            <a:r>
-              <a:rPr lang="en-US" dirty="0">
-                <a:solidFill>
-                  <a:schemeClr val="bg1"/>
-                </a:solidFill>
-              </a:rPr>
-              <a:t>Sets</a:t>
-            </a:r>
-            <a:r>
-              <a:rPr lang="en-US" dirty="0"/>
-              <a:t> hold unique collection of values</a:t>
-            </a:r>
-          </a:p>
-          <a:p>
-            <a:pPr marL="452438" lvl="0" indent="-452438">
-              <a:buClr>
-                <a:schemeClr val="bg2"/>
-              </a:buClr>
-            </a:pPr>
-            <a:endParaRPr lang="en-US" dirty="0"/>
-          </a:p>
-        </p:txBody>
-      </p:sp>
-      <p:sp>
-        <p:nvSpPr>
-          <p:cNvPr id="4" name="Slide Title"/>
-          <p:cNvSpPr>
-            <a:spLocks noGrp="1"/>
-          </p:cNvSpPr>
-          <p:nvPr>
-            <p:ph type="title"/>
-          </p:nvPr>
-        </p:nvSpPr>
-        <p:spPr/>
-        <p:txBody>
-          <a:bodyPr>
-            <a:normAutofit/>
-          </a:bodyPr>
-          <a:lstStyle/>
-          <a:p>
-            <a:r>
-              <a:rPr lang="en-US" dirty="0"/>
-              <a:t>Summary</a:t>
             </a:r>
           </a:p>
         </p:txBody>
@@ -25796,7 +25856,7 @@
               <a:t>Short explanation of the </a:t>
             </a:r>
             <a:r>
-              <a:rPr lang="en-US" dirty="0">
+              <a:rPr lang="en-US" b="1" dirty="0">
                 <a:solidFill>
                   <a:schemeClr val="accent1"/>
                 </a:solidFill>
@@ -25815,14 +25875,14 @@
               <a:t>Keep slide content </a:t>
             </a:r>
             <a:r>
-              <a:rPr lang="en-US" dirty="0">
+              <a:rPr lang="en-US" b="1" dirty="0">
                 <a:solidFill>
                   <a:schemeClr val="accent1"/>
                 </a:solidFill>
               </a:rPr>
               <a:t>centered</a:t>
             </a:r>
-            <a:endParaRPr lang="en-US" dirty="0"/>
+            <a:endParaRPr lang="en-US" b="1" dirty="0"/>
           </a:p>
         </p:txBody>
       </p:sp>
